--- a/Data Analysis.pptx
+++ b/Data Analysis.pptx
@@ -17,9 +17,9 @@
     <p:sldId id="261" r:id="rId11"/>
     <p:sldId id="282" r:id="rId12"/>
     <p:sldId id="283" r:id="rId13"/>
-    <p:sldId id="266" r:id="rId14"/>
-    <p:sldId id="281" r:id="rId15"/>
-    <p:sldId id="270" r:id="rId16"/>
+    <p:sldId id="281" r:id="rId14"/>
+    <p:sldId id="284" r:id="rId15"/>
+    <p:sldId id="285" r:id="rId16"/>
     <p:sldId id="267" r:id="rId17"/>
     <p:sldId id="279" r:id="rId18"/>
     <p:sldId id="273" r:id="rId19"/>
@@ -925,886 +925,6 @@
 </dgm:colorsDef>
 </file>
 
-<file path=ppt/diagrams/colors2.xml><?xml version="1.0" encoding="utf-8"?>
-<dgm:colorsDef xmlns:dgm="http://schemas.openxmlformats.org/drawingml/2006/diagram" xmlns:a="http://schemas.openxmlformats.org/drawingml/2006/main" uniqueId="urn:microsoft.com/office/officeart/2005/8/colors/accent2_5">
-  <dgm:title val=""/>
-  <dgm:desc val=""/>
-  <dgm:catLst>
-    <dgm:cat type="accent2" pri="11500"/>
-  </dgm:catLst>
-  <dgm:styleLbl name="node0">
-    <dgm:fillClrLst meth="cycle">
-      <a:schemeClr val="accent2">
-        <a:alpha val="80000"/>
-      </a:schemeClr>
-    </dgm:fillClrLst>
-    <dgm:linClrLst meth="repeat">
-      <a:schemeClr val="lt1"/>
-    </dgm:linClrLst>
-    <dgm:effectClrLst/>
-    <dgm:txLinClrLst/>
-    <dgm:txFillClrLst/>
-    <dgm:txEffectClrLst/>
-  </dgm:styleLbl>
-  <dgm:styleLbl name="node1">
-    <dgm:fillClrLst>
-      <a:schemeClr val="accent2">
-        <a:alpha val="90000"/>
-      </a:schemeClr>
-      <a:schemeClr val="accent2">
-        <a:alpha val="50000"/>
-      </a:schemeClr>
-    </dgm:fillClrLst>
-    <dgm:linClrLst meth="repeat">
-      <a:schemeClr val="lt1"/>
-    </dgm:linClrLst>
-    <dgm:effectClrLst/>
-    <dgm:txLinClrLst/>
-    <dgm:txFillClrLst/>
-    <dgm:txEffectClrLst/>
-  </dgm:styleLbl>
-  <dgm:styleLbl name="alignNode1">
-    <dgm:fillClrLst>
-      <a:schemeClr val="accent2">
-        <a:alpha val="90000"/>
-      </a:schemeClr>
-      <a:schemeClr val="accent2">
-        <a:alpha val="50000"/>
-      </a:schemeClr>
-    </dgm:fillClrLst>
-    <dgm:linClrLst>
-      <a:schemeClr val="accent2">
-        <a:alpha val="90000"/>
-      </a:schemeClr>
-      <a:schemeClr val="accent2">
-        <a:alpha val="50000"/>
-      </a:schemeClr>
-    </dgm:linClrLst>
-    <dgm:effectClrLst/>
-    <dgm:txLinClrLst/>
-    <dgm:txFillClrLst/>
-    <dgm:txEffectClrLst/>
-  </dgm:styleLbl>
-  <dgm:styleLbl name="lnNode1">
-    <dgm:fillClrLst>
-      <a:schemeClr val="accent2">
-        <a:shade val="90000"/>
-      </a:schemeClr>
-      <a:schemeClr val="accent2">
-        <a:alpha val="50000"/>
-        <a:tint val="50000"/>
-      </a:schemeClr>
-    </dgm:fillClrLst>
-    <dgm:linClrLst meth="repeat">
-      <a:schemeClr val="lt1"/>
-    </dgm:linClrLst>
-    <dgm:effectClrLst/>
-    <dgm:txLinClrLst/>
-    <dgm:txFillClrLst/>
-    <dgm:txEffectClrLst/>
-  </dgm:styleLbl>
-  <dgm:styleLbl name="vennNode1">
-    <dgm:fillClrLst>
-      <a:schemeClr val="accent2">
-        <a:shade val="80000"/>
-        <a:alpha val="50000"/>
-      </a:schemeClr>
-      <a:schemeClr val="accent2">
-        <a:alpha val="20000"/>
-      </a:schemeClr>
-    </dgm:fillClrLst>
-    <dgm:linClrLst meth="repeat">
-      <a:schemeClr val="lt1"/>
-    </dgm:linClrLst>
-    <dgm:effectClrLst/>
-    <dgm:txLinClrLst/>
-    <dgm:txFillClrLst/>
-    <dgm:txEffectClrLst/>
-  </dgm:styleLbl>
-  <dgm:styleLbl name="node2">
-    <dgm:fillClrLst>
-      <a:schemeClr val="accent2">
-        <a:alpha val="70000"/>
-      </a:schemeClr>
-    </dgm:fillClrLst>
-    <dgm:linClrLst meth="repeat">
-      <a:schemeClr val="lt1"/>
-    </dgm:linClrLst>
-    <dgm:effectClrLst/>
-    <dgm:txLinClrLst/>
-    <dgm:txFillClrLst/>
-    <dgm:txEffectClrLst/>
-  </dgm:styleLbl>
-  <dgm:styleLbl name="node3">
-    <dgm:fillClrLst>
-      <a:schemeClr val="accent2">
-        <a:alpha val="50000"/>
-      </a:schemeClr>
-    </dgm:fillClrLst>
-    <dgm:linClrLst meth="repeat">
-      <a:schemeClr val="lt1"/>
-    </dgm:linClrLst>
-    <dgm:effectClrLst/>
-    <dgm:txLinClrLst/>
-    <dgm:txFillClrLst/>
-    <dgm:txEffectClrLst/>
-  </dgm:styleLbl>
-  <dgm:styleLbl name="node4">
-    <dgm:fillClrLst>
-      <a:schemeClr val="accent2">
-        <a:alpha val="30000"/>
-      </a:schemeClr>
-    </dgm:fillClrLst>
-    <dgm:linClrLst meth="repeat">
-      <a:schemeClr val="lt1"/>
-    </dgm:linClrLst>
-    <dgm:effectClrLst/>
-    <dgm:txLinClrLst/>
-    <dgm:txFillClrLst/>
-    <dgm:txEffectClrLst/>
-  </dgm:styleLbl>
-  <dgm:styleLbl name="fgImgPlace1">
-    <dgm:fillClrLst>
-      <a:schemeClr val="accent2">
-        <a:tint val="50000"/>
-        <a:alpha val="90000"/>
-      </a:schemeClr>
-      <a:schemeClr val="accent2">
-        <a:tint val="20000"/>
-        <a:alpha val="50000"/>
-      </a:schemeClr>
-    </dgm:fillClrLst>
-    <dgm:linClrLst meth="repeat">
-      <a:schemeClr val="lt1"/>
-    </dgm:linClrLst>
-    <dgm:effectClrLst/>
-    <dgm:txLinClrLst/>
-    <dgm:txFillClrLst meth="repeat">
-      <a:schemeClr val="lt1"/>
-    </dgm:txFillClrLst>
-    <dgm:txEffectClrLst/>
-  </dgm:styleLbl>
-  <dgm:styleLbl name="alignImgPlace1">
-    <dgm:fillClrLst>
-      <a:schemeClr val="accent2">
-        <a:tint val="50000"/>
-      </a:schemeClr>
-      <a:schemeClr val="accent2">
-        <a:tint val="20000"/>
-      </a:schemeClr>
-    </dgm:fillClrLst>
-    <dgm:linClrLst meth="repeat">
-      <a:schemeClr val="lt1"/>
-    </dgm:linClrLst>
-    <dgm:effectClrLst/>
-    <dgm:txLinClrLst/>
-    <dgm:txFillClrLst meth="repeat">
-      <a:schemeClr val="lt1"/>
-    </dgm:txFillClrLst>
-    <dgm:txEffectClrLst/>
-  </dgm:styleLbl>
-  <dgm:styleLbl name="bgImgPlace1">
-    <dgm:fillClrLst>
-      <a:schemeClr val="accent2">
-        <a:tint val="50000"/>
-      </a:schemeClr>
-      <a:schemeClr val="accent2">
-        <a:tint val="20000"/>
-      </a:schemeClr>
-    </dgm:fillClrLst>
-    <dgm:linClrLst meth="repeat">
-      <a:schemeClr val="lt1"/>
-    </dgm:linClrLst>
-    <dgm:effectClrLst/>
-    <dgm:txLinClrLst/>
-    <dgm:txFillClrLst meth="repeat">
-      <a:schemeClr val="lt1"/>
-    </dgm:txFillClrLst>
-    <dgm:txEffectClrLst/>
-  </dgm:styleLbl>
-  <dgm:styleLbl name="sibTrans2D1">
-    <dgm:fillClrLst>
-      <a:schemeClr val="accent2">
-        <a:shade val="90000"/>
-      </a:schemeClr>
-      <a:schemeClr val="accent2">
-        <a:tint val="50000"/>
-      </a:schemeClr>
-    </dgm:fillClrLst>
-    <dgm:linClrLst>
-      <a:schemeClr val="accent2">
-        <a:shade val="90000"/>
-      </a:schemeClr>
-      <a:schemeClr val="accent2">
-        <a:tint val="50000"/>
-      </a:schemeClr>
-    </dgm:linClrLst>
-    <dgm:effectClrLst/>
-    <dgm:txLinClrLst/>
-    <dgm:txFillClrLst/>
-    <dgm:txEffectClrLst/>
-  </dgm:styleLbl>
-  <dgm:styleLbl name="fgSibTrans2D1">
-    <dgm:fillClrLst>
-      <a:schemeClr val="accent2">
-        <a:shade val="90000"/>
-      </a:schemeClr>
-      <a:schemeClr val="accent2">
-        <a:tint val="50000"/>
-      </a:schemeClr>
-    </dgm:fillClrLst>
-    <dgm:linClrLst>
-      <a:schemeClr val="accent2">
-        <a:shade val="90000"/>
-      </a:schemeClr>
-      <a:schemeClr val="accent2">
-        <a:tint val="50000"/>
-      </a:schemeClr>
-    </dgm:linClrLst>
-    <dgm:effectClrLst/>
-    <dgm:txLinClrLst/>
-    <dgm:txFillClrLst/>
-    <dgm:txEffectClrLst/>
-  </dgm:styleLbl>
-  <dgm:styleLbl name="bgSibTrans2D1">
-    <dgm:fillClrLst>
-      <a:schemeClr val="accent2">
-        <a:shade val="90000"/>
-      </a:schemeClr>
-      <a:schemeClr val="accent2">
-        <a:tint val="50000"/>
-      </a:schemeClr>
-    </dgm:fillClrLst>
-    <dgm:linClrLst>
-      <a:schemeClr val="accent2">
-        <a:shade val="90000"/>
-      </a:schemeClr>
-      <a:schemeClr val="accent2">
-        <a:tint val="50000"/>
-      </a:schemeClr>
-    </dgm:linClrLst>
-    <dgm:effectClrLst/>
-    <dgm:txLinClrLst/>
-    <dgm:txFillClrLst/>
-    <dgm:txEffectClrLst/>
-  </dgm:styleLbl>
-  <dgm:styleLbl name="sibTrans1D1">
-    <dgm:fillClrLst>
-      <a:schemeClr val="accent2">
-        <a:shade val="90000"/>
-      </a:schemeClr>
-      <a:schemeClr val="accent2">
-        <a:tint val="50000"/>
-      </a:schemeClr>
-    </dgm:fillClrLst>
-    <dgm:linClrLst>
-      <a:schemeClr val="accent2">
-        <a:shade val="90000"/>
-      </a:schemeClr>
-      <a:schemeClr val="accent2">
-        <a:tint val="50000"/>
-      </a:schemeClr>
-    </dgm:linClrLst>
-    <dgm:effectClrLst/>
-    <dgm:txLinClrLst/>
-    <dgm:txFillClrLst meth="repeat">
-      <a:schemeClr val="tx1"/>
-    </dgm:txFillClrLst>
-    <dgm:txEffectClrLst/>
-  </dgm:styleLbl>
-  <dgm:styleLbl name="callout">
-    <dgm:fillClrLst meth="repeat">
-      <a:schemeClr val="accent2"/>
-    </dgm:fillClrLst>
-    <dgm:linClrLst meth="repeat">
-      <a:schemeClr val="accent2"/>
-    </dgm:linClrLst>
-    <dgm:effectClrLst/>
-    <dgm:txLinClrLst/>
-    <dgm:txFillClrLst meth="repeat">
-      <a:schemeClr val="tx1"/>
-    </dgm:txFillClrLst>
-    <dgm:txEffectClrLst/>
-  </dgm:styleLbl>
-  <dgm:styleLbl name="asst0">
-    <dgm:fillClrLst meth="repeat">
-      <a:schemeClr val="accent2">
-        <a:alpha val="90000"/>
-      </a:schemeClr>
-    </dgm:fillClrLst>
-    <dgm:linClrLst meth="repeat">
-      <a:schemeClr val="lt1"/>
-    </dgm:linClrLst>
-    <dgm:effectClrLst/>
-    <dgm:txLinClrLst/>
-    <dgm:txFillClrLst/>
-    <dgm:txEffectClrLst/>
-  </dgm:styleLbl>
-  <dgm:styleLbl name="asst1">
-    <dgm:fillClrLst meth="repeat">
-      <a:schemeClr val="accent2">
-        <a:alpha val="90000"/>
-      </a:schemeClr>
-    </dgm:fillClrLst>
-    <dgm:linClrLst meth="repeat">
-      <a:schemeClr val="lt1"/>
-    </dgm:linClrLst>
-    <dgm:effectClrLst/>
-    <dgm:txLinClrLst/>
-    <dgm:txFillClrLst/>
-    <dgm:txEffectClrLst/>
-  </dgm:styleLbl>
-  <dgm:styleLbl name="asst2">
-    <dgm:fillClrLst>
-      <a:schemeClr val="accent2">
-        <a:alpha val="90000"/>
-      </a:schemeClr>
-    </dgm:fillClrLst>
-    <dgm:linClrLst meth="repeat">
-      <a:schemeClr val="lt1"/>
-    </dgm:linClrLst>
-    <dgm:effectClrLst/>
-    <dgm:txLinClrLst/>
-    <dgm:txFillClrLst/>
-    <dgm:txEffectClrLst/>
-  </dgm:styleLbl>
-  <dgm:styleLbl name="asst3">
-    <dgm:fillClrLst>
-      <a:schemeClr val="accent2">
-        <a:alpha val="70000"/>
-      </a:schemeClr>
-    </dgm:fillClrLst>
-    <dgm:linClrLst meth="repeat">
-      <a:schemeClr val="lt1"/>
-    </dgm:linClrLst>
-    <dgm:effectClrLst/>
-    <dgm:txLinClrLst/>
-    <dgm:txFillClrLst/>
-    <dgm:txEffectClrLst/>
-  </dgm:styleLbl>
-  <dgm:styleLbl name="asst4">
-    <dgm:fillClrLst>
-      <a:schemeClr val="accent2">
-        <a:alpha val="50000"/>
-      </a:schemeClr>
-    </dgm:fillClrLst>
-    <dgm:linClrLst meth="repeat">
-      <a:schemeClr val="lt1"/>
-    </dgm:linClrLst>
-    <dgm:effectClrLst/>
-    <dgm:txLinClrLst/>
-    <dgm:txFillClrLst/>
-    <dgm:txEffectClrLst/>
-  </dgm:styleLbl>
-  <dgm:styleLbl name="parChTrans2D1">
-    <dgm:fillClrLst meth="repeat">
-      <a:schemeClr val="accent2">
-        <a:shade val="80000"/>
-      </a:schemeClr>
-    </dgm:fillClrLst>
-    <dgm:linClrLst meth="repeat">
-      <a:schemeClr val="accent2">
-        <a:shade val="80000"/>
-      </a:schemeClr>
-    </dgm:linClrLst>
-    <dgm:effectClrLst/>
-    <dgm:txLinClrLst/>
-    <dgm:txFillClrLst/>
-    <dgm:txEffectClrLst/>
-  </dgm:styleLbl>
-  <dgm:styleLbl name="parChTrans2D2">
-    <dgm:fillClrLst meth="repeat">
-      <a:schemeClr val="accent2">
-        <a:tint val="90000"/>
-      </a:schemeClr>
-    </dgm:fillClrLst>
-    <dgm:linClrLst meth="repeat">
-      <a:schemeClr val="accent2">
-        <a:tint val="90000"/>
-      </a:schemeClr>
-    </dgm:linClrLst>
-    <dgm:effectClrLst/>
-    <dgm:txLinClrLst/>
-    <dgm:txFillClrLst/>
-    <dgm:txEffectClrLst/>
-  </dgm:styleLbl>
-  <dgm:styleLbl name="parChTrans2D3">
-    <dgm:fillClrLst meth="repeat">
-      <a:schemeClr val="accent2">
-        <a:tint val="70000"/>
-      </a:schemeClr>
-    </dgm:fillClrLst>
-    <dgm:linClrLst meth="repeat">
-      <a:schemeClr val="accent2">
-        <a:tint val="70000"/>
-      </a:schemeClr>
-    </dgm:linClrLst>
-    <dgm:effectClrLst/>
-    <dgm:txLinClrLst/>
-    <dgm:txFillClrLst/>
-    <dgm:txEffectClrLst/>
-  </dgm:styleLbl>
-  <dgm:styleLbl name="parChTrans2D4">
-    <dgm:fillClrLst meth="repeat">
-      <a:schemeClr val="accent2">
-        <a:tint val="50000"/>
-      </a:schemeClr>
-    </dgm:fillClrLst>
-    <dgm:linClrLst meth="repeat">
-      <a:schemeClr val="accent2">
-        <a:tint val="50000"/>
-      </a:schemeClr>
-    </dgm:linClrLst>
-    <dgm:effectClrLst/>
-    <dgm:txLinClrLst/>
-    <dgm:txFillClrLst meth="repeat">
-      <a:schemeClr val="dk1"/>
-    </dgm:txFillClrLst>
-    <dgm:txEffectClrLst/>
-  </dgm:styleLbl>
-  <dgm:styleLbl name="parChTrans1D1">
-    <dgm:fillClrLst meth="repeat">
-      <a:schemeClr val="accent2">
-        <a:shade val="80000"/>
-      </a:schemeClr>
-    </dgm:fillClrLst>
-    <dgm:linClrLst meth="repeat">
-      <a:schemeClr val="accent2">
-        <a:shade val="80000"/>
-      </a:schemeClr>
-    </dgm:linClrLst>
-    <dgm:effectClrLst/>
-    <dgm:txLinClrLst/>
-    <dgm:txFillClrLst meth="repeat">
-      <a:schemeClr val="tx1"/>
-    </dgm:txFillClrLst>
-    <dgm:txEffectClrLst/>
-  </dgm:styleLbl>
-  <dgm:styleLbl name="parChTrans1D2">
-    <dgm:fillClrLst meth="repeat">
-      <a:schemeClr val="accent2">
-        <a:tint val="90000"/>
-      </a:schemeClr>
-    </dgm:fillClrLst>
-    <dgm:linClrLst meth="repeat">
-      <a:schemeClr val="accent2">
-        <a:tint val="90000"/>
-      </a:schemeClr>
-    </dgm:linClrLst>
-    <dgm:effectClrLst/>
-    <dgm:txLinClrLst/>
-    <dgm:txFillClrLst meth="repeat">
-      <a:schemeClr val="tx1"/>
-    </dgm:txFillClrLst>
-    <dgm:txEffectClrLst/>
-  </dgm:styleLbl>
-  <dgm:styleLbl name="parChTrans1D3">
-    <dgm:fillClrLst meth="repeat">
-      <a:schemeClr val="accent2">
-        <a:tint val="70000"/>
-      </a:schemeClr>
-    </dgm:fillClrLst>
-    <dgm:linClrLst meth="repeat">
-      <a:schemeClr val="accent2">
-        <a:tint val="70000"/>
-      </a:schemeClr>
-    </dgm:linClrLst>
-    <dgm:effectClrLst/>
-    <dgm:txLinClrLst/>
-    <dgm:txFillClrLst meth="repeat">
-      <a:schemeClr val="tx1"/>
-    </dgm:txFillClrLst>
-    <dgm:txEffectClrLst/>
-  </dgm:styleLbl>
-  <dgm:styleLbl name="parChTrans1D4">
-    <dgm:fillClrLst meth="repeat">
-      <a:schemeClr val="accent2">
-        <a:tint val="50000"/>
-      </a:schemeClr>
-    </dgm:fillClrLst>
-    <dgm:linClrLst meth="repeat">
-      <a:schemeClr val="accent2">
-        <a:tint val="50000"/>
-      </a:schemeClr>
-    </dgm:linClrLst>
-    <dgm:effectClrLst/>
-    <dgm:txLinClrLst/>
-    <dgm:txFillClrLst meth="repeat">
-      <a:schemeClr val="tx1"/>
-    </dgm:txFillClrLst>
-    <dgm:txEffectClrLst/>
-  </dgm:styleLbl>
-  <dgm:styleLbl name="fgAcc1">
-    <dgm:fillClrLst meth="repeat">
-      <a:schemeClr val="lt1">
-        <a:alpha val="90000"/>
-      </a:schemeClr>
-    </dgm:fillClrLst>
-    <dgm:linClrLst>
-      <a:schemeClr val="accent2">
-        <a:alpha val="90000"/>
-      </a:schemeClr>
-      <a:schemeClr val="accent2">
-        <a:alpha val="50000"/>
-      </a:schemeClr>
-    </dgm:linClrLst>
-    <dgm:effectClrLst/>
-    <dgm:txLinClrLst/>
-    <dgm:txFillClrLst meth="repeat">
-      <a:schemeClr val="dk1"/>
-    </dgm:txFillClrLst>
-    <dgm:txEffectClrLst/>
-  </dgm:styleLbl>
-  <dgm:styleLbl name="conFgAcc1">
-    <dgm:fillClrLst meth="repeat">
-      <a:schemeClr val="lt1">
-        <a:alpha val="90000"/>
-      </a:schemeClr>
-    </dgm:fillClrLst>
-    <dgm:linClrLst>
-      <a:schemeClr val="accent2">
-        <a:alpha val="90000"/>
-      </a:schemeClr>
-      <a:schemeClr val="accent2">
-        <a:alpha val="50000"/>
-      </a:schemeClr>
-    </dgm:linClrLst>
-    <dgm:effectClrLst/>
-    <dgm:txLinClrLst/>
-    <dgm:txFillClrLst meth="repeat">
-      <a:schemeClr val="dk1"/>
-    </dgm:txFillClrLst>
-    <dgm:txEffectClrLst/>
-  </dgm:styleLbl>
-  <dgm:styleLbl name="alignAcc1">
-    <dgm:fillClrLst meth="repeat">
-      <a:schemeClr val="lt1">
-        <a:alpha val="90000"/>
-      </a:schemeClr>
-    </dgm:fillClrLst>
-    <dgm:linClrLst>
-      <a:schemeClr val="accent2">
-        <a:alpha val="90000"/>
-      </a:schemeClr>
-      <a:schemeClr val="accent2">
-        <a:alpha val="50000"/>
-      </a:schemeClr>
-    </dgm:linClrLst>
-    <dgm:effectClrLst/>
-    <dgm:txLinClrLst/>
-    <dgm:txFillClrLst meth="repeat">
-      <a:schemeClr val="dk1"/>
-    </dgm:txFillClrLst>
-    <dgm:txEffectClrLst/>
-  </dgm:styleLbl>
-  <dgm:styleLbl name="trAlignAcc1">
-    <dgm:fillClrLst meth="repeat">
-      <a:schemeClr val="lt1">
-        <a:alpha val="40000"/>
-      </a:schemeClr>
-    </dgm:fillClrLst>
-    <dgm:linClrLst>
-      <a:schemeClr val="accent2">
-        <a:alpha val="90000"/>
-      </a:schemeClr>
-      <a:schemeClr val="accent2">
-        <a:alpha val="50000"/>
-      </a:schemeClr>
-    </dgm:linClrLst>
-    <dgm:effectClrLst/>
-    <dgm:txLinClrLst/>
-    <dgm:txFillClrLst meth="repeat">
-      <a:schemeClr val="dk1"/>
-    </dgm:txFillClrLst>
-    <dgm:txEffectClrLst/>
-  </dgm:styleLbl>
-  <dgm:styleLbl name="bgAcc1">
-    <dgm:fillClrLst meth="repeat">
-      <a:schemeClr val="lt1">
-        <a:alpha val="90000"/>
-      </a:schemeClr>
-    </dgm:fillClrLst>
-    <dgm:linClrLst>
-      <a:schemeClr val="accent2">
-        <a:alpha val="90000"/>
-      </a:schemeClr>
-      <a:schemeClr val="accent2">
-        <a:alpha val="50000"/>
-      </a:schemeClr>
-    </dgm:linClrLst>
-    <dgm:effectClrLst/>
-    <dgm:txLinClrLst/>
-    <dgm:txFillClrLst meth="repeat">
-      <a:schemeClr val="dk1"/>
-    </dgm:txFillClrLst>
-    <dgm:txEffectClrLst/>
-  </dgm:styleLbl>
-  <dgm:styleLbl name="solidFgAcc1">
-    <dgm:fillClrLst meth="repeat">
-      <a:schemeClr val="lt1"/>
-    </dgm:fillClrLst>
-    <dgm:linClrLst>
-      <a:schemeClr val="accent2">
-        <a:alpha val="90000"/>
-      </a:schemeClr>
-      <a:schemeClr val="accent2">
-        <a:alpha val="50000"/>
-      </a:schemeClr>
-    </dgm:linClrLst>
-    <dgm:effectClrLst/>
-    <dgm:txLinClrLst/>
-    <dgm:txFillClrLst meth="repeat">
-      <a:schemeClr val="dk1"/>
-    </dgm:txFillClrLst>
-    <dgm:txEffectClrLst/>
-  </dgm:styleLbl>
-  <dgm:styleLbl name="solidAlignAcc1">
-    <dgm:fillClrLst meth="repeat">
-      <a:schemeClr val="lt1"/>
-    </dgm:fillClrLst>
-    <dgm:linClrLst meth="repeat">
-      <a:schemeClr val="accent2"/>
-    </dgm:linClrLst>
-    <dgm:effectClrLst/>
-    <dgm:txLinClrLst/>
-    <dgm:txFillClrLst meth="repeat">
-      <a:schemeClr val="dk1"/>
-    </dgm:txFillClrLst>
-    <dgm:txEffectClrLst/>
-  </dgm:styleLbl>
-  <dgm:styleLbl name="solidBgAcc1">
-    <dgm:fillClrLst meth="repeat">
-      <a:schemeClr val="lt1"/>
-    </dgm:fillClrLst>
-    <dgm:linClrLst meth="repeat">
-      <a:schemeClr val="accent2"/>
-    </dgm:linClrLst>
-    <dgm:effectClrLst/>
-    <dgm:txLinClrLst/>
-    <dgm:txFillClrLst meth="repeat">
-      <a:schemeClr val="dk1"/>
-    </dgm:txFillClrLst>
-    <dgm:txEffectClrLst/>
-  </dgm:styleLbl>
-  <dgm:styleLbl name="fgAccFollowNode1">
-    <dgm:fillClrLst>
-      <a:schemeClr val="accent2">
-        <a:alpha val="90000"/>
-        <a:tint val="40000"/>
-      </a:schemeClr>
-      <a:schemeClr val="accent2">
-        <a:alpha val="50000"/>
-        <a:tint val="40000"/>
-      </a:schemeClr>
-    </dgm:fillClrLst>
-    <dgm:linClrLst meth="repeat">
-      <a:schemeClr val="accent2">
-        <a:alpha val="90000"/>
-        <a:tint val="40000"/>
-      </a:schemeClr>
-    </dgm:linClrLst>
-    <dgm:effectClrLst/>
-    <dgm:txLinClrLst/>
-    <dgm:txFillClrLst meth="repeat">
-      <a:schemeClr val="dk1"/>
-    </dgm:txFillClrLst>
-    <dgm:txEffectClrLst/>
-  </dgm:styleLbl>
-  <dgm:styleLbl name="alignAccFollowNode1">
-    <dgm:fillClrLst meth="repeat">
-      <a:schemeClr val="accent2">
-        <a:alpha val="90000"/>
-        <a:tint val="40000"/>
-      </a:schemeClr>
-    </dgm:fillClrLst>
-    <dgm:linClrLst meth="repeat">
-      <a:schemeClr val="accent2">
-        <a:alpha val="90000"/>
-        <a:tint val="40000"/>
-      </a:schemeClr>
-    </dgm:linClrLst>
-    <dgm:effectClrLst/>
-    <dgm:txLinClrLst/>
-    <dgm:txFillClrLst meth="repeat">
-      <a:schemeClr val="dk1"/>
-    </dgm:txFillClrLst>
-    <dgm:txEffectClrLst/>
-  </dgm:styleLbl>
-  <dgm:styleLbl name="bgAccFollowNode1">
-    <dgm:fillClrLst meth="repeat">
-      <a:schemeClr val="accent2">
-        <a:alpha val="90000"/>
-        <a:tint val="40000"/>
-      </a:schemeClr>
-    </dgm:fillClrLst>
-    <dgm:linClrLst meth="repeat">
-      <a:schemeClr val="lt1"/>
-    </dgm:linClrLst>
-    <dgm:effectClrLst/>
-    <dgm:txLinClrLst/>
-    <dgm:txFillClrLst meth="repeat">
-      <a:schemeClr val="dk1"/>
-    </dgm:txFillClrLst>
-    <dgm:txEffectClrLst/>
-  </dgm:styleLbl>
-  <dgm:styleLbl name="fgAcc0">
-    <dgm:fillClrLst meth="repeat">
-      <a:schemeClr val="lt1">
-        <a:alpha val="90000"/>
-      </a:schemeClr>
-    </dgm:fillClrLst>
-    <dgm:linClrLst meth="repeat">
-      <a:schemeClr val="accent2">
-        <a:shade val="80000"/>
-      </a:schemeClr>
-    </dgm:linClrLst>
-    <dgm:effectClrLst/>
-    <dgm:txLinClrLst/>
-    <dgm:txFillClrLst meth="repeat">
-      <a:schemeClr val="dk1"/>
-    </dgm:txFillClrLst>
-    <dgm:txEffectClrLst/>
-  </dgm:styleLbl>
-  <dgm:styleLbl name="fgAcc2">
-    <dgm:fillClrLst meth="repeat">
-      <a:schemeClr val="lt1">
-        <a:alpha val="90000"/>
-      </a:schemeClr>
-    </dgm:fillClrLst>
-    <dgm:linClrLst meth="repeat">
-      <a:schemeClr val="accent2">
-        <a:tint val="90000"/>
-      </a:schemeClr>
-    </dgm:linClrLst>
-    <dgm:effectClrLst/>
-    <dgm:txLinClrLst/>
-    <dgm:txFillClrLst meth="repeat">
-      <a:schemeClr val="dk1"/>
-    </dgm:txFillClrLst>
-    <dgm:txEffectClrLst/>
-  </dgm:styleLbl>
-  <dgm:styleLbl name="fgAcc3">
-    <dgm:fillClrLst meth="repeat">
-      <a:schemeClr val="lt1">
-        <a:alpha val="90000"/>
-      </a:schemeClr>
-    </dgm:fillClrLst>
-    <dgm:linClrLst meth="repeat">
-      <a:schemeClr val="accent2">
-        <a:tint val="70000"/>
-      </a:schemeClr>
-    </dgm:linClrLst>
-    <dgm:effectClrLst/>
-    <dgm:txLinClrLst/>
-    <dgm:txFillClrLst meth="repeat">
-      <a:schemeClr val="dk1"/>
-    </dgm:txFillClrLst>
-    <dgm:txEffectClrLst/>
-  </dgm:styleLbl>
-  <dgm:styleLbl name="fgAcc4">
-    <dgm:fillClrLst meth="repeat">
-      <a:schemeClr val="lt1">
-        <a:alpha val="90000"/>
-      </a:schemeClr>
-    </dgm:fillClrLst>
-    <dgm:linClrLst meth="repeat">
-      <a:schemeClr val="accent2">
-        <a:tint val="50000"/>
-      </a:schemeClr>
-    </dgm:linClrLst>
-    <dgm:effectClrLst/>
-    <dgm:txLinClrLst/>
-    <dgm:txFillClrLst meth="repeat">
-      <a:schemeClr val="dk1"/>
-    </dgm:txFillClrLst>
-    <dgm:txEffectClrLst/>
-  </dgm:styleLbl>
-  <dgm:styleLbl name="bgShp">
-    <dgm:fillClrLst meth="repeat">
-      <a:schemeClr val="accent2">
-        <a:tint val="40000"/>
-      </a:schemeClr>
-    </dgm:fillClrLst>
-    <dgm:linClrLst meth="repeat">
-      <a:schemeClr val="dk1"/>
-    </dgm:linClrLst>
-    <dgm:effectClrLst/>
-    <dgm:txLinClrLst/>
-    <dgm:txFillClrLst meth="repeat">
-      <a:schemeClr val="dk1"/>
-    </dgm:txFillClrLst>
-    <dgm:txEffectClrLst/>
-  </dgm:styleLbl>
-  <dgm:styleLbl name="dkBgShp">
-    <dgm:fillClrLst meth="repeat">
-      <a:schemeClr val="accent2">
-        <a:shade val="90000"/>
-      </a:schemeClr>
-    </dgm:fillClrLst>
-    <dgm:linClrLst meth="repeat">
-      <a:schemeClr val="dk1"/>
-    </dgm:linClrLst>
-    <dgm:effectClrLst/>
-    <dgm:txLinClrLst/>
-    <dgm:txFillClrLst meth="repeat">
-      <a:schemeClr val="lt1"/>
-    </dgm:txFillClrLst>
-    <dgm:txEffectClrLst/>
-  </dgm:styleLbl>
-  <dgm:styleLbl name="trBgShp">
-    <dgm:fillClrLst meth="repeat">
-      <a:schemeClr val="accent2">
-        <a:tint val="50000"/>
-        <a:alpha val="40000"/>
-      </a:schemeClr>
-    </dgm:fillClrLst>
-    <dgm:linClrLst meth="repeat">
-      <a:schemeClr val="accent2"/>
-    </dgm:linClrLst>
-    <dgm:effectClrLst/>
-    <dgm:txLinClrLst/>
-    <dgm:txFillClrLst meth="repeat">
-      <a:schemeClr val="lt1"/>
-    </dgm:txFillClrLst>
-    <dgm:txEffectClrLst/>
-  </dgm:styleLbl>
-  <dgm:styleLbl name="fgShp">
-    <dgm:fillClrLst meth="repeat">
-      <a:schemeClr val="accent2">
-        <a:tint val="40000"/>
-      </a:schemeClr>
-    </dgm:fillClrLst>
-    <dgm:linClrLst meth="repeat">
-      <a:schemeClr val="lt1"/>
-    </dgm:linClrLst>
-    <dgm:effectClrLst/>
-    <dgm:txLinClrLst/>
-    <dgm:txFillClrLst meth="repeat">
-      <a:schemeClr val="dk1"/>
-    </dgm:txFillClrLst>
-    <dgm:txEffectClrLst/>
-  </dgm:styleLbl>
-  <dgm:styleLbl name="revTx">
-    <dgm:fillClrLst meth="repeat">
-      <a:schemeClr val="lt1">
-        <a:alpha val="0"/>
-      </a:schemeClr>
-    </dgm:fillClrLst>
-    <dgm:linClrLst meth="repeat">
-      <a:schemeClr val="dk1">
-        <a:alpha val="0"/>
-      </a:schemeClr>
-    </dgm:linClrLst>
-    <dgm:effectClrLst/>
-    <dgm:txLinClrLst/>
-    <dgm:txFillClrLst meth="repeat">
-      <a:schemeClr val="tx1"/>
-    </dgm:txFillClrLst>
-    <dgm:txEffectClrLst/>
-  </dgm:styleLbl>
-</dgm:colorsDef>
-</file>
-
 <file path=ppt/diagrams/data1.xml><?xml version="1.0" encoding="utf-8"?>
 <dgm:dataModel xmlns:dgm="http://schemas.openxmlformats.org/drawingml/2006/diagram" xmlns:a="http://schemas.openxmlformats.org/drawingml/2006/main">
   <dgm:ptLst>
@@ -1876,43 +996,6 @@
       </dgm:t>
     </dgm:pt>
     <dgm:pt modelId="{F5D8907E-4A34-491D-89C9-D2CEB0DE12BA}" type="sibTrans" cxnId="{1AFAB05D-1D5C-420A-8AED-8362CCBB878A}">
-      <dgm:prSet/>
-      <dgm:spPr/>
-      <dgm:t>
-        <a:bodyPr/>
-        <a:lstStyle/>
-        <a:p>
-          <a:endParaRPr lang="en-IN"/>
-        </a:p>
-      </dgm:t>
-    </dgm:pt>
-    <dgm:pt modelId="{8895C4A2-8E15-41A6-ABBF-5F4C6475BFBE}">
-      <dgm:prSet phldrT="[Text]"/>
-      <dgm:spPr/>
-      <dgm:t>
-        <a:bodyPr/>
-        <a:lstStyle/>
-        <a:p>
-          <a:r>
-            <a:rPr lang="en-US" dirty="0"/>
-            <a:t>Coding Algorithms</a:t>
-          </a:r>
-          <a:endParaRPr lang="en-IN" dirty="0"/>
-        </a:p>
-      </dgm:t>
-    </dgm:pt>
-    <dgm:pt modelId="{10E354B9-2F7B-4F47-A489-D503D36FBD03}" type="parTrans" cxnId="{7AA62E26-DBC7-4A1A-BA59-374B6A67AA76}">
-      <dgm:prSet/>
-      <dgm:spPr/>
-      <dgm:t>
-        <a:bodyPr/>
-        <a:lstStyle/>
-        <a:p>
-          <a:endParaRPr lang="en-IN"/>
-        </a:p>
-      </dgm:t>
-    </dgm:pt>
-    <dgm:pt modelId="{6B5C4769-27FE-420B-BD06-5AC905EF2C56}" type="sibTrans" cxnId="{7AA62E26-DBC7-4A1A-BA59-374B6A67AA76}">
       <dgm:prSet/>
       <dgm:spPr/>
       <dgm:t>
@@ -2081,7 +1164,7 @@
       <dgm:spPr/>
     </dgm:pt>
     <dgm:pt modelId="{2786802F-39A9-45EF-ADA9-C947C05D040B}" type="pres">
-      <dgm:prSet presAssocID="{A931DA95-A734-45C8-AA3F-92D2F66327CE}" presName="parTxOnly" presStyleLbl="node1" presStyleIdx="0" presStyleCnt="7">
+      <dgm:prSet presAssocID="{A931DA95-A734-45C8-AA3F-92D2F66327CE}" presName="parTxOnly" presStyleLbl="node1" presStyleIdx="0" presStyleCnt="6">
         <dgm:presLayoutVars>
           <dgm:chMax val="0"/>
           <dgm:chPref val="0"/>
@@ -2095,7 +1178,7 @@
       <dgm:spPr/>
     </dgm:pt>
     <dgm:pt modelId="{55D408E9-9287-46FF-969D-A378931C95F3}" type="pres">
-      <dgm:prSet presAssocID="{F7C53C1D-E909-4D7D-B48A-7FFA9802B193}" presName="parTxOnly" presStyleLbl="node1" presStyleIdx="1" presStyleCnt="7">
+      <dgm:prSet presAssocID="{F7C53C1D-E909-4D7D-B48A-7FFA9802B193}" presName="parTxOnly" presStyleLbl="node1" presStyleIdx="1" presStyleCnt="6">
         <dgm:presLayoutVars>
           <dgm:chMax val="0"/>
           <dgm:chPref val="0"/>
@@ -2108,22 +1191,8 @@
       <dgm:prSet presAssocID="{F5D8907E-4A34-491D-89C9-D2CEB0DE12BA}" presName="parTxOnlySpace" presStyleCnt="0"/>
       <dgm:spPr/>
     </dgm:pt>
-    <dgm:pt modelId="{51F1322D-D367-466F-ABB8-B675F423DFEC}" type="pres">
-      <dgm:prSet presAssocID="{8895C4A2-8E15-41A6-ABBF-5F4C6475BFBE}" presName="parTxOnly" presStyleLbl="node1" presStyleIdx="2" presStyleCnt="7">
-        <dgm:presLayoutVars>
-          <dgm:chMax val="0"/>
-          <dgm:chPref val="0"/>
-          <dgm:bulletEnabled val="1"/>
-        </dgm:presLayoutVars>
-      </dgm:prSet>
-      <dgm:spPr/>
-    </dgm:pt>
-    <dgm:pt modelId="{3E4B8BF4-44A5-4C46-9BEA-7096019EFDEB}" type="pres">
-      <dgm:prSet presAssocID="{6B5C4769-27FE-420B-BD06-5AC905EF2C56}" presName="parTxOnlySpace" presStyleCnt="0"/>
-      <dgm:spPr/>
-    </dgm:pt>
     <dgm:pt modelId="{58D748A4-48AD-4911-A015-F5D3C5014867}" type="pres">
-      <dgm:prSet presAssocID="{C4B51D8A-CED2-4A0F-97DE-DA32B957AC49}" presName="parTxOnly" presStyleLbl="node1" presStyleIdx="3" presStyleCnt="7">
+      <dgm:prSet presAssocID="{C4B51D8A-CED2-4A0F-97DE-DA32B957AC49}" presName="parTxOnly" presStyleLbl="node1" presStyleIdx="2" presStyleCnt="6">
         <dgm:presLayoutVars>
           <dgm:chMax val="0"/>
           <dgm:chPref val="0"/>
@@ -2137,7 +1206,7 @@
       <dgm:spPr/>
     </dgm:pt>
     <dgm:pt modelId="{346E6D27-6CEE-4E30-B3BD-A92AB83CEE08}" type="pres">
-      <dgm:prSet presAssocID="{3948D4F8-C057-4654-BD9D-FA2E34E9E97C}" presName="parTxOnly" presStyleLbl="node1" presStyleIdx="4" presStyleCnt="7">
+      <dgm:prSet presAssocID="{3948D4F8-C057-4654-BD9D-FA2E34E9E97C}" presName="parTxOnly" presStyleLbl="node1" presStyleIdx="3" presStyleCnt="6">
         <dgm:presLayoutVars>
           <dgm:chMax val="0"/>
           <dgm:chPref val="0"/>
@@ -2151,7 +1220,7 @@
       <dgm:spPr/>
     </dgm:pt>
     <dgm:pt modelId="{2B111E83-1F8D-45BB-BA23-A4D323956D62}" type="pres">
-      <dgm:prSet presAssocID="{2D0D4D12-29EB-4CC1-A35F-94DDD7EE911D}" presName="parTxOnly" presStyleLbl="node1" presStyleIdx="5" presStyleCnt="7">
+      <dgm:prSet presAssocID="{2D0D4D12-29EB-4CC1-A35F-94DDD7EE911D}" presName="parTxOnly" presStyleLbl="node1" presStyleIdx="4" presStyleCnt="6">
         <dgm:presLayoutVars>
           <dgm:chMax val="0"/>
           <dgm:chPref val="0"/>
@@ -2165,7 +1234,7 @@
       <dgm:spPr/>
     </dgm:pt>
     <dgm:pt modelId="{50472E82-A1CE-4983-AC89-25C8AE733117}" type="pres">
-      <dgm:prSet presAssocID="{62FB5AE4-CE6A-4DDE-B7AF-D4A3619F276F}" presName="parTxOnly" presStyleLbl="node1" presStyleIdx="6" presStyleCnt="7">
+      <dgm:prSet presAssocID="{62FB5AE4-CE6A-4DDE-B7AF-D4A3619F276F}" presName="parTxOnly" presStyleLbl="node1" presStyleIdx="5" presStyleCnt="6">
         <dgm:presLayoutVars>
           <dgm:chMax val="0"/>
           <dgm:chPref val="0"/>
@@ -2178,13 +1247,11 @@
   <dgm:cxnLst>
     <dgm:cxn modelId="{3647F001-D2EF-4A64-BF96-829296CABFC9}" type="presOf" srcId="{62FB5AE4-CE6A-4DDE-B7AF-D4A3619F276F}" destId="{50472E82-A1CE-4983-AC89-25C8AE733117}" srcOrd="0" destOrd="0" presId="urn:microsoft.com/office/officeart/2005/8/layout/chevron1"/>
     <dgm:cxn modelId="{0123FB05-2961-43F4-85E1-B3D4946C6BB0}" type="presOf" srcId="{A931DA95-A734-45C8-AA3F-92D2F66327CE}" destId="{2786802F-39A9-45EF-ADA9-C947C05D040B}" srcOrd="0" destOrd="0" presId="urn:microsoft.com/office/officeart/2005/8/layout/chevron1"/>
-    <dgm:cxn modelId="{7AA62E26-DBC7-4A1A-BA59-374B6A67AA76}" srcId="{7AB85DCF-C5E9-4655-B8CA-7BCD066B43F0}" destId="{8895C4A2-8E15-41A6-ABBF-5F4C6475BFBE}" srcOrd="2" destOrd="0" parTransId="{10E354B9-2F7B-4F47-A489-D503D36FBD03}" sibTransId="{6B5C4769-27FE-420B-BD06-5AC905EF2C56}"/>
-    <dgm:cxn modelId="{1E78EB38-C729-4AAF-A2E6-A3F44C1EB7F7}" srcId="{7AB85DCF-C5E9-4655-B8CA-7BCD066B43F0}" destId="{C4B51D8A-CED2-4A0F-97DE-DA32B957AC49}" srcOrd="3" destOrd="0" parTransId="{CD49EFA0-2929-484F-977E-D140FDA5BB45}" sibTransId="{290B9405-D80B-4F31-818A-721B3098DA87}"/>
+    <dgm:cxn modelId="{1E78EB38-C729-4AAF-A2E6-A3F44C1EB7F7}" srcId="{7AB85DCF-C5E9-4655-B8CA-7BCD066B43F0}" destId="{C4B51D8A-CED2-4A0F-97DE-DA32B957AC49}" srcOrd="2" destOrd="0" parTransId="{CD49EFA0-2929-484F-977E-D140FDA5BB45}" sibTransId="{290B9405-D80B-4F31-818A-721B3098DA87}"/>
     <dgm:cxn modelId="{1AFAB05D-1D5C-420A-8AED-8362CCBB878A}" srcId="{7AB85DCF-C5E9-4655-B8CA-7BCD066B43F0}" destId="{F7C53C1D-E909-4D7D-B48A-7FFA9802B193}" srcOrd="1" destOrd="0" parTransId="{31815CA4-AEB2-4267-8480-3054E3F36217}" sibTransId="{F5D8907E-4A34-491D-89C9-D2CEB0DE12BA}"/>
-    <dgm:cxn modelId="{5506A66A-A817-4661-BF52-BEE679C2E61E}" type="presOf" srcId="{8895C4A2-8E15-41A6-ABBF-5F4C6475BFBE}" destId="{51F1322D-D367-466F-ABB8-B675F423DFEC}" srcOrd="0" destOrd="0" presId="urn:microsoft.com/office/officeart/2005/8/layout/chevron1"/>
-    <dgm:cxn modelId="{AE55BE4C-AB49-42B5-997D-18F855978DC1}" srcId="{7AB85DCF-C5E9-4655-B8CA-7BCD066B43F0}" destId="{62FB5AE4-CE6A-4DDE-B7AF-D4A3619F276F}" srcOrd="6" destOrd="0" parTransId="{EFE93C1C-DF38-4995-9488-EB9F10D6E669}" sibTransId="{8CB82F99-EEAD-4EE1-A247-2E3295351311}"/>
-    <dgm:cxn modelId="{69B57850-1641-400B-B8A4-5C8FE34B2172}" srcId="{7AB85DCF-C5E9-4655-B8CA-7BCD066B43F0}" destId="{2D0D4D12-29EB-4CC1-A35F-94DDD7EE911D}" srcOrd="5" destOrd="0" parTransId="{CBC61EC4-9C82-47DA-A7B2-9F0751CAEDA7}" sibTransId="{121C9043-A052-4703-9DB8-47CADA670581}"/>
-    <dgm:cxn modelId="{10392558-C0D6-42B1-95EF-3B0A22CBFAB3}" srcId="{7AB85DCF-C5E9-4655-B8CA-7BCD066B43F0}" destId="{3948D4F8-C057-4654-BD9D-FA2E34E9E97C}" srcOrd="4" destOrd="0" parTransId="{949E13A9-9405-45B3-B5DB-955B75B9CFB4}" sibTransId="{56219743-EE45-4EAE-A05A-3AB5E7A051DC}"/>
+    <dgm:cxn modelId="{AE55BE4C-AB49-42B5-997D-18F855978DC1}" srcId="{7AB85DCF-C5E9-4655-B8CA-7BCD066B43F0}" destId="{62FB5AE4-CE6A-4DDE-B7AF-D4A3619F276F}" srcOrd="5" destOrd="0" parTransId="{EFE93C1C-DF38-4995-9488-EB9F10D6E669}" sibTransId="{8CB82F99-EEAD-4EE1-A247-2E3295351311}"/>
+    <dgm:cxn modelId="{69B57850-1641-400B-B8A4-5C8FE34B2172}" srcId="{7AB85DCF-C5E9-4655-B8CA-7BCD066B43F0}" destId="{2D0D4D12-29EB-4CC1-A35F-94DDD7EE911D}" srcOrd="4" destOrd="0" parTransId="{CBC61EC4-9C82-47DA-A7B2-9F0751CAEDA7}" sibTransId="{121C9043-A052-4703-9DB8-47CADA670581}"/>
+    <dgm:cxn modelId="{10392558-C0D6-42B1-95EF-3B0A22CBFAB3}" srcId="{7AB85DCF-C5E9-4655-B8CA-7BCD066B43F0}" destId="{3948D4F8-C057-4654-BD9D-FA2E34E9E97C}" srcOrd="3" destOrd="0" parTransId="{949E13A9-9405-45B3-B5DB-955B75B9CFB4}" sibTransId="{56219743-EE45-4EAE-A05A-3AB5E7A051DC}"/>
     <dgm:cxn modelId="{5B2D8E5A-84D1-470F-9575-B3FF241B6788}" type="presOf" srcId="{F7C53C1D-E909-4D7D-B48A-7FFA9802B193}" destId="{55D408E9-9287-46FF-969D-A378931C95F3}" srcOrd="0" destOrd="0" presId="urn:microsoft.com/office/officeart/2005/8/layout/chevron1"/>
     <dgm:cxn modelId="{E6B97A88-2CDF-464B-8CED-325852C5E4A7}" type="presOf" srcId="{2D0D4D12-29EB-4CC1-A35F-94DDD7EE911D}" destId="{2B111E83-1F8D-45BB-BA23-A4D323956D62}" srcOrd="0" destOrd="0" presId="urn:microsoft.com/office/officeart/2005/8/layout/chevron1"/>
     <dgm:cxn modelId="{A1A587B4-AA3D-445D-9AE6-7AFC6724A1E8}" srcId="{7AB85DCF-C5E9-4655-B8CA-7BCD066B43F0}" destId="{A931DA95-A734-45C8-AA3F-92D2F66327CE}" srcOrd="0" destOrd="0" parTransId="{0996E53E-4FCC-4350-9A17-3B8F5BBA7A22}" sibTransId="{E720EE45-D8EB-4BDE-9DBB-31D6D643FE5D}"/>
@@ -2195,1777 +1262,13 @@
     <dgm:cxn modelId="{6F5D1809-8DA7-4C5F-9C15-EBA44295FF64}" type="presParOf" srcId="{5A8777BD-C8F7-4FC2-89AD-BE871A6E0AAB}" destId="{36BB1130-90E6-4EEE-8013-EA7B93043E2D}" srcOrd="1" destOrd="0" presId="urn:microsoft.com/office/officeart/2005/8/layout/chevron1"/>
     <dgm:cxn modelId="{E1C6847A-85A0-4C0A-8508-730D9C658B4F}" type="presParOf" srcId="{5A8777BD-C8F7-4FC2-89AD-BE871A6E0AAB}" destId="{55D408E9-9287-46FF-969D-A378931C95F3}" srcOrd="2" destOrd="0" presId="urn:microsoft.com/office/officeart/2005/8/layout/chevron1"/>
     <dgm:cxn modelId="{46FCD275-9A5F-4EB6-92A3-76B79BAFA803}" type="presParOf" srcId="{5A8777BD-C8F7-4FC2-89AD-BE871A6E0AAB}" destId="{830E8054-9B20-4F72-9CE7-07AD25D30FA8}" srcOrd="3" destOrd="0" presId="urn:microsoft.com/office/officeart/2005/8/layout/chevron1"/>
-    <dgm:cxn modelId="{79E0B484-FAC5-430A-8FD4-69E0E95CF61F}" type="presParOf" srcId="{5A8777BD-C8F7-4FC2-89AD-BE871A6E0AAB}" destId="{51F1322D-D367-466F-ABB8-B675F423DFEC}" srcOrd="4" destOrd="0" presId="urn:microsoft.com/office/officeart/2005/8/layout/chevron1"/>
-    <dgm:cxn modelId="{8B2F572E-2A66-4E4D-A644-9B0791D77BC3}" type="presParOf" srcId="{5A8777BD-C8F7-4FC2-89AD-BE871A6E0AAB}" destId="{3E4B8BF4-44A5-4C46-9BEA-7096019EFDEB}" srcOrd="5" destOrd="0" presId="urn:microsoft.com/office/officeart/2005/8/layout/chevron1"/>
-    <dgm:cxn modelId="{1F295735-2F03-4023-8502-6514011F04B0}" type="presParOf" srcId="{5A8777BD-C8F7-4FC2-89AD-BE871A6E0AAB}" destId="{58D748A4-48AD-4911-A015-F5D3C5014867}" srcOrd="6" destOrd="0" presId="urn:microsoft.com/office/officeart/2005/8/layout/chevron1"/>
-    <dgm:cxn modelId="{8E34BCC7-7034-470D-9B24-FA21AC4C2D7E}" type="presParOf" srcId="{5A8777BD-C8F7-4FC2-89AD-BE871A6E0AAB}" destId="{8859EB84-159A-45B7-86D6-FCE93645812C}" srcOrd="7" destOrd="0" presId="urn:microsoft.com/office/officeart/2005/8/layout/chevron1"/>
-    <dgm:cxn modelId="{C6DB0F2C-C641-42D1-921A-C0AACA692E6D}" type="presParOf" srcId="{5A8777BD-C8F7-4FC2-89AD-BE871A6E0AAB}" destId="{346E6D27-6CEE-4E30-B3BD-A92AB83CEE08}" srcOrd="8" destOrd="0" presId="urn:microsoft.com/office/officeart/2005/8/layout/chevron1"/>
-    <dgm:cxn modelId="{938632CB-4D5E-43F3-B82E-408D8A9BA2ED}" type="presParOf" srcId="{5A8777BD-C8F7-4FC2-89AD-BE871A6E0AAB}" destId="{518DE99A-0F7E-462D-AC4B-1D1AC012F138}" srcOrd="9" destOrd="0" presId="urn:microsoft.com/office/officeart/2005/8/layout/chevron1"/>
-    <dgm:cxn modelId="{7989A8D4-2DC1-487D-BBB0-5B353EA002A8}" type="presParOf" srcId="{5A8777BD-C8F7-4FC2-89AD-BE871A6E0AAB}" destId="{2B111E83-1F8D-45BB-BA23-A4D323956D62}" srcOrd="10" destOrd="0" presId="urn:microsoft.com/office/officeart/2005/8/layout/chevron1"/>
-    <dgm:cxn modelId="{DEF0577E-0EE1-4D30-B808-637A6F6A6F83}" type="presParOf" srcId="{5A8777BD-C8F7-4FC2-89AD-BE871A6E0AAB}" destId="{5B98630D-123C-400C-ADFA-F60D6AA8EE74}" srcOrd="11" destOrd="0" presId="urn:microsoft.com/office/officeart/2005/8/layout/chevron1"/>
-    <dgm:cxn modelId="{F452DC53-DBAC-4426-AE66-C2EC07C77CF0}" type="presParOf" srcId="{5A8777BD-C8F7-4FC2-89AD-BE871A6E0AAB}" destId="{50472E82-A1CE-4983-AC89-25C8AE733117}" srcOrd="12" destOrd="0" presId="urn:microsoft.com/office/officeart/2005/8/layout/chevron1"/>
-  </dgm:cxnLst>
-  <dgm:bg/>
-  <dgm:whole/>
-  <dgm:extLst>
-    <a:ext uri="http://schemas.microsoft.com/office/drawing/2008/diagram">
-      <dsp:dataModelExt xmlns:dsp="http://schemas.microsoft.com/office/drawing/2008/diagram" relId="rId6" minVer="http://schemas.openxmlformats.org/drawingml/2006/diagram"/>
-    </a:ext>
-  </dgm:extLst>
-</dgm:dataModel>
-</file>
-
-<file path=ppt/diagrams/data2.xml><?xml version="1.0" encoding="utf-8"?>
-<dgm:dataModel xmlns:dgm="http://schemas.openxmlformats.org/drawingml/2006/diagram" xmlns:a="http://schemas.openxmlformats.org/drawingml/2006/main">
-  <dgm:ptLst>
-    <dgm:pt modelId="{05A24E01-5535-46B9-A9A1-A9A07E639A88}" type="doc">
-      <dgm:prSet loTypeId="urn:microsoft.com/office/officeart/2017/3/layout/DropPinTimeline" loCatId="timeline" qsTypeId="urn:microsoft.com/office/officeart/2005/8/quickstyle/simple1" qsCatId="simple" csTypeId="urn:microsoft.com/office/officeart/2005/8/colors/accent2_5" csCatId="accent2" phldr="1"/>
-      <dgm:spPr/>
-      <dgm:t>
-        <a:bodyPr/>
-        <a:lstStyle/>
-        <a:p>
-          <a:endParaRPr lang="en-US"/>
-        </a:p>
-      </dgm:t>
-    </dgm:pt>
-    <dgm:pt modelId="{DF1ABFB3-B399-406F-91BD-DCDF9A38526B}">
-      <dgm:prSet phldrT="[Text]" phldr="0"/>
-      <dgm:spPr/>
-      <dgm:t>
-        <a:bodyPr/>
-        <a:lstStyle/>
-        <a:p>
-          <a:r>
-            <a:rPr lang="en-US" b="1" dirty="0">
-              <a:solidFill>
-                <a:schemeClr val="bg1"/>
-              </a:solidFill>
-              <a:latin typeface="Tenorite" pitchFamily="2" charset="0"/>
-            </a:rPr>
-            <a:t>Developing the code</a:t>
-          </a:r>
-        </a:p>
-      </dgm:t>
-    </dgm:pt>
-    <dgm:pt modelId="{78CB0E27-958C-4066-A189-8B36505E8204}" type="parTrans" cxnId="{15319551-A9EA-462E-845B-E5251E84291F}">
-      <dgm:prSet/>
-      <dgm:spPr/>
-      <dgm:t>
-        <a:bodyPr/>
-        <a:lstStyle/>
-        <a:p>
-          <a:endParaRPr lang="en-US">
-            <a:solidFill>
-              <a:schemeClr val="bg1"/>
-            </a:solidFill>
-          </a:endParaRPr>
-        </a:p>
-      </dgm:t>
-    </dgm:pt>
-    <dgm:pt modelId="{70E4A1D3-514E-4327-991D-5CC9C6B41885}" type="sibTrans" cxnId="{15319551-A9EA-462E-845B-E5251E84291F}">
-      <dgm:prSet/>
-      <dgm:spPr/>
-      <dgm:t>
-        <a:bodyPr/>
-        <a:lstStyle/>
-        <a:p>
-          <a:endParaRPr lang="en-US">
-            <a:solidFill>
-              <a:schemeClr val="bg1"/>
-            </a:solidFill>
-          </a:endParaRPr>
-        </a:p>
-      </dgm:t>
-    </dgm:pt>
-    <dgm:pt modelId="{58FF46FB-368D-4E9C-A650-0513B8879DA8}">
-      <dgm:prSet phldr="0"/>
-      <dgm:spPr/>
-      <dgm:t>
-        <a:bodyPr/>
-        <a:lstStyle/>
-        <a:p>
-          <a:pPr>
-            <a:defRPr b="1"/>
-          </a:pPr>
-          <a:r>
-            <a:rPr lang="en-US" b="1" dirty="0">
-              <a:solidFill>
-                <a:schemeClr val="bg1"/>
-              </a:solidFill>
-              <a:latin typeface="Tenorite" pitchFamily="2" charset="0"/>
-            </a:rPr>
-            <a:t>17 Feb 2022</a:t>
-          </a:r>
-        </a:p>
-      </dgm:t>
-    </dgm:pt>
-    <dgm:pt modelId="{11DFA284-5E99-474D-BF05-364A45269DC7}" type="parTrans" cxnId="{C5645B39-CB65-4A0A-B369-E455C3B827C3}">
-      <dgm:prSet/>
-      <dgm:spPr/>
-      <dgm:t>
-        <a:bodyPr/>
-        <a:lstStyle/>
-        <a:p>
-          <a:endParaRPr lang="en-US">
-            <a:solidFill>
-              <a:schemeClr val="bg1"/>
-            </a:solidFill>
-          </a:endParaRPr>
-        </a:p>
-      </dgm:t>
-    </dgm:pt>
-    <dgm:pt modelId="{CFA40740-0682-470C-AD5A-CFF53CD12BD2}" type="sibTrans" cxnId="{C5645B39-CB65-4A0A-B369-E455C3B827C3}">
-      <dgm:prSet/>
-      <dgm:spPr/>
-      <dgm:t>
-        <a:bodyPr/>
-        <a:lstStyle/>
-        <a:p>
-          <a:endParaRPr lang="en-US">
-            <a:solidFill>
-              <a:schemeClr val="bg1"/>
-            </a:solidFill>
-          </a:endParaRPr>
-        </a:p>
-      </dgm:t>
-    </dgm:pt>
-    <dgm:pt modelId="{9A875394-CA1E-4432-AEEB-9054FCFF5E0E}">
-      <dgm:prSet phldr="0"/>
-      <dgm:spPr/>
-      <dgm:t>
-        <a:bodyPr/>
-        <a:lstStyle/>
-        <a:p>
-          <a:r>
-            <a:rPr lang="en-US" b="0" dirty="0">
-              <a:solidFill>
-                <a:schemeClr val="bg1"/>
-              </a:solidFill>
-              <a:latin typeface="Tenorite" pitchFamily="2" charset="0"/>
-            </a:rPr>
-            <a:t>Team Formation</a:t>
-          </a:r>
-        </a:p>
-      </dgm:t>
-    </dgm:pt>
-    <dgm:pt modelId="{FCC92BDD-6EA3-421D-9DA8-7D3A12D003B6}" type="parTrans" cxnId="{B659504B-18E4-4D89-A17C-34ABB280AE52}">
-      <dgm:prSet/>
-      <dgm:spPr/>
-      <dgm:t>
-        <a:bodyPr/>
-        <a:lstStyle/>
-        <a:p>
-          <a:endParaRPr lang="en-US">
-            <a:solidFill>
-              <a:schemeClr val="bg1"/>
-            </a:solidFill>
-          </a:endParaRPr>
-        </a:p>
-      </dgm:t>
-    </dgm:pt>
-    <dgm:pt modelId="{0314452B-82A0-42F4-9551-DF00CFFC3580}" type="sibTrans" cxnId="{B659504B-18E4-4D89-A17C-34ABB280AE52}">
-      <dgm:prSet/>
-      <dgm:spPr/>
-      <dgm:t>
-        <a:bodyPr/>
-        <a:lstStyle/>
-        <a:p>
-          <a:endParaRPr lang="en-US">
-            <a:solidFill>
-              <a:schemeClr val="bg1"/>
-            </a:solidFill>
-          </a:endParaRPr>
-        </a:p>
-      </dgm:t>
-    </dgm:pt>
-    <dgm:pt modelId="{D05E1923-5021-40F7-B4EF-E582E23A699D}">
-      <dgm:prSet phldr="0"/>
-      <dgm:spPr/>
-      <dgm:t>
-        <a:bodyPr/>
-        <a:lstStyle/>
-        <a:p>
-          <a:pPr>
-            <a:defRPr b="1"/>
-          </a:pPr>
-          <a:r>
-            <a:rPr lang="en-US" b="1" dirty="0">
-              <a:solidFill>
-                <a:schemeClr val="bg1"/>
-              </a:solidFill>
-              <a:latin typeface="Tenorite" pitchFamily="2" charset="0"/>
-            </a:rPr>
-            <a:t>20 Feb 2022</a:t>
-          </a:r>
-        </a:p>
-      </dgm:t>
-    </dgm:pt>
-    <dgm:pt modelId="{FD6C5CD2-9CED-4BE6-89CD-A5A5CCE63B3E}" type="parTrans" cxnId="{72C4D6D9-419A-42C1-A76D-84599F65BB08}">
-      <dgm:prSet/>
-      <dgm:spPr/>
-      <dgm:t>
-        <a:bodyPr/>
-        <a:lstStyle/>
-        <a:p>
-          <a:endParaRPr lang="en-US">
-            <a:solidFill>
-              <a:schemeClr val="bg1"/>
-            </a:solidFill>
-          </a:endParaRPr>
-        </a:p>
-      </dgm:t>
-    </dgm:pt>
-    <dgm:pt modelId="{F020958C-EF86-4274-85F9-318F2792F7B6}" type="sibTrans" cxnId="{72C4D6D9-419A-42C1-A76D-84599F65BB08}">
-      <dgm:prSet/>
-      <dgm:spPr/>
-      <dgm:t>
-        <a:bodyPr/>
-        <a:lstStyle/>
-        <a:p>
-          <a:endParaRPr lang="en-US">
-            <a:solidFill>
-              <a:schemeClr val="bg1"/>
-            </a:solidFill>
-          </a:endParaRPr>
-        </a:p>
-      </dgm:t>
-    </dgm:pt>
-    <dgm:pt modelId="{579089A8-5362-4BA4-9163-D19228C1808F}">
-      <dgm:prSet phldr="0"/>
-      <dgm:spPr/>
-      <dgm:t>
-        <a:bodyPr/>
-        <a:lstStyle/>
-        <a:p>
-          <a:r>
-            <a:rPr lang="en-US" b="0" dirty="0">
-              <a:solidFill>
-                <a:schemeClr val="bg1"/>
-              </a:solidFill>
-              <a:latin typeface="Tenorite" pitchFamily="2" charset="0"/>
-            </a:rPr>
-            <a:t>Selection of Project Domain</a:t>
-          </a:r>
-        </a:p>
-      </dgm:t>
-    </dgm:pt>
-    <dgm:pt modelId="{FB2DEB6E-B29F-4E51-960A-23ECC62EBF38}" type="parTrans" cxnId="{4876CF51-F110-4E25-8FD4-08D25B4B0AB8}">
-      <dgm:prSet/>
-      <dgm:spPr/>
-      <dgm:t>
-        <a:bodyPr/>
-        <a:lstStyle/>
-        <a:p>
-          <a:endParaRPr lang="en-US">
-            <a:solidFill>
-              <a:schemeClr val="bg1"/>
-            </a:solidFill>
-          </a:endParaRPr>
-        </a:p>
-      </dgm:t>
-    </dgm:pt>
-    <dgm:pt modelId="{1C5328B1-AC18-4CF7-A034-BB0592F4A2A1}" type="sibTrans" cxnId="{4876CF51-F110-4E25-8FD4-08D25B4B0AB8}">
-      <dgm:prSet/>
-      <dgm:spPr/>
-      <dgm:t>
-        <a:bodyPr/>
-        <a:lstStyle/>
-        <a:p>
-          <a:endParaRPr lang="en-US">
-            <a:solidFill>
-              <a:schemeClr val="bg1"/>
-            </a:solidFill>
-          </a:endParaRPr>
-        </a:p>
-      </dgm:t>
-    </dgm:pt>
-    <dgm:pt modelId="{FA8F44BD-C8C7-462C-9756-1EC498E86842}">
-      <dgm:prSet phldr="0"/>
-      <dgm:spPr/>
-      <dgm:t>
-        <a:bodyPr/>
-        <a:lstStyle/>
-        <a:p>
-          <a:pPr>
-            <a:defRPr b="1"/>
-          </a:pPr>
-          <a:r>
-            <a:rPr lang="en-US" b="1" dirty="0">
-              <a:solidFill>
-                <a:schemeClr val="bg1"/>
-              </a:solidFill>
-              <a:latin typeface="Tenorite" pitchFamily="2" charset="0"/>
-            </a:rPr>
-            <a:t>22 Feb 2022</a:t>
-          </a:r>
-        </a:p>
-      </dgm:t>
-    </dgm:pt>
-    <dgm:pt modelId="{F47063EE-4B58-4EDE-A4F2-A4BD81B82F21}" type="parTrans" cxnId="{0D51BD2E-4619-469B-B233-EBAC3D4D0BA6}">
-      <dgm:prSet/>
-      <dgm:spPr/>
-      <dgm:t>
-        <a:bodyPr/>
-        <a:lstStyle/>
-        <a:p>
-          <a:endParaRPr lang="en-US">
-            <a:solidFill>
-              <a:schemeClr val="bg1"/>
-            </a:solidFill>
-          </a:endParaRPr>
-        </a:p>
-      </dgm:t>
-    </dgm:pt>
-    <dgm:pt modelId="{8C8A9736-03DA-4B1C-A590-10B4AD89452B}" type="sibTrans" cxnId="{0D51BD2E-4619-469B-B233-EBAC3D4D0BA6}">
-      <dgm:prSet/>
-      <dgm:spPr/>
-      <dgm:t>
-        <a:bodyPr/>
-        <a:lstStyle/>
-        <a:p>
-          <a:endParaRPr lang="en-US">
-            <a:solidFill>
-              <a:schemeClr val="bg1"/>
-            </a:solidFill>
-          </a:endParaRPr>
-        </a:p>
-      </dgm:t>
-    </dgm:pt>
-    <dgm:pt modelId="{EFEB4D61-3A9C-4140-977F-3C3F5C9EE9D1}">
-      <dgm:prSet phldr="0"/>
-      <dgm:spPr/>
-      <dgm:t>
-        <a:bodyPr/>
-        <a:lstStyle/>
-        <a:p>
-          <a:r>
-            <a:rPr lang="en-US" b="0" dirty="0">
-              <a:solidFill>
-                <a:schemeClr val="bg1"/>
-              </a:solidFill>
-              <a:latin typeface="Tenorite" pitchFamily="2" charset="0"/>
-            </a:rPr>
-            <a:t>Research and methodology</a:t>
-          </a:r>
-        </a:p>
-      </dgm:t>
-    </dgm:pt>
-    <dgm:pt modelId="{57D352E4-0431-4F68-B8F1-61BFA34799AA}" type="parTrans" cxnId="{1B32EF2C-9DB5-4504-A9DA-B4956CC00208}">
-      <dgm:prSet/>
-      <dgm:spPr/>
-      <dgm:t>
-        <a:bodyPr/>
-        <a:lstStyle/>
-        <a:p>
-          <a:endParaRPr lang="en-US">
-            <a:solidFill>
-              <a:schemeClr val="bg1"/>
-            </a:solidFill>
-          </a:endParaRPr>
-        </a:p>
-      </dgm:t>
-    </dgm:pt>
-    <dgm:pt modelId="{0ECC32B6-1E7C-4AA4-9DBF-D69B7C5E64A9}" type="sibTrans" cxnId="{1B32EF2C-9DB5-4504-A9DA-B4956CC00208}">
-      <dgm:prSet/>
-      <dgm:spPr/>
-      <dgm:t>
-        <a:bodyPr/>
-        <a:lstStyle/>
-        <a:p>
-          <a:endParaRPr lang="en-US">
-            <a:solidFill>
-              <a:schemeClr val="bg1"/>
-            </a:solidFill>
-          </a:endParaRPr>
-        </a:p>
-      </dgm:t>
-    </dgm:pt>
-    <dgm:pt modelId="{8BAB5E6F-A65E-41DB-A296-0818B0E49F7C}">
-      <dgm:prSet phldr="0"/>
-      <dgm:spPr/>
-      <dgm:t>
-        <a:bodyPr/>
-        <a:lstStyle/>
-        <a:p>
-          <a:pPr>
-            <a:defRPr b="1"/>
-          </a:pPr>
-          <a:r>
-            <a:rPr lang="en-US" b="1" dirty="0">
-              <a:solidFill>
-                <a:schemeClr val="bg1"/>
-              </a:solidFill>
-              <a:latin typeface="Tenorite" pitchFamily="2" charset="0"/>
-            </a:rPr>
-            <a:t>4 Mar 2022</a:t>
-          </a:r>
-        </a:p>
-      </dgm:t>
-    </dgm:pt>
-    <dgm:pt modelId="{886842C6-3EFC-4BE7-B417-415595758830}" type="parTrans" cxnId="{66B49C6C-FAFD-47B4-BF22-05A295C23D4E}">
-      <dgm:prSet/>
-      <dgm:spPr/>
-      <dgm:t>
-        <a:bodyPr/>
-        <a:lstStyle/>
-        <a:p>
-          <a:endParaRPr lang="en-US">
-            <a:solidFill>
-              <a:schemeClr val="bg1"/>
-            </a:solidFill>
-          </a:endParaRPr>
-        </a:p>
-      </dgm:t>
-    </dgm:pt>
-    <dgm:pt modelId="{B407F4C3-8FC9-4E91-A0EC-6B33713CC9A5}" type="sibTrans" cxnId="{66B49C6C-FAFD-47B4-BF22-05A295C23D4E}">
-      <dgm:prSet/>
-      <dgm:spPr/>
-      <dgm:t>
-        <a:bodyPr/>
-        <a:lstStyle/>
-        <a:p>
-          <a:endParaRPr lang="en-US">
-            <a:solidFill>
-              <a:schemeClr val="bg1"/>
-            </a:solidFill>
-          </a:endParaRPr>
-        </a:p>
-      </dgm:t>
-    </dgm:pt>
-    <dgm:pt modelId="{332BC85C-1CF3-4F8F-ACB7-5B6D53744AE1}">
-      <dgm:prSet phldr="0"/>
-      <dgm:spPr/>
-      <dgm:t>
-        <a:bodyPr/>
-        <a:lstStyle/>
-        <a:p>
-          <a:r>
-            <a:rPr lang="en-US" b="0" dirty="0">
-              <a:solidFill>
-                <a:schemeClr val="bg1"/>
-              </a:solidFill>
-              <a:latin typeface="Tenorite" pitchFamily="2" charset="0"/>
-            </a:rPr>
-            <a:t>Presentation of Topics</a:t>
-          </a:r>
-        </a:p>
-      </dgm:t>
-    </dgm:pt>
-    <dgm:pt modelId="{99F218FD-90FE-450E-A368-B3E3677E74E8}" type="parTrans" cxnId="{2617C475-F537-46A6-ADE1-4EB764853601}">
-      <dgm:prSet/>
-      <dgm:spPr/>
-      <dgm:t>
-        <a:bodyPr/>
-        <a:lstStyle/>
-        <a:p>
-          <a:endParaRPr lang="en-US">
-            <a:solidFill>
-              <a:schemeClr val="bg1"/>
-            </a:solidFill>
-          </a:endParaRPr>
-        </a:p>
-      </dgm:t>
-    </dgm:pt>
-    <dgm:pt modelId="{8D1CC686-B05C-4470-A959-236CC9C8BB70}" type="sibTrans" cxnId="{2617C475-F537-46A6-ADE1-4EB764853601}">
-      <dgm:prSet/>
-      <dgm:spPr/>
-      <dgm:t>
-        <a:bodyPr/>
-        <a:lstStyle/>
-        <a:p>
-          <a:endParaRPr lang="en-US">
-            <a:solidFill>
-              <a:schemeClr val="bg1"/>
-            </a:solidFill>
-          </a:endParaRPr>
-        </a:p>
-      </dgm:t>
-    </dgm:pt>
-    <dgm:pt modelId="{8B9AF88A-E1F7-4D3A-905F-87228D6A8655}">
-      <dgm:prSet phldr="0"/>
-      <dgm:spPr/>
-      <dgm:t>
-        <a:bodyPr/>
-        <a:lstStyle/>
-        <a:p>
-          <a:pPr>
-            <a:defRPr b="1"/>
-          </a:pPr>
-          <a:r>
-            <a:rPr lang="en-US" b="1" dirty="0">
-              <a:solidFill>
-                <a:schemeClr val="bg1"/>
-              </a:solidFill>
-              <a:latin typeface="Tenorite" pitchFamily="2" charset="0"/>
-            </a:rPr>
-            <a:t>10 Mar 2022</a:t>
-          </a:r>
-        </a:p>
-      </dgm:t>
-    </dgm:pt>
-    <dgm:pt modelId="{933A8FED-7B84-4ED0-B6AA-2EE26A89B8EA}" type="parTrans" cxnId="{E1474FF3-8E3C-4B30-985C-CE88BA0FE324}">
-      <dgm:prSet/>
-      <dgm:spPr/>
-      <dgm:t>
-        <a:bodyPr/>
-        <a:lstStyle/>
-        <a:p>
-          <a:endParaRPr lang="en-US">
-            <a:solidFill>
-              <a:schemeClr val="bg1"/>
-            </a:solidFill>
-          </a:endParaRPr>
-        </a:p>
-      </dgm:t>
-    </dgm:pt>
-    <dgm:pt modelId="{F11DD6EC-352C-4A0E-84AA-FEBE2F06BCF9}" type="sibTrans" cxnId="{E1474FF3-8E3C-4B30-985C-CE88BA0FE324}">
-      <dgm:prSet/>
-      <dgm:spPr/>
-      <dgm:t>
-        <a:bodyPr/>
-        <a:lstStyle/>
-        <a:p>
-          <a:endParaRPr lang="en-US">
-            <a:solidFill>
-              <a:schemeClr val="bg1"/>
-            </a:solidFill>
-          </a:endParaRPr>
-        </a:p>
-      </dgm:t>
-    </dgm:pt>
-    <dgm:pt modelId="{64A63B4A-A0D1-439C-8817-21A031734103}">
-      <dgm:prSet phldr="0"/>
-      <dgm:spPr/>
-      <dgm:t>
-        <a:bodyPr/>
-        <a:lstStyle/>
-        <a:p>
-          <a:r>
-            <a:rPr lang="en-US" b="0" dirty="0">
-              <a:solidFill>
-                <a:schemeClr val="bg1"/>
-              </a:solidFill>
-              <a:latin typeface="Tenorite" pitchFamily="2" charset="0"/>
-            </a:rPr>
-            <a:t>Selection of Platform</a:t>
-          </a:r>
-        </a:p>
-      </dgm:t>
-    </dgm:pt>
-    <dgm:pt modelId="{352D8E34-D0DF-4B5C-B45B-B8EE1EB1D55E}" type="parTrans" cxnId="{B042080D-4D1E-4F18-8505-8239D92EA8FD}">
-      <dgm:prSet/>
-      <dgm:spPr/>
-      <dgm:t>
-        <a:bodyPr/>
-        <a:lstStyle/>
-        <a:p>
-          <a:endParaRPr lang="en-IN"/>
-        </a:p>
-      </dgm:t>
-    </dgm:pt>
-    <dgm:pt modelId="{91B34E70-1EB0-4315-B157-CC3BBBB718A0}" type="sibTrans" cxnId="{B042080D-4D1E-4F18-8505-8239D92EA8FD}">
-      <dgm:prSet/>
-      <dgm:spPr/>
-      <dgm:t>
-        <a:bodyPr/>
-        <a:lstStyle/>
-        <a:p>
-          <a:endParaRPr lang="en-IN"/>
-        </a:p>
-      </dgm:t>
-    </dgm:pt>
-    <dgm:pt modelId="{B0C5E988-01D5-45CF-90C8-B719B6995EEB}">
-      <dgm:prSet phldr="0"/>
-      <dgm:spPr/>
-      <dgm:t>
-        <a:bodyPr/>
-        <a:lstStyle/>
-        <a:p>
-          <a:r>
-            <a:rPr lang="en-US" b="0" dirty="0">
-              <a:solidFill>
-                <a:schemeClr val="bg1"/>
-              </a:solidFill>
-              <a:latin typeface="Tenorite" pitchFamily="2" charset="0"/>
-            </a:rPr>
-            <a:t>Preparation of Presentation</a:t>
-          </a:r>
-        </a:p>
-      </dgm:t>
-    </dgm:pt>
-    <dgm:pt modelId="{18D76BC9-CB8F-4786-91AF-0AAAB66BC5DD}" type="parTrans" cxnId="{D2D4C11D-69C1-4291-82DD-968B7175125C}">
-      <dgm:prSet/>
-      <dgm:spPr/>
-      <dgm:t>
-        <a:bodyPr/>
-        <a:lstStyle/>
-        <a:p>
-          <a:endParaRPr lang="en-IN"/>
-        </a:p>
-      </dgm:t>
-    </dgm:pt>
-    <dgm:pt modelId="{E15267D2-7A02-4F92-BDBE-09B04F16599F}" type="sibTrans" cxnId="{D2D4C11D-69C1-4291-82DD-968B7175125C}">
-      <dgm:prSet/>
-      <dgm:spPr/>
-      <dgm:t>
-        <a:bodyPr/>
-        <a:lstStyle/>
-        <a:p>
-          <a:endParaRPr lang="en-IN"/>
-        </a:p>
-      </dgm:t>
-    </dgm:pt>
-    <dgm:pt modelId="{F27BF44A-34C8-4010-A606-D0395105D716}">
-      <dgm:prSet phldr="0"/>
-      <dgm:spPr/>
-      <dgm:t>
-        <a:bodyPr/>
-        <a:lstStyle/>
-        <a:p>
-          <a:r>
-            <a:rPr lang="en-US" b="0" dirty="0">
-              <a:solidFill>
-                <a:schemeClr val="bg1"/>
-              </a:solidFill>
-              <a:latin typeface="Tenorite" pitchFamily="2" charset="0"/>
-            </a:rPr>
-            <a:t>Collection of data and sources</a:t>
-          </a:r>
-        </a:p>
-      </dgm:t>
-    </dgm:pt>
-    <dgm:pt modelId="{94334FC3-72BE-40AC-95FF-1C139FD998B1}" type="parTrans" cxnId="{C2F395FD-D213-4F5C-B3BC-8506D7922085}">
-      <dgm:prSet/>
-      <dgm:spPr/>
-      <dgm:t>
-        <a:bodyPr/>
-        <a:lstStyle/>
-        <a:p>
-          <a:endParaRPr lang="en-IN"/>
-        </a:p>
-      </dgm:t>
-    </dgm:pt>
-    <dgm:pt modelId="{E464A021-EE42-4FA7-8046-CC09A9813FB5}" type="sibTrans" cxnId="{C2F395FD-D213-4F5C-B3BC-8506D7922085}">
-      <dgm:prSet/>
-      <dgm:spPr/>
-      <dgm:t>
-        <a:bodyPr/>
-        <a:lstStyle/>
-        <a:p>
-          <a:endParaRPr lang="en-IN"/>
-        </a:p>
-      </dgm:t>
-    </dgm:pt>
-    <dgm:pt modelId="{50BBFF9A-FBF5-471A-B16E-54E4134322A5}">
-      <dgm:prSet phldr="0"/>
-      <dgm:spPr/>
-      <dgm:t>
-        <a:bodyPr/>
-        <a:lstStyle/>
-        <a:p>
-          <a:r>
-            <a:rPr lang="en-US" b="0" dirty="0">
-              <a:solidFill>
-                <a:schemeClr val="bg1"/>
-              </a:solidFill>
-              <a:latin typeface="Tenorite" pitchFamily="2" charset="0"/>
-            </a:rPr>
-            <a:t>Finalization of Topic</a:t>
-          </a:r>
-        </a:p>
-      </dgm:t>
-    </dgm:pt>
-    <dgm:pt modelId="{DC7333CD-332E-4AD3-9DD2-7891C207CA95}" type="parTrans" cxnId="{90056B94-79FA-422C-B7DD-23AC30DB9E69}">
-      <dgm:prSet/>
-      <dgm:spPr/>
-      <dgm:t>
-        <a:bodyPr/>
-        <a:lstStyle/>
-        <a:p>
-          <a:endParaRPr lang="en-IN"/>
-        </a:p>
-      </dgm:t>
-    </dgm:pt>
-    <dgm:pt modelId="{95164EE1-6AA6-4AAF-830C-2AFCE67DFDAA}" type="sibTrans" cxnId="{90056B94-79FA-422C-B7DD-23AC30DB9E69}">
-      <dgm:prSet/>
-      <dgm:spPr/>
-      <dgm:t>
-        <a:bodyPr/>
-        <a:lstStyle/>
-        <a:p>
-          <a:endParaRPr lang="en-IN"/>
-        </a:p>
-      </dgm:t>
-    </dgm:pt>
-    <dgm:pt modelId="{AB4CB782-2A8C-4C77-AD5C-C57E7B452922}">
-      <dgm:prSet phldr="0"/>
-      <dgm:spPr/>
-      <dgm:t>
-        <a:bodyPr/>
-        <a:lstStyle/>
-        <a:p>
-          <a:r>
-            <a:rPr lang="en-US" b="0" dirty="0">
-              <a:solidFill>
-                <a:schemeClr val="bg1"/>
-              </a:solidFill>
-              <a:latin typeface="Tenorite" pitchFamily="2" charset="0"/>
-            </a:rPr>
-            <a:t>Preparation for developing the code</a:t>
-          </a:r>
-        </a:p>
-      </dgm:t>
-    </dgm:pt>
-    <dgm:pt modelId="{35BFCA2A-6394-49FD-B0BC-4DAC27BB64EB}" type="parTrans" cxnId="{10442783-05D1-42B4-9D86-5B7C2C3BEB9E}">
-      <dgm:prSet/>
-      <dgm:spPr/>
-      <dgm:t>
-        <a:bodyPr/>
-        <a:lstStyle/>
-        <a:p>
-          <a:endParaRPr lang="en-IN"/>
-        </a:p>
-      </dgm:t>
-    </dgm:pt>
-    <dgm:pt modelId="{B2E37A7D-FDD6-4AC9-B007-1EFD6E6CEE00}" type="sibTrans" cxnId="{10442783-05D1-42B4-9D86-5B7C2C3BEB9E}">
-      <dgm:prSet/>
-      <dgm:spPr/>
-      <dgm:t>
-        <a:bodyPr/>
-        <a:lstStyle/>
-        <a:p>
-          <a:endParaRPr lang="en-IN"/>
-        </a:p>
-      </dgm:t>
-    </dgm:pt>
-    <dgm:pt modelId="{35C0DDE6-EE64-40A4-A547-3740EB1B8F42}">
-      <dgm:prSet phldrT="[Text]" phldr="0"/>
-      <dgm:spPr/>
-      <dgm:t>
-        <a:bodyPr/>
-        <a:lstStyle/>
-        <a:p>
-          <a:r>
-            <a:rPr lang="en-US" b="1" dirty="0">
-              <a:solidFill>
-                <a:schemeClr val="bg1"/>
-              </a:solidFill>
-              <a:latin typeface="Tenorite" pitchFamily="2" charset="0"/>
-            </a:rPr>
-            <a:t>Running Trials</a:t>
-          </a:r>
-        </a:p>
-      </dgm:t>
-    </dgm:pt>
-    <dgm:pt modelId="{526AE646-6182-4A18-8EB6-38061A508EB3}" type="parTrans" cxnId="{730F676B-AB25-4D06-B31C-ACC9213F4C3C}">
-      <dgm:prSet/>
-      <dgm:spPr/>
-      <dgm:t>
-        <a:bodyPr/>
-        <a:lstStyle/>
-        <a:p>
-          <a:endParaRPr lang="en-IN"/>
-        </a:p>
-      </dgm:t>
-    </dgm:pt>
-    <dgm:pt modelId="{12D84187-9727-4B84-AB8D-440FA013E910}" type="sibTrans" cxnId="{730F676B-AB25-4D06-B31C-ACC9213F4C3C}">
-      <dgm:prSet/>
-      <dgm:spPr/>
-      <dgm:t>
-        <a:bodyPr/>
-        <a:lstStyle/>
-        <a:p>
-          <a:endParaRPr lang="en-IN"/>
-        </a:p>
-      </dgm:t>
-    </dgm:pt>
-    <dgm:pt modelId="{A2482D01-1362-47FE-B9A5-FDB45570FE3C}">
-      <dgm:prSet phldrT="[Text]" phldr="0"/>
-      <dgm:spPr/>
-      <dgm:t>
-        <a:bodyPr/>
-        <a:lstStyle/>
-        <a:p>
-          <a:r>
-            <a:rPr lang="en-US" b="1" dirty="0">
-              <a:solidFill>
-                <a:schemeClr val="bg1"/>
-              </a:solidFill>
-              <a:latin typeface="Tenorite" pitchFamily="2" charset="0"/>
-            </a:rPr>
-            <a:t>Preparation for the final topic</a:t>
-          </a:r>
-        </a:p>
-      </dgm:t>
-    </dgm:pt>
-    <dgm:pt modelId="{039C491B-D2A9-4DED-9B1B-C6B174E5539D}" type="parTrans" cxnId="{98A19548-EC7A-44EB-8927-62BAA0788A8E}">
-      <dgm:prSet/>
-      <dgm:spPr/>
-      <dgm:t>
-        <a:bodyPr/>
-        <a:lstStyle/>
-        <a:p>
-          <a:endParaRPr lang="en-IN"/>
-        </a:p>
-      </dgm:t>
-    </dgm:pt>
-    <dgm:pt modelId="{E9093F27-1ACE-4807-B425-0D7D54509849}" type="sibTrans" cxnId="{98A19548-EC7A-44EB-8927-62BAA0788A8E}">
-      <dgm:prSet/>
-      <dgm:spPr/>
-      <dgm:t>
-        <a:bodyPr/>
-        <a:lstStyle/>
-        <a:p>
-          <a:endParaRPr lang="en-IN"/>
-        </a:p>
-      </dgm:t>
-    </dgm:pt>
-    <dgm:pt modelId="{F85715AE-D108-46CF-B0E1-05F7E200D0A0}">
-      <dgm:prSet phldrT="[Text]" phldr="0"/>
-      <dgm:spPr/>
-      <dgm:t>
-        <a:bodyPr/>
-        <a:lstStyle/>
-        <a:p>
-          <a:r>
-            <a:rPr lang="en-US" b="1" dirty="0">
-              <a:solidFill>
-                <a:schemeClr val="bg1"/>
-              </a:solidFill>
-              <a:latin typeface="Tenorite" pitchFamily="2" charset="0"/>
-            </a:rPr>
-            <a:t>Testing and debugging of the codes </a:t>
-          </a:r>
-        </a:p>
-      </dgm:t>
-    </dgm:pt>
-    <dgm:pt modelId="{E510C7C2-31AF-4510-9448-80A0D625289B}" type="parTrans" cxnId="{C931072C-C508-4D13-B80B-CE52FAE52B32}">
-      <dgm:prSet/>
-      <dgm:spPr/>
-      <dgm:t>
-        <a:bodyPr/>
-        <a:lstStyle/>
-        <a:p>
-          <a:endParaRPr lang="en-IN"/>
-        </a:p>
-      </dgm:t>
-    </dgm:pt>
-    <dgm:pt modelId="{0CBA1FD3-75C0-4CAE-B226-197C3021F28F}" type="sibTrans" cxnId="{C931072C-C508-4D13-B80B-CE52FAE52B32}">
-      <dgm:prSet/>
-      <dgm:spPr/>
-      <dgm:t>
-        <a:bodyPr/>
-        <a:lstStyle/>
-        <a:p>
-          <a:endParaRPr lang="en-IN"/>
-        </a:p>
-      </dgm:t>
-    </dgm:pt>
-    <dgm:pt modelId="{342468C7-7F22-4542-AF27-6E53C663E66E}">
-      <dgm:prSet phldrT="[Text]" phldr="0"/>
-      <dgm:spPr/>
-      <dgm:t>
-        <a:bodyPr/>
-        <a:lstStyle/>
-        <a:p>
-          <a:pPr>
-            <a:defRPr b="1"/>
-          </a:pPr>
-          <a:r>
-            <a:rPr lang="en-US" b="1" dirty="0">
-              <a:solidFill>
-                <a:schemeClr val="bg1"/>
-              </a:solidFill>
-              <a:latin typeface="Tenorite" pitchFamily="2" charset="0"/>
-            </a:rPr>
-            <a:t>12 Mar 2022</a:t>
-          </a:r>
-        </a:p>
-      </dgm:t>
-    </dgm:pt>
-    <dgm:pt modelId="{8B68DFB6-FDB5-49AE-989C-AEFC6C7A1179}" type="parTrans" cxnId="{19D12DD4-F36F-4749-BF27-9B4F28F8826B}">
-      <dgm:prSet/>
-      <dgm:spPr/>
-      <dgm:t>
-        <a:bodyPr/>
-        <a:lstStyle/>
-        <a:p>
-          <a:endParaRPr lang="en-IN"/>
-        </a:p>
-      </dgm:t>
-    </dgm:pt>
-    <dgm:pt modelId="{A3235976-1CBB-4467-BF2C-1FBDA282BDBA}" type="sibTrans" cxnId="{19D12DD4-F36F-4749-BF27-9B4F28F8826B}">
-      <dgm:prSet/>
-      <dgm:spPr/>
-      <dgm:t>
-        <a:bodyPr/>
-        <a:lstStyle/>
-        <a:p>
-          <a:endParaRPr lang="en-IN"/>
-        </a:p>
-      </dgm:t>
-    </dgm:pt>
-    <dgm:pt modelId="{DE73526F-88C1-4C43-BB5F-69F703084981}">
-      <dgm:prSet phldrT="[Text]" phldr="0"/>
-      <dgm:spPr/>
-      <dgm:t>
-        <a:bodyPr/>
-        <a:lstStyle/>
-        <a:p>
-          <a:r>
-            <a:rPr lang="en-US" b="1" dirty="0">
-              <a:solidFill>
-                <a:schemeClr val="bg1"/>
-              </a:solidFill>
-              <a:latin typeface="Tenorite" pitchFamily="2" charset="0"/>
-            </a:rPr>
-            <a:t>Demo runs</a:t>
-          </a:r>
-        </a:p>
-      </dgm:t>
-    </dgm:pt>
-    <dgm:pt modelId="{F78817ED-5018-488F-9FB2-A29A71FD52C6}" type="parTrans" cxnId="{0EDEBA52-D18B-424E-AE0C-8D887712F239}">
-      <dgm:prSet/>
-      <dgm:spPr/>
-      <dgm:t>
-        <a:bodyPr/>
-        <a:lstStyle/>
-        <a:p>
-          <a:endParaRPr lang="en-IN"/>
-        </a:p>
-      </dgm:t>
-    </dgm:pt>
-    <dgm:pt modelId="{211DEC90-6308-42E4-8CCD-ACF474E242AB}" type="sibTrans" cxnId="{0EDEBA52-D18B-424E-AE0C-8D887712F239}">
-      <dgm:prSet/>
-      <dgm:spPr/>
-      <dgm:t>
-        <a:bodyPr/>
-        <a:lstStyle/>
-        <a:p>
-          <a:endParaRPr lang="en-IN"/>
-        </a:p>
-      </dgm:t>
-    </dgm:pt>
-    <dgm:pt modelId="{B8A67E8E-3EBA-40CC-B563-435C1CE75F0A}">
-      <dgm:prSet phldrT="[Text]" phldr="0"/>
-      <dgm:spPr/>
-      <dgm:t>
-        <a:bodyPr/>
-        <a:lstStyle/>
-        <a:p>
-          <a:r>
-            <a:rPr lang="en-US" b="1" dirty="0">
-              <a:solidFill>
-                <a:schemeClr val="bg1"/>
-              </a:solidFill>
-              <a:latin typeface="Tenorite" pitchFamily="2" charset="0"/>
-            </a:rPr>
-            <a:t>Presentation of the Code</a:t>
-          </a:r>
-        </a:p>
-      </dgm:t>
-    </dgm:pt>
-    <dgm:pt modelId="{B5F398A5-63F3-448A-A889-292A94E84FCA}" type="parTrans" cxnId="{F77786BF-E85F-467F-B87A-A953ADBD685D}">
-      <dgm:prSet/>
-      <dgm:spPr/>
-      <dgm:t>
-        <a:bodyPr/>
-        <a:lstStyle/>
-        <a:p>
-          <a:endParaRPr lang="en-IN"/>
-        </a:p>
-      </dgm:t>
-    </dgm:pt>
-    <dgm:pt modelId="{8BA15E17-4090-4247-9D17-2545CE8162A0}" type="sibTrans" cxnId="{F77786BF-E85F-467F-B87A-A953ADBD685D}">
-      <dgm:prSet/>
-      <dgm:spPr/>
-      <dgm:t>
-        <a:bodyPr/>
-        <a:lstStyle/>
-        <a:p>
-          <a:endParaRPr lang="en-IN"/>
-        </a:p>
-      </dgm:t>
-    </dgm:pt>
-    <dgm:pt modelId="{766A1A64-7612-4016-986C-99A8080449B0}">
-      <dgm:prSet phldrT="[Text]" phldr="0"/>
-      <dgm:spPr/>
-      <dgm:t>
-        <a:bodyPr/>
-        <a:lstStyle/>
-        <a:p>
-          <a:r>
-            <a:rPr lang="en-US" b="1" dirty="0">
-              <a:solidFill>
-                <a:schemeClr val="bg1"/>
-              </a:solidFill>
-              <a:latin typeface="Tenorite" pitchFamily="2" charset="0"/>
-            </a:rPr>
-            <a:t>Presentation of PPT</a:t>
-          </a:r>
-        </a:p>
-      </dgm:t>
-    </dgm:pt>
-    <dgm:pt modelId="{A4336FF5-9F71-40CE-824F-B29380D0A88A}" type="parTrans" cxnId="{E3338B6C-C5BD-41B2-AA41-1CFC46C4050F}">
-      <dgm:prSet/>
-      <dgm:spPr/>
-      <dgm:t>
-        <a:bodyPr/>
-        <a:lstStyle/>
-        <a:p>
-          <a:endParaRPr lang="en-IN"/>
-        </a:p>
-      </dgm:t>
-    </dgm:pt>
-    <dgm:pt modelId="{89717291-7ECB-4C23-B203-1686724EF31F}" type="sibTrans" cxnId="{E3338B6C-C5BD-41B2-AA41-1CFC46C4050F}">
-      <dgm:prSet/>
-      <dgm:spPr/>
-      <dgm:t>
-        <a:bodyPr/>
-        <a:lstStyle/>
-        <a:p>
-          <a:endParaRPr lang="en-IN"/>
-        </a:p>
-      </dgm:t>
-    </dgm:pt>
-    <dgm:pt modelId="{F4EB8E9E-7DEB-446F-B127-88D3CC0E6E01}">
-      <dgm:prSet phldrT="[Text]" phldr="0"/>
-      <dgm:spPr/>
-      <dgm:t>
-        <a:bodyPr/>
-        <a:lstStyle/>
-        <a:p>
-          <a:r>
-            <a:rPr lang="en-US" b="1" dirty="0">
-              <a:solidFill>
-                <a:schemeClr val="bg1"/>
-              </a:solidFill>
-              <a:latin typeface="Tenorite" pitchFamily="2" charset="0"/>
-            </a:rPr>
-            <a:t>Submission of Synopsis</a:t>
-          </a:r>
-        </a:p>
-      </dgm:t>
-    </dgm:pt>
-    <dgm:pt modelId="{25A4FBEF-24FE-47C2-9508-E610DB39DB75}" type="parTrans" cxnId="{D06DA19F-F3CE-48D7-B255-F6747045F9F5}">
-      <dgm:prSet/>
-      <dgm:spPr/>
-      <dgm:t>
-        <a:bodyPr/>
-        <a:lstStyle/>
-        <a:p>
-          <a:endParaRPr lang="en-IN"/>
-        </a:p>
-      </dgm:t>
-    </dgm:pt>
-    <dgm:pt modelId="{7F5B234F-D1B5-4232-84F4-01B4068582D4}" type="sibTrans" cxnId="{D06DA19F-F3CE-48D7-B255-F6747045F9F5}">
-      <dgm:prSet/>
-      <dgm:spPr/>
-      <dgm:t>
-        <a:bodyPr/>
-        <a:lstStyle/>
-        <a:p>
-          <a:endParaRPr lang="en-IN"/>
-        </a:p>
-      </dgm:t>
-    </dgm:pt>
-    <dgm:pt modelId="{6E9F3C9B-13CA-43A8-8836-0B2B41D07DEF}" type="pres">
-      <dgm:prSet presAssocID="{05A24E01-5535-46B9-A9A1-A9A07E639A88}" presName="root" presStyleCnt="0">
-        <dgm:presLayoutVars>
-          <dgm:chMax/>
-          <dgm:chPref/>
-          <dgm:animLvl val="lvl"/>
-        </dgm:presLayoutVars>
-      </dgm:prSet>
-      <dgm:spPr/>
-    </dgm:pt>
-    <dgm:pt modelId="{E8AACCBB-6709-4071-B389-3BB226B3A586}" type="pres">
-      <dgm:prSet presAssocID="{05A24E01-5535-46B9-A9A1-A9A07E639A88}" presName="divider" presStyleLbl="fgAcc1" presStyleIdx="0" presStyleCnt="7"/>
-      <dgm:spPr>
-        <a:solidFill>
-          <a:schemeClr val="lt1">
-            <a:alpha val="90000"/>
-            <a:hueOff val="0"/>
-            <a:satOff val="0"/>
-            <a:lumOff val="0"/>
-            <a:alphaOff val="0"/>
-          </a:schemeClr>
-        </a:solidFill>
-        <a:ln w="19050" cap="flat" cmpd="sng" algn="ctr">
-          <a:solidFill>
-            <a:schemeClr val="accent2">
-              <a:alpha val="90000"/>
-              <a:hueOff val="0"/>
-              <a:satOff val="0"/>
-              <a:lumOff val="0"/>
-              <a:alphaOff val="0"/>
-            </a:schemeClr>
-          </a:solidFill>
-          <a:prstDash val="solid"/>
-          <a:miter lim="800000"/>
-          <a:tailEnd type="triangle" w="lg" len="lg"/>
-        </a:ln>
-        <a:effectLst/>
-      </dgm:spPr>
-    </dgm:pt>
-    <dgm:pt modelId="{E6F74CED-5217-4282-85F1-1C12DC84731C}" type="pres">
-      <dgm:prSet presAssocID="{05A24E01-5535-46B9-A9A1-A9A07E639A88}" presName="nodes" presStyleCnt="0">
-        <dgm:presLayoutVars>
-          <dgm:chMax/>
-          <dgm:chPref/>
-          <dgm:animLvl val="lvl"/>
-        </dgm:presLayoutVars>
-      </dgm:prSet>
-      <dgm:spPr/>
-    </dgm:pt>
-    <dgm:pt modelId="{AC377099-4DAE-451C-ADE9-98036E2679B5}" type="pres">
-      <dgm:prSet presAssocID="{58FF46FB-368D-4E9C-A650-0513B8879DA8}" presName="composite" presStyleCnt="0"/>
-      <dgm:spPr/>
-    </dgm:pt>
-    <dgm:pt modelId="{B6C94ECD-6415-4250-B4AD-F67BF5BECFB8}" type="pres">
-      <dgm:prSet presAssocID="{58FF46FB-368D-4E9C-A650-0513B8879DA8}" presName="ConnectorPoint" presStyleLbl="lnNode1" presStyleIdx="0" presStyleCnt="6"/>
-      <dgm:spPr>
-        <a:solidFill>
-          <a:schemeClr val="accent2">
-            <a:shade val="90000"/>
-            <a:hueOff val="0"/>
-            <a:satOff val="0"/>
-            <a:lumOff val="0"/>
-            <a:alphaOff val="0"/>
-          </a:schemeClr>
-        </a:solidFill>
-        <a:ln w="6350" cap="flat" cmpd="sng" algn="ctr">
-          <a:noFill/>
-          <a:prstDash val="solid"/>
-          <a:miter lim="800000"/>
-        </a:ln>
-        <a:effectLst/>
-      </dgm:spPr>
-    </dgm:pt>
-    <dgm:pt modelId="{0E99BB09-1B86-4308-A570-3981E6DD3A06}" type="pres">
-      <dgm:prSet presAssocID="{58FF46FB-368D-4E9C-A650-0513B8879DA8}" presName="DropPinPlaceHolder" presStyleCnt="0"/>
-      <dgm:spPr/>
-    </dgm:pt>
-    <dgm:pt modelId="{0ED6E8D6-BD44-4400-BC14-1BC75CB979A3}" type="pres">
-      <dgm:prSet presAssocID="{58FF46FB-368D-4E9C-A650-0513B8879DA8}" presName="DropPin" presStyleLbl="alignNode1" presStyleIdx="0" presStyleCnt="6"/>
-      <dgm:spPr>
-        <a:solidFill>
-          <a:schemeClr val="accent2"/>
-        </a:solidFill>
-      </dgm:spPr>
-    </dgm:pt>
-    <dgm:pt modelId="{5B7FC7CF-F58D-48D5-8BCC-38D6EE87890B}" type="pres">
-      <dgm:prSet presAssocID="{58FF46FB-368D-4E9C-A650-0513B8879DA8}" presName="Ellipse" presStyleLbl="fgAcc1" presStyleIdx="1" presStyleCnt="7"/>
-      <dgm:spPr>
-        <a:solidFill>
-          <a:schemeClr val="accent1">
-            <a:alpha val="90000"/>
-          </a:schemeClr>
-        </a:solidFill>
-        <a:ln w="12700" cap="flat" cmpd="sng" algn="ctr">
-          <a:noFill/>
-          <a:prstDash val="solid"/>
-          <a:miter lim="800000"/>
-        </a:ln>
-        <a:effectLst/>
-      </dgm:spPr>
-    </dgm:pt>
-    <dgm:pt modelId="{D2143A46-815A-49BF-9455-C0385022444F}" type="pres">
-      <dgm:prSet presAssocID="{58FF46FB-368D-4E9C-A650-0513B8879DA8}" presName="L2TextContainer" presStyleLbl="revTx" presStyleIdx="0" presStyleCnt="12">
-        <dgm:presLayoutVars>
-          <dgm:bulletEnabled val="1"/>
-        </dgm:presLayoutVars>
-      </dgm:prSet>
-      <dgm:spPr/>
-    </dgm:pt>
-    <dgm:pt modelId="{8E3FB235-DF38-476B-9A0E-B1E583D50944}" type="pres">
-      <dgm:prSet presAssocID="{58FF46FB-368D-4E9C-A650-0513B8879DA8}" presName="L1TextContainer" presStyleLbl="revTx" presStyleIdx="1" presStyleCnt="12" custScaleX="85387">
-        <dgm:presLayoutVars>
-          <dgm:chMax val="1"/>
-          <dgm:chPref val="1"/>
-          <dgm:bulletEnabled val="1"/>
-        </dgm:presLayoutVars>
-      </dgm:prSet>
-      <dgm:spPr/>
-    </dgm:pt>
-    <dgm:pt modelId="{9AA05CE5-209F-4AD9-BE2C-2A69F76DA8F4}" type="pres">
-      <dgm:prSet presAssocID="{58FF46FB-368D-4E9C-A650-0513B8879DA8}" presName="ConnectLine" presStyleLbl="sibTrans1D1" presStyleIdx="0" presStyleCnt="6"/>
-      <dgm:spPr>
-        <a:noFill/>
-        <a:ln w="12700" cap="flat" cmpd="sng" algn="ctr">
-          <a:solidFill>
-            <a:schemeClr val="accent2"/>
-          </a:solidFill>
-          <a:prstDash val="dash"/>
-          <a:miter lim="800000"/>
-        </a:ln>
-        <a:effectLst/>
-      </dgm:spPr>
-    </dgm:pt>
-    <dgm:pt modelId="{17350C28-DA10-4F3B-9FA2-0FE7C12A4ABE}" type="pres">
-      <dgm:prSet presAssocID="{58FF46FB-368D-4E9C-A650-0513B8879DA8}" presName="EmptyPlaceHolder" presStyleCnt="0"/>
-      <dgm:spPr/>
-    </dgm:pt>
-    <dgm:pt modelId="{6DA7B85E-9DC6-4F3B-A2BF-09CDEEDB43BC}" type="pres">
-      <dgm:prSet presAssocID="{CFA40740-0682-470C-AD5A-CFF53CD12BD2}" presName="spaceBetweenRectangles" presStyleCnt="0"/>
-      <dgm:spPr/>
-    </dgm:pt>
-    <dgm:pt modelId="{CF519A69-9940-494F-8406-D0D876E3CD26}" type="pres">
-      <dgm:prSet presAssocID="{D05E1923-5021-40F7-B4EF-E582E23A699D}" presName="composite" presStyleCnt="0"/>
-      <dgm:spPr/>
-    </dgm:pt>
-    <dgm:pt modelId="{714429FF-AAA3-4358-8C5F-1A7F29AA2B7B}" type="pres">
-      <dgm:prSet presAssocID="{D05E1923-5021-40F7-B4EF-E582E23A699D}" presName="ConnectorPoint" presStyleLbl="lnNode1" presStyleIdx="1" presStyleCnt="6"/>
-      <dgm:spPr>
-        <a:solidFill>
-          <a:schemeClr val="accent2"/>
-        </a:solidFill>
-        <a:ln w="6350" cap="flat" cmpd="sng" algn="ctr">
-          <a:noFill/>
-          <a:prstDash val="solid"/>
-          <a:miter lim="800000"/>
-        </a:ln>
-        <a:effectLst/>
-      </dgm:spPr>
-    </dgm:pt>
-    <dgm:pt modelId="{AB8B1E8E-162B-4E3E-9E31-BA5CFBD3ED9D}" type="pres">
-      <dgm:prSet presAssocID="{D05E1923-5021-40F7-B4EF-E582E23A699D}" presName="DropPinPlaceHolder" presStyleCnt="0"/>
-      <dgm:spPr/>
-    </dgm:pt>
-    <dgm:pt modelId="{358CAA11-0A87-4861-8B4E-913B1EAD1334}" type="pres">
-      <dgm:prSet presAssocID="{D05E1923-5021-40F7-B4EF-E582E23A699D}" presName="DropPin" presStyleLbl="alignNode1" presStyleIdx="1" presStyleCnt="6"/>
-      <dgm:spPr>
-        <a:solidFill>
-          <a:schemeClr val="accent2"/>
-        </a:solidFill>
-      </dgm:spPr>
-    </dgm:pt>
-    <dgm:pt modelId="{B1A1A837-F261-404B-A808-B2F4154CE8A2}" type="pres">
-      <dgm:prSet presAssocID="{D05E1923-5021-40F7-B4EF-E582E23A699D}" presName="Ellipse" presStyleLbl="fgAcc1" presStyleIdx="2" presStyleCnt="7"/>
-      <dgm:spPr>
-        <a:solidFill>
-          <a:schemeClr val="accent1">
-            <a:alpha val="90000"/>
-          </a:schemeClr>
-        </a:solidFill>
-        <a:ln w="12700" cap="flat" cmpd="sng" algn="ctr">
-          <a:noFill/>
-          <a:prstDash val="solid"/>
-          <a:miter lim="800000"/>
-        </a:ln>
-        <a:effectLst/>
-      </dgm:spPr>
-    </dgm:pt>
-    <dgm:pt modelId="{B5F3F650-2E42-488A-AD4F-C4BD47D19A84}" type="pres">
-      <dgm:prSet presAssocID="{D05E1923-5021-40F7-B4EF-E582E23A699D}" presName="L2TextContainer" presStyleLbl="revTx" presStyleIdx="2" presStyleCnt="12">
-        <dgm:presLayoutVars>
-          <dgm:bulletEnabled val="1"/>
-        </dgm:presLayoutVars>
-      </dgm:prSet>
-      <dgm:spPr/>
-    </dgm:pt>
-    <dgm:pt modelId="{223C5207-4FA2-4A6C-8F43-20BD55767C99}" type="pres">
-      <dgm:prSet presAssocID="{D05E1923-5021-40F7-B4EF-E582E23A699D}" presName="L1TextContainer" presStyleLbl="revTx" presStyleIdx="3" presStyleCnt="12" custScaleX="85387">
-        <dgm:presLayoutVars>
-          <dgm:chMax val="1"/>
-          <dgm:chPref val="1"/>
-          <dgm:bulletEnabled val="1"/>
-        </dgm:presLayoutVars>
-      </dgm:prSet>
-      <dgm:spPr/>
-    </dgm:pt>
-    <dgm:pt modelId="{4FE5EB5D-4CEF-4D0D-9394-0534E61844BE}" type="pres">
-      <dgm:prSet presAssocID="{D05E1923-5021-40F7-B4EF-E582E23A699D}" presName="ConnectLine" presStyleLbl="sibTrans1D1" presStyleIdx="1" presStyleCnt="6"/>
-      <dgm:spPr>
-        <a:noFill/>
-        <a:ln w="12700" cap="flat" cmpd="sng" algn="ctr">
-          <a:solidFill>
-            <a:schemeClr val="accent2"/>
-          </a:solidFill>
-          <a:prstDash val="dash"/>
-          <a:miter lim="800000"/>
-        </a:ln>
-        <a:effectLst/>
-      </dgm:spPr>
-    </dgm:pt>
-    <dgm:pt modelId="{EC869059-0AEC-4D98-8C46-CB603A342C72}" type="pres">
-      <dgm:prSet presAssocID="{D05E1923-5021-40F7-B4EF-E582E23A699D}" presName="EmptyPlaceHolder" presStyleCnt="0"/>
-      <dgm:spPr/>
-    </dgm:pt>
-    <dgm:pt modelId="{408BA715-9739-461D-BFDE-88EDAE355E60}" type="pres">
-      <dgm:prSet presAssocID="{F020958C-EF86-4274-85F9-318F2792F7B6}" presName="spaceBetweenRectangles" presStyleCnt="0"/>
-      <dgm:spPr/>
-    </dgm:pt>
-    <dgm:pt modelId="{D512C7F9-87A6-4BA9-AFAC-03FF1578D945}" type="pres">
-      <dgm:prSet presAssocID="{FA8F44BD-C8C7-462C-9756-1EC498E86842}" presName="composite" presStyleCnt="0"/>
-      <dgm:spPr/>
-    </dgm:pt>
-    <dgm:pt modelId="{152AD014-AFD0-4700-A468-4D562874339A}" type="pres">
-      <dgm:prSet presAssocID="{FA8F44BD-C8C7-462C-9756-1EC498E86842}" presName="ConnectorPoint" presStyleLbl="lnNode1" presStyleIdx="2" presStyleCnt="6"/>
-      <dgm:spPr>
-        <a:solidFill>
-          <a:schemeClr val="accent2"/>
-        </a:solidFill>
-        <a:ln w="6350" cap="flat" cmpd="sng" algn="ctr">
-          <a:noFill/>
-          <a:prstDash val="solid"/>
-          <a:miter lim="800000"/>
-        </a:ln>
-        <a:effectLst/>
-      </dgm:spPr>
-    </dgm:pt>
-    <dgm:pt modelId="{6CE2C4D8-4380-442D-A6C2-0B468BF3C74C}" type="pres">
-      <dgm:prSet presAssocID="{FA8F44BD-C8C7-462C-9756-1EC498E86842}" presName="DropPinPlaceHolder" presStyleCnt="0"/>
-      <dgm:spPr/>
-    </dgm:pt>
-    <dgm:pt modelId="{72C82E90-F103-439C-8371-CFFB0927B9DE}" type="pres">
-      <dgm:prSet presAssocID="{FA8F44BD-C8C7-462C-9756-1EC498E86842}" presName="DropPin" presStyleLbl="alignNode1" presStyleIdx="2" presStyleCnt="6"/>
-      <dgm:spPr>
-        <a:solidFill>
-          <a:schemeClr val="accent2"/>
-        </a:solidFill>
-      </dgm:spPr>
-    </dgm:pt>
-    <dgm:pt modelId="{5D519322-C1DD-47AE-92C0-13575134BC76}" type="pres">
-      <dgm:prSet presAssocID="{FA8F44BD-C8C7-462C-9756-1EC498E86842}" presName="Ellipse" presStyleLbl="fgAcc1" presStyleIdx="3" presStyleCnt="7"/>
-      <dgm:spPr>
-        <a:solidFill>
-          <a:schemeClr val="accent1">
-            <a:alpha val="90000"/>
-          </a:schemeClr>
-        </a:solidFill>
-        <a:ln w="12700" cap="flat" cmpd="sng" algn="ctr">
-          <a:noFill/>
-          <a:prstDash val="solid"/>
-          <a:miter lim="800000"/>
-        </a:ln>
-        <a:effectLst/>
-      </dgm:spPr>
-    </dgm:pt>
-    <dgm:pt modelId="{96DDA0FE-83E2-423C-9F13-58A61EB68487}" type="pres">
-      <dgm:prSet presAssocID="{FA8F44BD-C8C7-462C-9756-1EC498E86842}" presName="L2TextContainer" presStyleLbl="revTx" presStyleIdx="4" presStyleCnt="12">
-        <dgm:presLayoutVars>
-          <dgm:bulletEnabled val="1"/>
-        </dgm:presLayoutVars>
-      </dgm:prSet>
-      <dgm:spPr/>
-    </dgm:pt>
-    <dgm:pt modelId="{2D6C7916-1130-46A8-833B-A6278CBD2192}" type="pres">
-      <dgm:prSet presAssocID="{FA8F44BD-C8C7-462C-9756-1EC498E86842}" presName="L1TextContainer" presStyleLbl="revTx" presStyleIdx="5" presStyleCnt="12" custScaleX="85387" custLinFactNeighborX="0">
-        <dgm:presLayoutVars>
-          <dgm:chMax val="1"/>
-          <dgm:chPref val="1"/>
-          <dgm:bulletEnabled val="1"/>
-        </dgm:presLayoutVars>
-      </dgm:prSet>
-      <dgm:spPr/>
-    </dgm:pt>
-    <dgm:pt modelId="{4D953791-5C2F-4A75-A8F4-6ED7EAB5E015}" type="pres">
-      <dgm:prSet presAssocID="{FA8F44BD-C8C7-462C-9756-1EC498E86842}" presName="ConnectLine" presStyleLbl="sibTrans1D1" presStyleIdx="2" presStyleCnt="6"/>
-      <dgm:spPr>
-        <a:noFill/>
-        <a:ln w="12700" cap="flat" cmpd="sng" algn="ctr">
-          <a:solidFill>
-            <a:schemeClr val="accent2"/>
-          </a:solidFill>
-          <a:prstDash val="dash"/>
-          <a:miter lim="800000"/>
-        </a:ln>
-        <a:effectLst/>
-      </dgm:spPr>
-    </dgm:pt>
-    <dgm:pt modelId="{22A72E40-4DCC-4F48-AADD-29738FD37A2C}" type="pres">
-      <dgm:prSet presAssocID="{FA8F44BD-C8C7-462C-9756-1EC498E86842}" presName="EmptyPlaceHolder" presStyleCnt="0"/>
-      <dgm:spPr/>
-    </dgm:pt>
-    <dgm:pt modelId="{E168BB9F-20D9-474F-9E39-4872B40634C6}" type="pres">
-      <dgm:prSet presAssocID="{8C8A9736-03DA-4B1C-A590-10B4AD89452B}" presName="spaceBetweenRectangles" presStyleCnt="0"/>
-      <dgm:spPr/>
-    </dgm:pt>
-    <dgm:pt modelId="{A62622B1-7EF4-49B6-9AC7-B54F0E2A0C74}" type="pres">
-      <dgm:prSet presAssocID="{8BAB5E6F-A65E-41DB-A296-0818B0E49F7C}" presName="composite" presStyleCnt="0"/>
-      <dgm:spPr/>
-    </dgm:pt>
-    <dgm:pt modelId="{14282312-87CB-41BB-A02D-C594BBEF33C7}" type="pres">
-      <dgm:prSet presAssocID="{8BAB5E6F-A65E-41DB-A296-0818B0E49F7C}" presName="ConnectorPoint" presStyleLbl="lnNode1" presStyleIdx="3" presStyleCnt="6"/>
-      <dgm:spPr>
-        <a:solidFill>
-          <a:schemeClr val="accent2"/>
-        </a:solidFill>
-        <a:ln w="6350" cap="flat" cmpd="sng" algn="ctr">
-          <a:noFill/>
-          <a:prstDash val="solid"/>
-          <a:miter lim="800000"/>
-        </a:ln>
-        <a:effectLst/>
-      </dgm:spPr>
-    </dgm:pt>
-    <dgm:pt modelId="{D554C1A5-AF8E-41FC-A779-25BD6B11F91F}" type="pres">
-      <dgm:prSet presAssocID="{8BAB5E6F-A65E-41DB-A296-0818B0E49F7C}" presName="DropPinPlaceHolder" presStyleCnt="0"/>
-      <dgm:spPr/>
-    </dgm:pt>
-    <dgm:pt modelId="{17331DD9-74CF-4A3A-86BA-F4B9DBEAB944}" type="pres">
-      <dgm:prSet presAssocID="{8BAB5E6F-A65E-41DB-A296-0818B0E49F7C}" presName="DropPin" presStyleLbl="alignNode1" presStyleIdx="3" presStyleCnt="6" custLinFactY="84415" custLinFactNeighborX="5961" custLinFactNeighborY="100000"/>
-      <dgm:spPr>
-        <a:solidFill>
-          <a:schemeClr val="accent2"/>
-        </a:solidFill>
-      </dgm:spPr>
-    </dgm:pt>
-    <dgm:pt modelId="{515AAB83-BD07-4B9E-9A3B-858C0B126F9C}" type="pres">
-      <dgm:prSet presAssocID="{8BAB5E6F-A65E-41DB-A296-0818B0E49F7C}" presName="Ellipse" presStyleLbl="fgAcc1" presStyleIdx="4" presStyleCnt="7"/>
-      <dgm:spPr>
-        <a:solidFill>
-          <a:schemeClr val="accent1">
-            <a:alpha val="90000"/>
-          </a:schemeClr>
-        </a:solidFill>
-        <a:ln w="12700" cap="flat" cmpd="sng" algn="ctr">
-          <a:noFill/>
-          <a:prstDash val="solid"/>
-          <a:miter lim="800000"/>
-        </a:ln>
-        <a:effectLst/>
-      </dgm:spPr>
-    </dgm:pt>
-    <dgm:pt modelId="{08CB2D5A-F46A-4E0E-9575-15F31D04AAC6}" type="pres">
-      <dgm:prSet presAssocID="{8BAB5E6F-A65E-41DB-A296-0818B0E49F7C}" presName="L2TextContainer" presStyleLbl="revTx" presStyleIdx="6" presStyleCnt="12">
-        <dgm:presLayoutVars>
-          <dgm:bulletEnabled val="1"/>
-        </dgm:presLayoutVars>
-      </dgm:prSet>
-      <dgm:spPr/>
-    </dgm:pt>
-    <dgm:pt modelId="{7C1E6B4A-59F7-4018-A403-E1CCAEE78BA1}" type="pres">
-      <dgm:prSet presAssocID="{8BAB5E6F-A65E-41DB-A296-0818B0E49F7C}" presName="L1TextContainer" presStyleLbl="revTx" presStyleIdx="7" presStyleCnt="12" custScaleX="85387" custLinFactNeighborY="84152">
-        <dgm:presLayoutVars>
-          <dgm:chMax val="1"/>
-          <dgm:chPref val="1"/>
-          <dgm:bulletEnabled val="1"/>
-        </dgm:presLayoutVars>
-      </dgm:prSet>
-      <dgm:spPr/>
-    </dgm:pt>
-    <dgm:pt modelId="{A03C5372-D306-43AC-B406-6F8183849431}" type="pres">
-      <dgm:prSet presAssocID="{8BAB5E6F-A65E-41DB-A296-0818B0E49F7C}" presName="ConnectLine" presStyleLbl="sibTrans1D1" presStyleIdx="3" presStyleCnt="6" custScaleX="31008" custScaleY="162338" custLinFactNeighborX="73981" custLinFactNeighborY="31737"/>
-      <dgm:spPr>
-        <a:noFill/>
-        <a:ln w="12700" cap="flat" cmpd="sng" algn="ctr">
-          <a:solidFill>
-            <a:schemeClr val="accent2"/>
-          </a:solidFill>
-          <a:prstDash val="dash"/>
-          <a:miter lim="800000"/>
-        </a:ln>
-        <a:effectLst/>
-      </dgm:spPr>
-    </dgm:pt>
-    <dgm:pt modelId="{90926F0B-05E0-48AF-9C69-5C494731F877}" type="pres">
-      <dgm:prSet presAssocID="{8BAB5E6F-A65E-41DB-A296-0818B0E49F7C}" presName="EmptyPlaceHolder" presStyleCnt="0"/>
-      <dgm:spPr/>
-    </dgm:pt>
-    <dgm:pt modelId="{9EA695E3-93D5-405B-8AF6-0B8537A964FD}" type="pres">
-      <dgm:prSet presAssocID="{B407F4C3-8FC9-4E91-A0EC-6B33713CC9A5}" presName="spaceBetweenRectangles" presStyleCnt="0"/>
-      <dgm:spPr/>
-    </dgm:pt>
-    <dgm:pt modelId="{05956D37-804F-419D-9E8C-30D41D06DC3E}" type="pres">
-      <dgm:prSet presAssocID="{8B9AF88A-E1F7-4D3A-905F-87228D6A8655}" presName="composite" presStyleCnt="0"/>
-      <dgm:spPr/>
-    </dgm:pt>
-    <dgm:pt modelId="{58B7B786-A0AD-4662-8D54-C5C572D2C32C}" type="pres">
-      <dgm:prSet presAssocID="{8B9AF88A-E1F7-4D3A-905F-87228D6A8655}" presName="ConnectorPoint" presStyleLbl="lnNode1" presStyleIdx="4" presStyleCnt="6"/>
-      <dgm:spPr>
-        <a:solidFill>
-          <a:schemeClr val="accent2"/>
-        </a:solidFill>
-        <a:ln w="6350" cap="flat" cmpd="sng" algn="ctr">
-          <a:noFill/>
-          <a:prstDash val="solid"/>
-          <a:miter lim="800000"/>
-        </a:ln>
-        <a:effectLst/>
-      </dgm:spPr>
-    </dgm:pt>
-    <dgm:pt modelId="{E4704426-333D-4092-A035-BBC55DB8579D}" type="pres">
-      <dgm:prSet presAssocID="{8B9AF88A-E1F7-4D3A-905F-87228D6A8655}" presName="DropPinPlaceHolder" presStyleCnt="0"/>
-      <dgm:spPr/>
-    </dgm:pt>
-    <dgm:pt modelId="{A55439AF-6893-479D-8B57-31FBC13C553F}" type="pres">
-      <dgm:prSet presAssocID="{8B9AF88A-E1F7-4D3A-905F-87228D6A8655}" presName="DropPin" presStyleLbl="alignNode1" presStyleIdx="4" presStyleCnt="6"/>
-      <dgm:spPr>
-        <a:solidFill>
-          <a:schemeClr val="accent2"/>
-        </a:solidFill>
-      </dgm:spPr>
-    </dgm:pt>
-    <dgm:pt modelId="{A22B1C16-7FF0-4DBE-B32E-E43FEB1E2EAC}" type="pres">
-      <dgm:prSet presAssocID="{8B9AF88A-E1F7-4D3A-905F-87228D6A8655}" presName="Ellipse" presStyleLbl="fgAcc1" presStyleIdx="5" presStyleCnt="7"/>
-      <dgm:spPr>
-        <a:solidFill>
-          <a:schemeClr val="accent1">
-            <a:alpha val="90000"/>
-          </a:schemeClr>
-        </a:solidFill>
-        <a:ln w="12700" cap="flat" cmpd="sng" algn="ctr">
-          <a:noFill/>
-          <a:prstDash val="solid"/>
-          <a:miter lim="800000"/>
-        </a:ln>
-        <a:effectLst/>
-      </dgm:spPr>
-    </dgm:pt>
-    <dgm:pt modelId="{1B55AA6D-649D-4145-93EB-08B866A4D4E5}" type="pres">
-      <dgm:prSet presAssocID="{8B9AF88A-E1F7-4D3A-905F-87228D6A8655}" presName="L2TextContainer" presStyleLbl="revTx" presStyleIdx="8" presStyleCnt="12">
-        <dgm:presLayoutVars>
-          <dgm:bulletEnabled val="1"/>
-        </dgm:presLayoutVars>
-      </dgm:prSet>
-      <dgm:spPr/>
-    </dgm:pt>
-    <dgm:pt modelId="{3FA5D5AE-9CAE-4D19-9765-BCEE62095312}" type="pres">
-      <dgm:prSet presAssocID="{8B9AF88A-E1F7-4D3A-905F-87228D6A8655}" presName="L1TextContainer" presStyleLbl="revTx" presStyleIdx="9" presStyleCnt="12" custScaleX="85387">
-        <dgm:presLayoutVars>
-          <dgm:chMax val="1"/>
-          <dgm:chPref val="1"/>
-          <dgm:bulletEnabled val="1"/>
-        </dgm:presLayoutVars>
-      </dgm:prSet>
-      <dgm:spPr/>
-    </dgm:pt>
-    <dgm:pt modelId="{FE6CA7EB-68EC-4E76-9051-08C4CF370101}" type="pres">
-      <dgm:prSet presAssocID="{8B9AF88A-E1F7-4D3A-905F-87228D6A8655}" presName="ConnectLine" presStyleLbl="sibTrans1D1" presStyleIdx="4" presStyleCnt="6"/>
-      <dgm:spPr>
-        <a:noFill/>
-        <a:ln w="12700" cap="flat" cmpd="sng" algn="ctr">
-          <a:solidFill>
-            <a:schemeClr val="accent2"/>
-          </a:solidFill>
-          <a:prstDash val="dash"/>
-          <a:miter lim="800000"/>
-        </a:ln>
-        <a:effectLst/>
-      </dgm:spPr>
-    </dgm:pt>
-    <dgm:pt modelId="{070CED43-982E-487C-9CC2-CFAEABD4D2D8}" type="pres">
-      <dgm:prSet presAssocID="{8B9AF88A-E1F7-4D3A-905F-87228D6A8655}" presName="EmptyPlaceHolder" presStyleCnt="0"/>
-      <dgm:spPr/>
-    </dgm:pt>
-    <dgm:pt modelId="{B57F0FB7-D1A4-4394-A9D9-CA3F701A8A1F}" type="pres">
-      <dgm:prSet presAssocID="{F11DD6EC-352C-4A0E-84AA-FEBE2F06BCF9}" presName="spaceBetweenRectangles" presStyleCnt="0"/>
-      <dgm:spPr/>
-    </dgm:pt>
-    <dgm:pt modelId="{F53F83C3-1BF2-4D1D-9DB7-C4779DB6166F}" type="pres">
-      <dgm:prSet presAssocID="{342468C7-7F22-4542-AF27-6E53C663E66E}" presName="composite" presStyleCnt="0"/>
-      <dgm:spPr/>
-    </dgm:pt>
-    <dgm:pt modelId="{6691A709-678B-4D60-AC2E-492E30E66A3D}" type="pres">
-      <dgm:prSet presAssocID="{342468C7-7F22-4542-AF27-6E53C663E66E}" presName="ConnectorPoint" presStyleLbl="lnNode1" presStyleIdx="5" presStyleCnt="6"/>
-      <dgm:spPr>
-        <a:solidFill>
-          <a:schemeClr val="accent2">
-            <a:shade val="90000"/>
-            <a:hueOff val="25601"/>
-            <a:satOff val="9232"/>
-            <a:lumOff val="7918"/>
-            <a:alphaOff val="-41667"/>
-          </a:schemeClr>
-        </a:solidFill>
-        <a:ln w="6350" cap="flat" cmpd="sng" algn="ctr">
-          <a:solidFill>
-            <a:schemeClr val="lt1">
-              <a:hueOff val="0"/>
-              <a:satOff val="0"/>
-              <a:lumOff val="0"/>
-              <a:alphaOff val="0"/>
-            </a:schemeClr>
-          </a:solidFill>
-          <a:prstDash val="solid"/>
-          <a:miter lim="800000"/>
-        </a:ln>
-        <a:effectLst/>
-      </dgm:spPr>
-    </dgm:pt>
-    <dgm:pt modelId="{FED58066-3044-4C77-AE2C-42F2C7C9AA4F}" type="pres">
-      <dgm:prSet presAssocID="{342468C7-7F22-4542-AF27-6E53C663E66E}" presName="DropPinPlaceHolder" presStyleCnt="0"/>
-      <dgm:spPr/>
-    </dgm:pt>
-    <dgm:pt modelId="{2EABA9EC-D615-4F8F-86EA-408D7CE0970C}" type="pres">
-      <dgm:prSet presAssocID="{342468C7-7F22-4542-AF27-6E53C663E66E}" presName="DropPin" presStyleLbl="alignNode1" presStyleIdx="5" presStyleCnt="6"/>
-      <dgm:spPr/>
-    </dgm:pt>
-    <dgm:pt modelId="{4C44FD12-882C-4CFD-BC12-710DD97C1BF9}" type="pres">
-      <dgm:prSet presAssocID="{342468C7-7F22-4542-AF27-6E53C663E66E}" presName="Ellipse" presStyleLbl="fgAcc1" presStyleIdx="6" presStyleCnt="7"/>
-      <dgm:spPr>
-        <a:solidFill>
-          <a:schemeClr val="lt1">
-            <a:alpha val="90000"/>
-            <a:hueOff val="0"/>
-            <a:satOff val="0"/>
-            <a:lumOff val="0"/>
-            <a:alphaOff val="0"/>
-          </a:schemeClr>
-        </a:solidFill>
-        <a:ln w="12700" cap="flat" cmpd="sng" algn="ctr">
-          <a:noFill/>
-          <a:prstDash val="solid"/>
-          <a:miter lim="800000"/>
-        </a:ln>
-        <a:effectLst/>
-      </dgm:spPr>
-    </dgm:pt>
-    <dgm:pt modelId="{2D462E5D-76D9-4991-81CE-9A3D8F62803C}" type="pres">
-      <dgm:prSet presAssocID="{342468C7-7F22-4542-AF27-6E53C663E66E}" presName="L2TextContainer" presStyleLbl="revTx" presStyleIdx="10" presStyleCnt="12">
-        <dgm:presLayoutVars>
-          <dgm:bulletEnabled val="1"/>
-        </dgm:presLayoutVars>
-      </dgm:prSet>
-      <dgm:spPr/>
-    </dgm:pt>
-    <dgm:pt modelId="{31331361-9156-4654-9256-59D5101897A1}" type="pres">
-      <dgm:prSet presAssocID="{342468C7-7F22-4542-AF27-6E53C663E66E}" presName="L1TextContainer" presStyleLbl="revTx" presStyleIdx="11" presStyleCnt="12">
-        <dgm:presLayoutVars>
-          <dgm:chMax val="1"/>
-          <dgm:chPref val="1"/>
-          <dgm:bulletEnabled val="1"/>
-        </dgm:presLayoutVars>
-      </dgm:prSet>
-      <dgm:spPr/>
-    </dgm:pt>
-    <dgm:pt modelId="{23541785-7BB5-4721-97C5-57A092A0D06D}" type="pres">
-      <dgm:prSet presAssocID="{342468C7-7F22-4542-AF27-6E53C663E66E}" presName="ConnectLine" presStyleLbl="sibTrans1D1" presStyleIdx="5" presStyleCnt="6"/>
-      <dgm:spPr>
-        <a:noFill/>
-        <a:ln w="12700" cap="flat" cmpd="sng" algn="ctr">
-          <a:solidFill>
-            <a:schemeClr val="accent2">
-              <a:shade val="90000"/>
-              <a:hueOff val="25601"/>
-              <a:satOff val="9232"/>
-              <a:lumOff val="7918"/>
-              <a:alphaOff val="0"/>
-            </a:schemeClr>
-          </a:solidFill>
-          <a:prstDash val="dash"/>
-          <a:miter lim="800000"/>
-        </a:ln>
-        <a:effectLst/>
-      </dgm:spPr>
-    </dgm:pt>
-    <dgm:pt modelId="{86F9B000-12D7-4ECF-8E64-5F3E8722C26A}" type="pres">
-      <dgm:prSet presAssocID="{342468C7-7F22-4542-AF27-6E53C663E66E}" presName="EmptyPlaceHolder" presStyleCnt="0"/>
-      <dgm:spPr/>
-    </dgm:pt>
-  </dgm:ptLst>
-  <dgm:cxnLst>
-    <dgm:cxn modelId="{974A2805-84ED-4C77-B6A6-9DA9FD47AAB2}" type="presOf" srcId="{50BBFF9A-FBF5-471A-B16E-54E4134322A5}" destId="{08CB2D5A-F46A-4E0E-9575-15F31D04AAC6}" srcOrd="0" destOrd="1" presId="urn:microsoft.com/office/officeart/2017/3/layout/DropPinTimeline"/>
-    <dgm:cxn modelId="{FEAE1906-6013-4F93-8D1E-725275A77C65}" type="presOf" srcId="{F27BF44A-34C8-4010-A606-D0395105D716}" destId="{96DDA0FE-83E2-423C-9F13-58A61EB68487}" srcOrd="0" destOrd="1" presId="urn:microsoft.com/office/officeart/2017/3/layout/DropPinTimeline"/>
-    <dgm:cxn modelId="{1E92940A-250B-4494-B40F-3DA807C7CB42}" type="presOf" srcId="{DF1ABFB3-B399-406F-91BD-DCDF9A38526B}" destId="{1B55AA6D-649D-4145-93EB-08B866A4D4E5}" srcOrd="0" destOrd="1" presId="urn:microsoft.com/office/officeart/2017/3/layout/DropPinTimeline"/>
-    <dgm:cxn modelId="{B042080D-4D1E-4F18-8505-8239D92EA8FD}" srcId="{D05E1923-5021-40F7-B4EF-E582E23A699D}" destId="{64A63B4A-A0D1-439C-8817-21A031734103}" srcOrd="1" destOrd="0" parTransId="{352D8E34-D0DF-4B5C-B45B-B8EE1EB1D55E}" sibTransId="{91B34E70-1EB0-4315-B157-CC3BBBB718A0}"/>
-    <dgm:cxn modelId="{C3A1C60D-63BB-4E34-AD47-96AABDB6084E}" type="presOf" srcId="{D05E1923-5021-40F7-B4EF-E582E23A699D}" destId="{223C5207-4FA2-4A6C-8F43-20BD55767C99}" srcOrd="0" destOrd="0" presId="urn:microsoft.com/office/officeart/2017/3/layout/DropPinTimeline"/>
-    <dgm:cxn modelId="{5F3B0F1C-AD09-448C-A081-46D11DC987C6}" type="presOf" srcId="{8B9AF88A-E1F7-4D3A-905F-87228D6A8655}" destId="{3FA5D5AE-9CAE-4D19-9765-BCEE62095312}" srcOrd="0" destOrd="0" presId="urn:microsoft.com/office/officeart/2017/3/layout/DropPinTimeline"/>
-    <dgm:cxn modelId="{D2D4C11D-69C1-4291-82DD-968B7175125C}" srcId="{FA8F44BD-C8C7-462C-9756-1EC498E86842}" destId="{B0C5E988-01D5-45CF-90C8-B719B6995EEB}" srcOrd="2" destOrd="0" parTransId="{18D76BC9-CB8F-4786-91AF-0AAAB66BC5DD}" sibTransId="{E15267D2-7A02-4F92-BDBE-09B04F16599F}"/>
-    <dgm:cxn modelId="{7645C922-E2E4-430E-82BD-D9D8EABEC15F}" type="presOf" srcId="{35C0DDE6-EE64-40A4-A547-3740EB1B8F42}" destId="{1B55AA6D-649D-4145-93EB-08B866A4D4E5}" srcOrd="0" destOrd="2" presId="urn:microsoft.com/office/officeart/2017/3/layout/DropPinTimeline"/>
-    <dgm:cxn modelId="{E0E45028-839A-4135-AA56-517D3BAA0708}" type="presOf" srcId="{8BAB5E6F-A65E-41DB-A296-0818B0E49F7C}" destId="{7C1E6B4A-59F7-4018-A403-E1CCAEE78BA1}" srcOrd="0" destOrd="0" presId="urn:microsoft.com/office/officeart/2017/3/layout/DropPinTimeline"/>
-    <dgm:cxn modelId="{C931072C-C508-4D13-B80B-CE52FAE52B32}" srcId="{8B9AF88A-E1F7-4D3A-905F-87228D6A8655}" destId="{F85715AE-D108-46CF-B0E1-05F7E200D0A0}" srcOrd="3" destOrd="0" parTransId="{E510C7C2-31AF-4510-9448-80A0D625289B}" sibTransId="{0CBA1FD3-75C0-4CAE-B226-197C3021F28F}"/>
-    <dgm:cxn modelId="{1B32EF2C-9DB5-4504-A9DA-B4956CC00208}" srcId="{FA8F44BD-C8C7-462C-9756-1EC498E86842}" destId="{EFEB4D61-3A9C-4140-977F-3C3F5C9EE9D1}" srcOrd="0" destOrd="0" parTransId="{57D352E4-0431-4F68-B8F1-61BFA34799AA}" sibTransId="{0ECC32B6-1E7C-4AA4-9DBF-D69B7C5E64A9}"/>
-    <dgm:cxn modelId="{0D51BD2E-4619-469B-B233-EBAC3D4D0BA6}" srcId="{05A24E01-5535-46B9-A9A1-A9A07E639A88}" destId="{FA8F44BD-C8C7-462C-9756-1EC498E86842}" srcOrd="2" destOrd="0" parTransId="{F47063EE-4B58-4EDE-A4F2-A4BD81B82F21}" sibTransId="{8C8A9736-03DA-4B1C-A590-10B4AD89452B}"/>
-    <dgm:cxn modelId="{8FE2E336-36D5-477E-A4E9-833C0D6101C7}" type="presOf" srcId="{B0C5E988-01D5-45CF-90C8-B719B6995EEB}" destId="{96DDA0FE-83E2-423C-9F13-58A61EB68487}" srcOrd="0" destOrd="2" presId="urn:microsoft.com/office/officeart/2017/3/layout/DropPinTimeline"/>
-    <dgm:cxn modelId="{D0D17637-BAE2-4746-856E-EE68DFD59EEC}" type="presOf" srcId="{F85715AE-D108-46CF-B0E1-05F7E200D0A0}" destId="{1B55AA6D-649D-4145-93EB-08B866A4D4E5}" srcOrd="0" destOrd="3" presId="urn:microsoft.com/office/officeart/2017/3/layout/DropPinTimeline"/>
-    <dgm:cxn modelId="{C5645B39-CB65-4A0A-B369-E455C3B827C3}" srcId="{05A24E01-5535-46B9-A9A1-A9A07E639A88}" destId="{58FF46FB-368D-4E9C-A650-0513B8879DA8}" srcOrd="0" destOrd="0" parTransId="{11DFA284-5E99-474D-BF05-364A45269DC7}" sibTransId="{CFA40740-0682-470C-AD5A-CFF53CD12BD2}"/>
-    <dgm:cxn modelId="{9731F53C-482C-4739-891D-D6AB7C5D097D}" type="presOf" srcId="{DE73526F-88C1-4C43-BB5F-69F703084981}" destId="{2D462E5D-76D9-4991-81CE-9A3D8F62803C}" srcOrd="0" destOrd="0" presId="urn:microsoft.com/office/officeart/2017/3/layout/DropPinTimeline"/>
-    <dgm:cxn modelId="{418C2562-4190-4B8E-A9EC-FF551A6D95D0}" type="presOf" srcId="{B8A67E8E-3EBA-40CC-B563-435C1CE75F0A}" destId="{2D462E5D-76D9-4991-81CE-9A3D8F62803C}" srcOrd="0" destOrd="1" presId="urn:microsoft.com/office/officeart/2017/3/layout/DropPinTimeline"/>
-    <dgm:cxn modelId="{7DDF5444-F976-4F04-88A9-CF8B15238792}" type="presOf" srcId="{58FF46FB-368D-4E9C-A650-0513B8879DA8}" destId="{8E3FB235-DF38-476B-9A0E-B1E583D50944}" srcOrd="0" destOrd="0" presId="urn:microsoft.com/office/officeart/2017/3/layout/DropPinTimeline"/>
-    <dgm:cxn modelId="{98A19548-EC7A-44EB-8927-62BAA0788A8E}" srcId="{8B9AF88A-E1F7-4D3A-905F-87228D6A8655}" destId="{A2482D01-1362-47FE-B9A5-FDB45570FE3C}" srcOrd="0" destOrd="0" parTransId="{039C491B-D2A9-4DED-9B1B-C6B174E5539D}" sibTransId="{E9093F27-1ACE-4807-B425-0D7D54509849}"/>
-    <dgm:cxn modelId="{1690634A-EBA7-4881-9E5F-0C82421D4CDF}" type="presOf" srcId="{FA8F44BD-C8C7-462C-9756-1EC498E86842}" destId="{2D6C7916-1130-46A8-833B-A6278CBD2192}" srcOrd="0" destOrd="0" presId="urn:microsoft.com/office/officeart/2017/3/layout/DropPinTimeline"/>
-    <dgm:cxn modelId="{730F676B-AB25-4D06-B31C-ACC9213F4C3C}" srcId="{8B9AF88A-E1F7-4D3A-905F-87228D6A8655}" destId="{35C0DDE6-EE64-40A4-A547-3740EB1B8F42}" srcOrd="2" destOrd="0" parTransId="{526AE646-6182-4A18-8EB6-38061A508EB3}" sibTransId="{12D84187-9727-4B84-AB8D-440FA013E910}"/>
-    <dgm:cxn modelId="{B659504B-18E4-4D89-A17C-34ABB280AE52}" srcId="{58FF46FB-368D-4E9C-A650-0513B8879DA8}" destId="{9A875394-CA1E-4432-AEEB-9054FCFF5E0E}" srcOrd="0" destOrd="0" parTransId="{FCC92BDD-6EA3-421D-9DA8-7D3A12D003B6}" sibTransId="{0314452B-82A0-42F4-9551-DF00CFFC3580}"/>
-    <dgm:cxn modelId="{E3338B6C-C5BD-41B2-AA41-1CFC46C4050F}" srcId="{342468C7-7F22-4542-AF27-6E53C663E66E}" destId="{766A1A64-7612-4016-986C-99A8080449B0}" srcOrd="2" destOrd="0" parTransId="{A4336FF5-9F71-40CE-824F-B29380D0A88A}" sibTransId="{89717291-7ECB-4C23-B203-1686724EF31F}"/>
-    <dgm:cxn modelId="{66B49C6C-FAFD-47B4-BF22-05A295C23D4E}" srcId="{05A24E01-5535-46B9-A9A1-A9A07E639A88}" destId="{8BAB5E6F-A65E-41DB-A296-0818B0E49F7C}" srcOrd="3" destOrd="0" parTransId="{886842C6-3EFC-4BE7-B417-415595758830}" sibTransId="{B407F4C3-8FC9-4E91-A0EC-6B33713CC9A5}"/>
-    <dgm:cxn modelId="{15319551-A9EA-462E-845B-E5251E84291F}" srcId="{8B9AF88A-E1F7-4D3A-905F-87228D6A8655}" destId="{DF1ABFB3-B399-406F-91BD-DCDF9A38526B}" srcOrd="1" destOrd="0" parTransId="{78CB0E27-958C-4066-A189-8B36505E8204}" sibTransId="{70E4A1D3-514E-4327-991D-5CC9C6B41885}"/>
-    <dgm:cxn modelId="{4876CF51-F110-4E25-8FD4-08D25B4B0AB8}" srcId="{D05E1923-5021-40F7-B4EF-E582E23A699D}" destId="{579089A8-5362-4BA4-9163-D19228C1808F}" srcOrd="0" destOrd="0" parTransId="{FB2DEB6E-B29F-4E51-960A-23ECC62EBF38}" sibTransId="{1C5328B1-AC18-4CF7-A034-BB0592F4A2A1}"/>
-    <dgm:cxn modelId="{0EDEBA52-D18B-424E-AE0C-8D887712F239}" srcId="{342468C7-7F22-4542-AF27-6E53C663E66E}" destId="{DE73526F-88C1-4C43-BB5F-69F703084981}" srcOrd="0" destOrd="0" parTransId="{F78817ED-5018-488F-9FB2-A29A71FD52C6}" sibTransId="{211DEC90-6308-42E4-8CCD-ACF474E242AB}"/>
-    <dgm:cxn modelId="{2617C475-F537-46A6-ADE1-4EB764853601}" srcId="{8BAB5E6F-A65E-41DB-A296-0818B0E49F7C}" destId="{332BC85C-1CF3-4F8F-ACB7-5B6D53744AE1}" srcOrd="0" destOrd="0" parTransId="{99F218FD-90FE-450E-A368-B3E3677E74E8}" sibTransId="{8D1CC686-B05C-4470-A959-236CC9C8BB70}"/>
-    <dgm:cxn modelId="{10442783-05D1-42B4-9D86-5B7C2C3BEB9E}" srcId="{8BAB5E6F-A65E-41DB-A296-0818B0E49F7C}" destId="{AB4CB782-2A8C-4C77-AD5C-C57E7B452922}" srcOrd="2" destOrd="0" parTransId="{35BFCA2A-6394-49FD-B0BC-4DAC27BB64EB}" sibTransId="{B2E37A7D-FDD6-4AC9-B007-1EFD6E6CEE00}"/>
-    <dgm:cxn modelId="{B9F0B583-D02F-4EF4-83A8-DFD7B32B9433}" type="presOf" srcId="{9A875394-CA1E-4432-AEEB-9054FCFF5E0E}" destId="{D2143A46-815A-49BF-9455-C0385022444F}" srcOrd="0" destOrd="0" presId="urn:microsoft.com/office/officeart/2017/3/layout/DropPinTimeline"/>
-    <dgm:cxn modelId="{90056B94-79FA-422C-B7DD-23AC30DB9E69}" srcId="{8BAB5E6F-A65E-41DB-A296-0818B0E49F7C}" destId="{50BBFF9A-FBF5-471A-B16E-54E4134322A5}" srcOrd="1" destOrd="0" parTransId="{DC7333CD-332E-4AD3-9DD2-7891C207CA95}" sibTransId="{95164EE1-6AA6-4AAF-830C-2AFCE67DFDAA}"/>
-    <dgm:cxn modelId="{A003AF9D-F2BA-4B55-917C-35532D9AE29A}" type="presOf" srcId="{766A1A64-7612-4016-986C-99A8080449B0}" destId="{2D462E5D-76D9-4991-81CE-9A3D8F62803C}" srcOrd="0" destOrd="2" presId="urn:microsoft.com/office/officeart/2017/3/layout/DropPinTimeline"/>
-    <dgm:cxn modelId="{D06DA19F-F3CE-48D7-B255-F6747045F9F5}" srcId="{342468C7-7F22-4542-AF27-6E53C663E66E}" destId="{F4EB8E9E-7DEB-446F-B127-88D3CC0E6E01}" srcOrd="3" destOrd="0" parTransId="{25A4FBEF-24FE-47C2-9508-E610DB39DB75}" sibTransId="{7F5B234F-D1B5-4232-84F4-01B4068582D4}"/>
-    <dgm:cxn modelId="{FE73BFB7-BDC2-4229-AD5C-A7B0FD98079A}" type="presOf" srcId="{A2482D01-1362-47FE-B9A5-FDB45570FE3C}" destId="{1B55AA6D-649D-4145-93EB-08B866A4D4E5}" srcOrd="0" destOrd="0" presId="urn:microsoft.com/office/officeart/2017/3/layout/DropPinTimeline"/>
-    <dgm:cxn modelId="{BC565CBB-57EB-4668-8082-1F65A61C2571}" type="presOf" srcId="{342468C7-7F22-4542-AF27-6E53C663E66E}" destId="{31331361-9156-4654-9256-59D5101897A1}" srcOrd="0" destOrd="0" presId="urn:microsoft.com/office/officeart/2017/3/layout/DropPinTimeline"/>
-    <dgm:cxn modelId="{F77786BF-E85F-467F-B87A-A953ADBD685D}" srcId="{342468C7-7F22-4542-AF27-6E53C663E66E}" destId="{B8A67E8E-3EBA-40CC-B563-435C1CE75F0A}" srcOrd="1" destOrd="0" parTransId="{B5F398A5-63F3-448A-A889-292A94E84FCA}" sibTransId="{8BA15E17-4090-4247-9D17-2545CE8162A0}"/>
-    <dgm:cxn modelId="{19D12DD4-F36F-4749-BF27-9B4F28F8826B}" srcId="{05A24E01-5535-46B9-A9A1-A9A07E639A88}" destId="{342468C7-7F22-4542-AF27-6E53C663E66E}" srcOrd="5" destOrd="0" parTransId="{8B68DFB6-FDB5-49AE-989C-AEFC6C7A1179}" sibTransId="{A3235976-1CBB-4467-BF2C-1FBDA282BDBA}"/>
-    <dgm:cxn modelId="{DF6168D4-4FC3-42E4-8DAA-85BA8A678933}" type="presOf" srcId="{332BC85C-1CF3-4F8F-ACB7-5B6D53744AE1}" destId="{08CB2D5A-F46A-4E0E-9575-15F31D04AAC6}" srcOrd="0" destOrd="0" presId="urn:microsoft.com/office/officeart/2017/3/layout/DropPinTimeline"/>
-    <dgm:cxn modelId="{72C4D6D9-419A-42C1-A76D-84599F65BB08}" srcId="{05A24E01-5535-46B9-A9A1-A9A07E639A88}" destId="{D05E1923-5021-40F7-B4EF-E582E23A699D}" srcOrd="1" destOrd="0" parTransId="{FD6C5CD2-9CED-4BE6-89CD-A5A5CCE63B3E}" sibTransId="{F020958C-EF86-4274-85F9-318F2792F7B6}"/>
-    <dgm:cxn modelId="{C6A73EDB-89B0-4756-9ECD-83E9B8AB77E5}" type="presOf" srcId="{EFEB4D61-3A9C-4140-977F-3C3F5C9EE9D1}" destId="{96DDA0FE-83E2-423C-9F13-58A61EB68487}" srcOrd="0" destOrd="0" presId="urn:microsoft.com/office/officeart/2017/3/layout/DropPinTimeline"/>
-    <dgm:cxn modelId="{30D630DC-EC55-42FF-817F-CA4C23EE095E}" type="presOf" srcId="{64A63B4A-A0D1-439C-8817-21A031734103}" destId="{B5F3F650-2E42-488A-AD4F-C4BD47D19A84}" srcOrd="0" destOrd="1" presId="urn:microsoft.com/office/officeart/2017/3/layout/DropPinTimeline"/>
-    <dgm:cxn modelId="{FE7849EA-5B37-43C8-B217-CD4E30A8E545}" type="presOf" srcId="{05A24E01-5535-46B9-A9A1-A9A07E639A88}" destId="{6E9F3C9B-13CA-43A8-8836-0B2B41D07DEF}" srcOrd="0" destOrd="0" presId="urn:microsoft.com/office/officeart/2017/3/layout/DropPinTimeline"/>
-    <dgm:cxn modelId="{E1474FF3-8E3C-4B30-985C-CE88BA0FE324}" srcId="{05A24E01-5535-46B9-A9A1-A9A07E639A88}" destId="{8B9AF88A-E1F7-4D3A-905F-87228D6A8655}" srcOrd="4" destOrd="0" parTransId="{933A8FED-7B84-4ED0-B6AA-2EE26A89B8EA}" sibTransId="{F11DD6EC-352C-4A0E-84AA-FEBE2F06BCF9}"/>
-    <dgm:cxn modelId="{DC6269F4-0C31-4613-A809-E8E029CAD0D1}" type="presOf" srcId="{579089A8-5362-4BA4-9163-D19228C1808F}" destId="{B5F3F650-2E42-488A-AD4F-C4BD47D19A84}" srcOrd="0" destOrd="0" presId="urn:microsoft.com/office/officeart/2017/3/layout/DropPinTimeline"/>
-    <dgm:cxn modelId="{4A30FFF9-9888-4B2F-9E18-C918E6B958A6}" type="presOf" srcId="{F4EB8E9E-7DEB-446F-B127-88D3CC0E6E01}" destId="{2D462E5D-76D9-4991-81CE-9A3D8F62803C}" srcOrd="0" destOrd="3" presId="urn:microsoft.com/office/officeart/2017/3/layout/DropPinTimeline"/>
-    <dgm:cxn modelId="{B3B40CFA-8DFD-4895-A389-12F52C7FFD7C}" type="presOf" srcId="{AB4CB782-2A8C-4C77-AD5C-C57E7B452922}" destId="{08CB2D5A-F46A-4E0E-9575-15F31D04AAC6}" srcOrd="0" destOrd="2" presId="urn:microsoft.com/office/officeart/2017/3/layout/DropPinTimeline"/>
-    <dgm:cxn modelId="{C2F395FD-D213-4F5C-B3BC-8506D7922085}" srcId="{FA8F44BD-C8C7-462C-9756-1EC498E86842}" destId="{F27BF44A-34C8-4010-A606-D0395105D716}" srcOrd="1" destOrd="0" parTransId="{94334FC3-72BE-40AC-95FF-1C139FD998B1}" sibTransId="{E464A021-EE42-4FA7-8046-CC09A9813FB5}"/>
-    <dgm:cxn modelId="{2FED2A5E-98EB-4859-AB3F-062F22EEC890}" type="presParOf" srcId="{6E9F3C9B-13CA-43A8-8836-0B2B41D07DEF}" destId="{E8AACCBB-6709-4071-B389-3BB226B3A586}" srcOrd="0" destOrd="0" presId="urn:microsoft.com/office/officeart/2017/3/layout/DropPinTimeline"/>
-    <dgm:cxn modelId="{6DE443D7-8EE2-4FBC-842D-B6B9C44204D0}" type="presParOf" srcId="{6E9F3C9B-13CA-43A8-8836-0B2B41D07DEF}" destId="{E6F74CED-5217-4282-85F1-1C12DC84731C}" srcOrd="1" destOrd="0" presId="urn:microsoft.com/office/officeart/2017/3/layout/DropPinTimeline"/>
-    <dgm:cxn modelId="{C773189E-DF31-4C58-A290-F5DFD7DCF8B1}" type="presParOf" srcId="{E6F74CED-5217-4282-85F1-1C12DC84731C}" destId="{AC377099-4DAE-451C-ADE9-98036E2679B5}" srcOrd="0" destOrd="0" presId="urn:microsoft.com/office/officeart/2017/3/layout/DropPinTimeline"/>
-    <dgm:cxn modelId="{04D71AD3-A9B8-46E1-AB82-BB594FCE110E}" type="presParOf" srcId="{AC377099-4DAE-451C-ADE9-98036E2679B5}" destId="{B6C94ECD-6415-4250-B4AD-F67BF5BECFB8}" srcOrd="0" destOrd="0" presId="urn:microsoft.com/office/officeart/2017/3/layout/DropPinTimeline"/>
-    <dgm:cxn modelId="{4D9D677D-9448-43AF-978B-5C7E7661F4F9}" type="presParOf" srcId="{AC377099-4DAE-451C-ADE9-98036E2679B5}" destId="{0E99BB09-1B86-4308-A570-3981E6DD3A06}" srcOrd="1" destOrd="0" presId="urn:microsoft.com/office/officeart/2017/3/layout/DropPinTimeline"/>
-    <dgm:cxn modelId="{C213A57E-D4AE-4C05-AA12-FE8CC1989639}" type="presParOf" srcId="{0E99BB09-1B86-4308-A570-3981E6DD3A06}" destId="{0ED6E8D6-BD44-4400-BC14-1BC75CB979A3}" srcOrd="0" destOrd="0" presId="urn:microsoft.com/office/officeart/2017/3/layout/DropPinTimeline"/>
-    <dgm:cxn modelId="{927F0821-BB24-4368-A4D4-046EB89F39DD}" type="presParOf" srcId="{0E99BB09-1B86-4308-A570-3981E6DD3A06}" destId="{5B7FC7CF-F58D-48D5-8BCC-38D6EE87890B}" srcOrd="1" destOrd="0" presId="urn:microsoft.com/office/officeart/2017/3/layout/DropPinTimeline"/>
-    <dgm:cxn modelId="{F517DE46-1EA2-46F3-8833-EE234EEF5B09}" type="presParOf" srcId="{AC377099-4DAE-451C-ADE9-98036E2679B5}" destId="{D2143A46-815A-49BF-9455-C0385022444F}" srcOrd="2" destOrd="0" presId="urn:microsoft.com/office/officeart/2017/3/layout/DropPinTimeline"/>
-    <dgm:cxn modelId="{75F0F73C-AD49-4A34-842E-A65EF46645BA}" type="presParOf" srcId="{AC377099-4DAE-451C-ADE9-98036E2679B5}" destId="{8E3FB235-DF38-476B-9A0E-B1E583D50944}" srcOrd="3" destOrd="0" presId="urn:microsoft.com/office/officeart/2017/3/layout/DropPinTimeline"/>
-    <dgm:cxn modelId="{071A2262-20BC-4D30-AB90-12B0A0FEB6EF}" type="presParOf" srcId="{AC377099-4DAE-451C-ADE9-98036E2679B5}" destId="{9AA05CE5-209F-4AD9-BE2C-2A69F76DA8F4}" srcOrd="4" destOrd="0" presId="urn:microsoft.com/office/officeart/2017/3/layout/DropPinTimeline"/>
-    <dgm:cxn modelId="{0D0471BD-C944-46DB-9B0D-12B6F025E4F4}" type="presParOf" srcId="{AC377099-4DAE-451C-ADE9-98036E2679B5}" destId="{17350C28-DA10-4F3B-9FA2-0FE7C12A4ABE}" srcOrd="5" destOrd="0" presId="urn:microsoft.com/office/officeart/2017/3/layout/DropPinTimeline"/>
-    <dgm:cxn modelId="{37FF9AEE-1EE5-440D-B822-B54671B03AAC}" type="presParOf" srcId="{E6F74CED-5217-4282-85F1-1C12DC84731C}" destId="{6DA7B85E-9DC6-4F3B-A2BF-09CDEEDB43BC}" srcOrd="1" destOrd="0" presId="urn:microsoft.com/office/officeart/2017/3/layout/DropPinTimeline"/>
-    <dgm:cxn modelId="{3FF77B45-DC34-4E18-8B7E-49C274966E23}" type="presParOf" srcId="{E6F74CED-5217-4282-85F1-1C12DC84731C}" destId="{CF519A69-9940-494F-8406-D0D876E3CD26}" srcOrd="2" destOrd="0" presId="urn:microsoft.com/office/officeart/2017/3/layout/DropPinTimeline"/>
-    <dgm:cxn modelId="{4E60349A-D4EB-4BFE-9374-0F079D59B1FC}" type="presParOf" srcId="{CF519A69-9940-494F-8406-D0D876E3CD26}" destId="{714429FF-AAA3-4358-8C5F-1A7F29AA2B7B}" srcOrd="0" destOrd="0" presId="urn:microsoft.com/office/officeart/2017/3/layout/DropPinTimeline"/>
-    <dgm:cxn modelId="{0B07CD93-B91C-4CAF-B94C-3237B0C6F601}" type="presParOf" srcId="{CF519A69-9940-494F-8406-D0D876E3CD26}" destId="{AB8B1E8E-162B-4E3E-9E31-BA5CFBD3ED9D}" srcOrd="1" destOrd="0" presId="urn:microsoft.com/office/officeart/2017/3/layout/DropPinTimeline"/>
-    <dgm:cxn modelId="{BB97917A-2BFB-4D8A-94BD-816B0C62D6F6}" type="presParOf" srcId="{AB8B1E8E-162B-4E3E-9E31-BA5CFBD3ED9D}" destId="{358CAA11-0A87-4861-8B4E-913B1EAD1334}" srcOrd="0" destOrd="0" presId="urn:microsoft.com/office/officeart/2017/3/layout/DropPinTimeline"/>
-    <dgm:cxn modelId="{FDC4D318-B3AD-4E39-8663-3AFB57531D79}" type="presParOf" srcId="{AB8B1E8E-162B-4E3E-9E31-BA5CFBD3ED9D}" destId="{B1A1A837-F261-404B-A808-B2F4154CE8A2}" srcOrd="1" destOrd="0" presId="urn:microsoft.com/office/officeart/2017/3/layout/DropPinTimeline"/>
-    <dgm:cxn modelId="{7F53703E-9DF0-45E5-AC76-7E0CCD3B06EA}" type="presParOf" srcId="{CF519A69-9940-494F-8406-D0D876E3CD26}" destId="{B5F3F650-2E42-488A-AD4F-C4BD47D19A84}" srcOrd="2" destOrd="0" presId="urn:microsoft.com/office/officeart/2017/3/layout/DropPinTimeline"/>
-    <dgm:cxn modelId="{B59937ED-9C59-4BBD-AA3C-5D9159504926}" type="presParOf" srcId="{CF519A69-9940-494F-8406-D0D876E3CD26}" destId="{223C5207-4FA2-4A6C-8F43-20BD55767C99}" srcOrd="3" destOrd="0" presId="urn:microsoft.com/office/officeart/2017/3/layout/DropPinTimeline"/>
-    <dgm:cxn modelId="{470C2FBB-9D40-4F2C-8107-12E2CA0E70BE}" type="presParOf" srcId="{CF519A69-9940-494F-8406-D0D876E3CD26}" destId="{4FE5EB5D-4CEF-4D0D-9394-0534E61844BE}" srcOrd="4" destOrd="0" presId="urn:microsoft.com/office/officeart/2017/3/layout/DropPinTimeline"/>
-    <dgm:cxn modelId="{C1237DFD-87FD-434B-A5C8-02108EF43081}" type="presParOf" srcId="{CF519A69-9940-494F-8406-D0D876E3CD26}" destId="{EC869059-0AEC-4D98-8C46-CB603A342C72}" srcOrd="5" destOrd="0" presId="urn:microsoft.com/office/officeart/2017/3/layout/DropPinTimeline"/>
-    <dgm:cxn modelId="{7A1441D0-A5AA-4E6C-9388-511DA29929BF}" type="presParOf" srcId="{E6F74CED-5217-4282-85F1-1C12DC84731C}" destId="{408BA715-9739-461D-BFDE-88EDAE355E60}" srcOrd="3" destOrd="0" presId="urn:microsoft.com/office/officeart/2017/3/layout/DropPinTimeline"/>
-    <dgm:cxn modelId="{087F2A81-CFD9-4BF8-96FC-2D4ABA32462F}" type="presParOf" srcId="{E6F74CED-5217-4282-85F1-1C12DC84731C}" destId="{D512C7F9-87A6-4BA9-AFAC-03FF1578D945}" srcOrd="4" destOrd="0" presId="urn:microsoft.com/office/officeart/2017/3/layout/DropPinTimeline"/>
-    <dgm:cxn modelId="{8C6217DA-A763-4946-99A2-03C618C428AF}" type="presParOf" srcId="{D512C7F9-87A6-4BA9-AFAC-03FF1578D945}" destId="{152AD014-AFD0-4700-A468-4D562874339A}" srcOrd="0" destOrd="0" presId="urn:microsoft.com/office/officeart/2017/3/layout/DropPinTimeline"/>
-    <dgm:cxn modelId="{A6A34287-F5FF-46EE-9A88-F2ECF73903CE}" type="presParOf" srcId="{D512C7F9-87A6-4BA9-AFAC-03FF1578D945}" destId="{6CE2C4D8-4380-442D-A6C2-0B468BF3C74C}" srcOrd="1" destOrd="0" presId="urn:microsoft.com/office/officeart/2017/3/layout/DropPinTimeline"/>
-    <dgm:cxn modelId="{D28BF9CF-F026-4786-A1AC-F4F785C54591}" type="presParOf" srcId="{6CE2C4D8-4380-442D-A6C2-0B468BF3C74C}" destId="{72C82E90-F103-439C-8371-CFFB0927B9DE}" srcOrd="0" destOrd="0" presId="urn:microsoft.com/office/officeart/2017/3/layout/DropPinTimeline"/>
-    <dgm:cxn modelId="{E33A6BB5-6D3A-4D44-AEFC-75BAB101C26D}" type="presParOf" srcId="{6CE2C4D8-4380-442D-A6C2-0B468BF3C74C}" destId="{5D519322-C1DD-47AE-92C0-13575134BC76}" srcOrd="1" destOrd="0" presId="urn:microsoft.com/office/officeart/2017/3/layout/DropPinTimeline"/>
-    <dgm:cxn modelId="{0BFD1614-5731-4306-81F7-E2C949C32A93}" type="presParOf" srcId="{D512C7F9-87A6-4BA9-AFAC-03FF1578D945}" destId="{96DDA0FE-83E2-423C-9F13-58A61EB68487}" srcOrd="2" destOrd="0" presId="urn:microsoft.com/office/officeart/2017/3/layout/DropPinTimeline"/>
-    <dgm:cxn modelId="{06EDED26-E685-42BC-BFC2-75C7EA695E40}" type="presParOf" srcId="{D512C7F9-87A6-4BA9-AFAC-03FF1578D945}" destId="{2D6C7916-1130-46A8-833B-A6278CBD2192}" srcOrd="3" destOrd="0" presId="urn:microsoft.com/office/officeart/2017/3/layout/DropPinTimeline"/>
-    <dgm:cxn modelId="{A20C8A5A-2D9A-4EF7-BC83-D5EE4B16698D}" type="presParOf" srcId="{D512C7F9-87A6-4BA9-AFAC-03FF1578D945}" destId="{4D953791-5C2F-4A75-A8F4-6ED7EAB5E015}" srcOrd="4" destOrd="0" presId="urn:microsoft.com/office/officeart/2017/3/layout/DropPinTimeline"/>
-    <dgm:cxn modelId="{6780D10C-523A-4885-B5BF-84F303790098}" type="presParOf" srcId="{D512C7F9-87A6-4BA9-AFAC-03FF1578D945}" destId="{22A72E40-4DCC-4F48-AADD-29738FD37A2C}" srcOrd="5" destOrd="0" presId="urn:microsoft.com/office/officeart/2017/3/layout/DropPinTimeline"/>
-    <dgm:cxn modelId="{30EAF1CE-B96B-4CA5-BF13-51DD8040A559}" type="presParOf" srcId="{E6F74CED-5217-4282-85F1-1C12DC84731C}" destId="{E168BB9F-20D9-474F-9E39-4872B40634C6}" srcOrd="5" destOrd="0" presId="urn:microsoft.com/office/officeart/2017/3/layout/DropPinTimeline"/>
-    <dgm:cxn modelId="{39415FEC-72C6-4C74-A821-E354E744CD96}" type="presParOf" srcId="{E6F74CED-5217-4282-85F1-1C12DC84731C}" destId="{A62622B1-7EF4-49B6-9AC7-B54F0E2A0C74}" srcOrd="6" destOrd="0" presId="urn:microsoft.com/office/officeart/2017/3/layout/DropPinTimeline"/>
-    <dgm:cxn modelId="{D67F013A-C0A0-41F6-B6F2-E904B1BB7A8F}" type="presParOf" srcId="{A62622B1-7EF4-49B6-9AC7-B54F0E2A0C74}" destId="{14282312-87CB-41BB-A02D-C594BBEF33C7}" srcOrd="0" destOrd="0" presId="urn:microsoft.com/office/officeart/2017/3/layout/DropPinTimeline"/>
-    <dgm:cxn modelId="{AA55F469-83D2-4E02-B111-0206AAFCAA06}" type="presParOf" srcId="{A62622B1-7EF4-49B6-9AC7-B54F0E2A0C74}" destId="{D554C1A5-AF8E-41FC-A779-25BD6B11F91F}" srcOrd="1" destOrd="0" presId="urn:microsoft.com/office/officeart/2017/3/layout/DropPinTimeline"/>
-    <dgm:cxn modelId="{033C6509-70C8-4B85-9F92-724CDBB68078}" type="presParOf" srcId="{D554C1A5-AF8E-41FC-A779-25BD6B11F91F}" destId="{17331DD9-74CF-4A3A-86BA-F4B9DBEAB944}" srcOrd="0" destOrd="0" presId="urn:microsoft.com/office/officeart/2017/3/layout/DropPinTimeline"/>
-    <dgm:cxn modelId="{C7CCDF66-BA72-4EDC-AE16-CAA6317954F0}" type="presParOf" srcId="{D554C1A5-AF8E-41FC-A779-25BD6B11F91F}" destId="{515AAB83-BD07-4B9E-9A3B-858C0B126F9C}" srcOrd="1" destOrd="0" presId="urn:microsoft.com/office/officeart/2017/3/layout/DropPinTimeline"/>
-    <dgm:cxn modelId="{E8437A29-F853-4553-AB29-152AF603DF52}" type="presParOf" srcId="{A62622B1-7EF4-49B6-9AC7-B54F0E2A0C74}" destId="{08CB2D5A-F46A-4E0E-9575-15F31D04AAC6}" srcOrd="2" destOrd="0" presId="urn:microsoft.com/office/officeart/2017/3/layout/DropPinTimeline"/>
-    <dgm:cxn modelId="{1F3D9CE2-342F-4335-BD41-5AA59D2BD7BD}" type="presParOf" srcId="{A62622B1-7EF4-49B6-9AC7-B54F0E2A0C74}" destId="{7C1E6B4A-59F7-4018-A403-E1CCAEE78BA1}" srcOrd="3" destOrd="0" presId="urn:microsoft.com/office/officeart/2017/3/layout/DropPinTimeline"/>
-    <dgm:cxn modelId="{FFF1ACE9-B2B3-4E83-877B-F9633E8EE135}" type="presParOf" srcId="{A62622B1-7EF4-49B6-9AC7-B54F0E2A0C74}" destId="{A03C5372-D306-43AC-B406-6F8183849431}" srcOrd="4" destOrd="0" presId="urn:microsoft.com/office/officeart/2017/3/layout/DropPinTimeline"/>
-    <dgm:cxn modelId="{D8A09163-94A5-46BD-9FA2-C3372A01AA32}" type="presParOf" srcId="{A62622B1-7EF4-49B6-9AC7-B54F0E2A0C74}" destId="{90926F0B-05E0-48AF-9C69-5C494731F877}" srcOrd="5" destOrd="0" presId="urn:microsoft.com/office/officeart/2017/3/layout/DropPinTimeline"/>
-    <dgm:cxn modelId="{80084466-50AF-445A-BE2A-0C51919B9169}" type="presParOf" srcId="{E6F74CED-5217-4282-85F1-1C12DC84731C}" destId="{9EA695E3-93D5-405B-8AF6-0B8537A964FD}" srcOrd="7" destOrd="0" presId="urn:microsoft.com/office/officeart/2017/3/layout/DropPinTimeline"/>
-    <dgm:cxn modelId="{007CF318-F68B-4FFC-ADA6-3D9D6A3AA152}" type="presParOf" srcId="{E6F74CED-5217-4282-85F1-1C12DC84731C}" destId="{05956D37-804F-419D-9E8C-30D41D06DC3E}" srcOrd="8" destOrd="0" presId="urn:microsoft.com/office/officeart/2017/3/layout/DropPinTimeline"/>
-    <dgm:cxn modelId="{FAB9E562-4579-4BDB-8C1D-AABEAFCB2610}" type="presParOf" srcId="{05956D37-804F-419D-9E8C-30D41D06DC3E}" destId="{58B7B786-A0AD-4662-8D54-C5C572D2C32C}" srcOrd="0" destOrd="0" presId="urn:microsoft.com/office/officeart/2017/3/layout/DropPinTimeline"/>
-    <dgm:cxn modelId="{8283382D-2F6E-4717-B025-1A8C73B65ADB}" type="presParOf" srcId="{05956D37-804F-419D-9E8C-30D41D06DC3E}" destId="{E4704426-333D-4092-A035-BBC55DB8579D}" srcOrd="1" destOrd="0" presId="urn:microsoft.com/office/officeart/2017/3/layout/DropPinTimeline"/>
-    <dgm:cxn modelId="{85723DC0-955B-4B2A-AF28-CF8BFFC2E264}" type="presParOf" srcId="{E4704426-333D-4092-A035-BBC55DB8579D}" destId="{A55439AF-6893-479D-8B57-31FBC13C553F}" srcOrd="0" destOrd="0" presId="urn:microsoft.com/office/officeart/2017/3/layout/DropPinTimeline"/>
-    <dgm:cxn modelId="{91888A85-75D0-4D33-9F39-A49766251D61}" type="presParOf" srcId="{E4704426-333D-4092-A035-BBC55DB8579D}" destId="{A22B1C16-7FF0-4DBE-B32E-E43FEB1E2EAC}" srcOrd="1" destOrd="0" presId="urn:microsoft.com/office/officeart/2017/3/layout/DropPinTimeline"/>
-    <dgm:cxn modelId="{CD06CDC2-25F5-44FB-B0B1-C39F32E155BE}" type="presParOf" srcId="{05956D37-804F-419D-9E8C-30D41D06DC3E}" destId="{1B55AA6D-649D-4145-93EB-08B866A4D4E5}" srcOrd="2" destOrd="0" presId="urn:microsoft.com/office/officeart/2017/3/layout/DropPinTimeline"/>
-    <dgm:cxn modelId="{0B21D911-BF72-41CD-BB03-4F9717477846}" type="presParOf" srcId="{05956D37-804F-419D-9E8C-30D41D06DC3E}" destId="{3FA5D5AE-9CAE-4D19-9765-BCEE62095312}" srcOrd="3" destOrd="0" presId="urn:microsoft.com/office/officeart/2017/3/layout/DropPinTimeline"/>
-    <dgm:cxn modelId="{80BFAECA-ADC5-41A5-BA11-A4CC8D9557A9}" type="presParOf" srcId="{05956D37-804F-419D-9E8C-30D41D06DC3E}" destId="{FE6CA7EB-68EC-4E76-9051-08C4CF370101}" srcOrd="4" destOrd="0" presId="urn:microsoft.com/office/officeart/2017/3/layout/DropPinTimeline"/>
-    <dgm:cxn modelId="{98E4E629-85DB-45DC-A90A-9FAAB58EFF55}" type="presParOf" srcId="{05956D37-804F-419D-9E8C-30D41D06DC3E}" destId="{070CED43-982E-487C-9CC2-CFAEABD4D2D8}" srcOrd="5" destOrd="0" presId="urn:microsoft.com/office/officeart/2017/3/layout/DropPinTimeline"/>
-    <dgm:cxn modelId="{867D5A1A-A605-4959-84B0-0399FE9D9085}" type="presParOf" srcId="{E6F74CED-5217-4282-85F1-1C12DC84731C}" destId="{B57F0FB7-D1A4-4394-A9D9-CA3F701A8A1F}" srcOrd="9" destOrd="0" presId="urn:microsoft.com/office/officeart/2017/3/layout/DropPinTimeline"/>
-    <dgm:cxn modelId="{42F066A3-B1B2-4691-B148-B635615832CD}" type="presParOf" srcId="{E6F74CED-5217-4282-85F1-1C12DC84731C}" destId="{F53F83C3-1BF2-4D1D-9DB7-C4779DB6166F}" srcOrd="10" destOrd="0" presId="urn:microsoft.com/office/officeart/2017/3/layout/DropPinTimeline"/>
-    <dgm:cxn modelId="{944FE6B4-75DC-4DA4-8FBC-D63968824D22}" type="presParOf" srcId="{F53F83C3-1BF2-4D1D-9DB7-C4779DB6166F}" destId="{6691A709-678B-4D60-AC2E-492E30E66A3D}" srcOrd="0" destOrd="0" presId="urn:microsoft.com/office/officeart/2017/3/layout/DropPinTimeline"/>
-    <dgm:cxn modelId="{2DE92AD4-B54F-48BE-849C-27918CC05E98}" type="presParOf" srcId="{F53F83C3-1BF2-4D1D-9DB7-C4779DB6166F}" destId="{FED58066-3044-4C77-AE2C-42F2C7C9AA4F}" srcOrd="1" destOrd="0" presId="urn:microsoft.com/office/officeart/2017/3/layout/DropPinTimeline"/>
-    <dgm:cxn modelId="{5FC03B0D-9751-4B44-A32C-E5289A773438}" type="presParOf" srcId="{FED58066-3044-4C77-AE2C-42F2C7C9AA4F}" destId="{2EABA9EC-D615-4F8F-86EA-408D7CE0970C}" srcOrd="0" destOrd="0" presId="urn:microsoft.com/office/officeart/2017/3/layout/DropPinTimeline"/>
-    <dgm:cxn modelId="{C8361EF0-D834-48AE-A2EB-236AD8DBFCDD}" type="presParOf" srcId="{FED58066-3044-4C77-AE2C-42F2C7C9AA4F}" destId="{4C44FD12-882C-4CFD-BC12-710DD97C1BF9}" srcOrd="1" destOrd="0" presId="urn:microsoft.com/office/officeart/2017/3/layout/DropPinTimeline"/>
-    <dgm:cxn modelId="{4C343AFF-DCF4-4C2C-A131-47EA62800EB1}" type="presParOf" srcId="{F53F83C3-1BF2-4D1D-9DB7-C4779DB6166F}" destId="{2D462E5D-76D9-4991-81CE-9A3D8F62803C}" srcOrd="2" destOrd="0" presId="urn:microsoft.com/office/officeart/2017/3/layout/DropPinTimeline"/>
-    <dgm:cxn modelId="{6961F651-F5F5-4BFC-8C06-CB2DA6A4F795}" type="presParOf" srcId="{F53F83C3-1BF2-4D1D-9DB7-C4779DB6166F}" destId="{31331361-9156-4654-9256-59D5101897A1}" srcOrd="3" destOrd="0" presId="urn:microsoft.com/office/officeart/2017/3/layout/DropPinTimeline"/>
-    <dgm:cxn modelId="{23D3D4FE-2582-4007-B64F-E77359BDC8DF}" type="presParOf" srcId="{F53F83C3-1BF2-4D1D-9DB7-C4779DB6166F}" destId="{23541785-7BB5-4721-97C5-57A092A0D06D}" srcOrd="4" destOrd="0" presId="urn:microsoft.com/office/officeart/2017/3/layout/DropPinTimeline"/>
-    <dgm:cxn modelId="{7E46F3A9-04EE-4CC6-947B-E35C0544EB27}" type="presParOf" srcId="{F53F83C3-1BF2-4D1D-9DB7-C4779DB6166F}" destId="{86F9B000-12D7-4ECF-8E64-5F3E8722C26A}" srcOrd="5" destOrd="0" presId="urn:microsoft.com/office/officeart/2017/3/layout/DropPinTimeline"/>
+    <dgm:cxn modelId="{1F295735-2F03-4023-8502-6514011F04B0}" type="presParOf" srcId="{5A8777BD-C8F7-4FC2-89AD-BE871A6E0AAB}" destId="{58D748A4-48AD-4911-A015-F5D3C5014867}" srcOrd="4" destOrd="0" presId="urn:microsoft.com/office/officeart/2005/8/layout/chevron1"/>
+    <dgm:cxn modelId="{8E34BCC7-7034-470D-9B24-FA21AC4C2D7E}" type="presParOf" srcId="{5A8777BD-C8F7-4FC2-89AD-BE871A6E0AAB}" destId="{8859EB84-159A-45B7-86D6-FCE93645812C}" srcOrd="5" destOrd="0" presId="urn:microsoft.com/office/officeart/2005/8/layout/chevron1"/>
+    <dgm:cxn modelId="{C6DB0F2C-C641-42D1-921A-C0AACA692E6D}" type="presParOf" srcId="{5A8777BD-C8F7-4FC2-89AD-BE871A6E0AAB}" destId="{346E6D27-6CEE-4E30-B3BD-A92AB83CEE08}" srcOrd="6" destOrd="0" presId="urn:microsoft.com/office/officeart/2005/8/layout/chevron1"/>
+    <dgm:cxn modelId="{938632CB-4D5E-43F3-B82E-408D8A9BA2ED}" type="presParOf" srcId="{5A8777BD-C8F7-4FC2-89AD-BE871A6E0AAB}" destId="{518DE99A-0F7E-462D-AC4B-1D1AC012F138}" srcOrd="7" destOrd="0" presId="urn:microsoft.com/office/officeart/2005/8/layout/chevron1"/>
+    <dgm:cxn modelId="{7989A8D4-2DC1-487D-BBB0-5B353EA002A8}" type="presParOf" srcId="{5A8777BD-C8F7-4FC2-89AD-BE871A6E0AAB}" destId="{2B111E83-1F8D-45BB-BA23-A4D323956D62}" srcOrd="8" destOrd="0" presId="urn:microsoft.com/office/officeart/2005/8/layout/chevron1"/>
+    <dgm:cxn modelId="{DEF0577E-0EE1-4D30-B808-637A6F6A6F83}" type="presParOf" srcId="{5A8777BD-C8F7-4FC2-89AD-BE871A6E0AAB}" destId="{5B98630D-123C-400C-ADFA-F60D6AA8EE74}" srcOrd="9" destOrd="0" presId="urn:microsoft.com/office/officeart/2005/8/layout/chevron1"/>
+    <dgm:cxn modelId="{F452DC53-DBAC-4426-AE66-C2EC07C77CF0}" type="presParOf" srcId="{5A8777BD-C8F7-4FC2-89AD-BE871A6E0AAB}" destId="{50472E82-A1CE-4983-AC89-25C8AE733117}" srcOrd="10" destOrd="0" presId="urn:microsoft.com/office/officeart/2005/8/layout/chevron1"/>
   </dgm:cxnLst>
   <dgm:bg/>
   <dgm:whole/>
@@ -3992,8 +1295,8 @@
       </dsp:nvSpPr>
       <dsp:spPr>
         <a:xfrm>
-          <a:off x="0" y="1377900"/>
-          <a:ext cx="1528216" cy="611286"/>
+          <a:off x="4775" y="1328233"/>
+          <a:ext cx="1776551" cy="710620"/>
         </a:xfrm>
         <a:prstGeom prst="chevron">
           <a:avLst/>
@@ -4035,12 +1338,12 @@
         </a:fontRef>
       </dsp:style>
       <dsp:txBody>
-        <a:bodyPr spcFirstLastPara="0" vert="horz" wrap="square" lIns="48006" tIns="16002" rIns="16002" bIns="16002" numCol="1" spcCol="1270" anchor="ctr" anchorCtr="0">
+        <a:bodyPr spcFirstLastPara="0" vert="horz" wrap="square" lIns="52007" tIns="17336" rIns="17336" bIns="17336" numCol="1" spcCol="1270" anchor="ctr" anchorCtr="0">
           <a:noAutofit/>
         </a:bodyPr>
         <a:lstStyle/>
         <a:p>
-          <a:pPr marL="0" lvl="0" indent="0" algn="ctr" defTabSz="533400">
+          <a:pPr marL="0" lvl="0" indent="0" algn="ctr" defTabSz="577850">
             <a:lnSpc>
               <a:spcPct val="90000"/>
             </a:lnSpc>
@@ -4053,15 +1356,15 @@
             <a:buNone/>
           </a:pPr>
           <a:r>
-            <a:rPr lang="en-US" sz="1200" kern="1200" dirty="0"/>
+            <a:rPr lang="en-US" sz="1300" kern="1200" dirty="0"/>
             <a:t>Fetching Netflix Title Dataset</a:t>
           </a:r>
-          <a:endParaRPr lang="en-IN" sz="1200" kern="1200" dirty="0"/>
+          <a:endParaRPr lang="en-IN" sz="1300" kern="1200" dirty="0"/>
         </a:p>
       </dsp:txBody>
       <dsp:txXfrm>
-        <a:off x="305643" y="1377900"/>
-        <a:ext cx="916930" cy="611286"/>
+        <a:off x="360085" y="1328233"/>
+        <a:ext cx="1065931" cy="710620"/>
       </dsp:txXfrm>
     </dsp:sp>
     <dsp:sp modelId="{55D408E9-9287-46FF-969D-A378931C95F3}">
@@ -4071,17 +1374,17 @@
       </dsp:nvSpPr>
       <dsp:spPr>
         <a:xfrm>
-          <a:off x="1375395" y="1377900"/>
-          <a:ext cx="1528216" cy="611286"/>
+          <a:off x="1603672" y="1328233"/>
+          <a:ext cx="1776551" cy="710620"/>
         </a:xfrm>
         <a:prstGeom prst="chevron">
           <a:avLst/>
         </a:prstGeom>
         <a:solidFill>
           <a:schemeClr val="accent5">
-            <a:hueOff val="-1126424"/>
-            <a:satOff val="-2903"/>
-            <a:lumOff val="-1961"/>
+            <a:hueOff val="-1351709"/>
+            <a:satOff val="-3484"/>
+            <a:lumOff val="-2353"/>
             <a:alphaOff val="0"/>
           </a:schemeClr>
         </a:solidFill>
@@ -4114,12 +1417,12 @@
         </a:fontRef>
       </dsp:style>
       <dsp:txBody>
-        <a:bodyPr spcFirstLastPara="0" vert="horz" wrap="square" lIns="48006" tIns="16002" rIns="16002" bIns="16002" numCol="1" spcCol="1270" anchor="ctr" anchorCtr="0">
+        <a:bodyPr spcFirstLastPara="0" vert="horz" wrap="square" lIns="52007" tIns="17336" rIns="17336" bIns="17336" numCol="1" spcCol="1270" anchor="ctr" anchorCtr="0">
           <a:noAutofit/>
         </a:bodyPr>
         <a:lstStyle/>
         <a:p>
-          <a:pPr marL="0" lvl="0" indent="0" algn="ctr" defTabSz="533400">
+          <a:pPr marL="0" lvl="0" indent="0" algn="ctr" defTabSz="577850">
             <a:lnSpc>
               <a:spcPct val="90000"/>
             </a:lnSpc>
@@ -4132,35 +1435,35 @@
             <a:buNone/>
           </a:pPr>
           <a:r>
-            <a:rPr lang="en-US" sz="1200" kern="1200" dirty="0"/>
+            <a:rPr lang="en-US" sz="1300" kern="1200" dirty="0"/>
             <a:t>Importing Libraries into Python</a:t>
           </a:r>
-          <a:endParaRPr lang="en-IN" sz="1200" kern="1200" dirty="0"/>
+          <a:endParaRPr lang="en-IN" sz="1300" kern="1200" dirty="0"/>
         </a:p>
       </dsp:txBody>
       <dsp:txXfrm>
-        <a:off x="1681038" y="1377900"/>
-        <a:ext cx="916930" cy="611286"/>
+        <a:off x="1958982" y="1328233"/>
+        <a:ext cx="1065931" cy="710620"/>
       </dsp:txXfrm>
     </dsp:sp>
-    <dsp:sp modelId="{51F1322D-D367-466F-ABB8-B675F423DFEC}">
+    <dsp:sp modelId="{58D748A4-48AD-4911-A015-F5D3C5014867}">
       <dsp:nvSpPr>
         <dsp:cNvPr id="0" name=""/>
         <dsp:cNvSpPr/>
       </dsp:nvSpPr>
       <dsp:spPr>
         <a:xfrm>
-          <a:off x="2750790" y="1377900"/>
-          <a:ext cx="1528216" cy="611286"/>
+          <a:off x="3202569" y="1328233"/>
+          <a:ext cx="1776551" cy="710620"/>
         </a:xfrm>
         <a:prstGeom prst="chevron">
           <a:avLst/>
         </a:prstGeom>
         <a:solidFill>
           <a:schemeClr val="accent5">
-            <a:hueOff val="-2252848"/>
-            <a:satOff val="-5806"/>
-            <a:lumOff val="-3922"/>
+            <a:hueOff val="-2703417"/>
+            <a:satOff val="-6968"/>
+            <a:lumOff val="-4706"/>
             <a:alphaOff val="0"/>
           </a:schemeClr>
         </a:solidFill>
@@ -4193,12 +1496,12 @@
         </a:fontRef>
       </dsp:style>
       <dsp:txBody>
-        <a:bodyPr spcFirstLastPara="0" vert="horz" wrap="square" lIns="48006" tIns="16002" rIns="16002" bIns="16002" numCol="1" spcCol="1270" anchor="ctr" anchorCtr="0">
+        <a:bodyPr spcFirstLastPara="0" vert="horz" wrap="square" lIns="52007" tIns="17336" rIns="17336" bIns="17336" numCol="1" spcCol="1270" anchor="ctr" anchorCtr="0">
           <a:noAutofit/>
         </a:bodyPr>
         <a:lstStyle/>
         <a:p>
-          <a:pPr marL="0" lvl="0" indent="0" algn="ctr" defTabSz="533400">
+          <a:pPr marL="0" lvl="0" indent="0" algn="ctr" defTabSz="577850">
             <a:lnSpc>
               <a:spcPct val="90000"/>
             </a:lnSpc>
@@ -4211,35 +1514,35 @@
             <a:buNone/>
           </a:pPr>
           <a:r>
-            <a:rPr lang="en-US" sz="1200" kern="1200" dirty="0"/>
-            <a:t>Coding Algorithms</a:t>
+            <a:rPr lang="en-US" sz="1300" kern="1200" dirty="0"/>
+            <a:t>Creating Data graphs, Charts</a:t>
           </a:r>
-          <a:endParaRPr lang="en-IN" sz="1200" kern="1200" dirty="0"/>
+          <a:endParaRPr lang="en-IN" sz="1300" kern="1200" dirty="0"/>
         </a:p>
       </dsp:txBody>
       <dsp:txXfrm>
-        <a:off x="3056433" y="1377900"/>
-        <a:ext cx="916930" cy="611286"/>
+        <a:off x="3557879" y="1328233"/>
+        <a:ext cx="1065931" cy="710620"/>
       </dsp:txXfrm>
     </dsp:sp>
-    <dsp:sp modelId="{58D748A4-48AD-4911-A015-F5D3C5014867}">
+    <dsp:sp modelId="{346E6D27-6CEE-4E30-B3BD-A92AB83CEE08}">
       <dsp:nvSpPr>
         <dsp:cNvPr id="0" name=""/>
         <dsp:cNvSpPr/>
       </dsp:nvSpPr>
       <dsp:spPr>
         <a:xfrm>
-          <a:off x="4126185" y="1377900"/>
-          <a:ext cx="1528216" cy="611286"/>
+          <a:off x="4801465" y="1328233"/>
+          <a:ext cx="1776551" cy="710620"/>
         </a:xfrm>
         <a:prstGeom prst="chevron">
           <a:avLst/>
         </a:prstGeom>
         <a:solidFill>
           <a:schemeClr val="accent5">
-            <a:hueOff val="-3379271"/>
-            <a:satOff val="-8710"/>
-            <a:lumOff val="-5883"/>
+            <a:hueOff val="-4055126"/>
+            <a:satOff val="-10451"/>
+            <a:lumOff val="-7059"/>
             <a:alphaOff val="0"/>
           </a:schemeClr>
         </a:solidFill>
@@ -4272,12 +1575,12 @@
         </a:fontRef>
       </dsp:style>
       <dsp:txBody>
-        <a:bodyPr spcFirstLastPara="0" vert="horz" wrap="square" lIns="48006" tIns="16002" rIns="16002" bIns="16002" numCol="1" spcCol="1270" anchor="ctr" anchorCtr="0">
+        <a:bodyPr spcFirstLastPara="0" vert="horz" wrap="square" lIns="52007" tIns="17336" rIns="17336" bIns="17336" numCol="1" spcCol="1270" anchor="ctr" anchorCtr="0">
           <a:noAutofit/>
         </a:bodyPr>
         <a:lstStyle/>
         <a:p>
-          <a:pPr marL="0" lvl="0" indent="0" algn="ctr" defTabSz="533400">
+          <a:pPr marL="0" lvl="0" indent="0" algn="ctr" defTabSz="577850">
             <a:lnSpc>
               <a:spcPct val="90000"/>
             </a:lnSpc>
@@ -4290,35 +1593,34 @@
             <a:buNone/>
           </a:pPr>
           <a:r>
-            <a:rPr lang="en-US" sz="1200" kern="1200" dirty="0"/>
-            <a:t>Creating Data graphs, Charts</a:t>
+            <a:rPr lang="en-IN" sz="1300" kern="1200" dirty="0"/>
+            <a:t>Creation of GUI</a:t>
           </a:r>
-          <a:endParaRPr lang="en-IN" sz="1200" kern="1200" dirty="0"/>
         </a:p>
       </dsp:txBody>
       <dsp:txXfrm>
-        <a:off x="4431828" y="1377900"/>
-        <a:ext cx="916930" cy="611286"/>
+        <a:off x="5156775" y="1328233"/>
+        <a:ext cx="1065931" cy="710620"/>
       </dsp:txXfrm>
     </dsp:sp>
-    <dsp:sp modelId="{346E6D27-6CEE-4E30-B3BD-A92AB83CEE08}">
+    <dsp:sp modelId="{2B111E83-1F8D-45BB-BA23-A4D323956D62}">
       <dsp:nvSpPr>
         <dsp:cNvPr id="0" name=""/>
         <dsp:cNvSpPr/>
       </dsp:nvSpPr>
       <dsp:spPr>
         <a:xfrm>
-          <a:off x="5501580" y="1377900"/>
-          <a:ext cx="1528216" cy="611286"/>
+          <a:off x="6400362" y="1328233"/>
+          <a:ext cx="1776551" cy="710620"/>
         </a:xfrm>
         <a:prstGeom prst="chevron">
           <a:avLst/>
         </a:prstGeom>
         <a:solidFill>
           <a:schemeClr val="accent5">
-            <a:hueOff val="-4505695"/>
-            <a:satOff val="-11613"/>
-            <a:lumOff val="-7843"/>
+            <a:hueOff val="-5406834"/>
+            <a:satOff val="-13935"/>
+            <a:lumOff val="-9412"/>
             <a:alphaOff val="0"/>
           </a:schemeClr>
         </a:solidFill>
@@ -4351,12 +1653,12 @@
         </a:fontRef>
       </dsp:style>
       <dsp:txBody>
-        <a:bodyPr spcFirstLastPara="0" vert="horz" wrap="square" lIns="48006" tIns="16002" rIns="16002" bIns="16002" numCol="1" spcCol="1270" anchor="ctr" anchorCtr="0">
+        <a:bodyPr spcFirstLastPara="0" vert="horz" wrap="square" lIns="52007" tIns="17336" rIns="17336" bIns="17336" numCol="1" spcCol="1270" anchor="ctr" anchorCtr="0">
           <a:noAutofit/>
         </a:bodyPr>
         <a:lstStyle/>
         <a:p>
-          <a:pPr marL="0" lvl="0" indent="0" algn="ctr" defTabSz="533400">
+          <a:pPr marL="0" lvl="0" indent="0" algn="ctr" defTabSz="577850">
             <a:lnSpc>
               <a:spcPct val="90000"/>
             </a:lnSpc>
@@ -4369,93 +1671,15 @@
             <a:buNone/>
           </a:pPr>
           <a:r>
-            <a:rPr lang="en-IN" sz="1200" kern="1200" dirty="0"/>
-            <a:t>Creation of GUI</a:t>
+            <a:rPr lang="en-US" sz="1300" kern="1200" dirty="0"/>
+            <a:t>Presentation</a:t>
           </a:r>
+          <a:endParaRPr lang="en-IN" sz="1300" kern="1200" dirty="0"/>
         </a:p>
       </dsp:txBody>
       <dsp:txXfrm>
-        <a:off x="5807223" y="1377900"/>
-        <a:ext cx="916930" cy="611286"/>
-      </dsp:txXfrm>
-    </dsp:sp>
-    <dsp:sp modelId="{2B111E83-1F8D-45BB-BA23-A4D323956D62}">
-      <dsp:nvSpPr>
-        <dsp:cNvPr id="0" name=""/>
-        <dsp:cNvSpPr/>
-      </dsp:nvSpPr>
-      <dsp:spPr>
-        <a:xfrm>
-          <a:off x="6876975" y="1377900"/>
-          <a:ext cx="1528216" cy="611286"/>
-        </a:xfrm>
-        <a:prstGeom prst="chevron">
-          <a:avLst/>
-        </a:prstGeom>
-        <a:solidFill>
-          <a:schemeClr val="accent5">
-            <a:hueOff val="-5632119"/>
-            <a:satOff val="-14516"/>
-            <a:lumOff val="-9804"/>
-            <a:alphaOff val="0"/>
-          </a:schemeClr>
-        </a:solidFill>
-        <a:ln w="12700" cap="flat" cmpd="sng" algn="ctr">
-          <a:solidFill>
-            <a:schemeClr val="lt1">
-              <a:hueOff val="0"/>
-              <a:satOff val="0"/>
-              <a:lumOff val="0"/>
-              <a:alphaOff val="0"/>
-            </a:schemeClr>
-          </a:solidFill>
-          <a:prstDash val="solid"/>
-          <a:miter lim="800000"/>
-        </a:ln>
-        <a:effectLst/>
-      </dsp:spPr>
-      <dsp:style>
-        <a:lnRef idx="2">
-          <a:scrgbClr r="0" g="0" b="0"/>
-        </a:lnRef>
-        <a:fillRef idx="1">
-          <a:scrgbClr r="0" g="0" b="0"/>
-        </a:fillRef>
-        <a:effectRef idx="0">
-          <a:scrgbClr r="0" g="0" b="0"/>
-        </a:effectRef>
-        <a:fontRef idx="minor">
-          <a:schemeClr val="lt1"/>
-        </a:fontRef>
-      </dsp:style>
-      <dsp:txBody>
-        <a:bodyPr spcFirstLastPara="0" vert="horz" wrap="square" lIns="48006" tIns="16002" rIns="16002" bIns="16002" numCol="1" spcCol="1270" anchor="ctr" anchorCtr="0">
-          <a:noAutofit/>
-        </a:bodyPr>
-        <a:lstStyle/>
-        <a:p>
-          <a:pPr marL="0" lvl="0" indent="0" algn="ctr" defTabSz="533400">
-            <a:lnSpc>
-              <a:spcPct val="90000"/>
-            </a:lnSpc>
-            <a:spcBef>
-              <a:spcPct val="0"/>
-            </a:spcBef>
-            <a:spcAft>
-              <a:spcPct val="35000"/>
-            </a:spcAft>
-            <a:buNone/>
-          </a:pPr>
-          <a:r>
-            <a:rPr lang="en-US" sz="1200" kern="1200" dirty="0"/>
-            <a:t>Presentation</a:t>
-          </a:r>
-          <a:endParaRPr lang="en-IN" sz="1200" kern="1200" dirty="0"/>
-        </a:p>
-      </dsp:txBody>
-      <dsp:txXfrm>
-        <a:off x="7182618" y="1377900"/>
-        <a:ext cx="916930" cy="611286"/>
+        <a:off x="6755672" y="1328233"/>
+        <a:ext cx="1065931" cy="710620"/>
       </dsp:txXfrm>
     </dsp:sp>
     <dsp:sp modelId="{50472E82-A1CE-4983-AC89-25C8AE733117}">
@@ -4465,8 +1689,8 @@
       </dsp:nvSpPr>
       <dsp:spPr>
         <a:xfrm>
-          <a:off x="8252370" y="1377900"/>
-          <a:ext cx="1528216" cy="611286"/>
+          <a:off x="7999259" y="1328233"/>
+          <a:ext cx="1776551" cy="710620"/>
         </a:xfrm>
         <a:prstGeom prst="chevron">
           <a:avLst/>
@@ -4508,12 +1732,12 @@
         </a:fontRef>
       </dsp:style>
       <dsp:txBody>
-        <a:bodyPr spcFirstLastPara="0" vert="horz" wrap="square" lIns="48006" tIns="16002" rIns="16002" bIns="16002" numCol="1" spcCol="1270" anchor="ctr" anchorCtr="0">
+        <a:bodyPr spcFirstLastPara="0" vert="horz" wrap="square" lIns="52007" tIns="17336" rIns="17336" bIns="17336" numCol="1" spcCol="1270" anchor="ctr" anchorCtr="0">
           <a:noAutofit/>
         </a:bodyPr>
         <a:lstStyle/>
         <a:p>
-          <a:pPr marL="0" lvl="0" indent="0" algn="ctr" defTabSz="533400">
+          <a:pPr marL="0" lvl="0" indent="0" algn="ctr" defTabSz="577850">
             <a:lnSpc>
               <a:spcPct val="90000"/>
             </a:lnSpc>
@@ -4526,2113 +1750,16 @@
             <a:buNone/>
           </a:pPr>
           <a:r>
-            <a:rPr lang="en-US" sz="1200" kern="1200"/>
+            <a:rPr lang="en-US" sz="1300" kern="1200"/>
             <a:t>Conclusion</a:t>
           </a:r>
-          <a:endParaRPr lang="en-IN" sz="1200" kern="1200" dirty="0"/>
+          <a:endParaRPr lang="en-IN" sz="1300" kern="1200" dirty="0"/>
         </a:p>
       </dsp:txBody>
       <dsp:txXfrm>
-        <a:off x="8558013" y="1377900"/>
-        <a:ext cx="916930" cy="611286"/>
+        <a:off x="8354569" y="1328233"/>
+        <a:ext cx="1065931" cy="710620"/>
       </dsp:txXfrm>
-    </dsp:sp>
-  </dsp:spTree>
-</dsp:drawing>
-</file>
-
-<file path=ppt/diagrams/drawing2.xml><?xml version="1.0" encoding="utf-8"?>
-<dsp:drawing xmlns:dgm="http://schemas.openxmlformats.org/drawingml/2006/diagram" xmlns:dsp="http://schemas.microsoft.com/office/drawing/2008/diagram" xmlns:a="http://schemas.openxmlformats.org/drawingml/2006/main">
-  <dsp:spTree>
-    <dsp:nvGrpSpPr>
-      <dsp:cNvPr id="0" name=""/>
-      <dsp:cNvGrpSpPr/>
-    </dsp:nvGrpSpPr>
-    <dsp:grpSpPr/>
-    <dsp:sp modelId="{E8AACCBB-6709-4071-B389-3BB226B3A586}">
-      <dsp:nvSpPr>
-        <dsp:cNvPr id="0" name=""/>
-        <dsp:cNvSpPr/>
-      </dsp:nvSpPr>
-      <dsp:spPr>
-        <a:xfrm>
-          <a:off x="0" y="2181504"/>
-          <a:ext cx="9779182" cy="0"/>
-        </a:xfrm>
-        <a:prstGeom prst="line">
-          <a:avLst/>
-        </a:prstGeom>
-        <a:solidFill>
-          <a:schemeClr val="lt1">
-            <a:alpha val="90000"/>
-            <a:hueOff val="0"/>
-            <a:satOff val="0"/>
-            <a:lumOff val="0"/>
-            <a:alphaOff val="0"/>
-          </a:schemeClr>
-        </a:solidFill>
-        <a:ln w="19050" cap="flat" cmpd="sng" algn="ctr">
-          <a:solidFill>
-            <a:schemeClr val="accent2">
-              <a:alpha val="90000"/>
-              <a:hueOff val="0"/>
-              <a:satOff val="0"/>
-              <a:lumOff val="0"/>
-              <a:alphaOff val="0"/>
-            </a:schemeClr>
-          </a:solidFill>
-          <a:prstDash val="solid"/>
-          <a:miter lim="800000"/>
-          <a:tailEnd type="triangle" w="lg" len="lg"/>
-        </a:ln>
-        <a:effectLst/>
-      </dsp:spPr>
-      <dsp:style>
-        <a:lnRef idx="2">
-          <a:scrgbClr r="0" g="0" b="0"/>
-        </a:lnRef>
-        <a:fillRef idx="1">
-          <a:scrgbClr r="0" g="0" b="0"/>
-        </a:fillRef>
-        <a:effectRef idx="0">
-          <a:scrgbClr r="0" g="0" b="0"/>
-        </a:effectRef>
-        <a:fontRef idx="minor"/>
-      </dsp:style>
-    </dsp:sp>
-    <dsp:sp modelId="{0ED6E8D6-BD44-4400-BC14-1BC75CB979A3}">
-      <dsp:nvSpPr>
-        <dsp:cNvPr id="0" name=""/>
-        <dsp:cNvSpPr/>
-      </dsp:nvSpPr>
-      <dsp:spPr>
-        <a:xfrm rot="8100000">
-          <a:off x="68416" y="502751"/>
-          <a:ext cx="320851" cy="320851"/>
-        </a:xfrm>
-        <a:prstGeom prst="teardrop">
-          <a:avLst>
-            <a:gd name="adj" fmla="val 115000"/>
-          </a:avLst>
-        </a:prstGeom>
-        <a:solidFill>
-          <a:schemeClr val="accent2"/>
-        </a:solidFill>
-        <a:ln w="12700" cap="flat" cmpd="sng" algn="ctr">
-          <a:solidFill>
-            <a:schemeClr val="accent2">
-              <a:alpha val="90000"/>
-              <a:hueOff val="0"/>
-              <a:satOff val="0"/>
-              <a:lumOff val="0"/>
-              <a:alphaOff val="0"/>
-            </a:schemeClr>
-          </a:solidFill>
-          <a:prstDash val="solid"/>
-          <a:miter lim="800000"/>
-        </a:ln>
-        <a:effectLst/>
-      </dsp:spPr>
-      <dsp:style>
-        <a:lnRef idx="2">
-          <a:scrgbClr r="0" g="0" b="0"/>
-        </a:lnRef>
-        <a:fillRef idx="1">
-          <a:scrgbClr r="0" g="0" b="0"/>
-        </a:fillRef>
-        <a:effectRef idx="0">
-          <a:scrgbClr r="0" g="0" b="0"/>
-        </a:effectRef>
-        <a:fontRef idx="minor">
-          <a:schemeClr val="lt1"/>
-        </a:fontRef>
-      </dsp:style>
-    </dsp:sp>
-    <dsp:sp modelId="{5B7FC7CF-F58D-48D5-8BCC-38D6EE87890B}">
-      <dsp:nvSpPr>
-        <dsp:cNvPr id="0" name=""/>
-        <dsp:cNvSpPr/>
-      </dsp:nvSpPr>
-      <dsp:spPr>
-        <a:xfrm>
-          <a:off x="104060" y="538395"/>
-          <a:ext cx="249564" cy="249564"/>
-        </a:xfrm>
-        <a:prstGeom prst="ellipse">
-          <a:avLst/>
-        </a:prstGeom>
-        <a:solidFill>
-          <a:schemeClr val="accent1">
-            <a:alpha val="90000"/>
-          </a:schemeClr>
-        </a:solidFill>
-        <a:ln w="12700" cap="flat" cmpd="sng" algn="ctr">
-          <a:noFill/>
-          <a:prstDash val="solid"/>
-          <a:miter lim="800000"/>
-        </a:ln>
-        <a:effectLst/>
-      </dsp:spPr>
-      <dsp:style>
-        <a:lnRef idx="2">
-          <a:scrgbClr r="0" g="0" b="0"/>
-        </a:lnRef>
-        <a:fillRef idx="1">
-          <a:scrgbClr r="0" g="0" b="0"/>
-        </a:fillRef>
-        <a:effectRef idx="0">
-          <a:scrgbClr r="0" g="0" b="0"/>
-        </a:effectRef>
-        <a:fontRef idx="minor"/>
-      </dsp:style>
-    </dsp:sp>
-    <dsp:sp modelId="{D2143A46-815A-49BF-9455-C0385022444F}">
-      <dsp:nvSpPr>
-        <dsp:cNvPr id="0" name=""/>
-        <dsp:cNvSpPr/>
-      </dsp:nvSpPr>
-      <dsp:spPr>
-        <a:xfrm>
-          <a:off x="625698" y="890053"/>
-          <a:ext cx="1986463" cy="1291450"/>
-        </a:xfrm>
-        <a:prstGeom prst="rect">
-          <a:avLst/>
-        </a:prstGeom>
-        <a:noFill/>
-        <a:ln>
-          <a:noFill/>
-        </a:ln>
-        <a:effectLst/>
-      </dsp:spPr>
-      <dsp:style>
-        <a:lnRef idx="0">
-          <a:scrgbClr r="0" g="0" b="0"/>
-        </a:lnRef>
-        <a:fillRef idx="0">
-          <a:scrgbClr r="0" g="0" b="0"/>
-        </a:fillRef>
-        <a:effectRef idx="0">
-          <a:scrgbClr r="0" g="0" b="0"/>
-        </a:effectRef>
-        <a:fontRef idx="minor"/>
-      </dsp:style>
-      <dsp:txBody>
-        <a:bodyPr spcFirstLastPara="0" vert="horz" wrap="square" lIns="0" tIns="69850" rIns="69850" bIns="104775" numCol="1" spcCol="1270" anchor="t" anchorCtr="0">
-          <a:noAutofit/>
-        </a:bodyPr>
-        <a:lstStyle/>
-        <a:p>
-          <a:pPr marL="0" lvl="0" indent="0" algn="l" defTabSz="488950">
-            <a:lnSpc>
-              <a:spcPct val="90000"/>
-            </a:lnSpc>
-            <a:spcBef>
-              <a:spcPct val="0"/>
-            </a:spcBef>
-            <a:spcAft>
-              <a:spcPct val="35000"/>
-            </a:spcAft>
-            <a:buNone/>
-          </a:pPr>
-          <a:r>
-            <a:rPr lang="en-US" sz="1100" b="0" kern="1200" dirty="0">
-              <a:solidFill>
-                <a:schemeClr val="bg1"/>
-              </a:solidFill>
-              <a:latin typeface="Tenorite" pitchFamily="2" charset="0"/>
-            </a:rPr>
-            <a:t>Team Formation</a:t>
-          </a:r>
-        </a:p>
-      </dsp:txBody>
-      <dsp:txXfrm>
-        <a:off x="625698" y="890053"/>
-        <a:ext cx="1986463" cy="1291450"/>
-      </dsp:txXfrm>
-    </dsp:sp>
-    <dsp:sp modelId="{8E3FB235-DF38-476B-9A0E-B1E583D50944}">
-      <dsp:nvSpPr>
-        <dsp:cNvPr id="0" name=""/>
-        <dsp:cNvSpPr/>
-      </dsp:nvSpPr>
-      <dsp:spPr>
-        <a:xfrm>
-          <a:off x="625698" y="436300"/>
-          <a:ext cx="1986463" cy="453752"/>
-        </a:xfrm>
-        <a:prstGeom prst="rect">
-          <a:avLst/>
-        </a:prstGeom>
-        <a:noFill/>
-        <a:ln>
-          <a:noFill/>
-        </a:ln>
-        <a:effectLst/>
-      </dsp:spPr>
-      <dsp:style>
-        <a:lnRef idx="0">
-          <a:scrgbClr r="0" g="0" b="0"/>
-        </a:lnRef>
-        <a:fillRef idx="0">
-          <a:scrgbClr r="0" g="0" b="0"/>
-        </a:fillRef>
-        <a:effectRef idx="0">
-          <a:scrgbClr r="0" g="0" b="0"/>
-        </a:effectRef>
-        <a:fontRef idx="minor"/>
-      </dsp:style>
-      <dsp:txBody>
-        <a:bodyPr spcFirstLastPara="0" vert="horz" wrap="square" lIns="0" tIns="0" rIns="95250" bIns="0" numCol="1" spcCol="1270" anchor="ctr" anchorCtr="0">
-          <a:noAutofit/>
-        </a:bodyPr>
-        <a:lstStyle/>
-        <a:p>
-          <a:pPr marL="0" lvl="0" indent="0" algn="l" defTabSz="666750">
-            <a:lnSpc>
-              <a:spcPct val="90000"/>
-            </a:lnSpc>
-            <a:spcBef>
-              <a:spcPct val="0"/>
-            </a:spcBef>
-            <a:spcAft>
-              <a:spcPct val="35000"/>
-            </a:spcAft>
-            <a:buNone/>
-            <a:defRPr b="1"/>
-          </a:pPr>
-          <a:r>
-            <a:rPr lang="en-US" sz="1500" b="1" kern="1200" dirty="0">
-              <a:solidFill>
-                <a:schemeClr val="bg1"/>
-              </a:solidFill>
-              <a:latin typeface="Tenorite" pitchFamily="2" charset="0"/>
-            </a:rPr>
-            <a:t>17 Feb 2022</a:t>
-          </a:r>
-        </a:p>
-      </dsp:txBody>
-      <dsp:txXfrm>
-        <a:off x="625698" y="436300"/>
-        <a:ext cx="1986463" cy="453752"/>
-      </dsp:txXfrm>
-    </dsp:sp>
-    <dsp:sp modelId="{9AA05CE5-209F-4AD9-BE2C-2A69F76DA8F4}">
-      <dsp:nvSpPr>
-        <dsp:cNvPr id="0" name=""/>
-        <dsp:cNvSpPr/>
-      </dsp:nvSpPr>
-      <dsp:spPr>
-        <a:xfrm>
-          <a:off x="228842" y="890053"/>
-          <a:ext cx="0" cy="1291450"/>
-        </a:xfrm>
-        <a:prstGeom prst="line">
-          <a:avLst/>
-        </a:prstGeom>
-        <a:noFill/>
-        <a:ln w="12700" cap="flat" cmpd="sng" algn="ctr">
-          <a:solidFill>
-            <a:schemeClr val="accent2"/>
-          </a:solidFill>
-          <a:prstDash val="dash"/>
-          <a:miter lim="800000"/>
-        </a:ln>
-        <a:effectLst/>
-      </dsp:spPr>
-      <dsp:style>
-        <a:lnRef idx="1">
-          <a:scrgbClr r="0" g="0" b="0"/>
-        </a:lnRef>
-        <a:fillRef idx="0">
-          <a:scrgbClr r="0" g="0" b="0"/>
-        </a:fillRef>
-        <a:effectRef idx="0">
-          <a:scrgbClr r="0" g="0" b="0"/>
-        </a:effectRef>
-        <a:fontRef idx="minor"/>
-      </dsp:style>
-    </dsp:sp>
-    <dsp:sp modelId="{B6C94ECD-6415-4250-B4AD-F67BF5BECFB8}">
-      <dsp:nvSpPr>
-        <dsp:cNvPr id="0" name=""/>
-        <dsp:cNvSpPr/>
-      </dsp:nvSpPr>
-      <dsp:spPr>
-        <a:xfrm>
-          <a:off x="188004" y="2140666"/>
-          <a:ext cx="81675" cy="81675"/>
-        </a:xfrm>
-        <a:prstGeom prst="ellipse">
-          <a:avLst/>
-        </a:prstGeom>
-        <a:solidFill>
-          <a:schemeClr val="accent2">
-            <a:shade val="90000"/>
-            <a:hueOff val="0"/>
-            <a:satOff val="0"/>
-            <a:lumOff val="0"/>
-            <a:alphaOff val="0"/>
-          </a:schemeClr>
-        </a:solidFill>
-        <a:ln w="6350" cap="flat" cmpd="sng" algn="ctr">
-          <a:noFill/>
-          <a:prstDash val="solid"/>
-          <a:miter lim="800000"/>
-        </a:ln>
-        <a:effectLst/>
-      </dsp:spPr>
-      <dsp:style>
-        <a:lnRef idx="2">
-          <a:scrgbClr r="0" g="0" b="0"/>
-        </a:lnRef>
-        <a:fillRef idx="1">
-          <a:scrgbClr r="0" g="0" b="0"/>
-        </a:fillRef>
-        <a:effectRef idx="0">
-          <a:scrgbClr r="0" g="0" b="0"/>
-        </a:effectRef>
-        <a:fontRef idx="minor">
-          <a:schemeClr val="lt1"/>
-        </a:fontRef>
-      </dsp:style>
-    </dsp:sp>
-    <dsp:sp modelId="{358CAA11-0A87-4861-8B4E-913B1EAD1334}">
-      <dsp:nvSpPr>
-        <dsp:cNvPr id="0" name=""/>
-        <dsp:cNvSpPr/>
-      </dsp:nvSpPr>
-      <dsp:spPr>
-        <a:xfrm rot="18900000">
-          <a:off x="1469876" y="3539404"/>
-          <a:ext cx="320851" cy="320851"/>
-        </a:xfrm>
-        <a:prstGeom prst="teardrop">
-          <a:avLst>
-            <a:gd name="adj" fmla="val 115000"/>
-          </a:avLst>
-        </a:prstGeom>
-        <a:solidFill>
-          <a:schemeClr val="accent2"/>
-        </a:solidFill>
-        <a:ln w="12700" cap="flat" cmpd="sng" algn="ctr">
-          <a:solidFill>
-            <a:schemeClr val="accent2">
-              <a:alpha val="90000"/>
-              <a:hueOff val="0"/>
-              <a:satOff val="0"/>
-              <a:lumOff val="0"/>
-              <a:alphaOff val="-8000"/>
-            </a:schemeClr>
-          </a:solidFill>
-          <a:prstDash val="solid"/>
-          <a:miter lim="800000"/>
-        </a:ln>
-        <a:effectLst/>
-      </dsp:spPr>
-      <dsp:style>
-        <a:lnRef idx="2">
-          <a:scrgbClr r="0" g="0" b="0"/>
-        </a:lnRef>
-        <a:fillRef idx="1">
-          <a:scrgbClr r="0" g="0" b="0"/>
-        </a:fillRef>
-        <a:effectRef idx="0">
-          <a:scrgbClr r="0" g="0" b="0"/>
-        </a:effectRef>
-        <a:fontRef idx="minor">
-          <a:schemeClr val="lt1"/>
-        </a:fontRef>
-      </dsp:style>
-    </dsp:sp>
-    <dsp:sp modelId="{B1A1A837-F261-404B-A808-B2F4154CE8A2}">
-      <dsp:nvSpPr>
-        <dsp:cNvPr id="0" name=""/>
-        <dsp:cNvSpPr/>
-      </dsp:nvSpPr>
-      <dsp:spPr>
-        <a:xfrm>
-          <a:off x="1505520" y="3575048"/>
-          <a:ext cx="249564" cy="249564"/>
-        </a:xfrm>
-        <a:prstGeom prst="ellipse">
-          <a:avLst/>
-        </a:prstGeom>
-        <a:solidFill>
-          <a:schemeClr val="accent1">
-            <a:alpha val="90000"/>
-          </a:schemeClr>
-        </a:solidFill>
-        <a:ln w="12700" cap="flat" cmpd="sng" algn="ctr">
-          <a:noFill/>
-          <a:prstDash val="solid"/>
-          <a:miter lim="800000"/>
-        </a:ln>
-        <a:effectLst/>
-      </dsp:spPr>
-      <dsp:style>
-        <a:lnRef idx="2">
-          <a:scrgbClr r="0" g="0" b="0"/>
-        </a:lnRef>
-        <a:fillRef idx="1">
-          <a:scrgbClr r="0" g="0" b="0"/>
-        </a:fillRef>
-        <a:effectRef idx="0">
-          <a:scrgbClr r="0" g="0" b="0"/>
-        </a:effectRef>
-        <a:fontRef idx="minor"/>
-      </dsp:style>
-    </dsp:sp>
-    <dsp:sp modelId="{B5F3F650-2E42-488A-AD4F-C4BD47D19A84}">
-      <dsp:nvSpPr>
-        <dsp:cNvPr id="0" name=""/>
-        <dsp:cNvSpPr/>
-      </dsp:nvSpPr>
-      <dsp:spPr>
-        <a:xfrm>
-          <a:off x="2027158" y="2181504"/>
-          <a:ext cx="1986463" cy="1291450"/>
-        </a:xfrm>
-        <a:prstGeom prst="rect">
-          <a:avLst/>
-        </a:prstGeom>
-        <a:noFill/>
-        <a:ln>
-          <a:noFill/>
-        </a:ln>
-        <a:effectLst/>
-      </dsp:spPr>
-      <dsp:style>
-        <a:lnRef idx="0">
-          <a:scrgbClr r="0" g="0" b="0"/>
-        </a:lnRef>
-        <a:fillRef idx="0">
-          <a:scrgbClr r="0" g="0" b="0"/>
-        </a:fillRef>
-        <a:effectRef idx="0">
-          <a:scrgbClr r="0" g="0" b="0"/>
-        </a:effectRef>
-        <a:fontRef idx="minor"/>
-      </dsp:style>
-      <dsp:txBody>
-        <a:bodyPr spcFirstLastPara="0" vert="horz" wrap="square" lIns="0" tIns="104775" rIns="0" bIns="69850" numCol="1" spcCol="1270" anchor="b" anchorCtr="0">
-          <a:noAutofit/>
-        </a:bodyPr>
-        <a:lstStyle/>
-        <a:p>
-          <a:pPr marL="0" lvl="0" indent="0" algn="l" defTabSz="488950">
-            <a:lnSpc>
-              <a:spcPct val="90000"/>
-            </a:lnSpc>
-            <a:spcBef>
-              <a:spcPct val="0"/>
-            </a:spcBef>
-            <a:spcAft>
-              <a:spcPct val="35000"/>
-            </a:spcAft>
-            <a:buNone/>
-          </a:pPr>
-          <a:r>
-            <a:rPr lang="en-US" sz="1100" b="0" kern="1200" dirty="0">
-              <a:solidFill>
-                <a:schemeClr val="bg1"/>
-              </a:solidFill>
-              <a:latin typeface="Tenorite" pitchFamily="2" charset="0"/>
-            </a:rPr>
-            <a:t>Selection of Project Domain</a:t>
-          </a:r>
-        </a:p>
-        <a:p>
-          <a:pPr marL="0" lvl="0" indent="0" algn="l" defTabSz="488950">
-            <a:lnSpc>
-              <a:spcPct val="90000"/>
-            </a:lnSpc>
-            <a:spcBef>
-              <a:spcPct val="0"/>
-            </a:spcBef>
-            <a:spcAft>
-              <a:spcPct val="35000"/>
-            </a:spcAft>
-            <a:buNone/>
-          </a:pPr>
-          <a:r>
-            <a:rPr lang="en-US" sz="1100" b="0" kern="1200" dirty="0">
-              <a:solidFill>
-                <a:schemeClr val="bg1"/>
-              </a:solidFill>
-              <a:latin typeface="Tenorite" pitchFamily="2" charset="0"/>
-            </a:rPr>
-            <a:t>Selection of Platform</a:t>
-          </a:r>
-        </a:p>
-      </dsp:txBody>
-      <dsp:txXfrm>
-        <a:off x="2027158" y="2181504"/>
-        <a:ext cx="1986463" cy="1291450"/>
-      </dsp:txXfrm>
-    </dsp:sp>
-    <dsp:sp modelId="{223C5207-4FA2-4A6C-8F43-20BD55767C99}">
-      <dsp:nvSpPr>
-        <dsp:cNvPr id="0" name=""/>
-        <dsp:cNvSpPr/>
-      </dsp:nvSpPr>
-      <dsp:spPr>
-        <a:xfrm>
-          <a:off x="2027158" y="3472954"/>
-          <a:ext cx="1986463" cy="453752"/>
-        </a:xfrm>
-        <a:prstGeom prst="rect">
-          <a:avLst/>
-        </a:prstGeom>
-        <a:noFill/>
-        <a:ln>
-          <a:noFill/>
-        </a:ln>
-        <a:effectLst/>
-      </dsp:spPr>
-      <dsp:style>
-        <a:lnRef idx="0">
-          <a:scrgbClr r="0" g="0" b="0"/>
-        </a:lnRef>
-        <a:fillRef idx="0">
-          <a:scrgbClr r="0" g="0" b="0"/>
-        </a:fillRef>
-        <a:effectRef idx="0">
-          <a:scrgbClr r="0" g="0" b="0"/>
-        </a:effectRef>
-        <a:fontRef idx="minor"/>
-      </dsp:style>
-      <dsp:txBody>
-        <a:bodyPr spcFirstLastPara="0" vert="horz" wrap="square" lIns="0" tIns="0" rIns="95250" bIns="0" numCol="1" spcCol="1270" anchor="ctr" anchorCtr="0">
-          <a:noAutofit/>
-        </a:bodyPr>
-        <a:lstStyle/>
-        <a:p>
-          <a:pPr marL="0" lvl="0" indent="0" algn="l" defTabSz="666750">
-            <a:lnSpc>
-              <a:spcPct val="90000"/>
-            </a:lnSpc>
-            <a:spcBef>
-              <a:spcPct val="0"/>
-            </a:spcBef>
-            <a:spcAft>
-              <a:spcPct val="35000"/>
-            </a:spcAft>
-            <a:buNone/>
-            <a:defRPr b="1"/>
-          </a:pPr>
-          <a:r>
-            <a:rPr lang="en-US" sz="1500" b="1" kern="1200" dirty="0">
-              <a:solidFill>
-                <a:schemeClr val="bg1"/>
-              </a:solidFill>
-              <a:latin typeface="Tenorite" pitchFamily="2" charset="0"/>
-            </a:rPr>
-            <a:t>20 Feb 2022</a:t>
-          </a:r>
-        </a:p>
-      </dsp:txBody>
-      <dsp:txXfrm>
-        <a:off x="2027158" y="3472954"/>
-        <a:ext cx="1986463" cy="453752"/>
-      </dsp:txXfrm>
-    </dsp:sp>
-    <dsp:sp modelId="{4FE5EB5D-4CEF-4D0D-9394-0534E61844BE}">
-      <dsp:nvSpPr>
-        <dsp:cNvPr id="0" name=""/>
-        <dsp:cNvSpPr/>
-      </dsp:nvSpPr>
-      <dsp:spPr>
-        <a:xfrm>
-          <a:off x="1630302" y="2181504"/>
-          <a:ext cx="0" cy="1291450"/>
-        </a:xfrm>
-        <a:prstGeom prst="line">
-          <a:avLst/>
-        </a:prstGeom>
-        <a:noFill/>
-        <a:ln w="12700" cap="flat" cmpd="sng" algn="ctr">
-          <a:solidFill>
-            <a:schemeClr val="accent2"/>
-          </a:solidFill>
-          <a:prstDash val="dash"/>
-          <a:miter lim="800000"/>
-        </a:ln>
-        <a:effectLst/>
-      </dsp:spPr>
-      <dsp:style>
-        <a:lnRef idx="1">
-          <a:scrgbClr r="0" g="0" b="0"/>
-        </a:lnRef>
-        <a:fillRef idx="0">
-          <a:scrgbClr r="0" g="0" b="0"/>
-        </a:fillRef>
-        <a:effectRef idx="0">
-          <a:scrgbClr r="0" g="0" b="0"/>
-        </a:effectRef>
-        <a:fontRef idx="minor"/>
-      </dsp:style>
-    </dsp:sp>
-    <dsp:sp modelId="{714429FF-AAA3-4358-8C5F-1A7F29AA2B7B}">
-      <dsp:nvSpPr>
-        <dsp:cNvPr id="0" name=""/>
-        <dsp:cNvSpPr/>
-      </dsp:nvSpPr>
-      <dsp:spPr>
-        <a:xfrm>
-          <a:off x="1589464" y="2140666"/>
-          <a:ext cx="81675" cy="81675"/>
-        </a:xfrm>
-        <a:prstGeom prst="ellipse">
-          <a:avLst/>
-        </a:prstGeom>
-        <a:solidFill>
-          <a:schemeClr val="accent2"/>
-        </a:solidFill>
-        <a:ln w="6350" cap="flat" cmpd="sng" algn="ctr">
-          <a:noFill/>
-          <a:prstDash val="solid"/>
-          <a:miter lim="800000"/>
-        </a:ln>
-        <a:effectLst/>
-      </dsp:spPr>
-      <dsp:style>
-        <a:lnRef idx="2">
-          <a:scrgbClr r="0" g="0" b="0"/>
-        </a:lnRef>
-        <a:fillRef idx="1">
-          <a:scrgbClr r="0" g="0" b="0"/>
-        </a:fillRef>
-        <a:effectRef idx="0">
-          <a:scrgbClr r="0" g="0" b="0"/>
-        </a:effectRef>
-        <a:fontRef idx="minor">
-          <a:schemeClr val="lt1"/>
-        </a:fontRef>
-      </dsp:style>
-    </dsp:sp>
-    <dsp:sp modelId="{72C82E90-F103-439C-8371-CFFB0927B9DE}">
-      <dsp:nvSpPr>
-        <dsp:cNvPr id="0" name=""/>
-        <dsp:cNvSpPr/>
-      </dsp:nvSpPr>
-      <dsp:spPr>
-        <a:xfrm rot="8100000">
-          <a:off x="2871336" y="502751"/>
-          <a:ext cx="320851" cy="320851"/>
-        </a:xfrm>
-        <a:prstGeom prst="teardrop">
-          <a:avLst>
-            <a:gd name="adj" fmla="val 115000"/>
-          </a:avLst>
-        </a:prstGeom>
-        <a:solidFill>
-          <a:schemeClr val="accent2"/>
-        </a:solidFill>
-        <a:ln w="12700" cap="flat" cmpd="sng" algn="ctr">
-          <a:solidFill>
-            <a:schemeClr val="accent2">
-              <a:alpha val="90000"/>
-              <a:hueOff val="0"/>
-              <a:satOff val="0"/>
-              <a:lumOff val="0"/>
-              <a:alphaOff val="-16000"/>
-            </a:schemeClr>
-          </a:solidFill>
-          <a:prstDash val="solid"/>
-          <a:miter lim="800000"/>
-        </a:ln>
-        <a:effectLst/>
-      </dsp:spPr>
-      <dsp:style>
-        <a:lnRef idx="2">
-          <a:scrgbClr r="0" g="0" b="0"/>
-        </a:lnRef>
-        <a:fillRef idx="1">
-          <a:scrgbClr r="0" g="0" b="0"/>
-        </a:fillRef>
-        <a:effectRef idx="0">
-          <a:scrgbClr r="0" g="0" b="0"/>
-        </a:effectRef>
-        <a:fontRef idx="minor">
-          <a:schemeClr val="lt1"/>
-        </a:fontRef>
-      </dsp:style>
-    </dsp:sp>
-    <dsp:sp modelId="{5D519322-C1DD-47AE-92C0-13575134BC76}">
-      <dsp:nvSpPr>
-        <dsp:cNvPr id="0" name=""/>
-        <dsp:cNvSpPr/>
-      </dsp:nvSpPr>
-      <dsp:spPr>
-        <a:xfrm>
-          <a:off x="2906979" y="538395"/>
-          <a:ext cx="249564" cy="249564"/>
-        </a:xfrm>
-        <a:prstGeom prst="ellipse">
-          <a:avLst/>
-        </a:prstGeom>
-        <a:solidFill>
-          <a:schemeClr val="accent1">
-            <a:alpha val="90000"/>
-          </a:schemeClr>
-        </a:solidFill>
-        <a:ln w="12700" cap="flat" cmpd="sng" algn="ctr">
-          <a:noFill/>
-          <a:prstDash val="solid"/>
-          <a:miter lim="800000"/>
-        </a:ln>
-        <a:effectLst/>
-      </dsp:spPr>
-      <dsp:style>
-        <a:lnRef idx="2">
-          <a:scrgbClr r="0" g="0" b="0"/>
-        </a:lnRef>
-        <a:fillRef idx="1">
-          <a:scrgbClr r="0" g="0" b="0"/>
-        </a:fillRef>
-        <a:effectRef idx="0">
-          <a:scrgbClr r="0" g="0" b="0"/>
-        </a:effectRef>
-        <a:fontRef idx="minor"/>
-      </dsp:style>
-    </dsp:sp>
-    <dsp:sp modelId="{96DDA0FE-83E2-423C-9F13-58A61EB68487}">
-      <dsp:nvSpPr>
-        <dsp:cNvPr id="0" name=""/>
-        <dsp:cNvSpPr/>
-      </dsp:nvSpPr>
-      <dsp:spPr>
-        <a:xfrm>
-          <a:off x="3428618" y="890053"/>
-          <a:ext cx="1986463" cy="1291450"/>
-        </a:xfrm>
-        <a:prstGeom prst="rect">
-          <a:avLst/>
-        </a:prstGeom>
-        <a:noFill/>
-        <a:ln>
-          <a:noFill/>
-        </a:ln>
-        <a:effectLst/>
-      </dsp:spPr>
-      <dsp:style>
-        <a:lnRef idx="0">
-          <a:scrgbClr r="0" g="0" b="0"/>
-        </a:lnRef>
-        <a:fillRef idx="0">
-          <a:scrgbClr r="0" g="0" b="0"/>
-        </a:fillRef>
-        <a:effectRef idx="0">
-          <a:scrgbClr r="0" g="0" b="0"/>
-        </a:effectRef>
-        <a:fontRef idx="minor"/>
-      </dsp:style>
-      <dsp:txBody>
-        <a:bodyPr spcFirstLastPara="0" vert="horz" wrap="square" lIns="0" tIns="69850" rIns="69850" bIns="104775" numCol="1" spcCol="1270" anchor="t" anchorCtr="0">
-          <a:noAutofit/>
-        </a:bodyPr>
-        <a:lstStyle/>
-        <a:p>
-          <a:pPr marL="0" lvl="0" indent="0" algn="l" defTabSz="488950">
-            <a:lnSpc>
-              <a:spcPct val="90000"/>
-            </a:lnSpc>
-            <a:spcBef>
-              <a:spcPct val="0"/>
-            </a:spcBef>
-            <a:spcAft>
-              <a:spcPct val="35000"/>
-            </a:spcAft>
-            <a:buNone/>
-          </a:pPr>
-          <a:r>
-            <a:rPr lang="en-US" sz="1100" b="0" kern="1200" dirty="0">
-              <a:solidFill>
-                <a:schemeClr val="bg1"/>
-              </a:solidFill>
-              <a:latin typeface="Tenorite" pitchFamily="2" charset="0"/>
-            </a:rPr>
-            <a:t>Research and methodology</a:t>
-          </a:r>
-        </a:p>
-        <a:p>
-          <a:pPr marL="0" lvl="0" indent="0" algn="l" defTabSz="488950">
-            <a:lnSpc>
-              <a:spcPct val="90000"/>
-            </a:lnSpc>
-            <a:spcBef>
-              <a:spcPct val="0"/>
-            </a:spcBef>
-            <a:spcAft>
-              <a:spcPct val="35000"/>
-            </a:spcAft>
-            <a:buNone/>
-          </a:pPr>
-          <a:r>
-            <a:rPr lang="en-US" sz="1100" b="0" kern="1200" dirty="0">
-              <a:solidFill>
-                <a:schemeClr val="bg1"/>
-              </a:solidFill>
-              <a:latin typeface="Tenorite" pitchFamily="2" charset="0"/>
-            </a:rPr>
-            <a:t>Collection of data and sources</a:t>
-          </a:r>
-        </a:p>
-        <a:p>
-          <a:pPr marL="0" lvl="0" indent="0" algn="l" defTabSz="488950">
-            <a:lnSpc>
-              <a:spcPct val="90000"/>
-            </a:lnSpc>
-            <a:spcBef>
-              <a:spcPct val="0"/>
-            </a:spcBef>
-            <a:spcAft>
-              <a:spcPct val="35000"/>
-            </a:spcAft>
-            <a:buNone/>
-          </a:pPr>
-          <a:r>
-            <a:rPr lang="en-US" sz="1100" b="0" kern="1200" dirty="0">
-              <a:solidFill>
-                <a:schemeClr val="bg1"/>
-              </a:solidFill>
-              <a:latin typeface="Tenorite" pitchFamily="2" charset="0"/>
-            </a:rPr>
-            <a:t>Preparation of Presentation</a:t>
-          </a:r>
-        </a:p>
-      </dsp:txBody>
-      <dsp:txXfrm>
-        <a:off x="3428618" y="890053"/>
-        <a:ext cx="1986463" cy="1291450"/>
-      </dsp:txXfrm>
-    </dsp:sp>
-    <dsp:sp modelId="{2D6C7916-1130-46A8-833B-A6278CBD2192}">
-      <dsp:nvSpPr>
-        <dsp:cNvPr id="0" name=""/>
-        <dsp:cNvSpPr/>
-      </dsp:nvSpPr>
-      <dsp:spPr>
-        <a:xfrm>
-          <a:off x="3428618" y="436300"/>
-          <a:ext cx="1986463" cy="453752"/>
-        </a:xfrm>
-        <a:prstGeom prst="rect">
-          <a:avLst/>
-        </a:prstGeom>
-        <a:noFill/>
-        <a:ln>
-          <a:noFill/>
-        </a:ln>
-        <a:effectLst/>
-      </dsp:spPr>
-      <dsp:style>
-        <a:lnRef idx="0">
-          <a:scrgbClr r="0" g="0" b="0"/>
-        </a:lnRef>
-        <a:fillRef idx="0">
-          <a:scrgbClr r="0" g="0" b="0"/>
-        </a:fillRef>
-        <a:effectRef idx="0">
-          <a:scrgbClr r="0" g="0" b="0"/>
-        </a:effectRef>
-        <a:fontRef idx="minor"/>
-      </dsp:style>
-      <dsp:txBody>
-        <a:bodyPr spcFirstLastPara="0" vert="horz" wrap="square" lIns="0" tIns="0" rIns="95250" bIns="0" numCol="1" spcCol="1270" anchor="ctr" anchorCtr="0">
-          <a:noAutofit/>
-        </a:bodyPr>
-        <a:lstStyle/>
-        <a:p>
-          <a:pPr marL="0" lvl="0" indent="0" algn="l" defTabSz="666750">
-            <a:lnSpc>
-              <a:spcPct val="90000"/>
-            </a:lnSpc>
-            <a:spcBef>
-              <a:spcPct val="0"/>
-            </a:spcBef>
-            <a:spcAft>
-              <a:spcPct val="35000"/>
-            </a:spcAft>
-            <a:buNone/>
-            <a:defRPr b="1"/>
-          </a:pPr>
-          <a:r>
-            <a:rPr lang="en-US" sz="1500" b="1" kern="1200" dirty="0">
-              <a:solidFill>
-                <a:schemeClr val="bg1"/>
-              </a:solidFill>
-              <a:latin typeface="Tenorite" pitchFamily="2" charset="0"/>
-            </a:rPr>
-            <a:t>22 Feb 2022</a:t>
-          </a:r>
-        </a:p>
-      </dsp:txBody>
-      <dsp:txXfrm>
-        <a:off x="3428618" y="436300"/>
-        <a:ext cx="1986463" cy="453752"/>
-      </dsp:txXfrm>
-    </dsp:sp>
-    <dsp:sp modelId="{4D953791-5C2F-4A75-A8F4-6ED7EAB5E015}">
-      <dsp:nvSpPr>
-        <dsp:cNvPr id="0" name=""/>
-        <dsp:cNvSpPr/>
-      </dsp:nvSpPr>
-      <dsp:spPr>
-        <a:xfrm>
-          <a:off x="3031761" y="890053"/>
-          <a:ext cx="0" cy="1291450"/>
-        </a:xfrm>
-        <a:prstGeom prst="line">
-          <a:avLst/>
-        </a:prstGeom>
-        <a:noFill/>
-        <a:ln w="12700" cap="flat" cmpd="sng" algn="ctr">
-          <a:solidFill>
-            <a:schemeClr val="accent2"/>
-          </a:solidFill>
-          <a:prstDash val="dash"/>
-          <a:miter lim="800000"/>
-        </a:ln>
-        <a:effectLst/>
-      </dsp:spPr>
-      <dsp:style>
-        <a:lnRef idx="1">
-          <a:scrgbClr r="0" g="0" b="0"/>
-        </a:lnRef>
-        <a:fillRef idx="0">
-          <a:scrgbClr r="0" g="0" b="0"/>
-        </a:fillRef>
-        <a:effectRef idx="0">
-          <a:scrgbClr r="0" g="0" b="0"/>
-        </a:effectRef>
-        <a:fontRef idx="minor"/>
-      </dsp:style>
-    </dsp:sp>
-    <dsp:sp modelId="{152AD014-AFD0-4700-A468-4D562874339A}">
-      <dsp:nvSpPr>
-        <dsp:cNvPr id="0" name=""/>
-        <dsp:cNvSpPr/>
-      </dsp:nvSpPr>
-      <dsp:spPr>
-        <a:xfrm>
-          <a:off x="2990924" y="2140666"/>
-          <a:ext cx="81675" cy="81675"/>
-        </a:xfrm>
-        <a:prstGeom prst="ellipse">
-          <a:avLst/>
-        </a:prstGeom>
-        <a:solidFill>
-          <a:schemeClr val="accent2"/>
-        </a:solidFill>
-        <a:ln w="6350" cap="flat" cmpd="sng" algn="ctr">
-          <a:noFill/>
-          <a:prstDash val="solid"/>
-          <a:miter lim="800000"/>
-        </a:ln>
-        <a:effectLst/>
-      </dsp:spPr>
-      <dsp:style>
-        <a:lnRef idx="2">
-          <a:scrgbClr r="0" g="0" b="0"/>
-        </a:lnRef>
-        <a:fillRef idx="1">
-          <a:scrgbClr r="0" g="0" b="0"/>
-        </a:fillRef>
-        <a:effectRef idx="0">
-          <a:scrgbClr r="0" g="0" b="0"/>
-        </a:effectRef>
-        <a:fontRef idx="minor">
-          <a:schemeClr val="lt1"/>
-        </a:fontRef>
-      </dsp:style>
-    </dsp:sp>
-    <dsp:sp modelId="{17331DD9-74CF-4A3A-86BA-F4B9DBEAB944}">
-      <dsp:nvSpPr>
-        <dsp:cNvPr id="0" name=""/>
-        <dsp:cNvSpPr/>
-      </dsp:nvSpPr>
-      <dsp:spPr>
-        <a:xfrm rot="18900000">
-          <a:off x="4299844" y="3975705"/>
-          <a:ext cx="320851" cy="320851"/>
-        </a:xfrm>
-        <a:prstGeom prst="teardrop">
-          <a:avLst>
-            <a:gd name="adj" fmla="val 115000"/>
-          </a:avLst>
-        </a:prstGeom>
-        <a:solidFill>
-          <a:schemeClr val="accent2"/>
-        </a:solidFill>
-        <a:ln w="12700" cap="flat" cmpd="sng" algn="ctr">
-          <a:solidFill>
-            <a:schemeClr val="accent2">
-              <a:alpha val="90000"/>
-              <a:hueOff val="0"/>
-              <a:satOff val="0"/>
-              <a:lumOff val="0"/>
-              <a:alphaOff val="-24000"/>
-            </a:schemeClr>
-          </a:solidFill>
-          <a:prstDash val="solid"/>
-          <a:miter lim="800000"/>
-        </a:ln>
-        <a:effectLst/>
-      </dsp:spPr>
-      <dsp:style>
-        <a:lnRef idx="2">
-          <a:scrgbClr r="0" g="0" b="0"/>
-        </a:lnRef>
-        <a:fillRef idx="1">
-          <a:scrgbClr r="0" g="0" b="0"/>
-        </a:fillRef>
-        <a:effectRef idx="0">
-          <a:scrgbClr r="0" g="0" b="0"/>
-        </a:effectRef>
-        <a:fontRef idx="minor">
-          <a:schemeClr val="lt1"/>
-        </a:fontRef>
-      </dsp:style>
-    </dsp:sp>
-    <dsp:sp modelId="{515AAB83-BD07-4B9E-9A3B-858C0B126F9C}">
-      <dsp:nvSpPr>
-        <dsp:cNvPr id="0" name=""/>
-        <dsp:cNvSpPr/>
-      </dsp:nvSpPr>
-      <dsp:spPr>
-        <a:xfrm>
-          <a:off x="4335488" y="4011349"/>
-          <a:ext cx="249564" cy="249564"/>
-        </a:xfrm>
-        <a:prstGeom prst="ellipse">
-          <a:avLst/>
-        </a:prstGeom>
-        <a:solidFill>
-          <a:schemeClr val="accent1">
-            <a:alpha val="90000"/>
-          </a:schemeClr>
-        </a:solidFill>
-        <a:ln w="12700" cap="flat" cmpd="sng" algn="ctr">
-          <a:noFill/>
-          <a:prstDash val="solid"/>
-          <a:miter lim="800000"/>
-        </a:ln>
-        <a:effectLst/>
-      </dsp:spPr>
-      <dsp:style>
-        <a:lnRef idx="2">
-          <a:scrgbClr r="0" g="0" b="0"/>
-        </a:lnRef>
-        <a:fillRef idx="1">
-          <a:scrgbClr r="0" g="0" b="0"/>
-        </a:fillRef>
-        <a:effectRef idx="0">
-          <a:scrgbClr r="0" g="0" b="0"/>
-        </a:effectRef>
-        <a:fontRef idx="minor"/>
-      </dsp:style>
-    </dsp:sp>
-    <dsp:sp modelId="{08CB2D5A-F46A-4E0E-9575-15F31D04AAC6}">
-      <dsp:nvSpPr>
-        <dsp:cNvPr id="0" name=""/>
-        <dsp:cNvSpPr/>
-      </dsp:nvSpPr>
-      <dsp:spPr>
-        <a:xfrm>
-          <a:off x="4829371" y="2563346"/>
-          <a:ext cx="1978202" cy="1291450"/>
-        </a:xfrm>
-        <a:prstGeom prst="rect">
-          <a:avLst/>
-        </a:prstGeom>
-        <a:noFill/>
-        <a:ln>
-          <a:noFill/>
-        </a:ln>
-        <a:effectLst/>
-      </dsp:spPr>
-      <dsp:style>
-        <a:lnRef idx="0">
-          <a:scrgbClr r="0" g="0" b="0"/>
-        </a:lnRef>
-        <a:fillRef idx="0">
-          <a:scrgbClr r="0" g="0" b="0"/>
-        </a:fillRef>
-        <a:effectRef idx="0">
-          <a:scrgbClr r="0" g="0" b="0"/>
-        </a:effectRef>
-        <a:fontRef idx="minor"/>
-      </dsp:style>
-      <dsp:txBody>
-        <a:bodyPr spcFirstLastPara="0" vert="horz" wrap="square" lIns="0" tIns="104775" rIns="0" bIns="69850" numCol="1" spcCol="1270" anchor="b" anchorCtr="0">
-          <a:noAutofit/>
-        </a:bodyPr>
-        <a:lstStyle/>
-        <a:p>
-          <a:pPr marL="0" lvl="0" indent="0" algn="l" defTabSz="488950">
-            <a:lnSpc>
-              <a:spcPct val="90000"/>
-            </a:lnSpc>
-            <a:spcBef>
-              <a:spcPct val="0"/>
-            </a:spcBef>
-            <a:spcAft>
-              <a:spcPct val="35000"/>
-            </a:spcAft>
-            <a:buNone/>
-          </a:pPr>
-          <a:r>
-            <a:rPr lang="en-US" sz="1100" b="0" kern="1200" dirty="0">
-              <a:solidFill>
-                <a:schemeClr val="bg1"/>
-              </a:solidFill>
-              <a:latin typeface="Tenorite" pitchFamily="2" charset="0"/>
-            </a:rPr>
-            <a:t>Presentation of Topics</a:t>
-          </a:r>
-        </a:p>
-        <a:p>
-          <a:pPr marL="0" lvl="0" indent="0" algn="l" defTabSz="488950">
-            <a:lnSpc>
-              <a:spcPct val="90000"/>
-            </a:lnSpc>
-            <a:spcBef>
-              <a:spcPct val="0"/>
-            </a:spcBef>
-            <a:spcAft>
-              <a:spcPct val="35000"/>
-            </a:spcAft>
-            <a:buNone/>
-          </a:pPr>
-          <a:r>
-            <a:rPr lang="en-US" sz="1100" b="0" kern="1200" dirty="0">
-              <a:solidFill>
-                <a:schemeClr val="bg1"/>
-              </a:solidFill>
-              <a:latin typeface="Tenorite" pitchFamily="2" charset="0"/>
-            </a:rPr>
-            <a:t>Finalization of Topic</a:t>
-          </a:r>
-        </a:p>
-        <a:p>
-          <a:pPr marL="0" lvl="0" indent="0" algn="l" defTabSz="488950">
-            <a:lnSpc>
-              <a:spcPct val="90000"/>
-            </a:lnSpc>
-            <a:spcBef>
-              <a:spcPct val="0"/>
-            </a:spcBef>
-            <a:spcAft>
-              <a:spcPct val="35000"/>
-            </a:spcAft>
-            <a:buNone/>
-          </a:pPr>
-          <a:r>
-            <a:rPr lang="en-US" sz="1100" b="0" kern="1200" dirty="0">
-              <a:solidFill>
-                <a:schemeClr val="bg1"/>
-              </a:solidFill>
-              <a:latin typeface="Tenorite" pitchFamily="2" charset="0"/>
-            </a:rPr>
-            <a:t>Preparation for developing the code</a:t>
-          </a:r>
-        </a:p>
-      </dsp:txBody>
-      <dsp:txXfrm>
-        <a:off x="4829371" y="2563346"/>
-        <a:ext cx="1978202" cy="1291450"/>
-      </dsp:txXfrm>
-    </dsp:sp>
-    <dsp:sp modelId="{7C1E6B4A-59F7-4018-A403-E1CCAEE78BA1}">
-      <dsp:nvSpPr>
-        <dsp:cNvPr id="0" name=""/>
-        <dsp:cNvSpPr/>
-      </dsp:nvSpPr>
-      <dsp:spPr>
-        <a:xfrm>
-          <a:off x="4829371" y="3854796"/>
-          <a:ext cx="1978202" cy="453752"/>
-        </a:xfrm>
-        <a:prstGeom prst="rect">
-          <a:avLst/>
-        </a:prstGeom>
-        <a:noFill/>
-        <a:ln>
-          <a:noFill/>
-        </a:ln>
-        <a:effectLst/>
-      </dsp:spPr>
-      <dsp:style>
-        <a:lnRef idx="0">
-          <a:scrgbClr r="0" g="0" b="0"/>
-        </a:lnRef>
-        <a:fillRef idx="0">
-          <a:scrgbClr r="0" g="0" b="0"/>
-        </a:fillRef>
-        <a:effectRef idx="0">
-          <a:scrgbClr r="0" g="0" b="0"/>
-        </a:effectRef>
-        <a:fontRef idx="minor"/>
-      </dsp:style>
-      <dsp:txBody>
-        <a:bodyPr spcFirstLastPara="0" vert="horz" wrap="square" lIns="0" tIns="0" rIns="95250" bIns="0" numCol="1" spcCol="1270" anchor="ctr" anchorCtr="0">
-          <a:noAutofit/>
-        </a:bodyPr>
-        <a:lstStyle/>
-        <a:p>
-          <a:pPr marL="0" lvl="0" indent="0" algn="l" defTabSz="666750">
-            <a:lnSpc>
-              <a:spcPct val="90000"/>
-            </a:lnSpc>
-            <a:spcBef>
-              <a:spcPct val="0"/>
-            </a:spcBef>
-            <a:spcAft>
-              <a:spcPct val="35000"/>
-            </a:spcAft>
-            <a:buNone/>
-            <a:defRPr b="1"/>
-          </a:pPr>
-          <a:r>
-            <a:rPr lang="en-US" sz="1500" b="1" kern="1200" dirty="0">
-              <a:solidFill>
-                <a:schemeClr val="bg1"/>
-              </a:solidFill>
-              <a:latin typeface="Tenorite" pitchFamily="2" charset="0"/>
-            </a:rPr>
-            <a:t>4 Mar 2022</a:t>
-          </a:r>
-        </a:p>
-      </dsp:txBody>
-      <dsp:txXfrm>
-        <a:off x="4829371" y="3854796"/>
-        <a:ext cx="1978202" cy="453752"/>
-      </dsp:txXfrm>
-    </dsp:sp>
-    <dsp:sp modelId="{A03C5372-D306-43AC-B406-6F8183849431}">
-      <dsp:nvSpPr>
-        <dsp:cNvPr id="0" name=""/>
-        <dsp:cNvSpPr/>
-      </dsp:nvSpPr>
-      <dsp:spPr>
-        <a:xfrm>
-          <a:off x="4459855" y="2188839"/>
-          <a:ext cx="0" cy="2096514"/>
-        </a:xfrm>
-        <a:prstGeom prst="line">
-          <a:avLst/>
-        </a:prstGeom>
-        <a:noFill/>
-        <a:ln w="12700" cap="flat" cmpd="sng" algn="ctr">
-          <a:solidFill>
-            <a:schemeClr val="accent2"/>
-          </a:solidFill>
-          <a:prstDash val="dash"/>
-          <a:miter lim="800000"/>
-        </a:ln>
-        <a:effectLst/>
-      </dsp:spPr>
-      <dsp:style>
-        <a:lnRef idx="1">
-          <a:scrgbClr r="0" g="0" b="0"/>
-        </a:lnRef>
-        <a:fillRef idx="0">
-          <a:scrgbClr r="0" g="0" b="0"/>
-        </a:fillRef>
-        <a:effectRef idx="0">
-          <a:scrgbClr r="0" g="0" b="0"/>
-        </a:effectRef>
-        <a:fontRef idx="minor"/>
-      </dsp:style>
-    </dsp:sp>
-    <dsp:sp modelId="{14282312-87CB-41BB-A02D-C594BBEF33C7}">
-      <dsp:nvSpPr>
-        <dsp:cNvPr id="0" name=""/>
-        <dsp:cNvSpPr/>
-      </dsp:nvSpPr>
-      <dsp:spPr>
-        <a:xfrm>
-          <a:off x="4446248" y="2525076"/>
-          <a:ext cx="25325" cy="132590"/>
-        </a:xfrm>
-        <a:prstGeom prst="ellipse">
-          <a:avLst/>
-        </a:prstGeom>
-        <a:solidFill>
-          <a:schemeClr val="accent2"/>
-        </a:solidFill>
-        <a:ln w="6350" cap="flat" cmpd="sng" algn="ctr">
-          <a:noFill/>
-          <a:prstDash val="solid"/>
-          <a:miter lim="800000"/>
-        </a:ln>
-        <a:effectLst/>
-      </dsp:spPr>
-      <dsp:style>
-        <a:lnRef idx="2">
-          <a:scrgbClr r="0" g="0" b="0"/>
-        </a:lnRef>
-        <a:fillRef idx="1">
-          <a:scrgbClr r="0" g="0" b="0"/>
-        </a:fillRef>
-        <a:effectRef idx="0">
-          <a:scrgbClr r="0" g="0" b="0"/>
-        </a:effectRef>
-        <a:fontRef idx="minor">
-          <a:schemeClr val="lt1"/>
-        </a:fontRef>
-      </dsp:style>
-    </dsp:sp>
-    <dsp:sp modelId="{A55439AF-6893-479D-8B57-31FBC13C553F}">
-      <dsp:nvSpPr>
-        <dsp:cNvPr id="0" name=""/>
-        <dsp:cNvSpPr/>
-      </dsp:nvSpPr>
-      <dsp:spPr>
-        <a:xfrm rot="8100000">
-          <a:off x="5662599" y="502751"/>
-          <a:ext cx="320851" cy="320851"/>
-        </a:xfrm>
-        <a:prstGeom prst="teardrop">
-          <a:avLst>
-            <a:gd name="adj" fmla="val 115000"/>
-          </a:avLst>
-        </a:prstGeom>
-        <a:solidFill>
-          <a:schemeClr val="accent2"/>
-        </a:solidFill>
-        <a:ln w="12700" cap="flat" cmpd="sng" algn="ctr">
-          <a:solidFill>
-            <a:schemeClr val="accent2">
-              <a:alpha val="90000"/>
-              <a:hueOff val="0"/>
-              <a:satOff val="0"/>
-              <a:lumOff val="0"/>
-              <a:alphaOff val="-32000"/>
-            </a:schemeClr>
-          </a:solidFill>
-          <a:prstDash val="solid"/>
-          <a:miter lim="800000"/>
-        </a:ln>
-        <a:effectLst/>
-      </dsp:spPr>
-      <dsp:style>
-        <a:lnRef idx="2">
-          <a:scrgbClr r="0" g="0" b="0"/>
-        </a:lnRef>
-        <a:fillRef idx="1">
-          <a:scrgbClr r="0" g="0" b="0"/>
-        </a:fillRef>
-        <a:effectRef idx="0">
-          <a:scrgbClr r="0" g="0" b="0"/>
-        </a:effectRef>
-        <a:fontRef idx="minor">
-          <a:schemeClr val="lt1"/>
-        </a:fontRef>
-      </dsp:style>
-    </dsp:sp>
-    <dsp:sp modelId="{A22B1C16-7FF0-4DBE-B32E-E43FEB1E2EAC}">
-      <dsp:nvSpPr>
-        <dsp:cNvPr id="0" name=""/>
-        <dsp:cNvSpPr/>
-      </dsp:nvSpPr>
-      <dsp:spPr>
-        <a:xfrm>
-          <a:off x="5698243" y="538395"/>
-          <a:ext cx="249564" cy="249564"/>
-        </a:xfrm>
-        <a:prstGeom prst="ellipse">
-          <a:avLst/>
-        </a:prstGeom>
-        <a:solidFill>
-          <a:schemeClr val="accent1">
-            <a:alpha val="90000"/>
-          </a:schemeClr>
-        </a:solidFill>
-        <a:ln w="12700" cap="flat" cmpd="sng" algn="ctr">
-          <a:noFill/>
-          <a:prstDash val="solid"/>
-          <a:miter lim="800000"/>
-        </a:ln>
-        <a:effectLst/>
-      </dsp:spPr>
-      <dsp:style>
-        <a:lnRef idx="2">
-          <a:scrgbClr r="0" g="0" b="0"/>
-        </a:lnRef>
-        <a:fillRef idx="1">
-          <a:scrgbClr r="0" g="0" b="0"/>
-        </a:fillRef>
-        <a:effectRef idx="0">
-          <a:scrgbClr r="0" g="0" b="0"/>
-        </a:effectRef>
-        <a:fontRef idx="minor"/>
-      </dsp:style>
-    </dsp:sp>
-    <dsp:sp modelId="{1B55AA6D-649D-4145-93EB-08B866A4D4E5}">
-      <dsp:nvSpPr>
-        <dsp:cNvPr id="0" name=""/>
-        <dsp:cNvSpPr/>
-      </dsp:nvSpPr>
-      <dsp:spPr>
-        <a:xfrm>
-          <a:off x="6219175" y="890053"/>
-          <a:ext cx="1978202" cy="1291450"/>
-        </a:xfrm>
-        <a:prstGeom prst="rect">
-          <a:avLst/>
-        </a:prstGeom>
-        <a:noFill/>
-        <a:ln>
-          <a:noFill/>
-        </a:ln>
-        <a:effectLst/>
-      </dsp:spPr>
-      <dsp:style>
-        <a:lnRef idx="0">
-          <a:scrgbClr r="0" g="0" b="0"/>
-        </a:lnRef>
-        <a:fillRef idx="0">
-          <a:scrgbClr r="0" g="0" b="0"/>
-        </a:fillRef>
-        <a:effectRef idx="0">
-          <a:scrgbClr r="0" g="0" b="0"/>
-        </a:effectRef>
-        <a:fontRef idx="minor"/>
-      </dsp:style>
-      <dsp:txBody>
-        <a:bodyPr spcFirstLastPara="0" vert="horz" wrap="square" lIns="0" tIns="69850" rIns="69850" bIns="104775" numCol="1" spcCol="1270" anchor="t" anchorCtr="0">
-          <a:noAutofit/>
-        </a:bodyPr>
-        <a:lstStyle/>
-        <a:p>
-          <a:pPr marL="0" lvl="0" indent="0" algn="l" defTabSz="488950">
-            <a:lnSpc>
-              <a:spcPct val="90000"/>
-            </a:lnSpc>
-            <a:spcBef>
-              <a:spcPct val="0"/>
-            </a:spcBef>
-            <a:spcAft>
-              <a:spcPct val="35000"/>
-            </a:spcAft>
-            <a:buNone/>
-          </a:pPr>
-          <a:r>
-            <a:rPr lang="en-US" sz="1100" b="1" kern="1200" dirty="0">
-              <a:solidFill>
-                <a:schemeClr val="bg1"/>
-              </a:solidFill>
-              <a:latin typeface="Tenorite" pitchFamily="2" charset="0"/>
-            </a:rPr>
-            <a:t>Preparation for the final topic</a:t>
-          </a:r>
-        </a:p>
-        <a:p>
-          <a:pPr marL="0" lvl="0" indent="0" algn="l" defTabSz="488950">
-            <a:lnSpc>
-              <a:spcPct val="90000"/>
-            </a:lnSpc>
-            <a:spcBef>
-              <a:spcPct val="0"/>
-            </a:spcBef>
-            <a:spcAft>
-              <a:spcPct val="35000"/>
-            </a:spcAft>
-            <a:buNone/>
-          </a:pPr>
-          <a:r>
-            <a:rPr lang="en-US" sz="1100" b="1" kern="1200" dirty="0">
-              <a:solidFill>
-                <a:schemeClr val="bg1"/>
-              </a:solidFill>
-              <a:latin typeface="Tenorite" pitchFamily="2" charset="0"/>
-            </a:rPr>
-            <a:t>Developing the code</a:t>
-          </a:r>
-        </a:p>
-        <a:p>
-          <a:pPr marL="0" lvl="0" indent="0" algn="l" defTabSz="488950">
-            <a:lnSpc>
-              <a:spcPct val="90000"/>
-            </a:lnSpc>
-            <a:spcBef>
-              <a:spcPct val="0"/>
-            </a:spcBef>
-            <a:spcAft>
-              <a:spcPct val="35000"/>
-            </a:spcAft>
-            <a:buNone/>
-          </a:pPr>
-          <a:r>
-            <a:rPr lang="en-US" sz="1100" b="1" kern="1200" dirty="0">
-              <a:solidFill>
-                <a:schemeClr val="bg1"/>
-              </a:solidFill>
-              <a:latin typeface="Tenorite" pitchFamily="2" charset="0"/>
-            </a:rPr>
-            <a:t>Running Trials</a:t>
-          </a:r>
-        </a:p>
-        <a:p>
-          <a:pPr marL="0" lvl="0" indent="0" algn="l" defTabSz="488950">
-            <a:lnSpc>
-              <a:spcPct val="90000"/>
-            </a:lnSpc>
-            <a:spcBef>
-              <a:spcPct val="0"/>
-            </a:spcBef>
-            <a:spcAft>
-              <a:spcPct val="35000"/>
-            </a:spcAft>
-            <a:buNone/>
-          </a:pPr>
-          <a:r>
-            <a:rPr lang="en-US" sz="1100" b="1" kern="1200" dirty="0">
-              <a:solidFill>
-                <a:schemeClr val="bg1"/>
-              </a:solidFill>
-              <a:latin typeface="Tenorite" pitchFamily="2" charset="0"/>
-            </a:rPr>
-            <a:t>Testing and debugging of the codes </a:t>
-          </a:r>
-        </a:p>
-      </dsp:txBody>
-      <dsp:txXfrm>
-        <a:off x="6219175" y="890053"/>
-        <a:ext cx="1978202" cy="1291450"/>
-      </dsp:txXfrm>
-    </dsp:sp>
-    <dsp:sp modelId="{3FA5D5AE-9CAE-4D19-9765-BCEE62095312}">
-      <dsp:nvSpPr>
-        <dsp:cNvPr id="0" name=""/>
-        <dsp:cNvSpPr/>
-      </dsp:nvSpPr>
-      <dsp:spPr>
-        <a:xfrm>
-          <a:off x="6219175" y="436300"/>
-          <a:ext cx="1978202" cy="453752"/>
-        </a:xfrm>
-        <a:prstGeom prst="rect">
-          <a:avLst/>
-        </a:prstGeom>
-        <a:noFill/>
-        <a:ln>
-          <a:noFill/>
-        </a:ln>
-        <a:effectLst/>
-      </dsp:spPr>
-      <dsp:style>
-        <a:lnRef idx="0">
-          <a:scrgbClr r="0" g="0" b="0"/>
-        </a:lnRef>
-        <a:fillRef idx="0">
-          <a:scrgbClr r="0" g="0" b="0"/>
-        </a:fillRef>
-        <a:effectRef idx="0">
-          <a:scrgbClr r="0" g="0" b="0"/>
-        </a:effectRef>
-        <a:fontRef idx="minor"/>
-      </dsp:style>
-      <dsp:txBody>
-        <a:bodyPr spcFirstLastPara="0" vert="horz" wrap="square" lIns="0" tIns="0" rIns="95250" bIns="0" numCol="1" spcCol="1270" anchor="ctr" anchorCtr="0">
-          <a:noAutofit/>
-        </a:bodyPr>
-        <a:lstStyle/>
-        <a:p>
-          <a:pPr marL="0" lvl="0" indent="0" algn="l" defTabSz="666750">
-            <a:lnSpc>
-              <a:spcPct val="90000"/>
-            </a:lnSpc>
-            <a:spcBef>
-              <a:spcPct val="0"/>
-            </a:spcBef>
-            <a:spcAft>
-              <a:spcPct val="35000"/>
-            </a:spcAft>
-            <a:buNone/>
-            <a:defRPr b="1"/>
-          </a:pPr>
-          <a:r>
-            <a:rPr lang="en-US" sz="1500" b="1" kern="1200" dirty="0">
-              <a:solidFill>
-                <a:schemeClr val="bg1"/>
-              </a:solidFill>
-              <a:latin typeface="Tenorite" pitchFamily="2" charset="0"/>
-            </a:rPr>
-            <a:t>10 Mar 2022</a:t>
-          </a:r>
-        </a:p>
-      </dsp:txBody>
-      <dsp:txXfrm>
-        <a:off x="6219175" y="436300"/>
-        <a:ext cx="1978202" cy="453752"/>
-      </dsp:txXfrm>
-    </dsp:sp>
-    <dsp:sp modelId="{FE6CA7EB-68EC-4E76-9051-08C4CF370101}">
-      <dsp:nvSpPr>
-        <dsp:cNvPr id="0" name=""/>
-        <dsp:cNvSpPr/>
-      </dsp:nvSpPr>
-      <dsp:spPr>
-        <a:xfrm>
-          <a:off x="5823025" y="890053"/>
-          <a:ext cx="0" cy="1291450"/>
-        </a:xfrm>
-        <a:prstGeom prst="line">
-          <a:avLst/>
-        </a:prstGeom>
-        <a:noFill/>
-        <a:ln w="12700" cap="flat" cmpd="sng" algn="ctr">
-          <a:solidFill>
-            <a:schemeClr val="accent2"/>
-          </a:solidFill>
-          <a:prstDash val="dash"/>
-          <a:miter lim="800000"/>
-        </a:ln>
-        <a:effectLst/>
-      </dsp:spPr>
-      <dsp:style>
-        <a:lnRef idx="1">
-          <a:scrgbClr r="0" g="0" b="0"/>
-        </a:lnRef>
-        <a:fillRef idx="0">
-          <a:scrgbClr r="0" g="0" b="0"/>
-        </a:fillRef>
-        <a:effectRef idx="0">
-          <a:scrgbClr r="0" g="0" b="0"/>
-        </a:effectRef>
-        <a:fontRef idx="minor"/>
-      </dsp:style>
-    </dsp:sp>
-    <dsp:sp modelId="{58B7B786-A0AD-4662-8D54-C5C572D2C32C}">
-      <dsp:nvSpPr>
-        <dsp:cNvPr id="0" name=""/>
-        <dsp:cNvSpPr/>
-      </dsp:nvSpPr>
-      <dsp:spPr>
-        <a:xfrm>
-          <a:off x="5781244" y="2140666"/>
-          <a:ext cx="81675" cy="81675"/>
-        </a:xfrm>
-        <a:prstGeom prst="ellipse">
-          <a:avLst/>
-        </a:prstGeom>
-        <a:solidFill>
-          <a:schemeClr val="accent2"/>
-        </a:solidFill>
-        <a:ln w="6350" cap="flat" cmpd="sng" algn="ctr">
-          <a:noFill/>
-          <a:prstDash val="solid"/>
-          <a:miter lim="800000"/>
-        </a:ln>
-        <a:effectLst/>
-      </dsp:spPr>
-      <dsp:style>
-        <a:lnRef idx="2">
-          <a:scrgbClr r="0" g="0" b="0"/>
-        </a:lnRef>
-        <a:fillRef idx="1">
-          <a:scrgbClr r="0" g="0" b="0"/>
-        </a:fillRef>
-        <a:effectRef idx="0">
-          <a:scrgbClr r="0" g="0" b="0"/>
-        </a:effectRef>
-        <a:fontRef idx="minor">
-          <a:schemeClr val="lt1"/>
-        </a:fontRef>
-      </dsp:style>
-    </dsp:sp>
-    <dsp:sp modelId="{2EABA9EC-D615-4F8F-86EA-408D7CE0970C}">
-      <dsp:nvSpPr>
-        <dsp:cNvPr id="0" name=""/>
-        <dsp:cNvSpPr/>
-      </dsp:nvSpPr>
-      <dsp:spPr>
-        <a:xfrm rot="18900000">
-          <a:off x="7052403" y="3539404"/>
-          <a:ext cx="320851" cy="320851"/>
-        </a:xfrm>
-        <a:prstGeom prst="teardrop">
-          <a:avLst>
-            <a:gd name="adj" fmla="val 115000"/>
-          </a:avLst>
-        </a:prstGeom>
-        <a:solidFill>
-          <a:schemeClr val="accent2">
-            <a:alpha val="90000"/>
-            <a:hueOff val="0"/>
-            <a:satOff val="0"/>
-            <a:lumOff val="0"/>
-            <a:alphaOff val="-40000"/>
-          </a:schemeClr>
-        </a:solidFill>
-        <a:ln w="12700" cap="flat" cmpd="sng" algn="ctr">
-          <a:solidFill>
-            <a:schemeClr val="accent2">
-              <a:alpha val="90000"/>
-              <a:hueOff val="0"/>
-              <a:satOff val="0"/>
-              <a:lumOff val="0"/>
-              <a:alphaOff val="-40000"/>
-            </a:schemeClr>
-          </a:solidFill>
-          <a:prstDash val="solid"/>
-          <a:miter lim="800000"/>
-        </a:ln>
-        <a:effectLst/>
-      </dsp:spPr>
-      <dsp:style>
-        <a:lnRef idx="2">
-          <a:scrgbClr r="0" g="0" b="0"/>
-        </a:lnRef>
-        <a:fillRef idx="1">
-          <a:scrgbClr r="0" g="0" b="0"/>
-        </a:fillRef>
-        <a:effectRef idx="0">
-          <a:scrgbClr r="0" g="0" b="0"/>
-        </a:effectRef>
-        <a:fontRef idx="minor">
-          <a:schemeClr val="lt1"/>
-        </a:fontRef>
-      </dsp:style>
-    </dsp:sp>
-    <dsp:sp modelId="{4C44FD12-882C-4CFD-BC12-710DD97C1BF9}">
-      <dsp:nvSpPr>
-        <dsp:cNvPr id="0" name=""/>
-        <dsp:cNvSpPr/>
-      </dsp:nvSpPr>
-      <dsp:spPr>
-        <a:xfrm>
-          <a:off x="7088047" y="3575048"/>
-          <a:ext cx="249564" cy="249564"/>
-        </a:xfrm>
-        <a:prstGeom prst="ellipse">
-          <a:avLst/>
-        </a:prstGeom>
-        <a:solidFill>
-          <a:schemeClr val="lt1">
-            <a:alpha val="90000"/>
-            <a:hueOff val="0"/>
-            <a:satOff val="0"/>
-            <a:lumOff val="0"/>
-            <a:alphaOff val="0"/>
-          </a:schemeClr>
-        </a:solidFill>
-        <a:ln w="12700" cap="flat" cmpd="sng" algn="ctr">
-          <a:noFill/>
-          <a:prstDash val="solid"/>
-          <a:miter lim="800000"/>
-        </a:ln>
-        <a:effectLst/>
-      </dsp:spPr>
-      <dsp:style>
-        <a:lnRef idx="2">
-          <a:scrgbClr r="0" g="0" b="0"/>
-        </a:lnRef>
-        <a:fillRef idx="1">
-          <a:scrgbClr r="0" g="0" b="0"/>
-        </a:fillRef>
-        <a:effectRef idx="0">
-          <a:scrgbClr r="0" g="0" b="0"/>
-        </a:effectRef>
-        <a:fontRef idx="minor"/>
-      </dsp:style>
-    </dsp:sp>
-    <dsp:sp modelId="{2D462E5D-76D9-4991-81CE-9A3D8F62803C}">
-      <dsp:nvSpPr>
-        <dsp:cNvPr id="0" name=""/>
-        <dsp:cNvSpPr/>
-      </dsp:nvSpPr>
-      <dsp:spPr>
-        <a:xfrm>
-          <a:off x="7439705" y="2181504"/>
-          <a:ext cx="2316748" cy="1291450"/>
-        </a:xfrm>
-        <a:prstGeom prst="rect">
-          <a:avLst/>
-        </a:prstGeom>
-        <a:noFill/>
-        <a:ln>
-          <a:noFill/>
-        </a:ln>
-        <a:effectLst/>
-      </dsp:spPr>
-      <dsp:style>
-        <a:lnRef idx="0">
-          <a:scrgbClr r="0" g="0" b="0"/>
-        </a:lnRef>
-        <a:fillRef idx="0">
-          <a:scrgbClr r="0" g="0" b="0"/>
-        </a:fillRef>
-        <a:effectRef idx="0">
-          <a:scrgbClr r="0" g="0" b="0"/>
-        </a:effectRef>
-        <a:fontRef idx="minor"/>
-      </dsp:style>
-      <dsp:txBody>
-        <a:bodyPr spcFirstLastPara="0" vert="horz" wrap="square" lIns="0" tIns="104775" rIns="0" bIns="69850" numCol="1" spcCol="1270" anchor="b" anchorCtr="0">
-          <a:noAutofit/>
-        </a:bodyPr>
-        <a:lstStyle/>
-        <a:p>
-          <a:pPr marL="0" lvl="0" indent="0" algn="l" defTabSz="488950">
-            <a:lnSpc>
-              <a:spcPct val="90000"/>
-            </a:lnSpc>
-            <a:spcBef>
-              <a:spcPct val="0"/>
-            </a:spcBef>
-            <a:spcAft>
-              <a:spcPct val="35000"/>
-            </a:spcAft>
-            <a:buNone/>
-          </a:pPr>
-          <a:r>
-            <a:rPr lang="en-US" sz="1100" b="1" kern="1200" dirty="0">
-              <a:solidFill>
-                <a:schemeClr val="bg1"/>
-              </a:solidFill>
-              <a:latin typeface="Tenorite" pitchFamily="2" charset="0"/>
-            </a:rPr>
-            <a:t>Demo runs</a:t>
-          </a:r>
-        </a:p>
-        <a:p>
-          <a:pPr marL="0" lvl="0" indent="0" algn="l" defTabSz="488950">
-            <a:lnSpc>
-              <a:spcPct val="90000"/>
-            </a:lnSpc>
-            <a:spcBef>
-              <a:spcPct val="0"/>
-            </a:spcBef>
-            <a:spcAft>
-              <a:spcPct val="35000"/>
-            </a:spcAft>
-            <a:buNone/>
-          </a:pPr>
-          <a:r>
-            <a:rPr lang="en-US" sz="1100" b="1" kern="1200" dirty="0">
-              <a:solidFill>
-                <a:schemeClr val="bg1"/>
-              </a:solidFill>
-              <a:latin typeface="Tenorite" pitchFamily="2" charset="0"/>
-            </a:rPr>
-            <a:t>Presentation of the Code</a:t>
-          </a:r>
-        </a:p>
-        <a:p>
-          <a:pPr marL="0" lvl="0" indent="0" algn="l" defTabSz="488950">
-            <a:lnSpc>
-              <a:spcPct val="90000"/>
-            </a:lnSpc>
-            <a:spcBef>
-              <a:spcPct val="0"/>
-            </a:spcBef>
-            <a:spcAft>
-              <a:spcPct val="35000"/>
-            </a:spcAft>
-            <a:buNone/>
-          </a:pPr>
-          <a:r>
-            <a:rPr lang="en-US" sz="1100" b="1" kern="1200" dirty="0">
-              <a:solidFill>
-                <a:schemeClr val="bg1"/>
-              </a:solidFill>
-              <a:latin typeface="Tenorite" pitchFamily="2" charset="0"/>
-            </a:rPr>
-            <a:t>Presentation of PPT</a:t>
-          </a:r>
-        </a:p>
-        <a:p>
-          <a:pPr marL="0" lvl="0" indent="0" algn="l" defTabSz="488950">
-            <a:lnSpc>
-              <a:spcPct val="90000"/>
-            </a:lnSpc>
-            <a:spcBef>
-              <a:spcPct val="0"/>
-            </a:spcBef>
-            <a:spcAft>
-              <a:spcPct val="35000"/>
-            </a:spcAft>
-            <a:buNone/>
-          </a:pPr>
-          <a:r>
-            <a:rPr lang="en-US" sz="1100" b="1" kern="1200" dirty="0">
-              <a:solidFill>
-                <a:schemeClr val="bg1"/>
-              </a:solidFill>
-              <a:latin typeface="Tenorite" pitchFamily="2" charset="0"/>
-            </a:rPr>
-            <a:t>Submission of Synopsis</a:t>
-          </a:r>
-        </a:p>
-      </dsp:txBody>
-      <dsp:txXfrm>
-        <a:off x="7439705" y="2181504"/>
-        <a:ext cx="2316748" cy="1291450"/>
-      </dsp:txXfrm>
-    </dsp:sp>
-    <dsp:sp modelId="{31331361-9156-4654-9256-59D5101897A1}">
-      <dsp:nvSpPr>
-        <dsp:cNvPr id="0" name=""/>
-        <dsp:cNvSpPr/>
-      </dsp:nvSpPr>
-      <dsp:spPr>
-        <a:xfrm>
-          <a:off x="7439705" y="3472954"/>
-          <a:ext cx="2316748" cy="453752"/>
-        </a:xfrm>
-        <a:prstGeom prst="rect">
-          <a:avLst/>
-        </a:prstGeom>
-        <a:noFill/>
-        <a:ln>
-          <a:noFill/>
-        </a:ln>
-        <a:effectLst/>
-      </dsp:spPr>
-      <dsp:style>
-        <a:lnRef idx="0">
-          <a:scrgbClr r="0" g="0" b="0"/>
-        </a:lnRef>
-        <a:fillRef idx="0">
-          <a:scrgbClr r="0" g="0" b="0"/>
-        </a:fillRef>
-        <a:effectRef idx="0">
-          <a:scrgbClr r="0" g="0" b="0"/>
-        </a:effectRef>
-        <a:fontRef idx="minor"/>
-      </dsp:style>
-      <dsp:txBody>
-        <a:bodyPr spcFirstLastPara="0" vert="horz" wrap="square" lIns="0" tIns="0" rIns="95250" bIns="0" numCol="1" spcCol="1270" anchor="ctr" anchorCtr="0">
-          <a:noAutofit/>
-        </a:bodyPr>
-        <a:lstStyle/>
-        <a:p>
-          <a:pPr marL="0" lvl="0" indent="0" algn="l" defTabSz="666750">
-            <a:lnSpc>
-              <a:spcPct val="90000"/>
-            </a:lnSpc>
-            <a:spcBef>
-              <a:spcPct val="0"/>
-            </a:spcBef>
-            <a:spcAft>
-              <a:spcPct val="35000"/>
-            </a:spcAft>
-            <a:buNone/>
-            <a:defRPr b="1"/>
-          </a:pPr>
-          <a:r>
-            <a:rPr lang="en-US" sz="1500" b="1" kern="1200" dirty="0">
-              <a:solidFill>
-                <a:schemeClr val="bg1"/>
-              </a:solidFill>
-              <a:latin typeface="Tenorite" pitchFamily="2" charset="0"/>
-            </a:rPr>
-            <a:t>12 Mar 2022</a:t>
-          </a:r>
-        </a:p>
-      </dsp:txBody>
-      <dsp:txXfrm>
-        <a:off x="7439705" y="3472954"/>
-        <a:ext cx="2316748" cy="453752"/>
-      </dsp:txXfrm>
-    </dsp:sp>
-    <dsp:sp modelId="{23541785-7BB5-4721-97C5-57A092A0D06D}">
-      <dsp:nvSpPr>
-        <dsp:cNvPr id="0" name=""/>
-        <dsp:cNvSpPr/>
-      </dsp:nvSpPr>
-      <dsp:spPr>
-        <a:xfrm>
-          <a:off x="7212829" y="2181504"/>
-          <a:ext cx="0" cy="1291450"/>
-        </a:xfrm>
-        <a:prstGeom prst="line">
-          <a:avLst/>
-        </a:prstGeom>
-        <a:noFill/>
-        <a:ln w="12700" cap="flat" cmpd="sng" algn="ctr">
-          <a:solidFill>
-            <a:schemeClr val="accent2">
-              <a:shade val="90000"/>
-              <a:hueOff val="25601"/>
-              <a:satOff val="9232"/>
-              <a:lumOff val="7918"/>
-              <a:alphaOff val="0"/>
-            </a:schemeClr>
-          </a:solidFill>
-          <a:prstDash val="dash"/>
-          <a:miter lim="800000"/>
-        </a:ln>
-        <a:effectLst/>
-      </dsp:spPr>
-      <dsp:style>
-        <a:lnRef idx="1">
-          <a:scrgbClr r="0" g="0" b="0"/>
-        </a:lnRef>
-        <a:fillRef idx="0">
-          <a:scrgbClr r="0" g="0" b="0"/>
-        </a:fillRef>
-        <a:effectRef idx="0">
-          <a:scrgbClr r="0" g="0" b="0"/>
-        </a:effectRef>
-        <a:fontRef idx="minor"/>
-      </dsp:style>
-    </dsp:sp>
-    <dsp:sp modelId="{6691A709-678B-4D60-AC2E-492E30E66A3D}">
-      <dsp:nvSpPr>
-        <dsp:cNvPr id="0" name=""/>
-        <dsp:cNvSpPr/>
-      </dsp:nvSpPr>
-      <dsp:spPr>
-        <a:xfrm>
-          <a:off x="7171047" y="2140666"/>
-          <a:ext cx="81675" cy="81675"/>
-        </a:xfrm>
-        <a:prstGeom prst="ellipse">
-          <a:avLst/>
-        </a:prstGeom>
-        <a:solidFill>
-          <a:schemeClr val="accent2">
-            <a:shade val="90000"/>
-            <a:hueOff val="25601"/>
-            <a:satOff val="9232"/>
-            <a:lumOff val="7918"/>
-            <a:alphaOff val="-41667"/>
-          </a:schemeClr>
-        </a:solidFill>
-        <a:ln w="6350" cap="flat" cmpd="sng" algn="ctr">
-          <a:solidFill>
-            <a:schemeClr val="lt1">
-              <a:hueOff val="0"/>
-              <a:satOff val="0"/>
-              <a:lumOff val="0"/>
-              <a:alphaOff val="0"/>
-            </a:schemeClr>
-          </a:solidFill>
-          <a:prstDash val="solid"/>
-          <a:miter lim="800000"/>
-        </a:ln>
-        <a:effectLst/>
-      </dsp:spPr>
-      <dsp:style>
-        <a:lnRef idx="2">
-          <a:scrgbClr r="0" g="0" b="0"/>
-        </a:lnRef>
-        <a:fillRef idx="1">
-          <a:scrgbClr r="0" g="0" b="0"/>
-        </a:fillRef>
-        <a:effectRef idx="0">
-          <a:scrgbClr r="0" g="0" b="0"/>
-        </a:effectRef>
-        <a:fontRef idx="minor">
-          <a:schemeClr val="lt1"/>
-        </a:fontRef>
-      </dsp:style>
     </dsp:sp>
   </dsp:spTree>
 </dsp:drawing>
@@ -6921,1848 +2048,7 @@
 </dgm:layoutDef>
 </file>
 
-<file path=ppt/diagrams/layout2.xml><?xml version="1.0" encoding="utf-8"?>
-<dgm:layoutDef xmlns:dgm="http://schemas.openxmlformats.org/drawingml/2006/diagram" xmlns:a="http://schemas.openxmlformats.org/drawingml/2006/main" uniqueId="urn:microsoft.com/office/officeart/2017/3/layout/DropPinTimeline">
-  <dgm:title val="Drop Pin Timeline"/>
-  <dgm:desc val="Use to show a list of events in chronological order. An invisible box next to the pin contains the date and the description is immediately below. It can display a medium amount of text and medium length date format."/>
-  <dgm:catLst>
-    <dgm:cat type="timeline" pri="500"/>
-    <dgm:cat type="process" pri="600"/>
-  </dgm:catLst>
-  <dgm:sampData>
-    <dgm:dataModel>
-      <dgm:ptLst>
-        <dgm:pt modelId="0" type="doc"/>
-        <dgm:pt modelId="10">
-          <dgm:prSet phldr="1"/>
-        </dgm:pt>
-        <dgm:pt modelId="11">
-          <dgm:prSet phldr="1"/>
-        </dgm:pt>
-        <dgm:pt modelId="20">
-          <dgm:prSet phldr="1"/>
-        </dgm:pt>
-        <dgm:pt modelId="21">
-          <dgm:prSet phldr="1"/>
-        </dgm:pt>
-        <dgm:pt modelId="30">
-          <dgm:prSet phldr="1"/>
-        </dgm:pt>
-        <dgm:pt modelId="31">
-          <dgm:prSet phldr="1"/>
-        </dgm:pt>
-      </dgm:ptLst>
-      <dgm:cxnLst>
-        <dgm:cxn modelId="40" srcId="0" destId="10" srcOrd="0" destOrd="0"/>
-        <dgm:cxn modelId="12" srcId="10" destId="11" srcOrd="0" destOrd="0"/>
-        <dgm:cxn modelId="50" srcId="0" destId="20" srcOrd="1" destOrd="0"/>
-        <dgm:cxn modelId="22" srcId="20" destId="21" srcOrd="0" destOrd="0"/>
-        <dgm:cxn modelId="60" srcId="0" destId="30" srcOrd="1" destOrd="0"/>
-        <dgm:cxn modelId="32" srcId="30" destId="31" srcOrd="0" destOrd="0"/>
-      </dgm:cxnLst>
-      <dgm:bg/>
-      <dgm:whole/>
-    </dgm:dataModel>
-  </dgm:sampData>
-  <dgm:styleData>
-    <dgm:dataModel>
-      <dgm:ptLst>
-        <dgm:pt modelId="0" type="doc"/>
-        <dgm:pt modelId="10">
-          <dgm:prSet phldr="1"/>
-        </dgm:pt>
-        <dgm:pt modelId="20">
-          <dgm:prSet phldr="1"/>
-        </dgm:pt>
-      </dgm:ptLst>
-      <dgm:cxnLst>
-        <dgm:cxn modelId="60" srcId="0" destId="10" srcOrd="0" destOrd="0"/>
-        <dgm:cxn modelId="70" srcId="0" destId="20" srcOrd="1" destOrd="0"/>
-      </dgm:cxnLst>
-      <dgm:bg/>
-      <dgm:whole/>
-    </dgm:dataModel>
-  </dgm:styleData>
-  <dgm:clrData>
-    <dgm:dataModel>
-      <dgm:ptLst>
-        <dgm:pt modelId="0" type="doc"/>
-        <dgm:pt modelId="10">
-          <dgm:prSet phldr="1"/>
-        </dgm:pt>
-        <dgm:pt modelId="20">
-          <dgm:prSet phldr="1"/>
-        </dgm:pt>
-        <dgm:pt modelId="30">
-          <dgm:prSet phldr="1"/>
-        </dgm:pt>
-        <dgm:pt modelId="40">
-          <dgm:prSet phldr="1"/>
-        </dgm:pt>
-      </dgm:ptLst>
-      <dgm:cxnLst>
-        <dgm:cxn modelId="60" srcId="0" destId="10" srcOrd="0" destOrd="0"/>
-        <dgm:cxn modelId="70" srcId="0" destId="20" srcOrd="1" destOrd="0"/>
-        <dgm:cxn modelId="80" srcId="0" destId="30" srcOrd="2" destOrd="0"/>
-        <dgm:cxn modelId="90" srcId="0" destId="40" srcOrd="3" destOrd="0"/>
-      </dgm:cxnLst>
-      <dgm:bg/>
-      <dgm:whole/>
-    </dgm:dataModel>
-  </dgm:clrData>
-  <dgm:layoutNode name="root">
-    <dgm:varLst>
-      <dgm:chMax/>
-      <dgm:chPref/>
-      <dgm:animLvl val="lvl"/>
-    </dgm:varLst>
-    <dgm:alg type="composite"/>
-    <dgm:shape xmlns:r="http://schemas.openxmlformats.org/officeDocument/2006/relationships" r:blip="">
-      <dgm:adjLst/>
-    </dgm:shape>
-    <dgm:constrLst>
-      <dgm:constr type="w" for="ch" forName="divider" refType="w"/>
-      <dgm:constr type="h" for="ch" forName="divider"/>
-      <dgm:constr type="ctrY" for="ch" forName="divider" refType="h" fact="0.5"/>
-      <dgm:constr type="l" for="ch" forName="divider"/>
-      <dgm:constr type="w" for="ch" forName="nodes" refType="w"/>
-      <dgm:constr type="h" for="ch" forName="nodes" refType="h" fact="0.8"/>
-      <dgm:constr type="ctrY" for="ch" forName="nodes" refType="h" fact="0.5"/>
-    </dgm:constrLst>
-    <dgm:layoutNode name="divider" styleLbl="fgAcc1">
-      <dgm:alg type="sp"/>
-      <dgm:choose name="ArrowShape">
-        <dgm:if name="ArrowShapeLTR" func="var" arg="dir" op="equ" val="norm">
-          <dgm:shape xmlns:r="http://schemas.openxmlformats.org/officeDocument/2006/relationships" type="line" r:blip="" zOrderOff="-1">
-            <dgm:adjLst/>
-            <dgm:extLst>
-              <a:ext uri="{B698B0E9-8C71-41B9-8309-B3DCBF30829C}">
-                <dgm1612:spPr xmlns:dgm1612="http://schemas.microsoft.com/office/drawing/2016/12/diagram">
-                  <a:ln w="19050">
-                    <a:solidFill>
-                      <a:srgbClr val="000000"/>
-                    </a:solidFill>
-                    <a:tailEnd type="triangle" w="lg" len="lg"/>
-                  </a:ln>
-                </dgm1612:spPr>
-              </a:ext>
-            </dgm:extLst>
-          </dgm:shape>
-        </dgm:if>
-        <dgm:else name="ArrowShapeRTL">
-          <dgm:shape xmlns:r="http://schemas.openxmlformats.org/officeDocument/2006/relationships" type="line" r:blip="" zOrderOff="-1">
-            <dgm:adjLst/>
-            <dgm:extLst>
-              <a:ext uri="{B698B0E9-8C71-41B9-8309-B3DCBF30829C}">
-                <dgm1612:spPr xmlns:dgm1612="http://schemas.microsoft.com/office/drawing/2016/12/diagram">
-                  <a:ln>
-                    <a:solidFill>
-                      <a:srgbClr val="000000"/>
-                    </a:solidFill>
-                    <a:headEnd type="triangle" w="lg" len="lg"/>
-                  </a:ln>
-                </dgm1612:spPr>
-              </a:ext>
-            </dgm:extLst>
-          </dgm:shape>
-        </dgm:else>
-      </dgm:choose>
-      <dgm:presOf/>
-      <dgm:constrLst/>
-      <dgm:ruleLst/>
-    </dgm:layoutNode>
-    <dgm:layoutNode name="nodes">
-      <dgm:varLst>
-        <dgm:chMax/>
-        <dgm:chPref/>
-        <dgm:animLvl val="lvl"/>
-      </dgm:varLst>
-      <dgm:choose name="Name1">
-        <dgm:if name="Name2" func="var" arg="dir" op="equ" val="norm">
-          <dgm:alg type="lin"/>
-        </dgm:if>
-        <dgm:else name="Name3">
-          <dgm:alg type="lin">
-            <dgm:param type="linDir" val="fromR"/>
-          </dgm:alg>
-        </dgm:else>
-      </dgm:choose>
-      <dgm:shape xmlns:r="http://schemas.openxmlformats.org/officeDocument/2006/relationships" r:blip="">
-        <dgm:adjLst/>
-      </dgm:shape>
-      <dgm:constrLst>
-        <dgm:constr type="primFontSz" for="des" forName="L1TextContainer" val="20"/>
-        <dgm:constr type="primFontSz" for="des" forName="L2TextContainer" refType="primFontSz" refFor="des" refForName="L1TextContainer" op="equ" fact="0.75"/>
-        <dgm:constr type="w" for="ch" forName="composite" refType="w"/>
-        <dgm:constr type="h" for="ch" forName="composite" refType="h"/>
-        <dgm:constr type="w" for="ch" forName="spaceBetweenRectangles" refType="w" refFor="ch" refForName="composite" fact="-0.5"/>
-        <dgm:constr type="w" for="ch" ptType="sibTrans" op="equ"/>
-        <dgm:constr type="primFontSz" for="des" forName="L1TextContainer" op="equ"/>
-        <dgm:constr type="primFontSz" for="des" forName="L2TextContainer" op="equ"/>
-        <dgm:constr type="primFontSz" for="des" forName="L1TextContainer1" val="20"/>
-        <dgm:constr type="primFontSz" for="des" forName="L2TextContainer1" refType="primFontSz" refFor="des" refForName="L1TextContainer1" op="equ" fact="0.75"/>
-        <dgm:constr type="w" for="ch" forName="composite1" refType="w"/>
-        <dgm:constr type="h" for="ch" forName="composite1" refType="h"/>
-        <dgm:constr type="w" for="ch" forName="spaceBetweenRectangles1" refType="w" refFor="ch" refForName="composite1" fact="0.28"/>
-        <dgm:constr type="primFontSz" for="des" forName="L1TextContainer1" op="equ"/>
-        <dgm:constr type="primFontSz" for="des" forName="L2TextContainer1" op="equ"/>
-      </dgm:constrLst>
-      <dgm:choose name="LayoutBasedOnCountOfNodes">
-        <dgm:if name="LessThanOrEqualToTwoNodes" axis="ch" ptType="node" func="cnt" op="lte" val="2">
-          <dgm:forEach name="nodesForEach1" axis="ch" ptType="node">
-            <dgm:layoutNode name="composite1">
-              <dgm:alg type="composite"/>
-              <dgm:shape xmlns:r="http://schemas.openxmlformats.org/officeDocument/2006/relationships" r:blip="">
-                <dgm:adjLst/>
-              </dgm:shape>
-              <dgm:choose name="CaseForLayoutDirection1">
-                <dgm:if name="CaseForLayoutDirectionLTR1" func="var" arg="dir" op="equ" val="norm">
-                  <dgm:choose name="CaseForPlacingNodesAboveAndBelowDividerLTR1">
-                    <dgm:if name="CaseForPlacingNodeAboveDividerLTR1" axis="self" ptType="node" func="posOdd" op="equ" val="1">
-                      <dgm:constrLst>
-                        <dgm:constr type="w" for="ch" forName="ConnectorPoint1" refType="h" refFor="ch" refForName="DropPinPlaceHolder1" fact="0.18"/>
-                        <dgm:constr type="h" for="ch" forName="ConnectorPoint1" refType="h" refFor="ch" refForName="DropPinPlaceHolder1" fact="0.18"/>
-                        <dgm:constr type="ctrX" for="ch" forName="ConnectorPoint1" refType="ctrX" refFor="ch" refForName="ConnectLine1"/>
-                        <dgm:constr type="ctrY" for="ch" forName="ConnectorPoint1" refType="h" fact="0.5"/>
-                        <dgm:constr type="w" for="ch" forName="DropPinPlaceHolder1" refType="h" fact="0.13"/>
-                        <dgm:constr type="h" for="ch" forName="DropPinPlaceHolder1" refType="h" fact="0.13"/>
-                        <dgm:constr type="t" for="ch" forName="DropPinPlaceHolder1" refType="h" fact="0"/>
-                        <dgm:constr type="l" for="ch" forName="DropPinPlaceHolder1" refType="w" fact="0"/>
-                        <dgm:constr type="w" for="ch" forName="L2TextContainer1" refType="w" fact="0.83"/>
-                        <dgm:constr type="l" for="ch" forName="L2TextContainer1" refType="r" refFor="ch" refForName="DropPinPlaceHolder1"/>
-                        <dgm:constr type="t" for="ch" forName="L2TextContainer1" refType="b" refFor="ch" refForName="DropPinPlaceHolder1"/>
-                        <dgm:constr type="b" for="ch" forName="L2TextContainer1" refType="h" fact="0.5"/>
-                        <dgm:constr type="w" for="ch" forName="L1TextContainer1" refType="w" fact="0.83"/>
-                        <dgm:constr type="l" for="ch" forName="L1TextContainer1" refType="r" refFor="ch" refForName="DropPinPlaceHolder1"/>
-                        <dgm:constr type="b" for="ch" forName="L1TextContainer1" refType="b" refFor="ch" refForName="DropPinPlaceHolder1"/>
-                        <dgm:constr type="t" for="ch" forName="L1TextContainer1" refType="t" refFor="ch" refForName="DropPinPlaceHolder1"/>
-                        <dgm:constr type="w" for="ch" forName="ConnectLine1"/>
-                        <dgm:constr type="ctrX" for="ch" forName="ConnectLine1" refType="ctrX" refFor="ch" refForName="DropPinPlaceHolder1"/>
-                        <dgm:constr type="b" for="ch" forName="ConnectLine1" refType="h" fact="0.5"/>
-                        <dgm:constr type="t" for="ch" forName="ConnectLine1" refType="b" refFor="ch" refForName="DropPinPlaceHolder1"/>
-                        <dgm:constr type="w" for="ch" forName="EmptyPlaceHolder1" refType="w"/>
-                        <dgm:constr type="h" for="ch" forName="EmptyPlaceHolder1" refType="h" fact="0.5"/>
-                        <dgm:constr type="t" for="ch" forName="EmptyPlaceHolder1" refType="h" fact="0.5"/>
-                      </dgm:constrLst>
-                    </dgm:if>
-                    <dgm:else name="CaseForPlacingNodeBelowDividerLTR1">
-                      <dgm:constrLst>
-                        <dgm:constr type="w" for="ch" forName="ConnectorPoint1" refType="h" refFor="ch" refForName="DropPinPlaceHolder1" fact="0.18"/>
-                        <dgm:constr type="h" for="ch" forName="ConnectorPoint1" refType="h" refFor="ch" refForName="DropPinPlaceHolder1" fact="0.18"/>
-                        <dgm:constr type="ctrX" for="ch" forName="ConnectorPoint1" refType="ctrX" refFor="ch" refForName="ConnectLine1"/>
-                        <dgm:constr type="ctrY" for="ch" forName="ConnectorPoint1" refType="h" fact="0.5"/>
-                        <dgm:constr type="w" for="ch" forName="DropPinPlaceHolder1" refType="h" fact="0.13"/>
-                        <dgm:constr type="h" for="ch" forName="DropPinPlaceHolder1" refType="h" fact="0.13"/>
-                        <dgm:constr type="b" for="ch" forName="DropPinPlaceHolder1" refType="h"/>
-                        <dgm:constr type="l" for="ch" forName="DropPinPlaceHolder1" refType="w" fact="0"/>
-                        <dgm:constr type="w" for="ch" forName="L2TextContainer1" refType="w" fact="0.83"/>
-                        <dgm:constr type="l" for="ch" forName="L2TextContainer1" refType="r" refFor="ch" refForName="DropPinPlaceHolder1"/>
-                        <dgm:constr type="b" for="ch" forName="L2TextContainer1" refType="t" refFor="ch" refForName="DropPinPlaceHolder1"/>
-                        <dgm:constr type="t" for="ch" forName="L2TextContainer1" refType="h" fact="0.5"/>
-                        <dgm:constr type="w" for="ch" forName="L1TextContainer1" refType="w" fact="0.83"/>
-                        <dgm:constr type="l" for="ch" forName="L1TextContainer1" refType="r" refFor="ch" refForName="DropPinPlaceHolder1"/>
-                        <dgm:constr type="b" for="ch" forName="L1TextContainer1" refType="b" refFor="ch" refForName="DropPinPlaceHolder1"/>
-                        <dgm:constr type="t" for="ch" forName="L1TextContainer1" refType="t" refFor="ch" refForName="DropPinPlaceHolder1"/>
-                        <dgm:constr type="w" for="ch" forName="ConnectLine1"/>
-                        <dgm:constr type="ctrX" for="ch" forName="ConnectLine1" refType="ctrX" refFor="ch" refForName="DropPinPlaceHolder1"/>
-                        <dgm:constr type="t" for="ch" forName="ConnectLine1" refType="h" fact="0.5"/>
-                        <dgm:constr type="b" for="ch" forName="ConnectLine1" refType="t" refFor="ch" refForName="DropPinPlaceHolder1"/>
-                        <dgm:constr type="w" for="ch" forName="EmptyPlaceHolder1" refType="w"/>
-                        <dgm:constr type="h" for="ch" forName="EmptyPlaceHolder1" refType="h" fact="0.5"/>
-                        <dgm:constr type="t" for="ch" forName="EmptyPlaceHolder1" refType="h" fact="0"/>
-                      </dgm:constrLst>
-                    </dgm:else>
-                  </dgm:choose>
-                </dgm:if>
-                <dgm:else name="CaseForLayoutDirectionRTL1">
-                  <dgm:choose name="CaseForPlacingNodesAboveAndBelowDividerRTL1">
-                    <dgm:if name="CaseForPlacingNodeAboveDividerRTL1" axis="self" ptType="node" func="posOdd" op="equ" val="1">
-                      <dgm:constrLst>
-                        <dgm:constr type="w" for="ch" forName="ConnectorPoint1" refType="h" refFor="ch" refForName="DropPinPlaceHolder1" fact="0.18"/>
-                        <dgm:constr type="h" for="ch" forName="ConnectorPoint1" refType="h" refFor="ch" refForName="DropPinPlaceHolder1" fact="0.18"/>
-                        <dgm:constr type="ctrX" for="ch" forName="ConnectorPoint1" refType="ctrX" refFor="ch" refForName="ConnectLine1"/>
-                        <dgm:constr type="ctrY" for="ch" forName="ConnectorPoint1" refType="h" fact="0.5"/>
-                        <dgm:constr type="w" for="ch" forName="DropPinPlaceHolder1" refType="h" fact="0.13"/>
-                        <dgm:constr type="h" for="ch" forName="DropPinPlaceHolder1" refType="h" fact="0.13"/>
-                        <dgm:constr type="t" for="ch" forName="DropPinPlaceHolder1" refType="h" fact="0"/>
-                        <dgm:constr type="l" for="ch" forName="DropPinPlaceHolder1" refType="w" fact="0"/>
-                        <dgm:constr type="w" for="ch" forName="L2TextContainer1" refType="w" fact="0.83"/>
-                        <dgm:constr type="l" for="ch" forName="L2TextContainer1" refType="r" refFor="ch" refForName="DropPinPlaceHolder1"/>
-                        <dgm:constr type="t" for="ch" forName="L2TextContainer1" refType="b" refFor="ch" refForName="DropPinPlaceHolder1"/>
-                        <dgm:constr type="b" for="ch" forName="L2TextContainer1" refType="h" fact="0.5"/>
-                        <dgm:constr type="w" for="ch" forName="L1TextContainer1" refType="w" fact="0.83"/>
-                        <dgm:constr type="l" for="ch" forName="L1TextContainer1" refType="r" refFor="ch" refForName="DropPinPlaceHolder1"/>
-                        <dgm:constr type="b" for="ch" forName="L1TextContainer1" refType="b" refFor="ch" refForName="DropPinPlaceHolder1"/>
-                        <dgm:constr type="t" for="ch" forName="L1TextContainer1" refType="t" refFor="ch" refForName="DropPinPlaceHolder1"/>
-                        <dgm:constr type="w" for="ch" forName="ConnectLine1"/>
-                        <dgm:constr type="ctrX" for="ch" forName="ConnectLine1" refType="ctrX" refFor="ch" refForName="DropPinPlaceHolder1"/>
-                        <dgm:constr type="b" for="ch" forName="ConnectLine1" refType="h" fact="0.5"/>
-                        <dgm:constr type="t" for="ch" forName="ConnectLine1" refType="b" refFor="ch" refForName="DropPinPlaceHolder1"/>
-                        <dgm:constr type="w" for="ch" forName="EmptyPlaceHolder1" refType="w"/>
-                        <dgm:constr type="h" for="ch" forName="EmptyPlaceHolder1" refType="h" fact="0.5"/>
-                        <dgm:constr type="t" for="ch" forName="EmptyPlaceHolder1" refType="h" fact="0.5"/>
-                      </dgm:constrLst>
-                    </dgm:if>
-                    <dgm:else name="CaseForPlacingNodeBelowDividerRTL1">
-                      <dgm:constrLst>
-                        <dgm:constr type="w" for="ch" forName="ConnectorPoint1" refType="h" refFor="ch" refForName="DropPinPlaceHolder1" fact="0.18"/>
-                        <dgm:constr type="h" for="ch" forName="ConnectorPoint1" refType="h" refFor="ch" refForName="DropPinPlaceHolder1" fact="0.18"/>
-                        <dgm:constr type="ctrX" for="ch" forName="ConnectorPoint1" refType="ctrX" refFor="ch" refForName="ConnectLine1"/>
-                        <dgm:constr type="ctrY" for="ch" forName="ConnectorPoint1" refType="h" fact="0.5"/>
-                        <dgm:constr type="w" for="ch" forName="DropPinPlaceHolder1" refType="h" fact="0.13"/>
-                        <dgm:constr type="h" for="ch" forName="DropPinPlaceHolder1" refType="h" fact="0.13"/>
-                        <dgm:constr type="b" for="ch" forName="DropPinPlaceHolder1" refType="h"/>
-                        <dgm:constr type="l" for="ch" forName="DropPinPlaceHolder1" refType="w" fact="0"/>
-                        <dgm:constr type="w" for="ch" forName="L2TextContainer1" refType="w" fact="0.83"/>
-                        <dgm:constr type="l" for="ch" forName="L2TextContainer1" refType="r" refFor="ch" refForName="DropPinPlaceHolder1"/>
-                        <dgm:constr type="b" for="ch" forName="L2TextContainer1" refType="t" refFor="ch" refForName="DropPinPlaceHolder1"/>
-                        <dgm:constr type="t" for="ch" forName="L2TextContainer1" refType="h" fact="0.5"/>
-                        <dgm:constr type="w" for="ch" forName="L1TextContainer1" refType="w" fact="0.83"/>
-                        <dgm:constr type="l" for="ch" forName="L1TextContainer1" refType="r" refFor="ch" refForName="DropPinPlaceHolder1"/>
-                        <dgm:constr type="b" for="ch" forName="L1TextContainer1" refType="b" refFor="ch" refForName="DropPinPlaceHolder1"/>
-                        <dgm:constr type="t" for="ch" forName="L1TextContainer1" refType="t" refFor="ch" refForName="DropPinPlaceHolder1"/>
-                        <dgm:constr type="w" for="ch" forName="ConnectLine1"/>
-                        <dgm:constr type="ctrX" for="ch" forName="ConnectLine1" refType="ctrX" refFor="ch" refForName="DropPinPlaceHolder1"/>
-                        <dgm:constr type="t" for="ch" forName="ConnectLine1" refType="h" fact="0.5"/>
-                        <dgm:constr type="b" for="ch" forName="ConnectLine1" refType="t" refFor="ch" refForName="DropPinPlaceHolder1"/>
-                        <dgm:constr type="w" for="ch" forName="EmptyPlaceHolder1" refType="w"/>
-                        <dgm:constr type="h" for="ch" forName="EmptyPlaceHolder1" refType="h" fact="0.5"/>
-                        <dgm:constr type="t" for="ch" forName="EmptyPlaceHolder1" refType="h" fact="0"/>
-                      </dgm:constrLst>
-                    </dgm:else>
-                  </dgm:choose>
-                </dgm:else>
-              </dgm:choose>
-              <dgm:layoutNode name="ConnectorPoint1" styleLbl="lnNode1" moveWith="ConnectLine1">
-                <dgm:alg type="sp"/>
-                <dgm:shape xmlns:r="http://schemas.openxmlformats.org/officeDocument/2006/relationships" type="ellipse" r:blip="" zOrderOff="10">
-                  <dgm:adjLst/>
-                </dgm:shape>
-                <dgm:presOf/>
-                <dgm:constrLst>
-                  <dgm:constr type="w" refType="h" op="equ"/>
-                </dgm:constrLst>
-              </dgm:layoutNode>
-              <dgm:layoutNode name="DropPinPlaceHolder1">
-                <dgm:alg type="composite"/>
-                <dgm:shape xmlns:r="http://schemas.openxmlformats.org/officeDocument/2006/relationships" r:blip="">
-                  <dgm:adjLst/>
-                </dgm:shape>
-                <dgm:constrLst>
-                  <dgm:constr type="w" for="ch" forName="DropPin1" refType="w"/>
-                  <dgm:constr type="h" for="ch" forName="DropPin1" refType="h"/>
-                  <dgm:constr type="ctrX" for="ch" forName="DropPin1" refType="w" fact="0.5"/>
-                  <dgm:constr type="ctrY" for="ch" forName="DropPin1" refType="h" fact="0.5"/>
-                  <dgm:constr type="w" for="ch" forName="Ellipse1" refType="w" refFor="ch" refForName="DropPin1" fact="0.55"/>
-                  <dgm:constr type="h" for="ch" forName="Ellipse1" refType="w" refFor="ch" refForName="DropPin1" fact="0.55"/>
-                  <dgm:constr type="ctrX" for="ch" forName="Ellipse1" refType="ctrX" refFor="ch" refForName="DropPin1"/>
-                  <dgm:constr type="ctrY" for="ch" forName="Ellipse1" refType="ctrY" refFor="ch" refForName="DropPin1"/>
-                </dgm:constrLst>
-                <dgm:layoutNode name="DropPin1" styleLbl="alignNode1">
-                  <dgm:alg type="sp"/>
-                  <dgm:choose name="CaseForPlacingTearDropAboveAndBelowDivider1">
-                    <dgm:if name="CaseForPlacingTearDropAboveDivider1" axis="self" ptType="node" func="posOdd" op="equ" val="1">
-                      <dgm:shape xmlns:r="http://schemas.openxmlformats.org/officeDocument/2006/relationships" rot="135" type="teardrop" r:blip="">
-                        <dgm:adjLst>
-                          <dgm:adj idx="1" val="1.15"/>
-                        </dgm:adjLst>
-                      </dgm:shape>
-                    </dgm:if>
-                    <dgm:else name="CaseForPlacingTearDropBelowDivider1">
-                      <dgm:shape xmlns:r="http://schemas.openxmlformats.org/officeDocument/2006/relationships" rot="-45" type="teardrop" r:blip="">
-                        <dgm:adjLst>
-                          <dgm:adj idx="1" val="1.15"/>
-                        </dgm:adjLst>
-                      </dgm:shape>
-                    </dgm:else>
-                  </dgm:choose>
-                  <dgm:presOf/>
-                  <dgm:constrLst/>
-                </dgm:layoutNode>
-                <dgm:layoutNode name="Ellipse1" styleLbl="fgAcc1" moveWith="DropPin1">
-                  <dgm:alg type="sp"/>
-                  <dgm:shape xmlns:r="http://schemas.openxmlformats.org/officeDocument/2006/relationships" type="ellipse" r:blip="">
-                    <dgm:adjLst/>
-                    <dgm:extLst>
-                      <a:ext uri="{B698B0E9-8C71-41B9-8309-B3DCBF30829C}">
-                        <dgm1612:spPr xmlns:dgm1612="http://schemas.microsoft.com/office/drawing/2016/12/diagram">
-                          <a:ln>
-                            <a:noFill/>
-                          </a:ln>
-                        </dgm1612:spPr>
-                      </a:ext>
-                    </dgm:extLst>
-                  </dgm:shape>
-                  <dgm:presOf/>
-                  <dgm:constrLst/>
-                </dgm:layoutNode>
-              </dgm:layoutNode>
-              <dgm:layoutNode name="L2TextContainer1" styleLbl="revTx" moveWith="L1TextContainer">
-                <dgm:varLst>
-                  <dgm:bulletEnabled val="1"/>
-                </dgm:varLst>
-                <dgm:choose name="casesForTxtDirLogic1">
-                  <dgm:if name="Name771" axis="self" ptType="node" func="posOdd" op="equ" val="1">
-                    <dgm:alg type="tx">
-                      <dgm:param type="txAnchorVert" val="t"/>
-                      <dgm:param type="parTxLTRAlign" val="l"/>
-                      <dgm:param type="parTxRTLAlign" val="l"/>
-                      <dgm:param type="txAnchorVertCh" val="t"/>
-                      <dgm:param type="shpTxRTLAlignCh" val="l"/>
-                      <dgm:param type="shpTxLTRAlignCh" val="l"/>
-                    </dgm:alg>
-                    <dgm:constrLst>
-                      <dgm:constr type="lMarg"/>
-                      <dgm:constr type="rMarg"/>
-                      <dgm:constr type="tMarg" refType="primFontSz" fact="0.5"/>
-                      <dgm:constr type="bMarg" refType="primFontSz" fact="0.75"/>
-                    </dgm:constrLst>
-                  </dgm:if>
-                  <dgm:else name="Name881">
-                    <dgm:alg type="tx">
-                      <dgm:param type="txAnchorVert" val="b"/>
-                      <dgm:param type="parTxLTRAlign" val="l"/>
-                      <dgm:param type="parTxRTLAlign" val="l"/>
-                      <dgm:param type="txAnchorVertCh" val="b"/>
-                      <dgm:param type="shpTxRTLAlignCh" val="l"/>
-                      <dgm:param type="shpTxLTRAlignCh" val="l"/>
-                    </dgm:alg>
-                    <dgm:constrLst>
-                      <dgm:constr type="lMarg"/>
-                      <dgm:constr type="rMarg" refType="primFontSz" fact="0.5"/>
-                      <dgm:constr type="tMarg" refType="primFontSz" fact="0.75"/>
-                      <dgm:constr type="bMarg" refType="primFontSz" fact="0.5"/>
-                    </dgm:constrLst>
-                  </dgm:else>
-                </dgm:choose>
-                <dgm:shape xmlns:r="http://schemas.openxmlformats.org/officeDocument/2006/relationships" type="rect" r:blip="">
-                  <dgm:adjLst/>
-                </dgm:shape>
-                <dgm:presOf axis="des" ptType="node"/>
-                <dgm:ruleLst>
-                  <dgm:rule type="primFontSz" val="11" fact="NaN" max="NaN"/>
-                </dgm:ruleLst>
-              </dgm:layoutNode>
-              <dgm:layoutNode name="L1TextContainer1" styleLbl="revTx">
-                <dgm:varLst>
-                  <dgm:chMax val="1"/>
-                  <dgm:chPref val="1"/>
-                  <dgm:bulletEnabled val="1"/>
-                </dgm:varLst>
-                <dgm:alg type="tx">
-                  <dgm:param type="txAnchorVert" val="mid"/>
-                  <dgm:param type="parTxLTRAlign" val="l"/>
-                  <dgm:param type="parTxRTLAlign" val="l"/>
-                </dgm:alg>
-                <dgm:shape xmlns:r="http://schemas.openxmlformats.org/officeDocument/2006/relationships" type="rect" r:blip="">
-                  <dgm:adjLst/>
-                </dgm:shape>
-                <dgm:presOf axis="self"/>
-                <dgm:constrLst>
-                  <dgm:constr type="lMarg"/>
-                  <dgm:constr type="rMarg" refType="primFontSz" fact="0.5"/>
-                  <dgm:constr type="tMarg"/>
-                  <dgm:constr type="bMarg"/>
-                </dgm:constrLst>
-                <dgm:ruleLst>
-                  <dgm:rule type="primFontSz" val="13" fact="NaN" max="NaN"/>
-                </dgm:ruleLst>
-              </dgm:layoutNode>
-              <dgm:layoutNode name="ConnectLine1" styleLbl="sibTrans1D1">
-                <dgm:alg type="sp"/>
-                <dgm:shape xmlns:r="http://schemas.openxmlformats.org/officeDocument/2006/relationships" type="line" r:blip="">
-                  <dgm:adjLst/>
-                  <dgm:extLst>
-                    <a:ext uri="{B698B0E9-8C71-41B9-8309-B3DCBF30829C}">
-                      <dgm1612:spPr xmlns:dgm1612="http://schemas.microsoft.com/office/drawing/2016/12/diagram">
-                        <a:ln w="12700">
-                          <a:prstDash val="dash"/>
-                        </a:ln>
-                      </dgm1612:spPr>
-                    </a:ext>
-                  </dgm:extLst>
-                </dgm:shape>
-                <dgm:presOf/>
-                <dgm:constrLst/>
-              </dgm:layoutNode>
-              <dgm:layoutNode name="EmptyPlaceHolder1">
-                <dgm:alg type="sp"/>
-                <dgm:shape xmlns:r="http://schemas.openxmlformats.org/officeDocument/2006/relationships" r:blip="">
-                  <dgm:adjLst/>
-                </dgm:shape>
-                <dgm:presOf/>
-                <dgm:constrLst/>
-              </dgm:layoutNode>
-            </dgm:layoutNode>
-            <dgm:forEach name="Name281" axis="followSib" ptType="sibTrans" cnt="1">
-              <dgm:layoutNode name="spaceBetweenRectangles1">
-                <dgm:alg type="sp"/>
-                <dgm:shape xmlns:r="http://schemas.openxmlformats.org/officeDocument/2006/relationships" r:blip="">
-                  <dgm:adjLst/>
-                </dgm:shape>
-                <dgm:presOf/>
-                <dgm:constrLst/>
-                <dgm:ruleLst/>
-              </dgm:layoutNode>
-            </dgm:forEach>
-          </dgm:forEach>
-        </dgm:if>
-        <dgm:else name="MoreThanTwoNodes">
-          <dgm:forEach name="nodesForEach" axis="ch" ptType="node">
-            <dgm:layoutNode name="composite">
-              <dgm:alg type="composite"/>
-              <dgm:shape xmlns:r="http://schemas.openxmlformats.org/officeDocument/2006/relationships" r:blip="">
-                <dgm:adjLst/>
-              </dgm:shape>
-              <dgm:choose name="CaseForLayoutDirection">
-                <dgm:if name="CaseForLayoutDirectionLTR" func="var" arg="dir" op="equ" val="norm">
-                  <dgm:choose name="CaseForPlacingNodesAboveAndBelowDividerLTR">
-                    <dgm:if name="CaseForPlacingNodeAboveDividerLTR" axis="self" ptType="node" func="posOdd" op="equ" val="1">
-                      <dgm:constrLst>
-                        <dgm:constr type="w" for="ch" forName="ConnectorPoint" refType="h" refFor="ch" refForName="DropPinPlaceHolder" fact="0.18"/>
-                        <dgm:constr type="h" for="ch" forName="ConnectorPoint" refType="h" refFor="ch" refForName="DropPinPlaceHolder" fact="0.18"/>
-                        <dgm:constr type="ctrX" for="ch" forName="ConnectorPoint" refType="ctrX" refFor="ch" refForName="ConnectLine"/>
-                        <dgm:constr type="ctrY" for="ch" forName="ConnectorPoint" refType="h" fact="0.5"/>
-                        <dgm:constr type="w" for="ch" forName="DropPinPlaceHolder" refType="h" fact="0.13"/>
-                        <dgm:constr type="h" for="ch" forName="DropPinPlaceHolder" refType="h" fact="0.13"/>
-                        <dgm:constr type="t" for="ch" forName="DropPinPlaceHolder" refType="h" fact="0"/>
-                        <dgm:constr type="l" for="ch" forName="DropPinPlaceHolder" refType="w" fact="0"/>
-                        <dgm:constr type="w" for="ch" forName="L2TextContainer" refType="w" fact="0.83"/>
-                        <dgm:constr type="l" for="ch" forName="L2TextContainer" refType="r" refFor="ch" refForName="DropPinPlaceHolder"/>
-                        <dgm:constr type="t" for="ch" forName="L2TextContainer" refType="b" refFor="ch" refForName="DropPinPlaceHolder"/>
-                        <dgm:constr type="b" for="ch" forName="L2TextContainer" refType="h" fact="0.5"/>
-                        <dgm:constr type="w" for="ch" forName="L1TextContainer" refType="w" fact="0.83"/>
-                        <dgm:constr type="l" for="ch" forName="L1TextContainer" refType="r" refFor="ch" refForName="DropPinPlaceHolder"/>
-                        <dgm:constr type="b" for="ch" forName="L1TextContainer" refType="b" refFor="ch" refForName="DropPinPlaceHolder"/>
-                        <dgm:constr type="t" for="ch" forName="L1TextContainer" refType="t" refFor="ch" refForName="DropPinPlaceHolder"/>
-                        <dgm:constr type="w" for="ch" forName="ConnectLine"/>
-                        <dgm:constr type="ctrX" for="ch" forName="ConnectLine" refType="ctrX" refFor="ch" refForName="DropPinPlaceHolder"/>
-                        <dgm:constr type="b" for="ch" forName="ConnectLine" refType="h" fact="0.5"/>
-                        <dgm:constr type="t" for="ch" forName="ConnectLine" refType="b" refFor="ch" refForName="DropPinPlaceHolder"/>
-                        <dgm:constr type="w" for="ch" forName="EmptyPlaceHolder" refType="w"/>
-                        <dgm:constr type="h" for="ch" forName="EmptyPlaceHolder" refType="h" fact="0.5"/>
-                        <dgm:constr type="t" for="ch" forName="EmptyPlaceHolder" refType="h" fact="0.5"/>
-                      </dgm:constrLst>
-                    </dgm:if>
-                    <dgm:else name="CaseForPlacingNodeBelowDividerLTR">
-                      <dgm:constrLst>
-                        <dgm:constr type="w" for="ch" forName="ConnectorPoint" refType="h" refFor="ch" refForName="DropPinPlaceHolder" fact="0.18"/>
-                        <dgm:constr type="h" for="ch" forName="ConnectorPoint" refType="h" refFor="ch" refForName="DropPinPlaceHolder" fact="0.18"/>
-                        <dgm:constr type="ctrX" for="ch" forName="ConnectorPoint" refType="ctrX" refFor="ch" refForName="ConnectLine"/>
-                        <dgm:constr type="ctrY" for="ch" forName="ConnectorPoint" refType="h" fact="0.5"/>
-                        <dgm:constr type="w" for="ch" forName="DropPinPlaceHolder" refType="h" fact="0.13"/>
-                        <dgm:constr type="h" for="ch" forName="DropPinPlaceHolder" refType="h" fact="0.13"/>
-                        <dgm:constr type="b" for="ch" forName="DropPinPlaceHolder" refType="h"/>
-                        <dgm:constr type="l" for="ch" forName="DropPinPlaceHolder" refType="w" fact="0"/>
-                        <dgm:constr type="w" for="ch" forName="L2TextContainer" refType="w" fact="0.83"/>
-                        <dgm:constr type="l" for="ch" forName="L2TextContainer" refType="r" refFor="ch" refForName="DropPinPlaceHolder"/>
-                        <dgm:constr type="b" for="ch" forName="L2TextContainer" refType="t" refFor="ch" refForName="DropPinPlaceHolder"/>
-                        <dgm:constr type="t" for="ch" forName="L2TextContainer" refType="h" fact="0.5"/>
-                        <dgm:constr type="w" for="ch" forName="L1TextContainer" refType="w" fact="0.83"/>
-                        <dgm:constr type="l" for="ch" forName="L1TextContainer" refType="r" refFor="ch" refForName="DropPinPlaceHolder"/>
-                        <dgm:constr type="b" for="ch" forName="L1TextContainer" refType="b" refFor="ch" refForName="DropPinPlaceHolder"/>
-                        <dgm:constr type="t" for="ch" forName="L1TextContainer" refType="t" refFor="ch" refForName="DropPinPlaceHolder"/>
-                        <dgm:constr type="w" for="ch" forName="ConnectLine"/>
-                        <dgm:constr type="ctrX" for="ch" forName="ConnectLine" refType="ctrX" refFor="ch" refForName="DropPinPlaceHolder"/>
-                        <dgm:constr type="t" for="ch" forName="ConnectLine" refType="h" fact="0.5"/>
-                        <dgm:constr type="b" for="ch" forName="ConnectLine" refType="t" refFor="ch" refForName="DropPinPlaceHolder"/>
-                        <dgm:constr type="w" for="ch" forName="EmptyPlaceHolder" refType="w"/>
-                        <dgm:constr type="h" for="ch" forName="EmptyPlaceHolder" refType="h" fact="0.5"/>
-                        <dgm:constr type="t" for="ch" forName="EmptyPlaceHolder" refType="h" fact="0"/>
-                      </dgm:constrLst>
-                    </dgm:else>
-                  </dgm:choose>
-                </dgm:if>
-                <dgm:else name="CaseForLayoutDirectionRTL">
-                  <dgm:choose name="CaseForPlacingNodesAboveAndBelowDividerRTL">
-                    <dgm:if name="CaseForPlacingNodeAboveDividerRTL" axis="self" ptType="node" func="posOdd" op="equ" val="1">
-                      <dgm:constrLst>
-                        <dgm:constr type="w" for="ch" forName="ConnectorPoint" refType="h" refFor="ch" refForName="DropPinPlaceHolder" fact="0.18"/>
-                        <dgm:constr type="h" for="ch" forName="ConnectorPoint" refType="h" refFor="ch" refForName="DropPinPlaceHolder" fact="0.18"/>
-                        <dgm:constr type="ctrX" for="ch" forName="ConnectorPoint" refType="ctrX" refFor="ch" refForName="DropPinPlaceHolder"/>
-                        <dgm:constr type="ctrY" for="ch" forName="ConnectorPoint" refType="h" fact="0.5"/>
-                        <dgm:constr type="w" for="ch" forName="DropPinPlaceHolder" refType="h" fact="0.13"/>
-                        <dgm:constr type="h" for="ch" forName="DropPinPlaceHolder" refType="h" fact="0.13"/>
-                        <dgm:constr type="t" for="ch" forName="DropPinPlaceHolder" refType="h" fact="0"/>
-                        <dgm:constr type="l" for="ch" forName="DropPinPlaceHolder" refType="w" fact="0"/>
-                        <dgm:constr type="w" for="ch" forName="L2TextContainer" refType="w" fact="0.83"/>
-                        <dgm:constr type="l" for="ch" forName="L2TextContainer" refType="r" refFor="ch" refForName="DropPinPlaceHolder"/>
-                        <dgm:constr type="t" for="ch" forName="L2TextContainer" refType="b" refFor="ch" refForName="DropPinPlaceHolder"/>
-                        <dgm:constr type="b" for="ch" forName="L2TextContainer" refType="h" fact="0.5"/>
-                        <dgm:constr type="w" for="ch" forName="L1TextContainer" refType="w" fact="0.83"/>
-                        <dgm:constr type="l" for="ch" forName="L1TextContainer" refType="r" refFor="ch" refForName="DropPinPlaceHolder"/>
-                        <dgm:constr type="b" for="ch" forName="L1TextContainer" refType="b" refFor="ch" refForName="DropPinPlaceHolder"/>
-                        <dgm:constr type="t" for="ch" forName="L1TextContainer" refType="t" refFor="ch" refForName="DropPinPlaceHolder"/>
-                        <dgm:constr type="w" for="ch" forName="ConnectLine"/>
-                        <dgm:constr type="ctrX" for="ch" forName="ConnectLine" refType="ctrX" refFor="ch" refForName="DropPinPlaceHolder"/>
-                        <dgm:constr type="b" for="ch" forName="ConnectLine" refType="h" fact="0.5"/>
-                        <dgm:constr type="t" for="ch" forName="ConnectLine" refType="b" refFor="ch" refForName="DropPinPlaceHolder"/>
-                        <dgm:constr type="w" for="ch" forName="EmptyPlaceHolder" refType="w"/>
-                        <dgm:constr type="h" for="ch" forName="EmptyPlaceHolder" refType="h" fact="0.5"/>
-                        <dgm:constr type="t" for="ch" forName="EmptyPlaceHolder" refType="h" fact="0.5"/>
-                      </dgm:constrLst>
-                    </dgm:if>
-                    <dgm:else name="CaseForPlacingNodeBelowDividerRTL">
-                      <dgm:constrLst>
-                        <dgm:constr type="w" for="ch" forName="ConnectorPoint" refType="h" refFor="ch" refForName="DropPinPlaceHolder" fact="0.18"/>
-                        <dgm:constr type="h" for="ch" forName="ConnectorPoint" refType="h" refFor="ch" refForName="DropPinPlaceHolder" fact="0.18"/>
-                        <dgm:constr type="ctrX" for="ch" forName="ConnectorPoint" refType="ctrX" refFor="ch" refForName="DropPinPlaceHolder"/>
-                        <dgm:constr type="ctrY" for="ch" forName="ConnectorPoint" refType="h" fact="0.5"/>
-                        <dgm:constr type="w" for="ch" forName="DropPinPlaceHolder" refType="h" fact="0.13"/>
-                        <dgm:constr type="h" for="ch" forName="DropPinPlaceHolder" refType="h" fact="0.13"/>
-                        <dgm:constr type="b" for="ch" forName="DropPinPlaceHolder" refType="h"/>
-                        <dgm:constr type="l" for="ch" forName="DropPinPlaceHolder" refType="w" fact="0"/>
-                        <dgm:constr type="w" for="ch" forName="L2TextContainer" refType="w" fact="0.83"/>
-                        <dgm:constr type="l" for="ch" forName="L2TextContainer" refType="r" refFor="ch" refForName="DropPinPlaceHolder"/>
-                        <dgm:constr type="b" for="ch" forName="L2TextContainer" refType="t" refFor="ch" refForName="DropPinPlaceHolder"/>
-                        <dgm:constr type="t" for="ch" forName="L2TextContainer" refType="h" fact="0.5"/>
-                        <dgm:constr type="w" for="ch" forName="L1TextContainer" refType="w" fact="0.83"/>
-                        <dgm:constr type="l" for="ch" forName="L1TextContainer" refType="r" refFor="ch" refForName="DropPinPlaceHolder"/>
-                        <dgm:constr type="b" for="ch" forName="L1TextContainer" refType="b" refFor="ch" refForName="DropPinPlaceHolder"/>
-                        <dgm:constr type="t" for="ch" forName="L1TextContainer" refType="t" refFor="ch" refForName="DropPinPlaceHolder"/>
-                        <dgm:constr type="w" for="ch" forName="ConnectLine"/>
-                        <dgm:constr type="ctrX" for="ch" forName="ConnectLine" refType="ctrX" refFor="ch" refForName="DropPinPlaceHolder"/>
-                        <dgm:constr type="t" for="ch" forName="ConnectLine" refType="h" fact="0.5"/>
-                        <dgm:constr type="b" for="ch" forName="ConnectLine" refType="t" refFor="ch" refForName="DropPinPlaceHolder"/>
-                        <dgm:constr type="w" for="ch" forName="EmptyPlaceHolder" refType="w"/>
-                        <dgm:constr type="h" for="ch" forName="EmptyPlaceHolder" refType="h" fact="0.5"/>
-                        <dgm:constr type="t" for="ch" forName="EmptyPlaceHolder" refType="h" fact="0"/>
-                      </dgm:constrLst>
-                    </dgm:else>
-                  </dgm:choose>
-                </dgm:else>
-              </dgm:choose>
-              <dgm:layoutNode name="ConnectorPoint" styleLbl="lnNode1" moveWith="ConnectLine">
-                <dgm:alg type="sp"/>
-                <dgm:shape xmlns:r="http://schemas.openxmlformats.org/officeDocument/2006/relationships" type="ellipse" r:blip="" zOrderOff="10">
-                  <dgm:adjLst/>
-                  <dgm:extLst>
-                    <a:ext uri="{B698B0E9-8C71-41B9-8309-B3DCBF30829C}">
-                      <dgm1612:spPr xmlns:dgm1612="http://schemas.microsoft.com/office/drawing/2016/12/diagram">
-                        <a:ln w="6350"/>
-                      </dgm1612:spPr>
-                    </a:ext>
-                  </dgm:extLst>
-                </dgm:shape>
-                <dgm:presOf/>
-                <dgm:constrLst>
-                  <dgm:constr type="w" refType="h" op="equ"/>
-                </dgm:constrLst>
-              </dgm:layoutNode>
-              <dgm:layoutNode name="DropPinPlaceHolder">
-                <dgm:alg type="composite"/>
-                <dgm:shape xmlns:r="http://schemas.openxmlformats.org/officeDocument/2006/relationships" r:blip="">
-                  <dgm:adjLst/>
-                </dgm:shape>
-                <dgm:constrLst>
-                  <dgm:constr type="w" for="ch" forName="DropPin" refType="w"/>
-                  <dgm:constr type="h" for="ch" forName="DropPin" refType="h"/>
-                  <dgm:constr type="ctrX" for="ch" forName="DropPin" refType="w" fact="0.5"/>
-                  <dgm:constr type="ctrY" for="ch" forName="DropPin" refType="h" fact="0.5"/>
-                  <dgm:constr type="w" for="ch" forName="Ellipse" refType="w" refFor="ch" refForName="DropPin" fact="0.55"/>
-                  <dgm:constr type="h" for="ch" forName="Ellipse" refType="w" refFor="ch" refForName="DropPin" fact="0.55"/>
-                  <dgm:constr type="ctrX" for="ch" forName="Ellipse" refType="ctrX" refFor="ch" refForName="DropPin"/>
-                  <dgm:constr type="ctrY" for="ch" forName="Ellipse" refType="ctrY" refFor="ch" refForName="DropPin"/>
-                </dgm:constrLst>
-                <dgm:layoutNode name="DropPin" styleLbl="alignNode1">
-                  <dgm:alg type="sp"/>
-                  <dgm:choose name="CaseForPlacingTearDropAboveAndBelowDivider">
-                    <dgm:if name="CaseForPlacingTearDropAboveDivider" axis="self" ptType="node" func="posOdd" op="equ" val="1">
-                      <dgm:shape xmlns:r="http://schemas.openxmlformats.org/officeDocument/2006/relationships" rot="135" type="teardrop" r:blip="">
-                        <dgm:adjLst>
-                          <dgm:adj idx="1" val="1.15"/>
-                        </dgm:adjLst>
-                      </dgm:shape>
-                    </dgm:if>
-                    <dgm:else name="CaseForPlacingTearDropBelowDivider">
-                      <dgm:shape xmlns:r="http://schemas.openxmlformats.org/officeDocument/2006/relationships" rot="-45" type="teardrop" r:blip="">
-                        <dgm:adjLst>
-                          <dgm:adj idx="1" val="1.15"/>
-                        </dgm:adjLst>
-                      </dgm:shape>
-                    </dgm:else>
-                  </dgm:choose>
-                  <dgm:presOf/>
-                  <dgm:constrLst/>
-                </dgm:layoutNode>
-                <dgm:layoutNode name="Ellipse" styleLbl="fgAcc1" moveWith="DropPin">
-                  <dgm:alg type="sp"/>
-                  <dgm:shape xmlns:r="http://schemas.openxmlformats.org/officeDocument/2006/relationships" type="ellipse" r:blip="">
-                    <dgm:adjLst/>
-                    <dgm:extLst>
-                      <a:ext uri="{B698B0E9-8C71-41B9-8309-B3DCBF30829C}">
-                        <dgm1612:spPr xmlns:dgm1612="http://schemas.microsoft.com/office/drawing/2016/12/diagram">
-                          <a:ln>
-                            <a:noFill/>
-                          </a:ln>
-                        </dgm1612:spPr>
-                      </a:ext>
-                    </dgm:extLst>
-                  </dgm:shape>
-                  <dgm:presOf/>
-                  <dgm:constrLst/>
-                </dgm:layoutNode>
-              </dgm:layoutNode>
-              <dgm:layoutNode name="L2TextContainer" styleLbl="revTx" moveWith="L1TextContainer">
-                <dgm:varLst>
-                  <dgm:bulletEnabled val="1"/>
-                </dgm:varLst>
-                <dgm:choose name="casesForTxtDirLogic">
-                  <dgm:if name="Name77" axis="self" ptType="node" func="posOdd" op="equ" val="1">
-                    <dgm:alg type="tx">
-                      <dgm:param type="txAnchorVert" val="t"/>
-                      <dgm:param type="parTxLTRAlign" val="l"/>
-                      <dgm:param type="parTxRTLAlign" val="l"/>
-                      <dgm:param type="txAnchorVertCh" val="t"/>
-                      <dgm:param type="shpTxRTLAlignCh" val="l"/>
-                      <dgm:param type="shpTxLTRAlignCh" val="l"/>
-                    </dgm:alg>
-                    <dgm:constrLst>
-                      <dgm:constr type="lMarg"/>
-                      <dgm:constr type="rMarg" refType="primFontSz" fact="0.5"/>
-                      <dgm:constr type="tMarg" refType="primFontSz" fact="0.5"/>
-                      <dgm:constr type="bMarg" refType="primFontSz" fact="0.75"/>
-                    </dgm:constrLst>
-                  </dgm:if>
-                  <dgm:else name="Name88">
-                    <dgm:alg type="tx">
-                      <dgm:param type="txAnchorVert" val="b"/>
-                      <dgm:param type="parTxLTRAlign" val="l"/>
-                      <dgm:param type="parTxRTLAlign" val="l"/>
-                      <dgm:param type="txAnchorVertCh" val="b"/>
-                      <dgm:param type="shpTxRTLAlignCh" val="l"/>
-                      <dgm:param type="shpTxLTRAlignCh" val="l"/>
-                    </dgm:alg>
-                    <dgm:constrLst>
-                      <dgm:constr type="lMarg"/>
-                      <dgm:constr type="rMarg"/>
-                      <dgm:constr type="tMarg" refType="primFontSz" fact="0.75"/>
-                      <dgm:constr type="bMarg" refType="primFontSz" fact="0.5"/>
-                    </dgm:constrLst>
-                  </dgm:else>
-                </dgm:choose>
-                <dgm:shape xmlns:r="http://schemas.openxmlformats.org/officeDocument/2006/relationships" type="rect" r:blip="">
-                  <dgm:adjLst/>
-                </dgm:shape>
-                <dgm:presOf axis="des" ptType="node"/>
-                <dgm:ruleLst>
-                  <dgm:rule type="primFontSz" val="11" fact="NaN" max="NaN"/>
-                </dgm:ruleLst>
-              </dgm:layoutNode>
-              <dgm:layoutNode name="L1TextContainer" styleLbl="revTx">
-                <dgm:varLst>
-                  <dgm:chMax val="1"/>
-                  <dgm:chPref val="1"/>
-                  <dgm:bulletEnabled val="1"/>
-                </dgm:varLst>
-                <dgm:alg type="tx">
-                  <dgm:param type="txAnchorVert" val="mid"/>
-                  <dgm:param type="parTxLTRAlign" val="l"/>
-                  <dgm:param type="parTxRTLAlign" val="l"/>
-                </dgm:alg>
-                <dgm:shape xmlns:r="http://schemas.openxmlformats.org/officeDocument/2006/relationships" type="rect" r:blip="">
-                  <dgm:adjLst/>
-                </dgm:shape>
-                <dgm:presOf axis="self"/>
-                <dgm:constrLst>
-                  <dgm:constr type="lMarg"/>
-                  <dgm:constr type="rMarg" refType="primFontSz" fact="0.5"/>
-                  <dgm:constr type="tMarg"/>
-                  <dgm:constr type="bMarg"/>
-                </dgm:constrLst>
-                <dgm:ruleLst>
-                  <dgm:rule type="primFontSz" val="13" fact="NaN" max="NaN"/>
-                </dgm:ruleLst>
-              </dgm:layoutNode>
-              <dgm:layoutNode name="ConnectLine" styleLbl="sibTrans1D1">
-                <dgm:alg type="sp"/>
-                <dgm:shape xmlns:r="http://schemas.openxmlformats.org/officeDocument/2006/relationships" type="line" r:blip="">
-                  <dgm:adjLst/>
-                  <dgm:extLst>
-                    <a:ext uri="{B698B0E9-8C71-41B9-8309-B3DCBF30829C}">
-                      <dgm1612:spPr xmlns:dgm1612="http://schemas.microsoft.com/office/drawing/2016/12/diagram">
-                        <a:ln w="12700">
-                          <a:prstDash val="dash"/>
-                        </a:ln>
-                      </dgm1612:spPr>
-                    </a:ext>
-                  </dgm:extLst>
-                </dgm:shape>
-                <dgm:presOf/>
-                <dgm:constrLst/>
-              </dgm:layoutNode>
-              <dgm:layoutNode name="EmptyPlaceHolder">
-                <dgm:alg type="sp"/>
-                <dgm:shape xmlns:r="http://schemas.openxmlformats.org/officeDocument/2006/relationships" r:blip="">
-                  <dgm:adjLst/>
-                </dgm:shape>
-                <dgm:presOf/>
-                <dgm:constrLst/>
-              </dgm:layoutNode>
-            </dgm:layoutNode>
-            <dgm:forEach name="Name28" axis="followSib" ptType="sibTrans" cnt="1">
-              <dgm:layoutNode name="spaceBetweenRectangles">
-                <dgm:alg type="sp"/>
-                <dgm:shape xmlns:r="http://schemas.openxmlformats.org/officeDocument/2006/relationships" r:blip="">
-                  <dgm:adjLst/>
-                </dgm:shape>
-                <dgm:presOf/>
-                <dgm:constrLst/>
-                <dgm:ruleLst/>
-              </dgm:layoutNode>
-            </dgm:forEach>
-          </dgm:forEach>
-        </dgm:else>
-      </dgm:choose>
-    </dgm:layoutNode>
-  </dgm:layoutNode>
-  <dgm:extLst>
-    <a:ext uri="{68A01E43-0DF5-4B5B-8FA6-DAF915123BFB}">
-      <dgm1612:lstStyle xmlns:dgm1612="http://schemas.microsoft.com/office/drawing/2016/12/diagram">
-        <a:lvl1pPr>
-          <a:defRPr b="1"/>
-        </a:lvl1pPr>
-      </dgm1612:lstStyle>
-    </a:ext>
-  </dgm:extLst>
-</dgm:layoutDef>
-</file>
-
 <file path=ppt/diagrams/quickStyle1.xml><?xml version="1.0" encoding="utf-8"?>
-<dgm:styleDef xmlns:dgm="http://schemas.openxmlformats.org/drawingml/2006/diagram" xmlns:a="http://schemas.openxmlformats.org/drawingml/2006/main" uniqueId="urn:microsoft.com/office/officeart/2005/8/quickstyle/simple1">
-  <dgm:title val=""/>
-  <dgm:desc val=""/>
-  <dgm:catLst>
-    <dgm:cat type="simple" pri="10100"/>
-  </dgm:catLst>
-  <dgm:scene3d>
-    <a:camera prst="orthographicFront"/>
-    <a:lightRig rig="threePt" dir="t"/>
-  </dgm:scene3d>
-  <dgm:styleLbl name="node0">
-    <dgm:scene3d>
-      <a:camera prst="orthographicFront"/>
-      <a:lightRig rig="threePt" dir="t"/>
-    </dgm:scene3d>
-    <dgm:sp3d/>
-    <dgm:txPr/>
-    <dgm:style>
-      <a:lnRef idx="2">
-        <a:scrgbClr r="0" g="0" b="0"/>
-      </a:lnRef>
-      <a:fillRef idx="1">
-        <a:scrgbClr r="0" g="0" b="0"/>
-      </a:fillRef>
-      <a:effectRef idx="0">
-        <a:scrgbClr r="0" g="0" b="0"/>
-      </a:effectRef>
-      <a:fontRef idx="minor">
-        <a:schemeClr val="lt1"/>
-      </a:fontRef>
-    </dgm:style>
-  </dgm:styleLbl>
-  <dgm:styleLbl name="lnNode1">
-    <dgm:scene3d>
-      <a:camera prst="orthographicFront"/>
-      <a:lightRig rig="threePt" dir="t"/>
-    </dgm:scene3d>
-    <dgm:sp3d/>
-    <dgm:txPr/>
-    <dgm:style>
-      <a:lnRef idx="2">
-        <a:scrgbClr r="0" g="0" b="0"/>
-      </a:lnRef>
-      <a:fillRef idx="1">
-        <a:scrgbClr r="0" g="0" b="0"/>
-      </a:fillRef>
-      <a:effectRef idx="0">
-        <a:scrgbClr r="0" g="0" b="0"/>
-      </a:effectRef>
-      <a:fontRef idx="minor">
-        <a:schemeClr val="lt1"/>
-      </a:fontRef>
-    </dgm:style>
-  </dgm:styleLbl>
-  <dgm:styleLbl name="vennNode1">
-    <dgm:scene3d>
-      <a:camera prst="orthographicFront"/>
-      <a:lightRig rig="threePt" dir="t"/>
-    </dgm:scene3d>
-    <dgm:sp3d/>
-    <dgm:txPr/>
-    <dgm:style>
-      <a:lnRef idx="2">
-        <a:scrgbClr r="0" g="0" b="0"/>
-      </a:lnRef>
-      <a:fillRef idx="1">
-        <a:scrgbClr r="0" g="0" b="0"/>
-      </a:fillRef>
-      <a:effectRef idx="0">
-        <a:scrgbClr r="0" g="0" b="0"/>
-      </a:effectRef>
-      <a:fontRef idx="minor">
-        <a:schemeClr val="tx1"/>
-      </a:fontRef>
-    </dgm:style>
-  </dgm:styleLbl>
-  <dgm:styleLbl name="alignNode1">
-    <dgm:scene3d>
-      <a:camera prst="orthographicFront"/>
-      <a:lightRig rig="threePt" dir="t"/>
-    </dgm:scene3d>
-    <dgm:sp3d/>
-    <dgm:txPr/>
-    <dgm:style>
-      <a:lnRef idx="2">
-        <a:scrgbClr r="0" g="0" b="0"/>
-      </a:lnRef>
-      <a:fillRef idx="1">
-        <a:scrgbClr r="0" g="0" b="0"/>
-      </a:fillRef>
-      <a:effectRef idx="0">
-        <a:scrgbClr r="0" g="0" b="0"/>
-      </a:effectRef>
-      <a:fontRef idx="minor">
-        <a:schemeClr val="lt1"/>
-      </a:fontRef>
-    </dgm:style>
-  </dgm:styleLbl>
-  <dgm:styleLbl name="node1">
-    <dgm:scene3d>
-      <a:camera prst="orthographicFront"/>
-      <a:lightRig rig="threePt" dir="t"/>
-    </dgm:scene3d>
-    <dgm:sp3d/>
-    <dgm:txPr/>
-    <dgm:style>
-      <a:lnRef idx="2">
-        <a:scrgbClr r="0" g="0" b="0"/>
-      </a:lnRef>
-      <a:fillRef idx="1">
-        <a:scrgbClr r="0" g="0" b="0"/>
-      </a:fillRef>
-      <a:effectRef idx="0">
-        <a:scrgbClr r="0" g="0" b="0"/>
-      </a:effectRef>
-      <a:fontRef idx="minor">
-        <a:schemeClr val="lt1"/>
-      </a:fontRef>
-    </dgm:style>
-  </dgm:styleLbl>
-  <dgm:styleLbl name="node2">
-    <dgm:scene3d>
-      <a:camera prst="orthographicFront"/>
-      <a:lightRig rig="threePt" dir="t"/>
-    </dgm:scene3d>
-    <dgm:sp3d/>
-    <dgm:txPr/>
-    <dgm:style>
-      <a:lnRef idx="2">
-        <a:scrgbClr r="0" g="0" b="0"/>
-      </a:lnRef>
-      <a:fillRef idx="1">
-        <a:scrgbClr r="0" g="0" b="0"/>
-      </a:fillRef>
-      <a:effectRef idx="0">
-        <a:scrgbClr r="0" g="0" b="0"/>
-      </a:effectRef>
-      <a:fontRef idx="minor">
-        <a:schemeClr val="lt1"/>
-      </a:fontRef>
-    </dgm:style>
-  </dgm:styleLbl>
-  <dgm:styleLbl name="node3">
-    <dgm:scene3d>
-      <a:camera prst="orthographicFront"/>
-      <a:lightRig rig="threePt" dir="t"/>
-    </dgm:scene3d>
-    <dgm:sp3d/>
-    <dgm:txPr/>
-    <dgm:style>
-      <a:lnRef idx="2">
-        <a:scrgbClr r="0" g="0" b="0"/>
-      </a:lnRef>
-      <a:fillRef idx="1">
-        <a:scrgbClr r="0" g="0" b="0"/>
-      </a:fillRef>
-      <a:effectRef idx="0">
-        <a:scrgbClr r="0" g="0" b="0"/>
-      </a:effectRef>
-      <a:fontRef idx="minor">
-        <a:schemeClr val="lt1"/>
-      </a:fontRef>
-    </dgm:style>
-  </dgm:styleLbl>
-  <dgm:styleLbl name="node4">
-    <dgm:scene3d>
-      <a:camera prst="orthographicFront"/>
-      <a:lightRig rig="threePt" dir="t"/>
-    </dgm:scene3d>
-    <dgm:sp3d/>
-    <dgm:txPr/>
-    <dgm:style>
-      <a:lnRef idx="2">
-        <a:scrgbClr r="0" g="0" b="0"/>
-      </a:lnRef>
-      <a:fillRef idx="1">
-        <a:scrgbClr r="0" g="0" b="0"/>
-      </a:fillRef>
-      <a:effectRef idx="0">
-        <a:scrgbClr r="0" g="0" b="0"/>
-      </a:effectRef>
-      <a:fontRef idx="minor">
-        <a:schemeClr val="lt1"/>
-      </a:fontRef>
-    </dgm:style>
-  </dgm:styleLbl>
-  <dgm:styleLbl name="fgImgPlace1">
-    <dgm:scene3d>
-      <a:camera prst="orthographicFront"/>
-      <a:lightRig rig="threePt" dir="t"/>
-    </dgm:scene3d>
-    <dgm:sp3d/>
-    <dgm:txPr/>
-    <dgm:style>
-      <a:lnRef idx="2">
-        <a:scrgbClr r="0" g="0" b="0"/>
-      </a:lnRef>
-      <a:fillRef idx="1">
-        <a:scrgbClr r="0" g="0" b="0"/>
-      </a:fillRef>
-      <a:effectRef idx="0">
-        <a:scrgbClr r="0" g="0" b="0"/>
-      </a:effectRef>
-      <a:fontRef idx="minor"/>
-    </dgm:style>
-  </dgm:styleLbl>
-  <dgm:styleLbl name="alignImgPlace1">
-    <dgm:scene3d>
-      <a:camera prst="orthographicFront"/>
-      <a:lightRig rig="threePt" dir="t"/>
-    </dgm:scene3d>
-    <dgm:sp3d/>
-    <dgm:txPr/>
-    <dgm:style>
-      <a:lnRef idx="2">
-        <a:scrgbClr r="0" g="0" b="0"/>
-      </a:lnRef>
-      <a:fillRef idx="1">
-        <a:scrgbClr r="0" g="0" b="0"/>
-      </a:fillRef>
-      <a:effectRef idx="0">
-        <a:scrgbClr r="0" g="0" b="0"/>
-      </a:effectRef>
-      <a:fontRef idx="minor"/>
-    </dgm:style>
-  </dgm:styleLbl>
-  <dgm:styleLbl name="bgImgPlace1">
-    <dgm:scene3d>
-      <a:camera prst="orthographicFront"/>
-      <a:lightRig rig="threePt" dir="t"/>
-    </dgm:scene3d>
-    <dgm:sp3d/>
-    <dgm:txPr/>
-    <dgm:style>
-      <a:lnRef idx="2">
-        <a:scrgbClr r="0" g="0" b="0"/>
-      </a:lnRef>
-      <a:fillRef idx="1">
-        <a:scrgbClr r="0" g="0" b="0"/>
-      </a:fillRef>
-      <a:effectRef idx="0">
-        <a:scrgbClr r="0" g="0" b="0"/>
-      </a:effectRef>
-      <a:fontRef idx="minor"/>
-    </dgm:style>
-  </dgm:styleLbl>
-  <dgm:styleLbl name="sibTrans2D1">
-    <dgm:scene3d>
-      <a:camera prst="orthographicFront"/>
-      <a:lightRig rig="threePt" dir="t"/>
-    </dgm:scene3d>
-    <dgm:sp3d/>
-    <dgm:txPr/>
-    <dgm:style>
-      <a:lnRef idx="0">
-        <a:scrgbClr r="0" g="0" b="0"/>
-      </a:lnRef>
-      <a:fillRef idx="1">
-        <a:scrgbClr r="0" g="0" b="0"/>
-      </a:fillRef>
-      <a:effectRef idx="0">
-        <a:scrgbClr r="0" g="0" b="0"/>
-      </a:effectRef>
-      <a:fontRef idx="minor">
-        <a:schemeClr val="lt1"/>
-      </a:fontRef>
-    </dgm:style>
-  </dgm:styleLbl>
-  <dgm:styleLbl name="fgSibTrans2D1">
-    <dgm:scene3d>
-      <a:camera prst="orthographicFront"/>
-      <a:lightRig rig="threePt" dir="t"/>
-    </dgm:scene3d>
-    <dgm:sp3d/>
-    <dgm:txPr/>
-    <dgm:style>
-      <a:lnRef idx="0">
-        <a:scrgbClr r="0" g="0" b="0"/>
-      </a:lnRef>
-      <a:fillRef idx="1">
-        <a:scrgbClr r="0" g="0" b="0"/>
-      </a:fillRef>
-      <a:effectRef idx="0">
-        <a:scrgbClr r="0" g="0" b="0"/>
-      </a:effectRef>
-      <a:fontRef idx="minor">
-        <a:schemeClr val="lt1"/>
-      </a:fontRef>
-    </dgm:style>
-  </dgm:styleLbl>
-  <dgm:styleLbl name="bgSibTrans2D1">
-    <dgm:scene3d>
-      <a:camera prst="orthographicFront"/>
-      <a:lightRig rig="threePt" dir="t"/>
-    </dgm:scene3d>
-    <dgm:sp3d/>
-    <dgm:txPr/>
-    <dgm:style>
-      <a:lnRef idx="0">
-        <a:scrgbClr r="0" g="0" b="0"/>
-      </a:lnRef>
-      <a:fillRef idx="1">
-        <a:scrgbClr r="0" g="0" b="0"/>
-      </a:fillRef>
-      <a:effectRef idx="0">
-        <a:scrgbClr r="0" g="0" b="0"/>
-      </a:effectRef>
-      <a:fontRef idx="minor">
-        <a:schemeClr val="lt1"/>
-      </a:fontRef>
-    </dgm:style>
-  </dgm:styleLbl>
-  <dgm:styleLbl name="sibTrans1D1">
-    <dgm:scene3d>
-      <a:camera prst="orthographicFront"/>
-      <a:lightRig rig="threePt" dir="t"/>
-    </dgm:scene3d>
-    <dgm:sp3d/>
-    <dgm:txPr/>
-    <dgm:style>
-      <a:lnRef idx="1">
-        <a:scrgbClr r="0" g="0" b="0"/>
-      </a:lnRef>
-      <a:fillRef idx="0">
-        <a:scrgbClr r="0" g="0" b="0"/>
-      </a:fillRef>
-      <a:effectRef idx="0">
-        <a:scrgbClr r="0" g="0" b="0"/>
-      </a:effectRef>
-      <a:fontRef idx="minor"/>
-    </dgm:style>
-  </dgm:styleLbl>
-  <dgm:styleLbl name="callout">
-    <dgm:scene3d>
-      <a:camera prst="orthographicFront"/>
-      <a:lightRig rig="threePt" dir="t"/>
-    </dgm:scene3d>
-    <dgm:sp3d/>
-    <dgm:txPr/>
-    <dgm:style>
-      <a:lnRef idx="2">
-        <a:scrgbClr r="0" g="0" b="0"/>
-      </a:lnRef>
-      <a:fillRef idx="1">
-        <a:scrgbClr r="0" g="0" b="0"/>
-      </a:fillRef>
-      <a:effectRef idx="0">
-        <a:scrgbClr r="0" g="0" b="0"/>
-      </a:effectRef>
-      <a:fontRef idx="minor"/>
-    </dgm:style>
-  </dgm:styleLbl>
-  <dgm:styleLbl name="asst0">
-    <dgm:scene3d>
-      <a:camera prst="orthographicFront"/>
-      <a:lightRig rig="threePt" dir="t"/>
-    </dgm:scene3d>
-    <dgm:sp3d/>
-    <dgm:txPr/>
-    <dgm:style>
-      <a:lnRef idx="2">
-        <a:scrgbClr r="0" g="0" b="0"/>
-      </a:lnRef>
-      <a:fillRef idx="1">
-        <a:scrgbClr r="0" g="0" b="0"/>
-      </a:fillRef>
-      <a:effectRef idx="0">
-        <a:scrgbClr r="0" g="0" b="0"/>
-      </a:effectRef>
-      <a:fontRef idx="minor">
-        <a:schemeClr val="lt1"/>
-      </a:fontRef>
-    </dgm:style>
-  </dgm:styleLbl>
-  <dgm:styleLbl name="asst1">
-    <dgm:scene3d>
-      <a:camera prst="orthographicFront"/>
-      <a:lightRig rig="threePt" dir="t"/>
-    </dgm:scene3d>
-    <dgm:sp3d/>
-    <dgm:txPr/>
-    <dgm:style>
-      <a:lnRef idx="2">
-        <a:scrgbClr r="0" g="0" b="0"/>
-      </a:lnRef>
-      <a:fillRef idx="1">
-        <a:scrgbClr r="0" g="0" b="0"/>
-      </a:fillRef>
-      <a:effectRef idx="0">
-        <a:scrgbClr r="0" g="0" b="0"/>
-      </a:effectRef>
-      <a:fontRef idx="minor">
-        <a:schemeClr val="lt1"/>
-      </a:fontRef>
-    </dgm:style>
-  </dgm:styleLbl>
-  <dgm:styleLbl name="asst2">
-    <dgm:scene3d>
-      <a:camera prst="orthographicFront"/>
-      <a:lightRig rig="threePt" dir="t"/>
-    </dgm:scene3d>
-    <dgm:sp3d/>
-    <dgm:txPr/>
-    <dgm:style>
-      <a:lnRef idx="2">
-        <a:scrgbClr r="0" g="0" b="0"/>
-      </a:lnRef>
-      <a:fillRef idx="1">
-        <a:scrgbClr r="0" g="0" b="0"/>
-      </a:fillRef>
-      <a:effectRef idx="0">
-        <a:scrgbClr r="0" g="0" b="0"/>
-      </a:effectRef>
-      <a:fontRef idx="minor">
-        <a:schemeClr val="lt1"/>
-      </a:fontRef>
-    </dgm:style>
-  </dgm:styleLbl>
-  <dgm:styleLbl name="asst3">
-    <dgm:scene3d>
-      <a:camera prst="orthographicFront"/>
-      <a:lightRig rig="threePt" dir="t"/>
-    </dgm:scene3d>
-    <dgm:sp3d/>
-    <dgm:txPr/>
-    <dgm:style>
-      <a:lnRef idx="2">
-        <a:scrgbClr r="0" g="0" b="0"/>
-      </a:lnRef>
-      <a:fillRef idx="1">
-        <a:scrgbClr r="0" g="0" b="0"/>
-      </a:fillRef>
-      <a:effectRef idx="0">
-        <a:scrgbClr r="0" g="0" b="0"/>
-      </a:effectRef>
-      <a:fontRef idx="minor">
-        <a:schemeClr val="lt1"/>
-      </a:fontRef>
-    </dgm:style>
-  </dgm:styleLbl>
-  <dgm:styleLbl name="asst4">
-    <dgm:scene3d>
-      <a:camera prst="orthographicFront"/>
-      <a:lightRig rig="threePt" dir="t"/>
-    </dgm:scene3d>
-    <dgm:sp3d/>
-    <dgm:txPr/>
-    <dgm:style>
-      <a:lnRef idx="2">
-        <a:scrgbClr r="0" g="0" b="0"/>
-      </a:lnRef>
-      <a:fillRef idx="1">
-        <a:scrgbClr r="0" g="0" b="0"/>
-      </a:fillRef>
-      <a:effectRef idx="0">
-        <a:scrgbClr r="0" g="0" b="0"/>
-      </a:effectRef>
-      <a:fontRef idx="minor">
-        <a:schemeClr val="lt1"/>
-      </a:fontRef>
-    </dgm:style>
-  </dgm:styleLbl>
-  <dgm:styleLbl name="parChTrans2D1">
-    <dgm:scene3d>
-      <a:camera prst="orthographicFront"/>
-      <a:lightRig rig="threePt" dir="t"/>
-    </dgm:scene3d>
-    <dgm:sp3d/>
-    <dgm:txPr/>
-    <dgm:style>
-      <a:lnRef idx="2">
-        <a:scrgbClr r="0" g="0" b="0"/>
-      </a:lnRef>
-      <a:fillRef idx="1">
-        <a:scrgbClr r="0" g="0" b="0"/>
-      </a:fillRef>
-      <a:effectRef idx="0">
-        <a:scrgbClr r="0" g="0" b="0"/>
-      </a:effectRef>
-      <a:fontRef idx="minor">
-        <a:schemeClr val="lt1"/>
-      </a:fontRef>
-    </dgm:style>
-  </dgm:styleLbl>
-  <dgm:styleLbl name="parChTrans2D2">
-    <dgm:scene3d>
-      <a:camera prst="orthographicFront"/>
-      <a:lightRig rig="threePt" dir="t"/>
-    </dgm:scene3d>
-    <dgm:sp3d/>
-    <dgm:txPr/>
-    <dgm:style>
-      <a:lnRef idx="2">
-        <a:scrgbClr r="0" g="0" b="0"/>
-      </a:lnRef>
-      <a:fillRef idx="1">
-        <a:scrgbClr r="0" g="0" b="0"/>
-      </a:fillRef>
-      <a:effectRef idx="0">
-        <a:scrgbClr r="0" g="0" b="0"/>
-      </a:effectRef>
-      <a:fontRef idx="minor">
-        <a:schemeClr val="lt1"/>
-      </a:fontRef>
-    </dgm:style>
-  </dgm:styleLbl>
-  <dgm:styleLbl name="parChTrans2D3">
-    <dgm:scene3d>
-      <a:camera prst="orthographicFront"/>
-      <a:lightRig rig="threePt" dir="t"/>
-    </dgm:scene3d>
-    <dgm:sp3d/>
-    <dgm:txPr/>
-    <dgm:style>
-      <a:lnRef idx="2">
-        <a:scrgbClr r="0" g="0" b="0"/>
-      </a:lnRef>
-      <a:fillRef idx="1">
-        <a:scrgbClr r="0" g="0" b="0"/>
-      </a:fillRef>
-      <a:effectRef idx="0">
-        <a:scrgbClr r="0" g="0" b="0"/>
-      </a:effectRef>
-      <a:fontRef idx="minor">
-        <a:schemeClr val="lt1"/>
-      </a:fontRef>
-    </dgm:style>
-  </dgm:styleLbl>
-  <dgm:styleLbl name="parChTrans2D4">
-    <dgm:scene3d>
-      <a:camera prst="orthographicFront"/>
-      <a:lightRig rig="threePt" dir="t"/>
-    </dgm:scene3d>
-    <dgm:sp3d/>
-    <dgm:txPr/>
-    <dgm:style>
-      <a:lnRef idx="2">
-        <a:scrgbClr r="0" g="0" b="0"/>
-      </a:lnRef>
-      <a:fillRef idx="1">
-        <a:scrgbClr r="0" g="0" b="0"/>
-      </a:fillRef>
-      <a:effectRef idx="0">
-        <a:scrgbClr r="0" g="0" b="0"/>
-      </a:effectRef>
-      <a:fontRef idx="minor">
-        <a:schemeClr val="lt1"/>
-      </a:fontRef>
-    </dgm:style>
-  </dgm:styleLbl>
-  <dgm:styleLbl name="parChTrans1D1">
-    <dgm:scene3d>
-      <a:camera prst="orthographicFront"/>
-      <a:lightRig rig="threePt" dir="t"/>
-    </dgm:scene3d>
-    <dgm:sp3d/>
-    <dgm:txPr/>
-    <dgm:style>
-      <a:lnRef idx="2">
-        <a:scrgbClr r="0" g="0" b="0"/>
-      </a:lnRef>
-      <a:fillRef idx="0">
-        <a:scrgbClr r="0" g="0" b="0"/>
-      </a:fillRef>
-      <a:effectRef idx="0">
-        <a:scrgbClr r="0" g="0" b="0"/>
-      </a:effectRef>
-      <a:fontRef idx="minor"/>
-    </dgm:style>
-  </dgm:styleLbl>
-  <dgm:styleLbl name="parChTrans1D2">
-    <dgm:scene3d>
-      <a:camera prst="orthographicFront"/>
-      <a:lightRig rig="threePt" dir="t"/>
-    </dgm:scene3d>
-    <dgm:sp3d/>
-    <dgm:txPr/>
-    <dgm:style>
-      <a:lnRef idx="2">
-        <a:scrgbClr r="0" g="0" b="0"/>
-      </a:lnRef>
-      <a:fillRef idx="0">
-        <a:scrgbClr r="0" g="0" b="0"/>
-      </a:fillRef>
-      <a:effectRef idx="0">
-        <a:scrgbClr r="0" g="0" b="0"/>
-      </a:effectRef>
-      <a:fontRef idx="minor"/>
-    </dgm:style>
-  </dgm:styleLbl>
-  <dgm:styleLbl name="parChTrans1D3">
-    <dgm:scene3d>
-      <a:camera prst="orthographicFront"/>
-      <a:lightRig rig="threePt" dir="t"/>
-    </dgm:scene3d>
-    <dgm:sp3d/>
-    <dgm:txPr/>
-    <dgm:style>
-      <a:lnRef idx="2">
-        <a:scrgbClr r="0" g="0" b="0"/>
-      </a:lnRef>
-      <a:fillRef idx="0">
-        <a:scrgbClr r="0" g="0" b="0"/>
-      </a:fillRef>
-      <a:effectRef idx="0">
-        <a:scrgbClr r="0" g="0" b="0"/>
-      </a:effectRef>
-      <a:fontRef idx="minor"/>
-    </dgm:style>
-  </dgm:styleLbl>
-  <dgm:styleLbl name="parChTrans1D4">
-    <dgm:scene3d>
-      <a:camera prst="orthographicFront"/>
-      <a:lightRig rig="threePt" dir="t"/>
-    </dgm:scene3d>
-    <dgm:sp3d/>
-    <dgm:txPr/>
-    <dgm:style>
-      <a:lnRef idx="2">
-        <a:scrgbClr r="0" g="0" b="0"/>
-      </a:lnRef>
-      <a:fillRef idx="0">
-        <a:scrgbClr r="0" g="0" b="0"/>
-      </a:fillRef>
-      <a:effectRef idx="0">
-        <a:scrgbClr r="0" g="0" b="0"/>
-      </a:effectRef>
-      <a:fontRef idx="minor"/>
-    </dgm:style>
-  </dgm:styleLbl>
-  <dgm:styleLbl name="fgAcc1">
-    <dgm:scene3d>
-      <a:camera prst="orthographicFront"/>
-      <a:lightRig rig="threePt" dir="t"/>
-    </dgm:scene3d>
-    <dgm:sp3d/>
-    <dgm:txPr/>
-    <dgm:style>
-      <a:lnRef idx="2">
-        <a:scrgbClr r="0" g="0" b="0"/>
-      </a:lnRef>
-      <a:fillRef idx="1">
-        <a:scrgbClr r="0" g="0" b="0"/>
-      </a:fillRef>
-      <a:effectRef idx="0">
-        <a:scrgbClr r="0" g="0" b="0"/>
-      </a:effectRef>
-      <a:fontRef idx="minor"/>
-    </dgm:style>
-  </dgm:styleLbl>
-  <dgm:styleLbl name="conFgAcc1">
-    <dgm:scene3d>
-      <a:camera prst="orthographicFront"/>
-      <a:lightRig rig="threePt" dir="t"/>
-    </dgm:scene3d>
-    <dgm:sp3d/>
-    <dgm:txPr/>
-    <dgm:style>
-      <a:lnRef idx="2">
-        <a:scrgbClr r="0" g="0" b="0"/>
-      </a:lnRef>
-      <a:fillRef idx="1">
-        <a:scrgbClr r="0" g="0" b="0"/>
-      </a:fillRef>
-      <a:effectRef idx="0">
-        <a:scrgbClr r="0" g="0" b="0"/>
-      </a:effectRef>
-      <a:fontRef idx="minor"/>
-    </dgm:style>
-  </dgm:styleLbl>
-  <dgm:styleLbl name="alignAcc1">
-    <dgm:scene3d>
-      <a:camera prst="orthographicFront"/>
-      <a:lightRig rig="threePt" dir="t"/>
-    </dgm:scene3d>
-    <dgm:sp3d/>
-    <dgm:txPr/>
-    <dgm:style>
-      <a:lnRef idx="2">
-        <a:scrgbClr r="0" g="0" b="0"/>
-      </a:lnRef>
-      <a:fillRef idx="1">
-        <a:scrgbClr r="0" g="0" b="0"/>
-      </a:fillRef>
-      <a:effectRef idx="0">
-        <a:scrgbClr r="0" g="0" b="0"/>
-      </a:effectRef>
-      <a:fontRef idx="minor"/>
-    </dgm:style>
-  </dgm:styleLbl>
-  <dgm:styleLbl name="trAlignAcc1">
-    <dgm:scene3d>
-      <a:camera prst="orthographicFront"/>
-      <a:lightRig rig="threePt" dir="t"/>
-    </dgm:scene3d>
-    <dgm:sp3d/>
-    <dgm:txPr/>
-    <dgm:style>
-      <a:lnRef idx="1">
-        <a:scrgbClr r="0" g="0" b="0"/>
-      </a:lnRef>
-      <a:fillRef idx="1">
-        <a:scrgbClr r="0" g="0" b="0"/>
-      </a:fillRef>
-      <a:effectRef idx="0">
-        <a:scrgbClr r="0" g="0" b="0"/>
-      </a:effectRef>
-      <a:fontRef idx="minor"/>
-    </dgm:style>
-  </dgm:styleLbl>
-  <dgm:styleLbl name="bgAcc1">
-    <dgm:scene3d>
-      <a:camera prst="orthographicFront"/>
-      <a:lightRig rig="threePt" dir="t"/>
-    </dgm:scene3d>
-    <dgm:sp3d/>
-    <dgm:txPr/>
-    <dgm:style>
-      <a:lnRef idx="2">
-        <a:scrgbClr r="0" g="0" b="0"/>
-      </a:lnRef>
-      <a:fillRef idx="1">
-        <a:scrgbClr r="0" g="0" b="0"/>
-      </a:fillRef>
-      <a:effectRef idx="0">
-        <a:scrgbClr r="0" g="0" b="0"/>
-      </a:effectRef>
-      <a:fontRef idx="minor"/>
-    </dgm:style>
-  </dgm:styleLbl>
-  <dgm:styleLbl name="solidFgAcc1">
-    <dgm:scene3d>
-      <a:camera prst="orthographicFront"/>
-      <a:lightRig rig="threePt" dir="t"/>
-    </dgm:scene3d>
-    <dgm:sp3d/>
-    <dgm:txPr/>
-    <dgm:style>
-      <a:lnRef idx="2">
-        <a:scrgbClr r="0" g="0" b="0"/>
-      </a:lnRef>
-      <a:fillRef idx="1">
-        <a:scrgbClr r="0" g="0" b="0"/>
-      </a:fillRef>
-      <a:effectRef idx="0">
-        <a:scrgbClr r="0" g="0" b="0"/>
-      </a:effectRef>
-      <a:fontRef idx="minor"/>
-    </dgm:style>
-  </dgm:styleLbl>
-  <dgm:styleLbl name="solidAlignAcc1">
-    <dgm:scene3d>
-      <a:camera prst="orthographicFront"/>
-      <a:lightRig rig="threePt" dir="t"/>
-    </dgm:scene3d>
-    <dgm:sp3d/>
-    <dgm:txPr/>
-    <dgm:style>
-      <a:lnRef idx="2">
-        <a:scrgbClr r="0" g="0" b="0"/>
-      </a:lnRef>
-      <a:fillRef idx="1">
-        <a:scrgbClr r="0" g="0" b="0"/>
-      </a:fillRef>
-      <a:effectRef idx="0">
-        <a:scrgbClr r="0" g="0" b="0"/>
-      </a:effectRef>
-      <a:fontRef idx="minor"/>
-    </dgm:style>
-  </dgm:styleLbl>
-  <dgm:styleLbl name="solidBgAcc1">
-    <dgm:scene3d>
-      <a:camera prst="orthographicFront"/>
-      <a:lightRig rig="threePt" dir="t"/>
-    </dgm:scene3d>
-    <dgm:sp3d/>
-    <dgm:txPr/>
-    <dgm:style>
-      <a:lnRef idx="2">
-        <a:scrgbClr r="0" g="0" b="0"/>
-      </a:lnRef>
-      <a:fillRef idx="1">
-        <a:scrgbClr r="0" g="0" b="0"/>
-      </a:fillRef>
-      <a:effectRef idx="0">
-        <a:scrgbClr r="0" g="0" b="0"/>
-      </a:effectRef>
-      <a:fontRef idx="minor"/>
-    </dgm:style>
-  </dgm:styleLbl>
-  <dgm:styleLbl name="fgAccFollowNode1">
-    <dgm:scene3d>
-      <a:camera prst="orthographicFront"/>
-      <a:lightRig rig="threePt" dir="t"/>
-    </dgm:scene3d>
-    <dgm:sp3d/>
-    <dgm:txPr/>
-    <dgm:style>
-      <a:lnRef idx="2">
-        <a:scrgbClr r="0" g="0" b="0"/>
-      </a:lnRef>
-      <a:fillRef idx="1">
-        <a:scrgbClr r="0" g="0" b="0"/>
-      </a:fillRef>
-      <a:effectRef idx="0">
-        <a:scrgbClr r="0" g="0" b="0"/>
-      </a:effectRef>
-      <a:fontRef idx="minor"/>
-    </dgm:style>
-  </dgm:styleLbl>
-  <dgm:styleLbl name="alignAccFollowNode1">
-    <dgm:scene3d>
-      <a:camera prst="orthographicFront"/>
-      <a:lightRig rig="threePt" dir="t"/>
-    </dgm:scene3d>
-    <dgm:sp3d/>
-    <dgm:txPr/>
-    <dgm:style>
-      <a:lnRef idx="2">
-        <a:scrgbClr r="0" g="0" b="0"/>
-      </a:lnRef>
-      <a:fillRef idx="1">
-        <a:scrgbClr r="0" g="0" b="0"/>
-      </a:fillRef>
-      <a:effectRef idx="0">
-        <a:scrgbClr r="0" g="0" b="0"/>
-      </a:effectRef>
-      <a:fontRef idx="minor"/>
-    </dgm:style>
-  </dgm:styleLbl>
-  <dgm:styleLbl name="bgAccFollowNode1">
-    <dgm:scene3d>
-      <a:camera prst="orthographicFront"/>
-      <a:lightRig rig="threePt" dir="t"/>
-    </dgm:scene3d>
-    <dgm:sp3d/>
-    <dgm:txPr/>
-    <dgm:style>
-      <a:lnRef idx="2">
-        <a:scrgbClr r="0" g="0" b="0"/>
-      </a:lnRef>
-      <a:fillRef idx="1">
-        <a:scrgbClr r="0" g="0" b="0"/>
-      </a:fillRef>
-      <a:effectRef idx="0">
-        <a:scrgbClr r="0" g="0" b="0"/>
-      </a:effectRef>
-      <a:fontRef idx="minor"/>
-    </dgm:style>
-  </dgm:styleLbl>
-  <dgm:styleLbl name="fgAcc0">
-    <dgm:scene3d>
-      <a:camera prst="orthographicFront"/>
-      <a:lightRig rig="threePt" dir="t"/>
-    </dgm:scene3d>
-    <dgm:sp3d/>
-    <dgm:txPr/>
-    <dgm:style>
-      <a:lnRef idx="2">
-        <a:scrgbClr r="0" g="0" b="0"/>
-      </a:lnRef>
-      <a:fillRef idx="1">
-        <a:scrgbClr r="0" g="0" b="0"/>
-      </a:fillRef>
-      <a:effectRef idx="0">
-        <a:scrgbClr r="0" g="0" b="0"/>
-      </a:effectRef>
-      <a:fontRef idx="minor"/>
-    </dgm:style>
-  </dgm:styleLbl>
-  <dgm:styleLbl name="fgAcc2">
-    <dgm:scene3d>
-      <a:camera prst="orthographicFront"/>
-      <a:lightRig rig="threePt" dir="t"/>
-    </dgm:scene3d>
-    <dgm:sp3d/>
-    <dgm:txPr/>
-    <dgm:style>
-      <a:lnRef idx="2">
-        <a:scrgbClr r="0" g="0" b="0"/>
-      </a:lnRef>
-      <a:fillRef idx="1">
-        <a:scrgbClr r="0" g="0" b="0"/>
-      </a:fillRef>
-      <a:effectRef idx="0">
-        <a:scrgbClr r="0" g="0" b="0"/>
-      </a:effectRef>
-      <a:fontRef idx="minor"/>
-    </dgm:style>
-  </dgm:styleLbl>
-  <dgm:styleLbl name="fgAcc3">
-    <dgm:scene3d>
-      <a:camera prst="orthographicFront"/>
-      <a:lightRig rig="threePt" dir="t"/>
-    </dgm:scene3d>
-    <dgm:sp3d/>
-    <dgm:txPr/>
-    <dgm:style>
-      <a:lnRef idx="2">
-        <a:scrgbClr r="0" g="0" b="0"/>
-      </a:lnRef>
-      <a:fillRef idx="1">
-        <a:scrgbClr r="0" g="0" b="0"/>
-      </a:fillRef>
-      <a:effectRef idx="0">
-        <a:scrgbClr r="0" g="0" b="0"/>
-      </a:effectRef>
-      <a:fontRef idx="minor"/>
-    </dgm:style>
-  </dgm:styleLbl>
-  <dgm:styleLbl name="fgAcc4">
-    <dgm:scene3d>
-      <a:camera prst="orthographicFront"/>
-      <a:lightRig rig="threePt" dir="t"/>
-    </dgm:scene3d>
-    <dgm:sp3d/>
-    <dgm:txPr/>
-    <dgm:style>
-      <a:lnRef idx="2">
-        <a:scrgbClr r="0" g="0" b="0"/>
-      </a:lnRef>
-      <a:fillRef idx="1">
-        <a:scrgbClr r="0" g="0" b="0"/>
-      </a:fillRef>
-      <a:effectRef idx="0">
-        <a:scrgbClr r="0" g="0" b="0"/>
-      </a:effectRef>
-      <a:fontRef idx="minor"/>
-    </dgm:style>
-  </dgm:styleLbl>
-  <dgm:styleLbl name="bgShp">
-    <dgm:scene3d>
-      <a:camera prst="orthographicFront"/>
-      <a:lightRig rig="threePt" dir="t"/>
-    </dgm:scene3d>
-    <dgm:sp3d/>
-    <dgm:txPr/>
-    <dgm:style>
-      <a:lnRef idx="0">
-        <a:scrgbClr r="0" g="0" b="0"/>
-      </a:lnRef>
-      <a:fillRef idx="1">
-        <a:scrgbClr r="0" g="0" b="0"/>
-      </a:fillRef>
-      <a:effectRef idx="0">
-        <a:scrgbClr r="0" g="0" b="0"/>
-      </a:effectRef>
-      <a:fontRef idx="minor"/>
-    </dgm:style>
-  </dgm:styleLbl>
-  <dgm:styleLbl name="dkBgShp">
-    <dgm:scene3d>
-      <a:camera prst="orthographicFront"/>
-      <a:lightRig rig="threePt" dir="t"/>
-    </dgm:scene3d>
-    <dgm:sp3d/>
-    <dgm:txPr/>
-    <dgm:style>
-      <a:lnRef idx="0">
-        <a:scrgbClr r="0" g="0" b="0"/>
-      </a:lnRef>
-      <a:fillRef idx="1">
-        <a:scrgbClr r="0" g="0" b="0"/>
-      </a:fillRef>
-      <a:effectRef idx="0">
-        <a:scrgbClr r="0" g="0" b="0"/>
-      </a:effectRef>
-      <a:fontRef idx="minor"/>
-    </dgm:style>
-  </dgm:styleLbl>
-  <dgm:styleLbl name="trBgShp">
-    <dgm:scene3d>
-      <a:camera prst="orthographicFront"/>
-      <a:lightRig rig="threePt" dir="t"/>
-    </dgm:scene3d>
-    <dgm:sp3d/>
-    <dgm:txPr/>
-    <dgm:style>
-      <a:lnRef idx="0">
-        <a:scrgbClr r="0" g="0" b="0"/>
-      </a:lnRef>
-      <a:fillRef idx="1">
-        <a:scrgbClr r="0" g="0" b="0"/>
-      </a:fillRef>
-      <a:effectRef idx="0">
-        <a:scrgbClr r="0" g="0" b="0"/>
-      </a:effectRef>
-      <a:fontRef idx="minor"/>
-    </dgm:style>
-  </dgm:styleLbl>
-  <dgm:styleLbl name="fgShp">
-    <dgm:scene3d>
-      <a:camera prst="orthographicFront"/>
-      <a:lightRig rig="threePt" dir="t"/>
-    </dgm:scene3d>
-    <dgm:sp3d/>
-    <dgm:txPr/>
-    <dgm:style>
-      <a:lnRef idx="2">
-        <a:scrgbClr r="0" g="0" b="0"/>
-      </a:lnRef>
-      <a:fillRef idx="1">
-        <a:scrgbClr r="0" g="0" b="0"/>
-      </a:fillRef>
-      <a:effectRef idx="0">
-        <a:scrgbClr r="0" g="0" b="0"/>
-      </a:effectRef>
-      <a:fontRef idx="minor"/>
-    </dgm:style>
-  </dgm:styleLbl>
-  <dgm:styleLbl name="revTx">
-    <dgm:scene3d>
-      <a:camera prst="orthographicFront"/>
-      <a:lightRig rig="threePt" dir="t"/>
-    </dgm:scene3d>
-    <dgm:sp3d/>
-    <dgm:txPr/>
-    <dgm:style>
-      <a:lnRef idx="0">
-        <a:scrgbClr r="0" g="0" b="0"/>
-      </a:lnRef>
-      <a:fillRef idx="0">
-        <a:scrgbClr r="0" g="0" b="0"/>
-      </a:fillRef>
-      <a:effectRef idx="0">
-        <a:scrgbClr r="0" g="0" b="0"/>
-      </a:effectRef>
-      <a:fontRef idx="minor"/>
-    </dgm:style>
-  </dgm:styleLbl>
-</dgm:styleDef>
-</file>
-
-<file path=ppt/diagrams/quickStyle2.xml><?xml version="1.0" encoding="utf-8"?>
 <dgm:styleDef xmlns:dgm="http://schemas.openxmlformats.org/drawingml/2006/diagram" xmlns:a="http://schemas.openxmlformats.org/drawingml/2006/main" uniqueId="urn:microsoft.com/office/officeart/2005/8/quickstyle/simple1">
   <dgm:title val=""/>
   <dgm:desc val=""/>
@@ -9878,7 +3164,7 @@
           <a:p>
             <a:fld id="{7487ADD9-2083-264C-A652-8D52D02F7E72}" type="datetimeFigureOut">
               <a:rPr lang="en-US" smtClean="0"/>
-              <a:t>5/27/2022</a:t>
+              <a:t>6/9/2022</a:t>
             </a:fld>
             <a:endParaRPr lang="en-US" dirty="0"/>
           </a:p>
@@ -11628,7 +4914,7 @@
           <a:p>
             <a:fld id="{57F82449-B6A5-43E6-80B9-ECA86D49B1C6}" type="datetime1">
               <a:rPr lang="en-US" smtClean="0"/>
-              <a:t>5/27/2022</a:t>
+              <a:t>6/9/2022</a:t>
             </a:fld>
             <a:endParaRPr lang="en-US" dirty="0"/>
           </a:p>
@@ -12512,7 +5798,7 @@
           <a:p>
             <a:fld id="{88FF4F34-CD24-41CE-92E4-1EC6F497CB40}" type="datetime1">
               <a:rPr lang="en-US" smtClean="0"/>
-              <a:t>5/27/2022</a:t>
+              <a:t>6/9/2022</a:t>
             </a:fld>
             <a:endParaRPr lang="en-US" dirty="0"/>
           </a:p>
@@ -13688,7 +6974,7 @@
           <a:p>
             <a:fld id="{BD969F7B-6869-475B-8F90-7CE2A0766DEB}" type="datetime1">
               <a:rPr lang="en-US" smtClean="0"/>
-              <a:t>5/27/2022</a:t>
+              <a:t>6/9/2022</a:t>
             </a:fld>
             <a:endParaRPr lang="en-US" dirty="0"/>
           </a:p>
@@ -15767,7 +9053,7 @@
           <a:p>
             <a:fld id="{7977AA87-4D76-473F-9823-8DC21DDB649B}" type="datetime1">
               <a:rPr lang="en-US" smtClean="0"/>
-              <a:t>5/27/2022</a:t>
+              <a:t>6/9/2022</a:t>
             </a:fld>
             <a:endParaRPr lang="en-US" dirty="0"/>
           </a:p>
@@ -16484,7 +9770,7 @@
           <a:p>
             <a:fld id="{0C0F244E-A180-448B-8531-A3D073FAF7E5}" type="datetime1">
               <a:rPr lang="en-US" smtClean="0"/>
-              <a:t>5/27/2022</a:t>
+              <a:t>6/9/2022</a:t>
             </a:fld>
             <a:endParaRPr lang="en-US" dirty="0"/>
           </a:p>
@@ -17711,7 +10997,7 @@
           <a:p>
             <a:fld id="{490181BF-69A8-4011-A356-40619487B762}" type="datetime1">
               <a:rPr lang="en-US" smtClean="0"/>
-              <a:t>5/27/2022</a:t>
+              <a:t>6/9/2022</a:t>
             </a:fld>
             <a:endParaRPr lang="en-US" dirty="0"/>
           </a:p>
@@ -18302,7 +11588,7 @@
           <a:p>
             <a:fld id="{56AD3C75-015E-4A0D-9C0E-57EF9BD03DBD}" type="datetime1">
               <a:rPr lang="en-US" smtClean="0"/>
-              <a:t>5/27/2022</a:t>
+              <a:t>6/9/2022</a:t>
             </a:fld>
             <a:endParaRPr lang="en-US" dirty="0"/>
           </a:p>
@@ -18774,7 +12060,7 @@
           <a:p>
             <a:fld id="{30BCF7B7-C57F-48D1-90D4-BA75EC37A157}" type="datetime1">
               <a:rPr lang="en-US" smtClean="0"/>
-              <a:t>5/27/2022</a:t>
+              <a:t>6/9/2022</a:t>
             </a:fld>
             <a:endParaRPr lang="en-US" dirty="0"/>
           </a:p>
@@ -19623,7 +12909,7 @@
           <a:p>
             <a:fld id="{8F1B4320-BAD2-4299-BB47-6602BB02FD1E}" type="datetime1">
               <a:rPr lang="en-US" smtClean="0"/>
-              <a:t>5/27/2022</a:t>
+              <a:t>6/9/2022</a:t>
             </a:fld>
             <a:endParaRPr lang="en-US" dirty="0"/>
           </a:p>
@@ -21847,7 +15133,7 @@
           <a:p>
             <a:fld id="{625E004C-A9F5-4769-825A-C8BEB7A1099A}" type="datetime1">
               <a:rPr lang="en-US" smtClean="0"/>
-              <a:t>5/27/2022</a:t>
+              <a:t>6/9/2022</a:t>
             </a:fld>
             <a:endParaRPr lang="en-US" dirty="0"/>
           </a:p>
@@ -22115,7 +15401,7 @@
           <a:p>
             <a:fld id="{DC0DEDDA-D756-4F9F-9F07-D81F0BF429F9}" type="datetime1">
               <a:rPr lang="en-US" smtClean="0"/>
-              <a:t>5/27/2022</a:t>
+              <a:t>6/9/2022</a:t>
             </a:fld>
             <a:endParaRPr lang="en-US" dirty="0"/>
           </a:p>
@@ -22728,7 +16014,7 @@
           <p:cNvPr id="2" name="Title 1">
             <a:extLst>
               <a:ext uri="{FF2B5EF4-FFF2-40B4-BE49-F238E27FC236}">
-                <a16:creationId xmlns:a16="http://schemas.microsoft.com/office/drawing/2014/main" id="{E5F191A4-7839-4F63-B17C-7C366C59488C}"/>
+                <a16:creationId xmlns:a16="http://schemas.microsoft.com/office/drawing/2014/main" id="{630AC0FE-32A7-46B0-AE07-D6B012421EE8}"/>
               </a:ext>
             </a:extLst>
           </p:cNvPr>
@@ -22739,29 +16025,25 @@
             <p:ph type="title"/>
           </p:nvPr>
         </p:nvSpPr>
-        <p:spPr>
-          <a:xfrm>
-            <a:off x="965786" y="199336"/>
-            <a:ext cx="9779183" cy="1325563"/>
-          </a:xfrm>
-        </p:spPr>
+        <p:spPr/>
         <p:txBody>
           <a:bodyPr/>
           <a:lstStyle/>
           <a:p>
             <a:r>
               <a:rPr lang="en-US" dirty="0"/>
-              <a:t>How do we get there</a:t>
-            </a:r>
-          </a:p>
-        </p:txBody>
-      </p:sp>
-      <p:sp>
-        <p:nvSpPr>
-          <p:cNvPr id="9" name="Content Placeholder 8">
-            <a:extLst>
-              <a:ext uri="{FF2B5EF4-FFF2-40B4-BE49-F238E27FC236}">
-                <a16:creationId xmlns:a16="http://schemas.microsoft.com/office/drawing/2014/main" id="{472FA7B1-CD7F-3646-B44C-91A107A0CBEE}"/>
+              <a:t>System Requirements</a:t>
+            </a:r>
+            <a:endParaRPr lang="en-IN" dirty="0"/>
+          </a:p>
+        </p:txBody>
+      </p:sp>
+      <p:sp>
+        <p:nvSpPr>
+          <p:cNvPr id="3" name="Text Placeholder 2">
+            <a:extLst>
+              <a:ext uri="{FF2B5EF4-FFF2-40B4-BE49-F238E27FC236}">
+                <a16:creationId xmlns:a16="http://schemas.microsoft.com/office/drawing/2014/main" id="{0B3D60AF-7849-4BFF-8957-DF35CF27E01B}"/>
               </a:ext>
             </a:extLst>
           </p:cNvPr>
@@ -22769,32 +16051,42 @@
             <a:spLocks noGrp="1"/>
           </p:cNvSpPr>
           <p:nvPr>
-            <p:ph idx="11"/>
+            <p:ph type="body" idx="1"/>
           </p:nvPr>
         </p:nvSpPr>
-        <p:spPr>
-          <a:xfrm>
-            <a:off x="1167493" y="2003804"/>
-            <a:ext cx="3173278" cy="522514"/>
-          </a:xfrm>
-        </p:spPr>
+        <p:spPr/>
         <p:txBody>
           <a:bodyPr/>
           <a:lstStyle/>
           <a:p>
             <a:r>
               <a:rPr lang="en-US" dirty="0"/>
-              <a:t>Research, Sources</a:t>
-            </a:r>
-          </a:p>
-        </p:txBody>
-      </p:sp>
-      <p:sp>
-        <p:nvSpPr>
-          <p:cNvPr id="4" name="Content Placeholder 3">
-            <a:extLst>
-              <a:ext uri="{FF2B5EF4-FFF2-40B4-BE49-F238E27FC236}">
-                <a16:creationId xmlns:a16="http://schemas.microsoft.com/office/drawing/2014/main" id="{9B9ED227-95A7-4B08-91FE-5E0EF0D41D20}"/>
+              <a:t>Intel i3 or higher</a:t>
+            </a:r>
+          </a:p>
+          <a:p>
+            <a:r>
+              <a:rPr lang="en-US" dirty="0"/>
+              <a:t>Windows 7,8,10 or 11 which can run Python 3.10</a:t>
+            </a:r>
+          </a:p>
+          <a:p>
+            <a:r>
+              <a:rPr lang="en-US" dirty="0"/>
+              <a:t>System with Internet Connection</a:t>
+            </a:r>
+          </a:p>
+          <a:p>
+            <a:endParaRPr lang="en-IN" dirty="0"/>
+          </a:p>
+        </p:txBody>
+      </p:sp>
+      <p:sp>
+        <p:nvSpPr>
+          <p:cNvPr id="4" name="Slide Number Placeholder 3">
+            <a:extLst>
+              <a:ext uri="{FF2B5EF4-FFF2-40B4-BE49-F238E27FC236}">
+                <a16:creationId xmlns:a16="http://schemas.microsoft.com/office/drawing/2014/main" id="{6AA6DC0D-D99A-412C-A3E9-AAA0A7D5E927}"/>
               </a:ext>
             </a:extLst>
           </p:cNvPr>
@@ -22802,176 +16094,10 @@
             <a:spLocks noGrp="1"/>
           </p:cNvSpPr>
           <p:nvPr>
-            <p:ph idx="1"/>
+            <p:ph type="sldNum" sz="quarter" idx="12"/>
           </p:nvPr>
         </p:nvSpPr>
-        <p:spPr>
-          <a:xfrm>
-            <a:off x="1167491" y="2526318"/>
-            <a:ext cx="3218688" cy="2828613"/>
-          </a:xfrm>
-        </p:spPr>
-        <p:txBody>
-          <a:bodyPr vert="horz" lIns="91440" tIns="45720" rIns="91440" bIns="45720" rtlCol="0" anchor="t">
-            <a:noAutofit/>
-          </a:bodyPr>
-          <a:lstStyle/>
-          <a:p>
-            <a:r>
-              <a:rPr lang="en-US" dirty="0"/>
-              <a:t>We have to make use of available resources and content.</a:t>
-            </a:r>
-          </a:p>
-          <a:p>
-            <a:r>
-              <a:rPr lang="en-US" dirty="0"/>
-              <a:t>Find out the proper information required to decide the platform.</a:t>
-            </a:r>
-          </a:p>
-        </p:txBody>
-      </p:sp>
-      <p:sp>
-        <p:nvSpPr>
-          <p:cNvPr id="5" name="Content Placeholder 4">
-            <a:extLst>
-              <a:ext uri="{FF2B5EF4-FFF2-40B4-BE49-F238E27FC236}">
-                <a16:creationId xmlns:a16="http://schemas.microsoft.com/office/drawing/2014/main" id="{9C2ECAAA-1E9C-4845-8EA9-E11A76F08150}"/>
-              </a:ext>
-            </a:extLst>
-          </p:cNvPr>
-          <p:cNvSpPr>
-            <a:spLocks noGrp="1"/>
-          </p:cNvSpPr>
-          <p:nvPr>
-            <p:ph idx="10"/>
-          </p:nvPr>
-        </p:nvSpPr>
-        <p:spPr>
-          <a:xfrm>
-            <a:off x="4683787" y="2526318"/>
-            <a:ext cx="3173279" cy="2828613"/>
-          </a:xfrm>
-        </p:spPr>
-        <p:txBody>
-          <a:bodyPr vert="horz" lIns="91440" tIns="45720" rIns="91440" bIns="45720" rtlCol="0" anchor="t">
-            <a:normAutofit/>
-          </a:bodyPr>
-          <a:lstStyle/>
-          <a:p>
-            <a:r>
-              <a:rPr lang="en-US" dirty="0"/>
-              <a:t>Make use of appropriate platform for coding</a:t>
-            </a:r>
-          </a:p>
-          <a:p>
-            <a:r>
-              <a:rPr lang="en-US" dirty="0"/>
-              <a:t>Distribution of tasks, to accomplish objectives</a:t>
-            </a:r>
-          </a:p>
-          <a:p>
-            <a:r>
-              <a:rPr lang="en-US" dirty="0"/>
-              <a:t>Deciding the algorithms to be implemented</a:t>
-            </a:r>
-          </a:p>
-          <a:p>
-            <a:r>
-              <a:rPr lang="en-US" dirty="0"/>
-              <a:t>Debugging and error resolving in the code</a:t>
-            </a:r>
-          </a:p>
-          <a:p>
-            <a:endParaRPr lang="en-US" dirty="0"/>
-          </a:p>
-          <a:p>
-            <a:endParaRPr lang="en-US" dirty="0"/>
-          </a:p>
-          <a:p>
-            <a:endParaRPr lang="en-US" dirty="0"/>
-          </a:p>
-          <a:p>
-            <a:endParaRPr lang="en-US" dirty="0"/>
-          </a:p>
-        </p:txBody>
-      </p:sp>
-      <p:sp>
-        <p:nvSpPr>
-          <p:cNvPr id="11" name="Content Placeholder 10">
-            <a:extLst>
-              <a:ext uri="{FF2B5EF4-FFF2-40B4-BE49-F238E27FC236}">
-                <a16:creationId xmlns:a16="http://schemas.microsoft.com/office/drawing/2014/main" id="{48A12450-9474-8A49-BAEB-20C6F51540D5}"/>
-              </a:ext>
-            </a:extLst>
-          </p:cNvPr>
-          <p:cNvSpPr>
-            <a:spLocks noGrp="1"/>
-          </p:cNvSpPr>
-          <p:nvPr>
-            <p:ph idx="13"/>
-          </p:nvPr>
-        </p:nvSpPr>
-        <p:spPr>
-          <a:xfrm>
-            <a:off x="8200082" y="2526318"/>
-            <a:ext cx="3173279" cy="2828613"/>
-          </a:xfrm>
-        </p:spPr>
-        <p:txBody>
-          <a:bodyPr/>
-          <a:lstStyle/>
-          <a:p>
-            <a:r>
-              <a:rPr lang="en-US" dirty="0"/>
-              <a:t>Delivering the Presentation</a:t>
-            </a:r>
-          </a:p>
-          <a:p>
-            <a:r>
-              <a:rPr lang="en-US" dirty="0"/>
-              <a:t>Synopsis</a:t>
-            </a:r>
-          </a:p>
-          <a:p>
-            <a:r>
-              <a:rPr lang="en-US" dirty="0"/>
-              <a:t>Final Code</a:t>
-            </a:r>
-          </a:p>
-          <a:p>
-            <a:r>
-              <a:rPr lang="en-US" dirty="0" err="1"/>
-              <a:t>Feeedback</a:t>
-            </a:r>
-            <a:endParaRPr lang="en-US" dirty="0"/>
-          </a:p>
-          <a:p>
-            <a:endParaRPr lang="en-US" dirty="0"/>
-          </a:p>
-        </p:txBody>
-      </p:sp>
-      <p:sp>
-        <p:nvSpPr>
-          <p:cNvPr id="8" name="Slide Number Placeholder 7">
-            <a:extLst>
-              <a:ext uri="{FF2B5EF4-FFF2-40B4-BE49-F238E27FC236}">
-                <a16:creationId xmlns:a16="http://schemas.microsoft.com/office/drawing/2014/main" id="{B609FC03-B5BE-D846-993A-8E351C9509F3}"/>
-              </a:ext>
-            </a:extLst>
-          </p:cNvPr>
-          <p:cNvSpPr>
-            <a:spLocks noGrp="1"/>
-          </p:cNvSpPr>
-          <p:nvPr>
-            <p:ph type="sldNum" sz="quarter" idx="4"/>
-          </p:nvPr>
-        </p:nvSpPr>
-        <p:spPr>
-          <a:xfrm>
-            <a:off x="10153276" y="6356350"/>
-            <a:ext cx="1657723" cy="365125"/>
-          </a:xfrm>
-        </p:spPr>
+        <p:spPr/>
         <p:txBody>
           <a:bodyPr/>
           <a:lstStyle/>
@@ -22985,74 +16111,10 @@
           </a:p>
         </p:txBody>
       </p:sp>
-      <p:sp>
-        <p:nvSpPr>
-          <p:cNvPr id="12" name="Content Placeholder 11">
-            <a:extLst>
-              <a:ext uri="{FF2B5EF4-FFF2-40B4-BE49-F238E27FC236}">
-                <a16:creationId xmlns:a16="http://schemas.microsoft.com/office/drawing/2014/main" id="{6B5DC0D8-5FB6-4505-89C9-56B16877B325}"/>
-              </a:ext>
-            </a:extLst>
-          </p:cNvPr>
-          <p:cNvSpPr>
-            <a:spLocks noGrp="1"/>
-          </p:cNvSpPr>
-          <p:nvPr>
-            <p:ph idx="12"/>
-          </p:nvPr>
-        </p:nvSpPr>
-        <p:spPr/>
-        <p:txBody>
-          <a:bodyPr/>
-          <a:lstStyle/>
-          <a:p>
-            <a:r>
-              <a:rPr lang="en-US" dirty="0"/>
-              <a:t>Coding</a:t>
-            </a:r>
-          </a:p>
-          <a:p>
-            <a:endParaRPr lang="en-IN" dirty="0"/>
-          </a:p>
-        </p:txBody>
-      </p:sp>
-      <p:sp>
-        <p:nvSpPr>
-          <p:cNvPr id="14" name="Content Placeholder 9">
-            <a:extLst>
-              <a:ext uri="{FF2B5EF4-FFF2-40B4-BE49-F238E27FC236}">
-                <a16:creationId xmlns:a16="http://schemas.microsoft.com/office/drawing/2014/main" id="{759C24EE-EAE2-4243-BA05-9F62E24B434D}"/>
-              </a:ext>
-            </a:extLst>
-          </p:cNvPr>
-          <p:cNvSpPr>
-            <a:spLocks noGrp="1"/>
-          </p:cNvSpPr>
-          <p:nvPr>
-            <p:ph idx="14"/>
-          </p:nvPr>
-        </p:nvSpPr>
-        <p:spPr>
-          <a:xfrm>
-            <a:off x="8199438" y="2003425"/>
-            <a:ext cx="3173412" cy="522288"/>
-          </a:xfrm>
-        </p:spPr>
-        <p:txBody>
-          <a:bodyPr/>
-          <a:lstStyle/>
-          <a:p>
-            <a:r>
-              <a:rPr lang="en-US" dirty="0"/>
-              <a:t>Completion 	</a:t>
-            </a:r>
-          </a:p>
-        </p:txBody>
-      </p:sp>
     </p:spTree>
     <p:extLst>
       <p:ext uri="{BB962C8B-B14F-4D97-AF65-F5344CB8AC3E}">
-        <p14:creationId xmlns:p14="http://schemas.microsoft.com/office/powerpoint/2010/main" val="2721508595"/>
+        <p14:creationId xmlns:p14="http://schemas.microsoft.com/office/powerpoint/2010/main" val="665861230"/>
       </p:ext>
     </p:extLst>
   </p:cSld>
@@ -23084,7 +16146,7 @@
           <p:cNvPr id="2" name="Title 1">
             <a:extLst>
               <a:ext uri="{FF2B5EF4-FFF2-40B4-BE49-F238E27FC236}">
-                <a16:creationId xmlns:a16="http://schemas.microsoft.com/office/drawing/2014/main" id="{630AC0FE-32A7-46B0-AE07-D6B012421EE8}"/>
+                <a16:creationId xmlns:a16="http://schemas.microsoft.com/office/drawing/2014/main" id="{3637CEE6-CBE9-B109-69C3-8BB5A7FB3922}"/>
               </a:ext>
             </a:extLst>
           </p:cNvPr>
@@ -23101,10 +16163,9 @@
           <a:lstStyle/>
           <a:p>
             <a:r>
-              <a:rPr lang="en-US" dirty="0"/>
-              <a:t>System Requirements</a:t>
-            </a:r>
-            <a:endParaRPr lang="en-IN" dirty="0"/>
+              <a:rPr lang="en-IN" dirty="0"/>
+              <a:t>Results</a:t>
+            </a:r>
           </a:p>
         </p:txBody>
       </p:sp>
@@ -23113,7 +16174,7 @@
           <p:cNvPr id="3" name="Text Placeholder 2">
             <a:extLst>
               <a:ext uri="{FF2B5EF4-FFF2-40B4-BE49-F238E27FC236}">
-                <a16:creationId xmlns:a16="http://schemas.microsoft.com/office/drawing/2014/main" id="{0B3D60AF-7849-4BFF-8957-DF35CF27E01B}"/>
+                <a16:creationId xmlns:a16="http://schemas.microsoft.com/office/drawing/2014/main" id="{B35DF784-AEE2-1F3A-5D6A-3769426D5CDA}"/>
               </a:ext>
             </a:extLst>
           </p:cNvPr>
@@ -23129,24 +16190,6 @@
           <a:bodyPr/>
           <a:lstStyle/>
           <a:p>
-            <a:r>
-              <a:rPr lang="en-US" dirty="0"/>
-              <a:t>Intel i3 or higher</a:t>
-            </a:r>
-          </a:p>
-          <a:p>
-            <a:r>
-              <a:rPr lang="en-US" dirty="0"/>
-              <a:t>Windows 7,8,10 or 11 which can run Python 3.10</a:t>
-            </a:r>
-          </a:p>
-          <a:p>
-            <a:r>
-              <a:rPr lang="en-US" dirty="0"/>
-              <a:t>System with Internet Connection</a:t>
-            </a:r>
-          </a:p>
-          <a:p>
             <a:endParaRPr lang="en-IN" dirty="0"/>
           </a:p>
         </p:txBody>
@@ -23156,7 +16199,7 @@
           <p:cNvPr id="4" name="Slide Number Placeholder 3">
             <a:extLst>
               <a:ext uri="{FF2B5EF4-FFF2-40B4-BE49-F238E27FC236}">
-                <a16:creationId xmlns:a16="http://schemas.microsoft.com/office/drawing/2014/main" id="{6AA6DC0D-D99A-412C-A3E9-AAA0A7D5E927}"/>
+                <a16:creationId xmlns:a16="http://schemas.microsoft.com/office/drawing/2014/main" id="{CA539997-0C3A-311A-56E8-5DDC19542564}"/>
               </a:ext>
             </a:extLst>
           </p:cNvPr>
@@ -23181,10 +16224,70 @@
           </a:p>
         </p:txBody>
       </p:sp>
+      <p:pic>
+        <p:nvPicPr>
+          <p:cNvPr id="6" name="Picture 5">
+            <a:extLst>
+              <a:ext uri="{FF2B5EF4-FFF2-40B4-BE49-F238E27FC236}">
+                <a16:creationId xmlns:a16="http://schemas.microsoft.com/office/drawing/2014/main" id="{543D2DF3-23F5-E95D-E130-AB63B86DEA7B}"/>
+              </a:ext>
+            </a:extLst>
+          </p:cNvPr>
+          <p:cNvPicPr>
+            <a:picLocks noChangeAspect="1"/>
+          </p:cNvPicPr>
+          <p:nvPr/>
+        </p:nvPicPr>
+        <p:blipFill>
+          <a:blip r:embed="rId2"/>
+          <a:stretch>
+            <a:fillRect/>
+          </a:stretch>
+        </p:blipFill>
+        <p:spPr>
+          <a:xfrm>
+            <a:off x="199202" y="1950527"/>
+            <a:ext cx="5896798" cy="3591426"/>
+          </a:xfrm>
+          <a:prstGeom prst="rect">
+            <a:avLst/>
+          </a:prstGeom>
+        </p:spPr>
+      </p:pic>
+      <p:pic>
+        <p:nvPicPr>
+          <p:cNvPr id="8" name="Picture 7">
+            <a:extLst>
+              <a:ext uri="{FF2B5EF4-FFF2-40B4-BE49-F238E27FC236}">
+                <a16:creationId xmlns:a16="http://schemas.microsoft.com/office/drawing/2014/main" id="{49E53A37-527D-8EE6-5B57-F8EE08BAF152}"/>
+              </a:ext>
+            </a:extLst>
+          </p:cNvPr>
+          <p:cNvPicPr>
+            <a:picLocks noChangeAspect="1"/>
+          </p:cNvPicPr>
+          <p:nvPr/>
+        </p:nvPicPr>
+        <p:blipFill>
+          <a:blip r:embed="rId3"/>
+          <a:stretch>
+            <a:fillRect/>
+          </a:stretch>
+        </p:blipFill>
+        <p:spPr>
+          <a:xfrm>
+            <a:off x="6229369" y="1998158"/>
+            <a:ext cx="5763429" cy="3496163"/>
+          </a:xfrm>
+          <a:prstGeom prst="rect">
+            <a:avLst/>
+          </a:prstGeom>
+        </p:spPr>
+      </p:pic>
     </p:spTree>
     <p:extLst>
       <p:ext uri="{BB962C8B-B14F-4D97-AF65-F5344CB8AC3E}">
-        <p14:creationId xmlns:p14="http://schemas.microsoft.com/office/powerpoint/2010/main" val="665861230"/>
+        <p14:creationId xmlns:p14="http://schemas.microsoft.com/office/powerpoint/2010/main" val="1223166382"/>
       </p:ext>
     </p:extLst>
   </p:cSld>
@@ -23213,10 +16316,10 @@
       </p:grpSpPr>
       <p:sp>
         <p:nvSpPr>
-          <p:cNvPr id="3" name="Title 2">
-            <a:extLst>
-              <a:ext uri="{FF2B5EF4-FFF2-40B4-BE49-F238E27FC236}">
-                <a16:creationId xmlns:a16="http://schemas.microsoft.com/office/drawing/2014/main" id="{C55E2E3E-148D-4BE4-88A4-447C4BC35E68}"/>
+          <p:cNvPr id="2" name="Title 1">
+            <a:extLst>
+              <a:ext uri="{FF2B5EF4-FFF2-40B4-BE49-F238E27FC236}">
+                <a16:creationId xmlns:a16="http://schemas.microsoft.com/office/drawing/2014/main" id="{E283631D-C964-8341-F7B4-4B97DE195C6B}"/>
               </a:ext>
             </a:extLst>
           </p:cNvPr>
@@ -23232,47 +16335,16 @@
           <a:bodyPr/>
           <a:lstStyle/>
           <a:p>
-            <a:r>
-              <a:rPr lang="en-US" dirty="0"/>
-              <a:t>Timeline </a:t>
-            </a:r>
-          </a:p>
-        </p:txBody>
-      </p:sp>
-      <p:graphicFrame>
-        <p:nvGraphicFramePr>
-          <p:cNvPr id="2" name="Diagram 2" descr="SmartArt graphic">
-            <a:extLst>
-              <a:ext uri="{FF2B5EF4-FFF2-40B4-BE49-F238E27FC236}">
-                <a16:creationId xmlns:a16="http://schemas.microsoft.com/office/drawing/2014/main" id="{364D30CB-C02F-4FE1-9E72-11B75FF74851}"/>
-              </a:ext>
-            </a:extLst>
-          </p:cNvPr>
-          <p:cNvGraphicFramePr/>
-          <p:nvPr>
-            <p:extLst>
-              <p:ext uri="{D42A27DB-BD31-4B8C-83A1-F6EECF244321}">
-                <p14:modId xmlns:p14="http://schemas.microsoft.com/office/powerpoint/2010/main" val="1368551067"/>
-              </p:ext>
-            </p:extLst>
-          </p:nvPr>
-        </p:nvGraphicFramePr>
-        <p:xfrm>
-          <a:off x="1245325" y="1688808"/>
-          <a:ext cx="9779182" cy="4363008"/>
-        </p:xfrm>
-        <a:graphic>
-          <a:graphicData uri="http://schemas.openxmlformats.org/drawingml/2006/diagram">
-            <dgm:relIds xmlns:dgm="http://schemas.openxmlformats.org/drawingml/2006/diagram" xmlns:r="http://schemas.openxmlformats.org/officeDocument/2006/relationships" r:dm="rId2" r:lo="rId3" r:qs="rId4" r:cs="rId5"/>
-          </a:graphicData>
-        </a:graphic>
-      </p:graphicFrame>
-      <p:sp>
-        <p:nvSpPr>
-          <p:cNvPr id="6" name="Slide Number Placeholder 5">
-            <a:extLst>
-              <a:ext uri="{FF2B5EF4-FFF2-40B4-BE49-F238E27FC236}">
-                <a16:creationId xmlns:a16="http://schemas.microsoft.com/office/drawing/2014/main" id="{280037C3-0E79-CD4B-92A9-5B5F9E74A60B}"/>
+            <a:endParaRPr lang="en-IN"/>
+          </a:p>
+        </p:txBody>
+      </p:sp>
+      <p:sp>
+        <p:nvSpPr>
+          <p:cNvPr id="3" name="Text Placeholder 2">
+            <a:extLst>
+              <a:ext uri="{FF2B5EF4-FFF2-40B4-BE49-F238E27FC236}">
+                <a16:creationId xmlns:a16="http://schemas.microsoft.com/office/drawing/2014/main" id="{AF70FBDB-60E1-520E-7204-E9E73C41969A}"/>
               </a:ext>
             </a:extLst>
           </p:cNvPr>
@@ -23280,7 +16352,7 @@
             <a:spLocks noGrp="1"/>
           </p:cNvSpPr>
           <p:nvPr>
-            <p:ph type="sldNum" sz="quarter" idx="4"/>
+            <p:ph type="body" idx="1"/>
           </p:nvPr>
         </p:nvSpPr>
         <p:spPr/>
@@ -23288,18 +16360,132 @@
           <a:bodyPr/>
           <a:lstStyle/>
           <a:p>
+            <a:endParaRPr lang="en-IN" dirty="0"/>
+          </a:p>
+        </p:txBody>
+      </p:sp>
+      <p:sp>
+        <p:nvSpPr>
+          <p:cNvPr id="4" name="Slide Number Placeholder 3">
+            <a:extLst>
+              <a:ext uri="{FF2B5EF4-FFF2-40B4-BE49-F238E27FC236}">
+                <a16:creationId xmlns:a16="http://schemas.microsoft.com/office/drawing/2014/main" id="{F36EDF29-9F8B-094F-800D-F785895CD7EB}"/>
+              </a:ext>
+            </a:extLst>
+          </p:cNvPr>
+          <p:cNvSpPr>
+            <a:spLocks noGrp="1"/>
+          </p:cNvSpPr>
+          <p:nvPr>
+            <p:ph type="sldNum" sz="quarter" idx="12"/>
+          </p:nvPr>
+        </p:nvSpPr>
+        <p:spPr/>
+        <p:txBody>
+          <a:bodyPr/>
+          <a:lstStyle/>
+          <a:p>
             <a:fld id="{294A09A9-5501-47C1-A89A-A340965A2BE2}" type="slidenum">
               <a:rPr lang="en-US" smtClean="0"/>
+              <a:pPr/>
               <a:t>12</a:t>
             </a:fld>
             <a:endParaRPr lang="en-US" dirty="0"/>
           </a:p>
         </p:txBody>
       </p:sp>
+      <p:pic>
+        <p:nvPicPr>
+          <p:cNvPr id="6" name="Picture 5">
+            <a:extLst>
+              <a:ext uri="{FF2B5EF4-FFF2-40B4-BE49-F238E27FC236}">
+                <a16:creationId xmlns:a16="http://schemas.microsoft.com/office/drawing/2014/main" id="{8D6AFB82-B25F-15AE-DD02-22CEA37B8E83}"/>
+              </a:ext>
+            </a:extLst>
+          </p:cNvPr>
+          <p:cNvPicPr>
+            <a:picLocks noChangeAspect="1"/>
+          </p:cNvPicPr>
+          <p:nvPr/>
+        </p:nvPicPr>
+        <p:blipFill>
+          <a:blip r:embed="rId2"/>
+          <a:stretch>
+            <a:fillRect/>
+          </a:stretch>
+        </p:blipFill>
+        <p:spPr>
+          <a:xfrm>
+            <a:off x="0" y="967748"/>
+            <a:ext cx="5185736" cy="2370248"/>
+          </a:xfrm>
+          <a:prstGeom prst="rect">
+            <a:avLst/>
+          </a:prstGeom>
+        </p:spPr>
+      </p:pic>
+      <p:pic>
+        <p:nvPicPr>
+          <p:cNvPr id="8" name="Picture 7">
+            <a:extLst>
+              <a:ext uri="{FF2B5EF4-FFF2-40B4-BE49-F238E27FC236}">
+                <a16:creationId xmlns:a16="http://schemas.microsoft.com/office/drawing/2014/main" id="{5B38AED1-EA60-3455-9871-1F0D998A3CEF}"/>
+              </a:ext>
+            </a:extLst>
+          </p:cNvPr>
+          <p:cNvPicPr>
+            <a:picLocks noChangeAspect="1"/>
+          </p:cNvPicPr>
+          <p:nvPr/>
+        </p:nvPicPr>
+        <p:blipFill rotWithShape="1">
+          <a:blip r:embed="rId3"/>
+          <a:srcRect l="5097" t="5993" r="-676" b="46366"/>
+          <a:stretch/>
+        </p:blipFill>
+        <p:spPr>
+          <a:xfrm>
+            <a:off x="5591694" y="442128"/>
+            <a:ext cx="6600306" cy="3267268"/>
+          </a:xfrm>
+          <a:prstGeom prst="rect">
+            <a:avLst/>
+          </a:prstGeom>
+        </p:spPr>
+      </p:pic>
+      <p:pic>
+        <p:nvPicPr>
+          <p:cNvPr id="9" name="Picture 8">
+            <a:extLst>
+              <a:ext uri="{FF2B5EF4-FFF2-40B4-BE49-F238E27FC236}">
+                <a16:creationId xmlns:a16="http://schemas.microsoft.com/office/drawing/2014/main" id="{CCFA6F1F-7D81-824F-29C3-4D9DA89CD1CE}"/>
+              </a:ext>
+            </a:extLst>
+          </p:cNvPr>
+          <p:cNvPicPr>
+            <a:picLocks noChangeAspect="1"/>
+          </p:cNvPicPr>
+          <p:nvPr/>
+        </p:nvPicPr>
+        <p:blipFill rotWithShape="1">
+          <a:blip r:embed="rId3"/>
+          <a:srcRect t="53634"/>
+          <a:stretch/>
+        </p:blipFill>
+        <p:spPr>
+          <a:xfrm>
+            <a:off x="-315781" y="3648269"/>
+            <a:ext cx="6905558" cy="3179778"/>
+          </a:xfrm>
+          <a:prstGeom prst="rect">
+            <a:avLst/>
+          </a:prstGeom>
+        </p:spPr>
+      </p:pic>
     </p:spTree>
     <p:extLst>
       <p:ext uri="{BB962C8B-B14F-4D97-AF65-F5344CB8AC3E}">
-        <p14:creationId xmlns:p14="http://schemas.microsoft.com/office/powerpoint/2010/main" val="932498405"/>
+        <p14:creationId xmlns:p14="http://schemas.microsoft.com/office/powerpoint/2010/main" val="3979190616"/>
       </p:ext>
     </p:extLst>
   </p:cSld>
@@ -24392,7 +17578,7 @@
         </p:spPr>
         <p:txBody>
           <a:bodyPr vert="horz" lIns="91440" tIns="45720" rIns="91440" bIns="45720" rtlCol="0" anchor="t">
-            <a:normAutofit fontScale="92500" lnSpcReduction="20000"/>
+            <a:normAutofit lnSpcReduction="10000"/>
           </a:bodyPr>
           <a:lstStyle/>
           <a:p>
@@ -24434,13 +17620,7 @@
           <a:p>
             <a:r>
               <a:rPr lang="en-US" dirty="0"/>
-              <a:t>Timeline</a:t>
-            </a:r>
-          </a:p>
-          <a:p>
-            <a:r>
-              <a:rPr lang="en-US" dirty="0"/>
-              <a:t>How do we get there</a:t>
+              <a:t>Results</a:t>
             </a:r>
           </a:p>
           <a:p>
@@ -25244,7 +18424,7 @@
             <p:ph idx="1"/>
             <p:extLst>
               <p:ext uri="{D42A27DB-BD31-4B8C-83A1-F6EECF244321}">
-                <p14:modId xmlns:p14="http://schemas.microsoft.com/office/powerpoint/2010/main" val="1762667185"/>
+                <p14:modId xmlns:p14="http://schemas.microsoft.com/office/powerpoint/2010/main" val="973554870"/>
               </p:ext>
             </p:extLst>
           </p:nvPr>
@@ -25966,6 +19146,15 @@
 </file>
 
 <file path=customXml/item1.xml><?xml version="1.0" encoding="utf-8"?>
+<?mso-contentType ?>
+<FormTemplates xmlns="http://schemas.microsoft.com/sharepoint/v3/contenttype/forms">
+  <Display>DocumentLibraryForm</Display>
+  <Edit>DocumentLibraryForm</Edit>
+  <New>DocumentLibraryForm</New>
+</FormTemplates>
+</file>
+
+<file path=customXml/item2.xml><?xml version="1.0" encoding="utf-8"?>
 <p:properties xmlns:p="http://schemas.microsoft.com/office/2006/metadata/properties" xmlns:xsi="http://www.w3.org/2001/XMLSchema-instance" xmlns:pc="http://schemas.microsoft.com/office/infopath/2007/PartnerControls">
   <documentManagement>
     <_ip_UnifiedCompliancePolicyUIAction xmlns="http://schemas.microsoft.com/sharepoint/v3" xsi:nil="true"/>
@@ -25982,15 +19171,6 @@
     <MediaServiceKeyPoints xmlns="71af3243-3dd4-4a8d-8c0d-dd76da1f02a5" xsi:nil="true"/>
   </documentManagement>
 </p:properties>
-</file>
-
-<file path=customXml/item2.xml><?xml version="1.0" encoding="utf-8"?>
-<?mso-contentType ?>
-<FormTemplates xmlns="http://schemas.microsoft.com/sharepoint/v3/contenttype/forms">
-  <Display>DocumentLibraryForm</Display>
-  <Edit>DocumentLibraryForm</Edit>
-  <New>DocumentLibraryForm</New>
-</FormTemplates>
 </file>
 
 <file path=customXml/item3.xml><?xml version="1.0" encoding="utf-8"?>
@@ -26276,6 +19456,14 @@
 </file>
 
 <file path=customXml/itemProps1.xml><?xml version="1.0" encoding="utf-8"?>
+<ds:datastoreItem xmlns:ds="http://schemas.openxmlformats.org/officeDocument/2006/customXml" ds:itemID="{85334180-0405-413B-834A-44FA9E05ADB7}">
+  <ds:schemaRefs>
+    <ds:schemaRef ds:uri="http://schemas.microsoft.com/sharepoint/v3/contenttype/forms"/>
+  </ds:schemaRefs>
+</ds:datastoreItem>
+</file>
+
+<file path=customXml/itemProps2.xml><?xml version="1.0" encoding="utf-8"?>
 <ds:datastoreItem xmlns:ds="http://schemas.openxmlformats.org/officeDocument/2006/customXml" ds:itemID="{4D5BAB77-79E1-4739-AA51-10C9079186D6}">
   <ds:schemaRefs>
     <ds:schemaRef ds:uri="http://schemas.microsoft.com/office/2006/metadata/properties"/>
@@ -26283,14 +19471,6 @@
     <ds:schemaRef ds:uri="http://schemas.microsoft.com/sharepoint/v3"/>
     <ds:schemaRef ds:uri="71af3243-3dd4-4a8d-8c0d-dd76da1f02a5"/>
     <ds:schemaRef ds:uri="230e9df3-be65-4c73-a93b-d1236ebd677e"/>
-  </ds:schemaRefs>
-</ds:datastoreItem>
-</file>
-
-<file path=customXml/itemProps2.xml><?xml version="1.0" encoding="utf-8"?>
-<ds:datastoreItem xmlns:ds="http://schemas.openxmlformats.org/officeDocument/2006/customXml" ds:itemID="{85334180-0405-413B-834A-44FA9E05ADB7}">
-  <ds:schemaRefs>
-    <ds:schemaRef ds:uri="http://schemas.microsoft.com/sharepoint/v3/contenttype/forms"/>
   </ds:schemaRefs>
 </ds:datastoreItem>
 </file>
